--- a/agile-redux.pptx
+++ b/agile-redux.pptx
@@ -293,7 +293,7 @@
               <a:rPr lang="en-US" smtClean="0">
                 <a:uFillTx/>
               </a:rPr>
-              <a:t>8/7/20</a:t>
+              <a:t>5/21/2021</a:t>
             </a:fld>
             <a:endParaRPr lang="en-US" dirty="0">
               <a:uFillTx/>
@@ -478,7 +478,7 @@
               <a:rPr lang="en-US" smtClean="0">
                 <a:uFillTx/>
               </a:rPr>
-              <a:t>8/7/20</a:t>
+              <a:t>5/21/2021</a:t>
             </a:fld>
             <a:endParaRPr lang="en-US" dirty="0">
               <a:uFillTx/>

--- a/agile-redux.pptx
+++ b/agile-redux.pptx
@@ -1,38 +1,35 @@
 
 <file path=ppt/presentation.xml><?xml version="1.0" encoding="utf-8"?>
-<p:presentation xmlns:a="http://schemas.openxmlformats.org/drawingml/2006/main" xmlns:r="http://schemas.openxmlformats.org/officeDocument/2006/relationships" xmlns:p="http://schemas.openxmlformats.org/presentationml/2006/main" saveSubsetFonts="1">
+<p:presentation xmlns:a="http://schemas.openxmlformats.org/drawingml/2006/main" xmlns:r="http://schemas.openxmlformats.org/officeDocument/2006/relationships" xmlns:p="http://schemas.openxmlformats.org/presentationml/2006/main" showSpecialPlsOnTitleSld="0" saveSubsetFonts="1">
   <p:sldMasterIdLst>
-    <p:sldMasterId id="2147483648" r:id="rId1"/>
-    <p:sldMasterId id="2147483668" r:id="rId2"/>
+    <p:sldMasterId id="2147483935" r:id="rId4"/>
   </p:sldMasterIdLst>
   <p:notesMasterIdLst>
-    <p:notesMasterId r:id="rId16"/>
+    <p:notesMasterId r:id="rId18"/>
   </p:notesMasterIdLst>
   <p:handoutMasterIdLst>
-    <p:handoutMasterId r:id="rId17"/>
+    <p:handoutMasterId r:id="rId19"/>
   </p:handoutMasterIdLst>
   <p:sldIdLst>
-    <p:sldId id="332" r:id="rId3"/>
-    <p:sldId id="320" r:id="rId4"/>
-    <p:sldId id="289" r:id="rId5"/>
-    <p:sldId id="329" r:id="rId6"/>
-    <p:sldId id="271" r:id="rId7"/>
-    <p:sldId id="1825" r:id="rId8"/>
-    <p:sldId id="1826" r:id="rId9"/>
-    <p:sldId id="1823" r:id="rId10"/>
-    <p:sldId id="1827" r:id="rId11"/>
-    <p:sldId id="1824" r:id="rId12"/>
-    <p:sldId id="450" r:id="rId13"/>
-    <p:sldId id="1820" r:id="rId14"/>
-    <p:sldId id="353" r:id="rId15"/>
+    <p:sldId id="332" r:id="rId5"/>
+    <p:sldId id="320" r:id="rId6"/>
+    <p:sldId id="289" r:id="rId7"/>
+    <p:sldId id="329" r:id="rId8"/>
+    <p:sldId id="271" r:id="rId9"/>
+    <p:sldId id="1825" r:id="rId10"/>
+    <p:sldId id="1826" r:id="rId11"/>
+    <p:sldId id="1823" r:id="rId12"/>
+    <p:sldId id="1827" r:id="rId13"/>
+    <p:sldId id="1824" r:id="rId14"/>
+    <p:sldId id="450" r:id="rId15"/>
+    <p:sldId id="1820" r:id="rId16"/>
+    <p:sldId id="353" r:id="rId17"/>
   </p:sldIdLst>
   <p:sldSz cx="12188825" cy="6858000"/>
   <p:notesSz cx="7010400" cy="9296400"/>
   <p:defaultTextStyle>
     <a:defPPr>
-      <a:defRPr lang="en-US">
-        <a:uFillTx/>
-      </a:defRPr>
+      <a:defRPr lang="en-US"/>
     </a:defPPr>
     <a:lvl1pPr algn="l" rtl="0" fontAlgn="base">
       <a:spcBef>
@@ -45,7 +42,6 @@
         <a:solidFill>
           <a:schemeClr val="tx1"/>
         </a:solidFill>
-        <a:uFillTx/>
         <a:latin typeface="Arial" charset="0"/>
         <a:ea typeface="+mn-ea"/>
         <a:cs typeface="Arial" charset="0"/>
@@ -62,7 +58,6 @@
         <a:solidFill>
           <a:schemeClr val="tx1"/>
         </a:solidFill>
-        <a:uFillTx/>
         <a:latin typeface="Arial" charset="0"/>
         <a:ea typeface="+mn-ea"/>
         <a:cs typeface="Arial" charset="0"/>
@@ -79,7 +74,6 @@
         <a:solidFill>
           <a:schemeClr val="tx1"/>
         </a:solidFill>
-        <a:uFillTx/>
         <a:latin typeface="Arial" charset="0"/>
         <a:ea typeface="+mn-ea"/>
         <a:cs typeface="Arial" charset="0"/>
@@ -96,7 +90,6 @@
         <a:solidFill>
           <a:schemeClr val="tx1"/>
         </a:solidFill>
-        <a:uFillTx/>
         <a:latin typeface="Arial" charset="0"/>
         <a:ea typeface="+mn-ea"/>
         <a:cs typeface="Arial" charset="0"/>
@@ -113,7 +106,6 @@
         <a:solidFill>
           <a:schemeClr val="tx1"/>
         </a:solidFill>
-        <a:uFillTx/>
         <a:latin typeface="Arial" charset="0"/>
         <a:ea typeface="+mn-ea"/>
         <a:cs typeface="Arial" charset="0"/>
@@ -124,7 +116,6 @@
         <a:solidFill>
           <a:schemeClr val="tx1"/>
         </a:solidFill>
-        <a:uFillTx/>
         <a:latin typeface="Arial" charset="0"/>
         <a:ea typeface="+mn-ea"/>
         <a:cs typeface="Arial" charset="0"/>
@@ -135,7 +126,6 @@
         <a:solidFill>
           <a:schemeClr val="tx1"/>
         </a:solidFill>
-        <a:uFillTx/>
         <a:latin typeface="Arial" charset="0"/>
         <a:ea typeface="+mn-ea"/>
         <a:cs typeface="Arial" charset="0"/>
@@ -146,7 +136,6 @@
         <a:solidFill>
           <a:schemeClr val="tx1"/>
         </a:solidFill>
-        <a:uFillTx/>
         <a:latin typeface="Arial" charset="0"/>
         <a:ea typeface="+mn-ea"/>
         <a:cs typeface="Arial" charset="0"/>
@@ -157,7 +146,6 @@
         <a:solidFill>
           <a:schemeClr val="tx1"/>
         </a:solidFill>
-        <a:uFillTx/>
         <a:latin typeface="Arial" charset="0"/>
         <a:ea typeface="+mn-ea"/>
         <a:cs typeface="Arial" charset="0"/>
@@ -167,12 +155,12 @@
   <p:extLst>
     <p:ext uri="{EFAFB233-063F-42B5-8137-9DF3F51BA10A}">
       <p15:sldGuideLst xmlns:p15="http://schemas.microsoft.com/office/powerpoint/2012/main">
-        <p15:guide id="1" orient="horz" pos="4153">
+        <p15:guide id="1" orient="horz" pos="888" userDrawn="1">
           <p15:clr>
             <a:srgbClr val="A4A3A4"/>
           </p15:clr>
         </p15:guide>
-        <p15:guide id="2" pos="282">
+        <p15:guide id="2" pos="3839" userDrawn="1">
           <p15:clr>
             <a:srgbClr val="A4A3A4"/>
           </p15:clr>
@@ -195,12 +183,6 @@
     </p:ext>
   </p:extLst>
 </p:presentation>
-</file>
-
-<file path=ppt/commentAuthors.xml><?xml version="1.0" encoding="utf-8"?>
-<p:cmAuthorLst xmlns:a="http://schemas.openxmlformats.org/drawingml/2006/main" xmlns:r="http://schemas.openxmlformats.org/officeDocument/2006/relationships" xmlns:p="http://schemas.openxmlformats.org/presentationml/2006/main">
-  <p:cmAuthor id="1" name="Bernholdt, David" initials="" lastIdx="0" clrIdx="0"/>
-</p:cmAuthorLst>
 </file>
 
 <file path=ppt/handoutMasters/handoutMaster1.xml><?xml version="1.0" encoding="utf-8"?>
@@ -248,15 +230,11 @@
           <a:bodyPr vert="horz" lIns="91440" tIns="45720" rIns="91440" bIns="45720" rtlCol="0"/>
           <a:lstStyle>
             <a:lvl1pPr algn="l">
-              <a:defRPr sz="1200">
-                <a:uFillTx/>
-              </a:defRPr>
+              <a:defRPr sz="1200"/>
             </a:lvl1pPr>
           </a:lstStyle>
           <a:p>
-            <a:endParaRPr lang="en-US" dirty="0">
-              <a:uFillTx/>
-            </a:endParaRPr>
+            <a:endParaRPr lang="en-US"/>
           </a:p>
         </p:txBody>
       </p:sp>
@@ -283,21 +261,15 @@
           <a:bodyPr vert="horz" lIns="91440" tIns="45720" rIns="91440" bIns="45720" rtlCol="0"/>
           <a:lstStyle>
             <a:lvl1pPr algn="r">
-              <a:defRPr sz="1200">
-                <a:uFillTx/>
-              </a:defRPr>
+              <a:defRPr sz="1200"/>
             </a:lvl1pPr>
           </a:lstStyle>
           <a:p>
             <a:fld id="{0B842F42-2CE9-4E35-95C1-410DC08A50B1}" type="datetimeFigureOut">
-              <a:rPr lang="en-US" smtClean="0">
-                <a:uFillTx/>
-              </a:rPr>
+              <a:rPr lang="en-US" smtClean="0"/>
               <a:t>5/21/2021</a:t>
             </a:fld>
-            <a:endParaRPr lang="en-US" dirty="0">
-              <a:uFillTx/>
-            </a:endParaRPr>
+            <a:endParaRPr lang="en-US"/>
           </a:p>
         </p:txBody>
       </p:sp>
@@ -324,15 +296,11 @@
           <a:bodyPr vert="horz" lIns="91440" tIns="45720" rIns="91440" bIns="45720" rtlCol="0" anchor="b"/>
           <a:lstStyle>
             <a:lvl1pPr algn="l">
-              <a:defRPr sz="1200">
-                <a:uFillTx/>
-              </a:defRPr>
+              <a:defRPr sz="1200"/>
             </a:lvl1pPr>
           </a:lstStyle>
           <a:p>
-            <a:endParaRPr lang="en-US" dirty="0">
-              <a:uFillTx/>
-            </a:endParaRPr>
+            <a:endParaRPr lang="en-US"/>
           </a:p>
         </p:txBody>
       </p:sp>
@@ -359,28 +327,22 @@
           <a:bodyPr vert="horz" lIns="91440" tIns="45720" rIns="91440" bIns="45720" rtlCol="0" anchor="b"/>
           <a:lstStyle>
             <a:lvl1pPr algn="r">
-              <a:defRPr sz="1200">
-                <a:uFillTx/>
-              </a:defRPr>
+              <a:defRPr sz="1200"/>
             </a:lvl1pPr>
           </a:lstStyle>
           <a:p>
             <a:fld id="{26F2E89A-4FDF-4617-8DDF-BE2769EE821E}" type="slidenum">
-              <a:rPr lang="en-US" smtClean="0">
-                <a:uFillTx/>
-              </a:rPr>
+              <a:rPr lang="en-US" smtClean="0"/>
               <a:t>‹#›</a:t>
             </a:fld>
-            <a:endParaRPr lang="en-US" dirty="0">
-              <a:uFillTx/>
-            </a:endParaRPr>
+            <a:endParaRPr lang="en-US"/>
           </a:p>
         </p:txBody>
       </p:sp>
     </p:spTree>
     <p:extLst>
       <p:ext uri="{BB962C8B-B14F-4D97-AF65-F5344CB8AC3E}">
-        <p14:creationId xmlns:p14="http://schemas.microsoft.com/office/powerpoint/2010/main" val="1"/>
+        <p14:creationId xmlns:p14="http://schemas.microsoft.com/office/powerpoint/2010/main" val="2579261937"/>
       </p:ext>
     </p:extLst>
   </p:cSld>
@@ -433,15 +395,11 @@
           <a:bodyPr vert="horz" lIns="91440" tIns="45720" rIns="91440" bIns="45720" rtlCol="0"/>
           <a:lstStyle>
             <a:lvl1pPr algn="l">
-              <a:defRPr sz="1200">
-                <a:uFillTx/>
-              </a:defRPr>
+              <a:defRPr sz="1200"/>
             </a:lvl1pPr>
           </a:lstStyle>
           <a:p>
-            <a:endParaRPr lang="en-US" dirty="0">
-              <a:uFillTx/>
-            </a:endParaRPr>
+            <a:endParaRPr lang="en-US"/>
           </a:p>
         </p:txBody>
       </p:sp>
@@ -468,21 +426,15 @@
           <a:bodyPr vert="horz" lIns="91440" tIns="45720" rIns="91440" bIns="45720" rtlCol="0"/>
           <a:lstStyle>
             <a:lvl1pPr algn="r">
-              <a:defRPr sz="1200">
-                <a:uFillTx/>
-              </a:defRPr>
+              <a:defRPr sz="1200"/>
             </a:lvl1pPr>
           </a:lstStyle>
           <a:p>
             <a:fld id="{6F282904-F315-4730-8D91-37D99E141A6F}" type="datetimeFigureOut">
-              <a:rPr lang="en-US" smtClean="0">
-                <a:uFillTx/>
-              </a:rPr>
+              <a:rPr lang="en-US" smtClean="0"/>
               <a:t>5/21/2021</a:t>
             </a:fld>
-            <a:endParaRPr lang="en-US" dirty="0">
-              <a:uFillTx/>
-            </a:endParaRPr>
+            <a:endParaRPr lang="en-US"/>
           </a:p>
         </p:txBody>
       </p:sp>
@@ -507,7 +459,7 @@
           <a:noFill/>
           <a:ln w="12700">
             <a:solidFill>
-              <a:srgbClr val="000000"/>
+              <a:prstClr val="black"/>
             </a:solidFill>
           </a:ln>
         </p:spPr>
@@ -515,9 +467,7 @@
           <a:bodyPr vert="horz" lIns="91440" tIns="45720" rIns="91440" bIns="45720" rtlCol="0" anchor="ctr"/>
           <a:lstStyle/>
           <a:p>
-            <a:endParaRPr lang="en-US" dirty="0">
-              <a:uFillTx/>
-            </a:endParaRPr>
+            <a:endParaRPr lang="en-US"/>
           </a:p>
         </p:txBody>
       </p:sp>
@@ -546,45 +496,35 @@
           <a:p>
             <a:pPr lvl="0"/>
             <a:r>
-              <a:rPr lang="en-US">
-                <a:uFillTx/>
-              </a:rPr>
+              <a:rPr lang="en-US"/>
               <a:t>Click to edit Master text styles</a:t>
             </a:r>
           </a:p>
           <a:p>
             <a:pPr lvl="1"/>
             <a:r>
-              <a:rPr lang="en-US">
-                <a:uFillTx/>
-              </a:rPr>
+              <a:rPr lang="en-US"/>
               <a:t>Second level</a:t>
             </a:r>
           </a:p>
           <a:p>
             <a:pPr lvl="2"/>
             <a:r>
-              <a:rPr lang="en-US">
-                <a:uFillTx/>
-              </a:rPr>
+              <a:rPr lang="en-US"/>
               <a:t>Third level</a:t>
             </a:r>
           </a:p>
           <a:p>
             <a:pPr lvl="3"/>
             <a:r>
-              <a:rPr lang="en-US">
-                <a:uFillTx/>
-              </a:rPr>
+              <a:rPr lang="en-US"/>
               <a:t>Fourth level</a:t>
             </a:r>
           </a:p>
           <a:p>
             <a:pPr lvl="4"/>
             <a:r>
-              <a:rPr lang="en-US">
-                <a:uFillTx/>
-              </a:rPr>
+              <a:rPr lang="en-US"/>
               <a:t>Fifth level</a:t>
             </a:r>
           </a:p>
@@ -613,15 +553,11 @@
           <a:bodyPr vert="horz" lIns="91440" tIns="45720" rIns="91440" bIns="45720" rtlCol="0" anchor="b"/>
           <a:lstStyle>
             <a:lvl1pPr algn="l">
-              <a:defRPr sz="1200">
-                <a:uFillTx/>
-              </a:defRPr>
+              <a:defRPr sz="1200"/>
             </a:lvl1pPr>
           </a:lstStyle>
           <a:p>
-            <a:endParaRPr lang="en-US" dirty="0">
-              <a:uFillTx/>
-            </a:endParaRPr>
+            <a:endParaRPr lang="en-US"/>
           </a:p>
         </p:txBody>
       </p:sp>
@@ -648,25 +584,24 @@
           <a:bodyPr vert="horz" lIns="91440" tIns="45720" rIns="91440" bIns="45720" rtlCol="0" anchor="b"/>
           <a:lstStyle>
             <a:lvl1pPr algn="r">
-              <a:defRPr sz="1200">
-                <a:uFillTx/>
-              </a:defRPr>
+              <a:defRPr sz="1200"/>
             </a:lvl1pPr>
           </a:lstStyle>
           <a:p>
             <a:fld id="{54E672D7-8E2D-4611-973D-F4591A707C34}" type="slidenum">
-              <a:rPr lang="en-US" smtClean="0">
-                <a:uFillTx/>
-              </a:rPr>
+              <a:rPr lang="en-US" smtClean="0"/>
               <a:t>‹#›</a:t>
             </a:fld>
-            <a:endParaRPr lang="en-US" dirty="0">
-              <a:uFillTx/>
-            </a:endParaRPr>
+            <a:endParaRPr lang="en-US"/>
           </a:p>
         </p:txBody>
       </p:sp>
     </p:spTree>
+    <p:extLst>
+      <p:ext uri="{BB962C8B-B14F-4D97-AF65-F5344CB8AC3E}">
+        <p14:creationId xmlns:p14="http://schemas.microsoft.com/office/powerpoint/2010/main" val="1701357829"/>
+      </p:ext>
+    </p:extLst>
   </p:cSld>
   <p:clrMap bg1="lt1" tx1="dk1" bg2="lt2" tx2="dk2" accent1="accent1" accent2="accent2" accent3="accent3" accent4="accent4" accent5="accent5" accent6="accent6" hlink="hlink" folHlink="folHlink"/>
   <p:notesStyle>
@@ -675,7 +610,6 @@
         <a:solidFill>
           <a:schemeClr val="tx1"/>
         </a:solidFill>
-        <a:uFillTx/>
         <a:latin typeface="+mn-lt"/>
         <a:ea typeface="+mn-ea"/>
         <a:cs typeface="+mn-cs"/>
@@ -686,7 +620,6 @@
         <a:solidFill>
           <a:schemeClr val="tx1"/>
         </a:solidFill>
-        <a:uFillTx/>
         <a:latin typeface="+mn-lt"/>
         <a:ea typeface="+mn-ea"/>
         <a:cs typeface="+mn-cs"/>
@@ -697,7 +630,6 @@
         <a:solidFill>
           <a:schemeClr val="tx1"/>
         </a:solidFill>
-        <a:uFillTx/>
         <a:latin typeface="+mn-lt"/>
         <a:ea typeface="+mn-ea"/>
         <a:cs typeface="+mn-cs"/>
@@ -708,7 +640,6 @@
         <a:solidFill>
           <a:schemeClr val="tx1"/>
         </a:solidFill>
-        <a:uFillTx/>
         <a:latin typeface="+mn-lt"/>
         <a:ea typeface="+mn-ea"/>
         <a:cs typeface="+mn-cs"/>
@@ -719,7 +650,6 @@
         <a:solidFill>
           <a:schemeClr val="tx1"/>
         </a:solidFill>
-        <a:uFillTx/>
         <a:latin typeface="+mn-lt"/>
         <a:ea typeface="+mn-ea"/>
         <a:cs typeface="+mn-cs"/>
@@ -730,7 +660,6 @@
         <a:solidFill>
           <a:schemeClr val="tx1"/>
         </a:solidFill>
-        <a:uFillTx/>
         <a:latin typeface="+mn-lt"/>
         <a:ea typeface="+mn-ea"/>
         <a:cs typeface="+mn-cs"/>
@@ -741,7 +670,6 @@
         <a:solidFill>
           <a:schemeClr val="tx1"/>
         </a:solidFill>
-        <a:uFillTx/>
         <a:latin typeface="+mn-lt"/>
         <a:ea typeface="+mn-ea"/>
         <a:cs typeface="+mn-cs"/>
@@ -752,7 +680,6 @@
         <a:solidFill>
           <a:schemeClr val="tx1"/>
         </a:solidFill>
-        <a:uFillTx/>
         <a:latin typeface="+mn-lt"/>
         <a:ea typeface="+mn-ea"/>
         <a:cs typeface="+mn-cs"/>
@@ -763,7 +690,6 @@
         <a:solidFill>
           <a:schemeClr val="tx1"/>
         </a:solidFill>
-        <a:uFillTx/>
         <a:latin typeface="+mn-lt"/>
         <a:ea typeface="+mn-ea"/>
         <a:cs typeface="+mn-cs"/>
@@ -898,4088 +824,6 @@
 </file>
 
 <file path=ppt/slideLayouts/slideLayout1.xml><?xml version="1.0" encoding="utf-8"?>
-<p:sldLayout xmlns:a="http://schemas.openxmlformats.org/drawingml/2006/main" xmlns:r="http://schemas.openxmlformats.org/officeDocument/2006/relationships" xmlns:p="http://schemas.openxmlformats.org/presentationml/2006/main" showMasterSp="0" type="title" preserve="1">
-  <p:cSld name="7_Title Slide">
-    <p:spTree>
-      <p:nvGrpSpPr>
-        <p:cNvPr id="1" name=""/>
-        <p:cNvGrpSpPr/>
-        <p:nvPr/>
-      </p:nvGrpSpPr>
-      <p:grpSpPr>
-        <a:xfrm>
-          <a:off x="0" y="0"/>
-          <a:ext cx="0" cy="0"/>
-          <a:chOff x="0" y="0"/>
-          <a:chExt cx="0" cy="0"/>
-        </a:xfrm>
-      </p:grpSpPr>
-      <p:sp>
-        <p:nvSpPr>
-          <p:cNvPr id="22" name="Rectangle 21"/>
-          <p:cNvSpPr>
-            <a:spLocks/>
-          </p:cNvSpPr>
-          <p:nvPr userDrawn="1"/>
-        </p:nvSpPr>
-        <p:spPr>
-          <a:xfrm>
-            <a:off x="8305800" y="5921829"/>
-            <a:ext cx="3883025" cy="936171"/>
-          </a:xfrm>
-          <a:prstGeom prst="rect">
-            <a:avLst/>
-          </a:prstGeom>
-          <a:noFill/>
-          <a:ln>
-            <a:noFill/>
-          </a:ln>
-          <a:effectLst/>
-          <a:scene3d>
-            <a:camera prst="orthographicFront">
-              <a:rot lat="0" lon="0" rev="0"/>
-            </a:camera>
-            <a:lightRig rig="threePt" dir="t">
-              <a:rot lat="0" lon="0" rev="1200000"/>
-            </a:lightRig>
-          </a:scene3d>
-        </p:spPr>
-        <p:style>
-          <a:lnRef idx="0">
-            <a:schemeClr val="accent1"/>
-          </a:lnRef>
-          <a:fillRef idx="3">
-            <a:schemeClr val="accent1"/>
-          </a:fillRef>
-          <a:effectRef idx="3">
-            <a:schemeClr val="accent1"/>
-          </a:effectRef>
-          <a:fontRef idx="minor">
-            <a:schemeClr val="lt1"/>
-          </a:fontRef>
-        </p:style>
-        <p:txBody>
-          <a:bodyPr rot="0" spcFirstLastPara="0" vertOverflow="overflow" horzOverflow="overflow" vert="horz" wrap="square" lIns="45720" tIns="45720" rIns="45720" bIns="45720" numCol="1" rtlCol="0" fromWordArt="0" anchor="ctr" anchorCtr="0" forceAA="0" compatLnSpc="1">
-            <a:prstTxWarp prst="textNoShape">
-              <a:avLst/>
-            </a:prstTxWarp>
-            <a:noAutofit/>
-          </a:bodyPr>
-          <a:lstStyle/>
-          <a:p>
-            <a:pPr algn="ctr">
-              <a:lnSpc>
-                <a:spcPct val="90000"/>
-              </a:lnSpc>
-            </a:pPr>
-            <a:endParaRPr lang="en-US" dirty="0">
-              <a:solidFill>
-                <a:schemeClr val="tx1"/>
-              </a:solidFill>
-              <a:uFillTx/>
-            </a:endParaRPr>
-          </a:p>
-        </p:txBody>
-      </p:sp>
-      <p:sp>
-        <p:nvSpPr>
-          <p:cNvPr id="2" name="Title 1"/>
-          <p:cNvSpPr>
-            <a:spLocks noGrp="1"/>
-          </p:cNvSpPr>
-          <p:nvPr userDrawn="1">
-            <p:ph type="ctrTitle"/>
-          </p:nvPr>
-        </p:nvSpPr>
-        <p:spPr>
-          <a:xfrm>
-            <a:off x="365760" y="411480"/>
-            <a:ext cx="6962455" cy="510909"/>
-          </a:xfrm>
-        </p:spPr>
-        <p:txBody>
-          <a:bodyPr/>
-          <a:lstStyle>
-            <a:lvl1pPr algn="l">
-              <a:defRPr sz="3200" b="1">
-                <a:solidFill>
-                  <a:schemeClr val="tx1"/>
-                </a:solidFill>
-                <a:uFillTx/>
-                <a:latin typeface="+mn-lt"/>
-              </a:defRPr>
-            </a:lvl1pPr>
-          </a:lstStyle>
-          <a:p>
-            <a:r>
-              <a:rPr lang="en-US" dirty="0">
-                <a:uFillTx/>
-              </a:rPr>
-              <a:t>Click to edit Master title style</a:t>
-            </a:r>
-          </a:p>
-        </p:txBody>
-      </p:sp>
-      <p:sp>
-        <p:nvSpPr>
-          <p:cNvPr id="3" name="Subtitle 2"/>
-          <p:cNvSpPr>
-            <a:spLocks noGrp="1"/>
-          </p:cNvSpPr>
-          <p:nvPr userDrawn="1">
-            <p:ph type="subTitle" idx="1"/>
-          </p:nvPr>
-        </p:nvSpPr>
-        <p:spPr>
-          <a:xfrm>
-            <a:off x="365760" y="1903575"/>
-            <a:ext cx="6962456" cy="2778498"/>
-          </a:xfrm>
-        </p:spPr>
-        <p:txBody>
-          <a:bodyPr/>
-          <a:lstStyle>
-            <a:lvl1pPr marL="0" indent="0" algn="l">
-              <a:buNone/>
-              <a:defRPr sz="2400">
-                <a:solidFill>
-                  <a:schemeClr val="tx1"/>
-                </a:solidFill>
-                <a:uFillTx/>
-                <a:latin typeface="Arial" panose="020B0604020202020204" pitchFamily="34" charset="0"/>
-                <a:cs typeface="Arial" panose="020B0604020202020204" pitchFamily="34" charset="0"/>
-              </a:defRPr>
-            </a:lvl1pPr>
-            <a:lvl2pPr marL="457200" indent="0" algn="ctr">
-              <a:buNone/>
-              <a:defRPr>
-                <a:solidFill>
-                  <a:schemeClr val="tx1">
-                    <a:tint val="75000"/>
-                  </a:schemeClr>
-                </a:solidFill>
-                <a:uFillTx/>
-              </a:defRPr>
-            </a:lvl2pPr>
-            <a:lvl3pPr marL="914400" indent="0" algn="ctr">
-              <a:buNone/>
-              <a:defRPr>
-                <a:solidFill>
-                  <a:schemeClr val="tx1">
-                    <a:tint val="75000"/>
-                  </a:schemeClr>
-                </a:solidFill>
-                <a:uFillTx/>
-              </a:defRPr>
-            </a:lvl3pPr>
-            <a:lvl4pPr marL="1371600" indent="0" algn="ctr">
-              <a:buNone/>
-              <a:defRPr>
-                <a:solidFill>
-                  <a:schemeClr val="tx1">
-                    <a:tint val="75000"/>
-                  </a:schemeClr>
-                </a:solidFill>
-                <a:uFillTx/>
-              </a:defRPr>
-            </a:lvl4pPr>
-            <a:lvl5pPr marL="1828800" indent="0" algn="ctr">
-              <a:buNone/>
-              <a:defRPr>
-                <a:solidFill>
-                  <a:schemeClr val="tx1">
-                    <a:tint val="75000"/>
-                  </a:schemeClr>
-                </a:solidFill>
-                <a:uFillTx/>
-              </a:defRPr>
-            </a:lvl5pPr>
-            <a:lvl6pPr marL="2286000" indent="0" algn="ctr">
-              <a:buNone/>
-              <a:defRPr>
-                <a:solidFill>
-                  <a:schemeClr val="tx1">
-                    <a:tint val="75000"/>
-                  </a:schemeClr>
-                </a:solidFill>
-                <a:uFillTx/>
-              </a:defRPr>
-            </a:lvl6pPr>
-            <a:lvl7pPr marL="2743200" indent="0" algn="ctr">
-              <a:buNone/>
-              <a:defRPr>
-                <a:solidFill>
-                  <a:schemeClr val="tx1">
-                    <a:tint val="75000"/>
-                  </a:schemeClr>
-                </a:solidFill>
-                <a:uFillTx/>
-              </a:defRPr>
-            </a:lvl7pPr>
-            <a:lvl8pPr marL="3200400" indent="0" algn="ctr">
-              <a:buNone/>
-              <a:defRPr>
-                <a:solidFill>
-                  <a:schemeClr val="tx1">
-                    <a:tint val="75000"/>
-                  </a:schemeClr>
-                </a:solidFill>
-                <a:uFillTx/>
-              </a:defRPr>
-            </a:lvl8pPr>
-            <a:lvl9pPr marL="3657600" indent="0" algn="ctr">
-              <a:buNone/>
-              <a:defRPr>
-                <a:solidFill>
-                  <a:schemeClr val="tx1">
-                    <a:tint val="75000"/>
-                  </a:schemeClr>
-                </a:solidFill>
-                <a:uFillTx/>
-              </a:defRPr>
-            </a:lvl9pPr>
-          </a:lstStyle>
-          <a:p>
-            <a:r>
-              <a:rPr lang="en-US" dirty="0">
-                <a:uFillTx/>
-              </a:rPr>
-              <a:t>Click to edit Master subtitle style</a:t>
-            </a:r>
-          </a:p>
-        </p:txBody>
-      </p:sp>
-      <p:pic>
-        <p:nvPicPr>
-          <p:cNvPr id="12" name="Picture 11"/>
-          <p:cNvPicPr>
-            <a:picLocks noChangeAspect="1"/>
-          </p:cNvPicPr>
-          <p:nvPr userDrawn="1"/>
-        </p:nvPicPr>
-        <p:blipFill>
-          <a:blip r:embed="rId2" cstate="print"/>
-          <a:stretch>
-            <a:fillRect/>
-          </a:stretch>
-        </p:blipFill>
-        <p:spPr>
-          <a:xfrm>
-            <a:off x="8256801" y="4458940"/>
-            <a:ext cx="3047137" cy="1389960"/>
-          </a:xfrm>
-          <a:prstGeom prst="rect">
-            <a:avLst/>
-          </a:prstGeom>
-        </p:spPr>
-      </p:pic>
-      <p:grpSp>
-        <p:nvGrpSpPr>
-          <p:cNvPr id="13" name="Group 12"/>
-          <p:cNvGrpSpPr/>
-          <p:nvPr userDrawn="1"/>
-        </p:nvGrpSpPr>
-        <p:grpSpPr>
-          <a:xfrm>
-            <a:off x="-4595" y="6002316"/>
-            <a:ext cx="12198096" cy="27432"/>
-            <a:chOff x="-9675" y="6830568"/>
-            <a:chExt cx="9176303" cy="27432"/>
-          </a:xfrm>
-        </p:grpSpPr>
-        <p:sp>
-          <p:nvSpPr>
-            <p:cNvPr id="14" name="Rectangle 13"/>
-            <p:cNvSpPr>
-              <a:spLocks/>
-            </p:cNvSpPr>
-            <p:nvPr userDrawn="1"/>
-          </p:nvSpPr>
-          <p:spPr>
-            <a:xfrm>
-              <a:off x="5529226" y="6830568"/>
-              <a:ext cx="3637402" cy="27432"/>
-            </a:xfrm>
-            <a:prstGeom prst="rect">
-              <a:avLst/>
-            </a:prstGeom>
-            <a:solidFill>
-              <a:schemeClr val="accent4"/>
-            </a:solidFill>
-            <a:ln>
-              <a:noFill/>
-            </a:ln>
-            <a:effectLst/>
-            <a:scene3d>
-              <a:camera prst="orthographicFront">
-                <a:rot lat="0" lon="0" rev="0"/>
-              </a:camera>
-              <a:lightRig rig="threePt" dir="t">
-                <a:rot lat="0" lon="0" rev="1200000"/>
-              </a:lightRig>
-            </a:scene3d>
-          </p:spPr>
-          <p:style>
-            <a:lnRef idx="0">
-              <a:schemeClr val="accent1"/>
-            </a:lnRef>
-            <a:fillRef idx="3">
-              <a:schemeClr val="accent1"/>
-            </a:fillRef>
-            <a:effectRef idx="3">
-              <a:schemeClr val="accent1"/>
-            </a:effectRef>
-            <a:fontRef idx="minor">
-              <a:schemeClr val="lt1"/>
-            </a:fontRef>
-          </p:style>
-          <p:txBody>
-            <a:bodyPr rot="0" spcFirstLastPara="0" vertOverflow="overflow" horzOverflow="overflow" vert="horz" wrap="square" lIns="45720" tIns="45720" rIns="45720" bIns="45720" numCol="1" rtlCol="0" fromWordArt="0" anchor="ctr" anchorCtr="0" forceAA="0" compatLnSpc="1">
-              <a:prstTxWarp prst="textNoShape">
-                <a:avLst/>
-              </a:prstTxWarp>
-              <a:noAutofit/>
-            </a:bodyPr>
-            <a:lstStyle/>
-            <a:p>
-              <a:pPr algn="ctr">
-                <a:lnSpc>
-                  <a:spcPct val="90000"/>
-                </a:lnSpc>
-              </a:pPr>
-              <a:endParaRPr lang="en-US" dirty="0">
-                <a:solidFill>
-                  <a:schemeClr val="tx1"/>
-                </a:solidFill>
-                <a:uFillTx/>
-              </a:endParaRPr>
-            </a:p>
-          </p:txBody>
-        </p:sp>
-        <p:sp>
-          <p:nvSpPr>
-            <p:cNvPr id="15" name="Rectangle 14"/>
-            <p:cNvSpPr>
-              <a:spLocks/>
-            </p:cNvSpPr>
-            <p:nvPr userDrawn="1"/>
-          </p:nvSpPr>
-          <p:spPr>
-            <a:xfrm>
-              <a:off x="-9675" y="6830568"/>
-              <a:ext cx="5542707" cy="27432"/>
-            </a:xfrm>
-            <a:prstGeom prst="rect">
-              <a:avLst/>
-            </a:prstGeom>
-            <a:solidFill>
-              <a:schemeClr val="accent3">
-                <a:lumMod val="75000"/>
-              </a:schemeClr>
-            </a:solidFill>
-            <a:ln>
-              <a:noFill/>
-            </a:ln>
-            <a:effectLst/>
-            <a:scene3d>
-              <a:camera prst="orthographicFront">
-                <a:rot lat="0" lon="0" rev="0"/>
-              </a:camera>
-              <a:lightRig rig="threePt" dir="t">
-                <a:rot lat="0" lon="0" rev="1200000"/>
-              </a:lightRig>
-            </a:scene3d>
-          </p:spPr>
-          <p:style>
-            <a:lnRef idx="0">
-              <a:schemeClr val="accent1"/>
-            </a:lnRef>
-            <a:fillRef idx="3">
-              <a:schemeClr val="accent1"/>
-            </a:fillRef>
-            <a:effectRef idx="3">
-              <a:schemeClr val="accent1"/>
-            </a:effectRef>
-            <a:fontRef idx="minor">
-              <a:schemeClr val="lt1"/>
-            </a:fontRef>
-          </p:style>
-          <p:txBody>
-            <a:bodyPr rot="0" spcFirstLastPara="0" vertOverflow="overflow" horzOverflow="overflow" vert="horz" wrap="square" lIns="45720" tIns="45720" rIns="45720" bIns="45720" numCol="1" rtlCol="0" fromWordArt="0" anchor="ctr" anchorCtr="0" forceAA="0" compatLnSpc="1">
-              <a:prstTxWarp prst="textNoShape">
-                <a:avLst/>
-              </a:prstTxWarp>
-              <a:noAutofit/>
-            </a:bodyPr>
-            <a:lstStyle/>
-            <a:p>
-              <a:pPr lvl="0" algn="ctr">
-                <a:lnSpc>
-                  <a:spcPct val="90000"/>
-                </a:lnSpc>
-              </a:pPr>
-              <a:endParaRPr lang="en-US" dirty="0">
-                <a:solidFill>
-                  <a:schemeClr val="tx1"/>
-                </a:solidFill>
-                <a:uFillTx/>
-              </a:endParaRPr>
-            </a:p>
-          </p:txBody>
-        </p:sp>
-      </p:grpSp>
-      <p:pic>
-        <p:nvPicPr>
-          <p:cNvPr id="16" name="Picture 15"/>
-          <p:cNvPicPr>
-            <a:picLocks noChangeAspect="1"/>
-          </p:cNvPicPr>
-          <p:nvPr userDrawn="1"/>
-        </p:nvPicPr>
-        <p:blipFill>
-          <a:blip r:embed="rId3" cstate="print"/>
-          <a:stretch>
-            <a:fillRect/>
-          </a:stretch>
-        </p:blipFill>
-        <p:spPr>
-          <a:xfrm>
-            <a:off x="2646465" y="6234272"/>
-            <a:ext cx="2588698" cy="430836"/>
-          </a:xfrm>
-          <a:prstGeom prst="rect">
-            <a:avLst/>
-          </a:prstGeom>
-        </p:spPr>
-      </p:pic>
-      <p:pic>
-        <p:nvPicPr>
-          <p:cNvPr id="17" name="Picture 16"/>
-          <p:cNvPicPr>
-            <a:picLocks noChangeAspect="1"/>
-          </p:cNvPicPr>
-          <p:nvPr userDrawn="1"/>
-        </p:nvPicPr>
-        <p:blipFill rotWithShape="1">
-          <a:blip r:embed="rId4" cstate="print"/>
-          <a:srcRect b="70693"/>
-          <a:stretch/>
-        </p:blipFill>
-        <p:spPr>
-          <a:xfrm>
-            <a:off x="335845" y="6219281"/>
-            <a:ext cx="1469261" cy="460818"/>
-          </a:xfrm>
-          <a:prstGeom prst="rect">
-            <a:avLst/>
-          </a:prstGeom>
-        </p:spPr>
-      </p:pic>
-      <p:pic>
-        <p:nvPicPr>
-          <p:cNvPr id="18" name="Picture 17" descr="IDEAS_logo.png"/>
-          <p:cNvPicPr>
-            <a:picLocks noChangeAspect="1"/>
-          </p:cNvPicPr>
-          <p:nvPr userDrawn="1"/>
-        </p:nvPicPr>
-        <p:blipFill>
-          <a:blip r:embed="rId5" cstate="print"/>
-          <a:stretch>
-            <a:fillRect/>
-          </a:stretch>
-        </p:blipFill>
-        <p:spPr>
-          <a:xfrm>
-            <a:off x="7027425" y="6133571"/>
-            <a:ext cx="1845330" cy="640080"/>
-          </a:xfrm>
-          <a:prstGeom prst="rect">
-            <a:avLst/>
-          </a:prstGeom>
-        </p:spPr>
-      </p:pic>
-    </p:spTree>
-  </p:cSld>
-  <p:clrMapOvr>
-    <a:masterClrMapping/>
-  </p:clrMapOvr>
-</p:sldLayout>
-</file>
-
-<file path=ppt/slideLayouts/slideLayout10.xml><?xml version="1.0" encoding="utf-8"?>
-<p:sldLayout xmlns:a="http://schemas.openxmlformats.org/drawingml/2006/main" xmlns:r="http://schemas.openxmlformats.org/officeDocument/2006/relationships" xmlns:p="http://schemas.openxmlformats.org/presentationml/2006/main" type="twoTxTwoObj" preserve="1">
-  <p:cSld name="Comparison">
-    <p:spTree>
-      <p:nvGrpSpPr>
-        <p:cNvPr id="1" name=""/>
-        <p:cNvGrpSpPr/>
-        <p:nvPr/>
-      </p:nvGrpSpPr>
-      <p:grpSpPr>
-        <a:xfrm>
-          <a:off x="0" y="0"/>
-          <a:ext cx="0" cy="0"/>
-          <a:chOff x="0" y="0"/>
-          <a:chExt cx="0" cy="0"/>
-        </a:xfrm>
-      </p:grpSpPr>
-      <p:sp>
-        <p:nvSpPr>
-          <p:cNvPr id="2" name="Title 1"/>
-          <p:cNvSpPr>
-            <a:spLocks noGrp="1"/>
-          </p:cNvSpPr>
-          <p:nvPr>
-            <p:ph type="title"/>
-          </p:nvPr>
-        </p:nvSpPr>
-        <p:spPr>
-          <a:xfrm>
-            <a:off x="365760" y="411480"/>
-            <a:ext cx="11375136" cy="914400"/>
-          </a:xfrm>
-        </p:spPr>
-        <p:txBody>
-          <a:bodyPr/>
-          <a:lstStyle>
-            <a:lvl1pPr>
-              <a:defRPr/>
-            </a:lvl1pPr>
-          </a:lstStyle>
-          <a:p>
-            <a:r>
-              <a:rPr lang="en-US"/>
-              <a:t>Click to edit Master title style</a:t>
-            </a:r>
-            <a:endParaRPr lang="en-US" dirty="0"/>
-          </a:p>
-        </p:txBody>
-      </p:sp>
-      <p:sp>
-        <p:nvSpPr>
-          <p:cNvPr id="3" name="Text Placeholder 2"/>
-          <p:cNvSpPr>
-            <a:spLocks noGrp="1"/>
-          </p:cNvSpPr>
-          <p:nvPr>
-            <p:ph type="body" idx="1" hasCustomPrompt="1"/>
-          </p:nvPr>
-        </p:nvSpPr>
-        <p:spPr>
-          <a:xfrm>
-            <a:off x="457200" y="1737360"/>
-            <a:ext cx="5588582" cy="821190"/>
-          </a:xfrm>
-          <a:solidFill>
-            <a:schemeClr val="accent1">
-              <a:lumMod val="40000"/>
-              <a:lumOff val="60000"/>
-            </a:schemeClr>
-          </a:solidFill>
-          <a:ln w="19050">
-            <a:solidFill>
-              <a:schemeClr val="tx2">
-                <a:lumMod val="60000"/>
-                <a:lumOff val="40000"/>
-              </a:schemeClr>
-            </a:solidFill>
-          </a:ln>
-        </p:spPr>
-        <p:txBody>
-          <a:bodyPr anchor="b"/>
-          <a:lstStyle>
-            <a:lvl1pPr marL="0" indent="0">
-              <a:buNone/>
-              <a:defRPr sz="2000" b="1">
-                <a:solidFill>
-                  <a:schemeClr val="tx2"/>
-                </a:solidFill>
-              </a:defRPr>
-            </a:lvl1pPr>
-            <a:lvl2pPr marL="457200" indent="0">
-              <a:buNone/>
-              <a:defRPr sz="2000" b="1"/>
-            </a:lvl2pPr>
-            <a:lvl3pPr marL="914400" indent="0">
-              <a:buNone/>
-              <a:defRPr sz="1800" b="1"/>
-            </a:lvl3pPr>
-            <a:lvl4pPr marL="1371600" indent="0">
-              <a:buNone/>
-              <a:defRPr sz="1600" b="1"/>
-            </a:lvl4pPr>
-            <a:lvl5pPr marL="1828800" indent="0">
-              <a:buNone/>
-              <a:defRPr sz="1600" b="1"/>
-            </a:lvl5pPr>
-            <a:lvl6pPr marL="2286000" indent="0">
-              <a:buNone/>
-              <a:defRPr sz="1600" b="1"/>
-            </a:lvl6pPr>
-            <a:lvl7pPr marL="2743200" indent="0">
-              <a:buNone/>
-              <a:defRPr sz="1600" b="1"/>
-            </a:lvl7pPr>
-            <a:lvl8pPr marL="3200400" indent="0">
-              <a:buNone/>
-              <a:defRPr sz="1600" b="1"/>
-            </a:lvl8pPr>
-            <a:lvl9pPr marL="3657600" indent="0">
-              <a:buNone/>
-              <a:defRPr sz="1600" b="1"/>
-            </a:lvl9pPr>
-          </a:lstStyle>
-          <a:p>
-            <a:pPr lvl="0"/>
-            <a:r>
-              <a:rPr lang="en-US" dirty="0"/>
-              <a:t>Click to edit Master text styles</a:t>
-            </a:r>
-          </a:p>
-        </p:txBody>
-      </p:sp>
-      <p:sp>
-        <p:nvSpPr>
-          <p:cNvPr id="4" name="Content Placeholder 3"/>
-          <p:cNvSpPr>
-            <a:spLocks noGrp="1"/>
-          </p:cNvSpPr>
-          <p:nvPr>
-            <p:ph sz="half" idx="2"/>
-          </p:nvPr>
-        </p:nvSpPr>
-        <p:spPr>
-          <a:xfrm>
-            <a:off x="457200" y="2558550"/>
-            <a:ext cx="5588582" cy="3373229"/>
-          </a:xfrm>
-          <a:noFill/>
-          <a:ln w="19050">
-            <a:gradFill flip="none" rotWithShape="1">
-              <a:gsLst>
-                <a:gs pos="0">
-                  <a:schemeClr val="bg1">
-                    <a:alpha val="0"/>
-                  </a:schemeClr>
-                </a:gs>
-                <a:gs pos="74000">
-                  <a:schemeClr val="accent1">
-                    <a:lumMod val="45000"/>
-                    <a:lumOff val="55000"/>
-                  </a:schemeClr>
-                </a:gs>
-                <a:gs pos="83000">
-                  <a:schemeClr val="accent1">
-                    <a:lumMod val="45000"/>
-                    <a:lumOff val="55000"/>
-                  </a:schemeClr>
-                </a:gs>
-                <a:gs pos="100000">
-                  <a:schemeClr val="accent1">
-                    <a:lumMod val="30000"/>
-                    <a:lumOff val="70000"/>
-                  </a:schemeClr>
-                </a:gs>
-              </a:gsLst>
-              <a:lin ang="16200000" scaled="1"/>
-              <a:tileRect/>
-            </a:gradFill>
-          </a:ln>
-        </p:spPr>
-        <p:txBody>
-          <a:bodyPr/>
-          <a:lstStyle>
-            <a:lvl1pPr>
-              <a:defRPr sz="2000"/>
-            </a:lvl1pPr>
-            <a:lvl2pPr>
-              <a:defRPr sz="1800"/>
-            </a:lvl2pPr>
-            <a:lvl3pPr>
-              <a:defRPr sz="1600"/>
-            </a:lvl3pPr>
-            <a:lvl4pPr>
-              <a:defRPr sz="1400"/>
-            </a:lvl4pPr>
-            <a:lvl5pPr marL="1482725" indent="-222250">
-              <a:buFont typeface="Arial" panose="020B0604020202020204" pitchFamily="34" charset="0"/>
-              <a:buChar char="•"/>
-              <a:defRPr sz="1600"/>
-            </a:lvl5pPr>
-            <a:lvl6pPr>
-              <a:defRPr sz="1600"/>
-            </a:lvl6pPr>
-            <a:lvl7pPr>
-              <a:defRPr sz="1600"/>
-            </a:lvl7pPr>
-            <a:lvl8pPr>
-              <a:defRPr sz="1600"/>
-            </a:lvl8pPr>
-            <a:lvl9pPr>
-              <a:defRPr sz="1600"/>
-            </a:lvl9pPr>
-          </a:lstStyle>
-          <a:p>
-            <a:pPr lvl="0"/>
-            <a:r>
-              <a:rPr lang="en-US"/>
-              <a:t>Edit Master text styles</a:t>
-            </a:r>
-          </a:p>
-          <a:p>
-            <a:pPr lvl="1"/>
-            <a:r>
-              <a:rPr lang="en-US"/>
-              <a:t>Second level</a:t>
-            </a:r>
-          </a:p>
-          <a:p>
-            <a:pPr lvl="2"/>
-            <a:r>
-              <a:rPr lang="en-US"/>
-              <a:t>Third level</a:t>
-            </a:r>
-          </a:p>
-          <a:p>
-            <a:pPr lvl="3"/>
-            <a:r>
-              <a:rPr lang="en-US"/>
-              <a:t>Fourth level</a:t>
-            </a:r>
-          </a:p>
-          <a:p>
-            <a:pPr lvl="4"/>
-            <a:r>
-              <a:rPr lang="en-US"/>
-              <a:t>Fifth level</a:t>
-            </a:r>
-            <a:endParaRPr lang="en-US" dirty="0"/>
-          </a:p>
-        </p:txBody>
-      </p:sp>
-      <p:sp>
-        <p:nvSpPr>
-          <p:cNvPr id="5" name="Text Placeholder 4"/>
-          <p:cNvSpPr>
-            <a:spLocks noGrp="1"/>
-          </p:cNvSpPr>
-          <p:nvPr>
-            <p:ph type="body" sz="quarter" idx="3"/>
-          </p:nvPr>
-        </p:nvSpPr>
-        <p:spPr>
-          <a:xfrm>
-            <a:off x="6218914" y="1737360"/>
-            <a:ext cx="5531934" cy="821190"/>
-          </a:xfrm>
-          <a:solidFill>
-            <a:schemeClr val="accent1">
-              <a:lumMod val="40000"/>
-              <a:lumOff val="60000"/>
-            </a:schemeClr>
-          </a:solidFill>
-          <a:ln w="19050">
-            <a:solidFill>
-              <a:schemeClr val="tx2">
-                <a:lumMod val="60000"/>
-                <a:lumOff val="40000"/>
-              </a:schemeClr>
-            </a:solidFill>
-          </a:ln>
-        </p:spPr>
-        <p:txBody>
-          <a:bodyPr anchor="b"/>
-          <a:lstStyle>
-            <a:lvl1pPr marL="0" indent="0">
-              <a:buNone/>
-              <a:defRPr sz="2000" b="1">
-                <a:solidFill>
-                  <a:schemeClr val="tx2"/>
-                </a:solidFill>
-              </a:defRPr>
-            </a:lvl1pPr>
-            <a:lvl2pPr marL="457200" indent="0">
-              <a:buNone/>
-              <a:defRPr sz="2000" b="1"/>
-            </a:lvl2pPr>
-            <a:lvl3pPr marL="914400" indent="0">
-              <a:buNone/>
-              <a:defRPr sz="1800" b="1"/>
-            </a:lvl3pPr>
-            <a:lvl4pPr marL="1371600" indent="0">
-              <a:buNone/>
-              <a:defRPr sz="1600" b="1"/>
-            </a:lvl4pPr>
-            <a:lvl5pPr marL="1828800" indent="0">
-              <a:buNone/>
-              <a:defRPr sz="1600" b="1"/>
-            </a:lvl5pPr>
-            <a:lvl6pPr marL="2286000" indent="0">
-              <a:buNone/>
-              <a:defRPr sz="1600" b="1"/>
-            </a:lvl6pPr>
-            <a:lvl7pPr marL="2743200" indent="0">
-              <a:buNone/>
-              <a:defRPr sz="1600" b="1"/>
-            </a:lvl7pPr>
-            <a:lvl8pPr marL="3200400" indent="0">
-              <a:buNone/>
-              <a:defRPr sz="1600" b="1"/>
-            </a:lvl8pPr>
-            <a:lvl9pPr marL="3657600" indent="0">
-              <a:buNone/>
-              <a:defRPr sz="1600" b="1"/>
-            </a:lvl9pPr>
-          </a:lstStyle>
-          <a:p>
-            <a:pPr lvl="0"/>
-            <a:r>
-              <a:rPr lang="en-US"/>
-              <a:t>Edit Master text styles</a:t>
-            </a:r>
-          </a:p>
-        </p:txBody>
-      </p:sp>
-      <p:sp>
-        <p:nvSpPr>
-          <p:cNvPr id="6" name="Content Placeholder 5"/>
-          <p:cNvSpPr>
-            <a:spLocks noGrp="1"/>
-          </p:cNvSpPr>
-          <p:nvPr>
-            <p:ph sz="quarter" idx="4"/>
-          </p:nvPr>
-        </p:nvSpPr>
-        <p:spPr>
-          <a:xfrm>
-            <a:off x="6218914" y="2558550"/>
-            <a:ext cx="5531934" cy="3373229"/>
-          </a:xfrm>
-          <a:noFill/>
-          <a:ln w="19050">
-            <a:gradFill flip="none" rotWithShape="1">
-              <a:gsLst>
-                <a:gs pos="0">
-                  <a:schemeClr val="bg1">
-                    <a:alpha val="0"/>
-                  </a:schemeClr>
-                </a:gs>
-                <a:gs pos="74000">
-                  <a:schemeClr val="accent1">
-                    <a:lumMod val="45000"/>
-                    <a:lumOff val="55000"/>
-                  </a:schemeClr>
-                </a:gs>
-                <a:gs pos="83000">
-                  <a:schemeClr val="accent1">
-                    <a:lumMod val="45000"/>
-                    <a:lumOff val="55000"/>
-                  </a:schemeClr>
-                </a:gs>
-                <a:gs pos="100000">
-                  <a:schemeClr val="accent1">
-                    <a:lumMod val="30000"/>
-                    <a:lumOff val="70000"/>
-                  </a:schemeClr>
-                </a:gs>
-              </a:gsLst>
-              <a:lin ang="16200000" scaled="1"/>
-              <a:tileRect/>
-            </a:gradFill>
-          </a:ln>
-        </p:spPr>
-        <p:txBody>
-          <a:bodyPr/>
-          <a:lstStyle>
-            <a:lvl1pPr>
-              <a:defRPr sz="2000"/>
-            </a:lvl1pPr>
-            <a:lvl2pPr>
-              <a:defRPr sz="1800"/>
-            </a:lvl2pPr>
-            <a:lvl3pPr>
-              <a:defRPr sz="1600"/>
-            </a:lvl3pPr>
-            <a:lvl4pPr>
-              <a:defRPr sz="1400"/>
-            </a:lvl4pPr>
-            <a:lvl5pPr marL="1482725" indent="-222250">
-              <a:defRPr lang="en-US" sz="1600" kern="1200" dirty="0">
-                <a:solidFill>
-                  <a:schemeClr val="tx1"/>
-                </a:solidFill>
-                <a:latin typeface="+mn-lt"/>
-                <a:ea typeface="+mn-ea"/>
-                <a:cs typeface="+mn-cs"/>
-              </a:defRPr>
-            </a:lvl5pPr>
-            <a:lvl6pPr>
-              <a:defRPr sz="1600"/>
-            </a:lvl6pPr>
-            <a:lvl7pPr>
-              <a:defRPr sz="1600"/>
-            </a:lvl7pPr>
-            <a:lvl8pPr>
-              <a:defRPr sz="1600"/>
-            </a:lvl8pPr>
-            <a:lvl9pPr>
-              <a:defRPr sz="1600"/>
-            </a:lvl9pPr>
-          </a:lstStyle>
-          <a:p>
-            <a:pPr lvl="0"/>
-            <a:r>
-              <a:rPr lang="en-US"/>
-              <a:t>Edit Master text styles</a:t>
-            </a:r>
-          </a:p>
-          <a:p>
-            <a:pPr lvl="1"/>
-            <a:r>
-              <a:rPr lang="en-US"/>
-              <a:t>Second level</a:t>
-            </a:r>
-          </a:p>
-          <a:p>
-            <a:pPr lvl="2"/>
-            <a:r>
-              <a:rPr lang="en-US"/>
-              <a:t>Third level</a:t>
-            </a:r>
-          </a:p>
-          <a:p>
-            <a:pPr lvl="3"/>
-            <a:r>
-              <a:rPr lang="en-US"/>
-              <a:t>Fourth level</a:t>
-            </a:r>
-          </a:p>
-          <a:p>
-            <a:pPr lvl="4"/>
-            <a:r>
-              <a:rPr lang="en-US"/>
-              <a:t>Fifth level</a:t>
-            </a:r>
-            <a:endParaRPr lang="en-US" dirty="0"/>
-          </a:p>
-        </p:txBody>
-      </p:sp>
-    </p:spTree>
-    <p:extLst>
-      <p:ext uri="{BB962C8B-B14F-4D97-AF65-F5344CB8AC3E}">
-        <p14:creationId xmlns:p14="http://schemas.microsoft.com/office/powerpoint/2010/main" val="2970114250"/>
-      </p:ext>
-    </p:extLst>
-  </p:cSld>
-  <p:clrMapOvr>
-    <a:masterClrMapping/>
-  </p:clrMapOvr>
-</p:sldLayout>
-</file>
-
-<file path=ppt/slideLayouts/slideLayout11.xml><?xml version="1.0" encoding="utf-8"?>
-<p:sldLayout xmlns:a="http://schemas.openxmlformats.org/drawingml/2006/main" xmlns:r="http://schemas.openxmlformats.org/officeDocument/2006/relationships" xmlns:p="http://schemas.openxmlformats.org/presentationml/2006/main" preserve="1" userDrawn="1">
-  <p:cSld name="quad chart">
-    <p:spTree>
-      <p:nvGrpSpPr>
-        <p:cNvPr id="1" name=""/>
-        <p:cNvGrpSpPr/>
-        <p:nvPr/>
-      </p:nvGrpSpPr>
-      <p:grpSpPr>
-        <a:xfrm>
-          <a:off x="0" y="0"/>
-          <a:ext cx="0" cy="0"/>
-          <a:chOff x="0" y="0"/>
-          <a:chExt cx="0" cy="0"/>
-        </a:xfrm>
-      </p:grpSpPr>
-      <p:sp>
-        <p:nvSpPr>
-          <p:cNvPr id="2" name="Title 1"/>
-          <p:cNvSpPr>
-            <a:spLocks noGrp="1"/>
-          </p:cNvSpPr>
-          <p:nvPr>
-            <p:ph type="title"/>
-          </p:nvPr>
-        </p:nvSpPr>
-        <p:spPr>
-          <a:xfrm>
-            <a:off x="365760" y="411480"/>
-            <a:ext cx="7465488" cy="810738"/>
-          </a:xfrm>
-        </p:spPr>
-        <p:txBody>
-          <a:bodyPr/>
-          <a:lstStyle>
-            <a:lvl1pPr>
-              <a:defRPr sz="2400"/>
-            </a:lvl1pPr>
-          </a:lstStyle>
-          <a:p>
-            <a:r>
-              <a:rPr lang="en-US"/>
-              <a:t>Click to edit Master title style</a:t>
-            </a:r>
-            <a:endParaRPr lang="en-US" dirty="0"/>
-          </a:p>
-        </p:txBody>
-      </p:sp>
-      <p:sp>
-        <p:nvSpPr>
-          <p:cNvPr id="3" name="Text Placeholder 2"/>
-          <p:cNvSpPr>
-            <a:spLocks noGrp="1"/>
-          </p:cNvSpPr>
-          <p:nvPr>
-            <p:ph type="body" idx="1" hasCustomPrompt="1"/>
-          </p:nvPr>
-        </p:nvSpPr>
-        <p:spPr>
-          <a:xfrm>
-            <a:off x="448056" y="1316736"/>
-            <a:ext cx="5605272" cy="347472"/>
-          </a:xfrm>
-          <a:solidFill>
-            <a:schemeClr val="accent3"/>
-          </a:solidFill>
-          <a:ln w="19050">
-            <a:solidFill>
-              <a:schemeClr val="tx2">
-                <a:lumMod val="60000"/>
-                <a:lumOff val="40000"/>
-              </a:schemeClr>
-            </a:solidFill>
-          </a:ln>
-        </p:spPr>
-        <p:txBody>
-          <a:bodyPr anchor="ctr"/>
-          <a:lstStyle>
-            <a:lvl1pPr marL="0" indent="0">
-              <a:buNone/>
-              <a:defRPr sz="1800" b="0">
-                <a:solidFill>
-                  <a:schemeClr val="bg1"/>
-                </a:solidFill>
-              </a:defRPr>
-            </a:lvl1pPr>
-            <a:lvl2pPr marL="457200" indent="0">
-              <a:buNone/>
-              <a:defRPr sz="2000" b="1"/>
-            </a:lvl2pPr>
-            <a:lvl3pPr marL="914400" indent="0">
-              <a:buNone/>
-              <a:defRPr sz="1800" b="1"/>
-            </a:lvl3pPr>
-            <a:lvl4pPr marL="1371600" indent="0">
-              <a:buNone/>
-              <a:defRPr sz="1600" b="1"/>
-            </a:lvl4pPr>
-            <a:lvl5pPr marL="1828800" indent="0">
-              <a:buNone/>
-              <a:defRPr sz="1600" b="1"/>
-            </a:lvl5pPr>
-            <a:lvl6pPr marL="2286000" indent="0">
-              <a:buNone/>
-              <a:defRPr sz="1600" b="1"/>
-            </a:lvl6pPr>
-            <a:lvl7pPr marL="2743200" indent="0">
-              <a:buNone/>
-              <a:defRPr sz="1600" b="1"/>
-            </a:lvl7pPr>
-            <a:lvl8pPr marL="3200400" indent="0">
-              <a:buNone/>
-              <a:defRPr sz="1600" b="1"/>
-            </a:lvl8pPr>
-            <a:lvl9pPr marL="3657600" indent="0">
-              <a:buNone/>
-              <a:defRPr sz="1600" b="1"/>
-            </a:lvl9pPr>
-          </a:lstStyle>
-          <a:p>
-            <a:pPr lvl="0"/>
-            <a:r>
-              <a:rPr lang="en-US" dirty="0"/>
-              <a:t>Click to edit Master text styles</a:t>
-            </a:r>
-          </a:p>
-        </p:txBody>
-      </p:sp>
-      <p:sp>
-        <p:nvSpPr>
-          <p:cNvPr id="4" name="Content Placeholder 3"/>
-          <p:cNvSpPr>
-            <a:spLocks noGrp="1"/>
-          </p:cNvSpPr>
-          <p:nvPr>
-            <p:ph sz="half" idx="2" hasCustomPrompt="1"/>
-          </p:nvPr>
-        </p:nvSpPr>
-        <p:spPr>
-          <a:xfrm>
-            <a:off x="448056" y="1655064"/>
-            <a:ext cx="5605272" cy="1316736"/>
-          </a:xfrm>
-          <a:noFill/>
-          <a:ln w="19050">
-            <a:gradFill flip="none" rotWithShape="1">
-              <a:gsLst>
-                <a:gs pos="0">
-                  <a:schemeClr val="bg1">
-                    <a:alpha val="0"/>
-                  </a:schemeClr>
-                </a:gs>
-                <a:gs pos="100000">
-                  <a:schemeClr val="accent3"/>
-                </a:gs>
-              </a:gsLst>
-              <a:lin ang="16200000" scaled="1"/>
-              <a:tileRect/>
-            </a:gradFill>
-          </a:ln>
-        </p:spPr>
-        <p:txBody>
-          <a:bodyPr/>
-          <a:lstStyle>
-            <a:lvl1pPr>
-              <a:defRPr sz="1800"/>
-            </a:lvl1pPr>
-            <a:lvl2pPr>
-              <a:defRPr sz="1600"/>
-            </a:lvl2pPr>
-            <a:lvl3pPr>
-              <a:defRPr sz="1400"/>
-            </a:lvl3pPr>
-            <a:lvl4pPr>
-              <a:defRPr sz="1200"/>
-            </a:lvl4pPr>
-            <a:lvl5pPr marL="1482725" indent="-222250">
-              <a:buFont typeface="Arial" panose="020B0604020202020204" pitchFamily="34" charset="0"/>
-              <a:buChar char="•"/>
-              <a:defRPr sz="1400"/>
-            </a:lvl5pPr>
-            <a:lvl6pPr>
-              <a:defRPr sz="1600"/>
-            </a:lvl6pPr>
-            <a:lvl7pPr>
-              <a:defRPr sz="1600"/>
-            </a:lvl7pPr>
-            <a:lvl8pPr>
-              <a:defRPr sz="1600"/>
-            </a:lvl8pPr>
-            <a:lvl9pPr>
-              <a:defRPr sz="1600"/>
-            </a:lvl9pPr>
-          </a:lstStyle>
-          <a:p>
-            <a:pPr lvl="0"/>
-            <a:r>
-              <a:rPr lang="en-US" dirty="0"/>
-              <a:t>Click to edit Master text styles</a:t>
-            </a:r>
-          </a:p>
-          <a:p>
-            <a:pPr lvl="1"/>
-            <a:r>
-              <a:rPr lang="en-US" dirty="0"/>
-              <a:t>Second level</a:t>
-            </a:r>
-          </a:p>
-          <a:p>
-            <a:pPr lvl="2"/>
-            <a:r>
-              <a:rPr lang="en-US" dirty="0"/>
-              <a:t>Third level</a:t>
-            </a:r>
-          </a:p>
-        </p:txBody>
-      </p:sp>
-      <p:sp>
-        <p:nvSpPr>
-          <p:cNvPr id="5" name="Text Placeholder 4"/>
-          <p:cNvSpPr>
-            <a:spLocks noGrp="1"/>
-          </p:cNvSpPr>
-          <p:nvPr>
-            <p:ph type="body" sz="quarter" idx="3" hasCustomPrompt="1"/>
-          </p:nvPr>
-        </p:nvSpPr>
-        <p:spPr>
-          <a:xfrm>
-            <a:off x="6153912" y="1316736"/>
-            <a:ext cx="5605272" cy="347472"/>
-          </a:xfrm>
-          <a:solidFill>
-            <a:schemeClr val="accent3"/>
-          </a:solidFill>
-          <a:ln w="19050">
-            <a:solidFill>
-              <a:schemeClr val="tx2">
-                <a:lumMod val="60000"/>
-                <a:lumOff val="40000"/>
-              </a:schemeClr>
-            </a:solidFill>
-          </a:ln>
-        </p:spPr>
-        <p:txBody>
-          <a:bodyPr anchor="ctr"/>
-          <a:lstStyle>
-            <a:lvl1pPr marL="0" indent="0">
-              <a:buNone/>
-              <a:defRPr sz="1800" b="0">
-                <a:solidFill>
-                  <a:schemeClr val="bg1"/>
-                </a:solidFill>
-              </a:defRPr>
-            </a:lvl1pPr>
-            <a:lvl2pPr marL="457200" indent="0">
-              <a:buNone/>
-              <a:defRPr sz="2000" b="1"/>
-            </a:lvl2pPr>
-            <a:lvl3pPr marL="914400" indent="0">
-              <a:buNone/>
-              <a:defRPr sz="1800" b="1"/>
-            </a:lvl3pPr>
-            <a:lvl4pPr marL="1371600" indent="0">
-              <a:buNone/>
-              <a:defRPr sz="1600" b="1"/>
-            </a:lvl4pPr>
-            <a:lvl5pPr marL="1828800" indent="0">
-              <a:buNone/>
-              <a:defRPr sz="1600" b="1"/>
-            </a:lvl5pPr>
-            <a:lvl6pPr marL="2286000" indent="0">
-              <a:buNone/>
-              <a:defRPr sz="1600" b="1"/>
-            </a:lvl6pPr>
-            <a:lvl7pPr marL="2743200" indent="0">
-              <a:buNone/>
-              <a:defRPr sz="1600" b="1"/>
-            </a:lvl7pPr>
-            <a:lvl8pPr marL="3200400" indent="0">
-              <a:buNone/>
-              <a:defRPr sz="1600" b="1"/>
-            </a:lvl8pPr>
-            <a:lvl9pPr marL="3657600" indent="0">
-              <a:buNone/>
-              <a:defRPr sz="1600" b="1"/>
-            </a:lvl9pPr>
-          </a:lstStyle>
-          <a:p>
-            <a:pPr lvl="0"/>
-            <a:r>
-              <a:rPr lang="en-US" dirty="0"/>
-              <a:t>Click to edit Master text styles</a:t>
-            </a:r>
-          </a:p>
-        </p:txBody>
-      </p:sp>
-      <p:sp>
-        <p:nvSpPr>
-          <p:cNvPr id="6" name="Content Placeholder 5"/>
-          <p:cNvSpPr>
-            <a:spLocks noGrp="1"/>
-          </p:cNvSpPr>
-          <p:nvPr>
-            <p:ph sz="quarter" idx="4" hasCustomPrompt="1"/>
-          </p:nvPr>
-        </p:nvSpPr>
-        <p:spPr>
-          <a:xfrm>
-            <a:off x="6153912" y="1655064"/>
-            <a:ext cx="5605272" cy="1316736"/>
-          </a:xfrm>
-          <a:noFill/>
-          <a:ln w="19050">
-            <a:gradFill flip="none" rotWithShape="1">
-              <a:gsLst>
-                <a:gs pos="0">
-                  <a:schemeClr val="bg1">
-                    <a:alpha val="0"/>
-                  </a:schemeClr>
-                </a:gs>
-                <a:gs pos="100000">
-                  <a:schemeClr val="accent3"/>
-                </a:gs>
-              </a:gsLst>
-              <a:lin ang="16200000" scaled="1"/>
-              <a:tileRect/>
-            </a:gradFill>
-          </a:ln>
-        </p:spPr>
-        <p:txBody>
-          <a:bodyPr/>
-          <a:lstStyle>
-            <a:lvl1pPr>
-              <a:defRPr sz="1800"/>
-            </a:lvl1pPr>
-            <a:lvl2pPr>
-              <a:defRPr sz="1600"/>
-            </a:lvl2pPr>
-            <a:lvl3pPr>
-              <a:defRPr sz="1400"/>
-            </a:lvl3pPr>
-            <a:lvl4pPr>
-              <a:defRPr sz="1200"/>
-            </a:lvl4pPr>
-            <a:lvl5pPr marL="1482725" indent="-222250">
-              <a:defRPr lang="en-US" sz="1400" kern="1200" dirty="0">
-                <a:solidFill>
-                  <a:schemeClr val="tx1"/>
-                </a:solidFill>
-                <a:latin typeface="+mn-lt"/>
-                <a:ea typeface="+mn-ea"/>
-                <a:cs typeface="+mn-cs"/>
-              </a:defRPr>
-            </a:lvl5pPr>
-            <a:lvl6pPr>
-              <a:defRPr sz="1600"/>
-            </a:lvl6pPr>
-            <a:lvl7pPr>
-              <a:defRPr sz="1600"/>
-            </a:lvl7pPr>
-            <a:lvl8pPr>
-              <a:defRPr sz="1600"/>
-            </a:lvl8pPr>
-            <a:lvl9pPr>
-              <a:defRPr sz="1600"/>
-            </a:lvl9pPr>
-          </a:lstStyle>
-          <a:p>
-            <a:pPr lvl="0"/>
-            <a:r>
-              <a:rPr lang="en-US" dirty="0"/>
-              <a:t>Click to edit Master text styles</a:t>
-            </a:r>
-          </a:p>
-          <a:p>
-            <a:pPr lvl="1"/>
-            <a:r>
-              <a:rPr lang="en-US" dirty="0"/>
-              <a:t>Second level</a:t>
-            </a:r>
-          </a:p>
-          <a:p>
-            <a:pPr lvl="2"/>
-            <a:r>
-              <a:rPr lang="en-US" dirty="0"/>
-              <a:t>Third level</a:t>
-            </a:r>
-          </a:p>
-        </p:txBody>
-      </p:sp>
-      <p:sp>
-        <p:nvSpPr>
-          <p:cNvPr id="10" name="Text Placeholder 9">
-            <a:extLst>
-              <a:ext uri="{FF2B5EF4-FFF2-40B4-BE49-F238E27FC236}">
-                <a16:creationId xmlns:a16="http://schemas.microsoft.com/office/drawing/2014/main" id="{1AC1494F-06BF-478E-BCF5-6FCC755EF91F}"/>
-              </a:ext>
-            </a:extLst>
-          </p:cNvPr>
-          <p:cNvSpPr>
-            <a:spLocks noGrp="1"/>
-          </p:cNvSpPr>
-          <p:nvPr>
-            <p:ph type="body" sz="quarter" idx="10" hasCustomPrompt="1"/>
-          </p:nvPr>
-        </p:nvSpPr>
-        <p:spPr>
-          <a:xfrm>
-            <a:off x="447675" y="3438144"/>
-            <a:ext cx="5605463" cy="338138"/>
-          </a:xfrm>
-          <a:solidFill>
-            <a:schemeClr val="accent3"/>
-          </a:solidFill>
-          <a:ln w="19050">
-            <a:solidFill>
-              <a:schemeClr val="tx2">
-                <a:lumMod val="60000"/>
-                <a:lumOff val="40000"/>
-              </a:schemeClr>
-            </a:solidFill>
-            <a:miter lim="800000"/>
-            <a:headEnd/>
-            <a:tailEnd/>
-          </a:ln>
-        </p:spPr>
-        <p:txBody>
-          <a:bodyPr vert="horz" wrap="square" lIns="91440" tIns="45720" rIns="91440" bIns="45720" numCol="1" anchor="ctr" anchorCtr="0" compatLnSpc="1">
-            <a:prstTxWarp prst="textNoShape">
-              <a:avLst/>
-            </a:prstTxWarp>
-            <a:noAutofit/>
-          </a:bodyPr>
-          <a:lstStyle>
-            <a:lvl1pPr marL="0" indent="0">
-              <a:buNone/>
-              <a:defRPr lang="en-US" sz="1800" b="0" smtClean="0">
-                <a:solidFill>
-                  <a:schemeClr val="bg1"/>
-                </a:solidFill>
-              </a:defRPr>
-            </a:lvl1pPr>
-            <a:lvl2pPr>
-              <a:defRPr lang="en-US" b="1" smtClean="0">
-                <a:solidFill>
-                  <a:schemeClr val="bg1"/>
-                </a:solidFill>
-              </a:defRPr>
-            </a:lvl2pPr>
-            <a:lvl3pPr>
-              <a:defRPr lang="en-US" b="1" smtClean="0">
-                <a:solidFill>
-                  <a:schemeClr val="bg1"/>
-                </a:solidFill>
-              </a:defRPr>
-            </a:lvl3pPr>
-            <a:lvl4pPr>
-              <a:defRPr lang="en-US" b="1" smtClean="0">
-                <a:solidFill>
-                  <a:schemeClr val="bg1"/>
-                </a:solidFill>
-              </a:defRPr>
-            </a:lvl4pPr>
-            <a:lvl5pPr>
-              <a:defRPr lang="en-US" b="1">
-                <a:solidFill>
-                  <a:schemeClr val="bg1"/>
-                </a:solidFill>
-              </a:defRPr>
-            </a:lvl5pPr>
-          </a:lstStyle>
-          <a:p>
-            <a:pPr marL="230188" lvl="0" indent="-230188"/>
-            <a:r>
-              <a:rPr lang="en-US" dirty="0"/>
-              <a:t>Click to edit Master text styles</a:t>
-            </a:r>
-          </a:p>
-        </p:txBody>
-      </p:sp>
-      <p:sp>
-        <p:nvSpPr>
-          <p:cNvPr id="12" name="Text Placeholder 11">
-            <a:extLst>
-              <a:ext uri="{FF2B5EF4-FFF2-40B4-BE49-F238E27FC236}">
-                <a16:creationId xmlns:a16="http://schemas.microsoft.com/office/drawing/2014/main" id="{DE13F5F8-5DA4-4A7D-94FF-19BFEBF090FD}"/>
-              </a:ext>
-            </a:extLst>
-          </p:cNvPr>
-          <p:cNvSpPr>
-            <a:spLocks noGrp="1"/>
-          </p:cNvSpPr>
-          <p:nvPr>
-            <p:ph type="body" sz="quarter" idx="11" hasCustomPrompt="1"/>
-          </p:nvPr>
-        </p:nvSpPr>
-        <p:spPr>
-          <a:xfrm>
-            <a:off x="6153150" y="3438144"/>
-            <a:ext cx="5605463" cy="338138"/>
-          </a:xfrm>
-          <a:solidFill>
-            <a:schemeClr val="accent3"/>
-          </a:solidFill>
-          <a:ln w="19050">
-            <a:solidFill>
-              <a:schemeClr val="tx2">
-                <a:lumMod val="60000"/>
-                <a:lumOff val="40000"/>
-              </a:schemeClr>
-            </a:solidFill>
-            <a:miter lim="800000"/>
-            <a:headEnd/>
-            <a:tailEnd/>
-          </a:ln>
-        </p:spPr>
-        <p:txBody>
-          <a:bodyPr vert="horz" wrap="square" lIns="91440" tIns="45720" rIns="91440" bIns="45720" numCol="1" anchor="ctr" anchorCtr="0" compatLnSpc="1">
-            <a:prstTxWarp prst="textNoShape">
-              <a:avLst/>
-            </a:prstTxWarp>
-            <a:noAutofit/>
-          </a:bodyPr>
-          <a:lstStyle>
-            <a:lvl1pPr marL="0" indent="0">
-              <a:buNone/>
-              <a:defRPr lang="en-US" sz="1800" b="0" smtClean="0">
-                <a:solidFill>
-                  <a:schemeClr val="bg1"/>
-                </a:solidFill>
-              </a:defRPr>
-            </a:lvl1pPr>
-            <a:lvl2pPr>
-              <a:defRPr lang="en-US" b="1" smtClean="0">
-                <a:solidFill>
-                  <a:schemeClr val="bg1"/>
-                </a:solidFill>
-              </a:defRPr>
-            </a:lvl2pPr>
-            <a:lvl3pPr>
-              <a:defRPr lang="en-US" b="1" smtClean="0">
-                <a:solidFill>
-                  <a:schemeClr val="bg1"/>
-                </a:solidFill>
-              </a:defRPr>
-            </a:lvl3pPr>
-            <a:lvl4pPr>
-              <a:defRPr lang="en-US" b="1" smtClean="0">
-                <a:solidFill>
-                  <a:schemeClr val="bg1"/>
-                </a:solidFill>
-              </a:defRPr>
-            </a:lvl4pPr>
-            <a:lvl5pPr>
-              <a:defRPr lang="en-US" b="1">
-                <a:solidFill>
-                  <a:schemeClr val="bg1"/>
-                </a:solidFill>
-              </a:defRPr>
-            </a:lvl5pPr>
-          </a:lstStyle>
-          <a:p>
-            <a:pPr marL="230188" lvl="0" indent="-230188"/>
-            <a:r>
-              <a:rPr lang="en-US" dirty="0"/>
-              <a:t>Click to edit Master text styles</a:t>
-            </a:r>
-          </a:p>
-        </p:txBody>
-      </p:sp>
-      <p:sp>
-        <p:nvSpPr>
-          <p:cNvPr id="14" name="Text Placeholder 13">
-            <a:extLst>
-              <a:ext uri="{FF2B5EF4-FFF2-40B4-BE49-F238E27FC236}">
-                <a16:creationId xmlns:a16="http://schemas.microsoft.com/office/drawing/2014/main" id="{11508C29-BEAF-4D1B-85C7-62D86B9A99F0}"/>
-              </a:ext>
-            </a:extLst>
-          </p:cNvPr>
-          <p:cNvSpPr>
-            <a:spLocks noGrp="1"/>
-          </p:cNvSpPr>
-          <p:nvPr>
-            <p:ph type="body" sz="quarter" idx="12"/>
-          </p:nvPr>
-        </p:nvSpPr>
-        <p:spPr>
-          <a:xfrm>
-            <a:off x="447675" y="3776472"/>
-            <a:ext cx="5605463" cy="1316736"/>
-          </a:xfrm>
-          <a:noFill/>
-          <a:ln w="19050">
-            <a:gradFill flip="none" rotWithShape="1">
-              <a:gsLst>
-                <a:gs pos="0">
-                  <a:schemeClr val="bg1">
-                    <a:alpha val="0"/>
-                  </a:schemeClr>
-                </a:gs>
-                <a:gs pos="100000">
-                  <a:schemeClr val="accent3"/>
-                </a:gs>
-              </a:gsLst>
-              <a:lin ang="16200000" scaled="1"/>
-              <a:tileRect/>
-            </a:gradFill>
-            <a:miter lim="800000"/>
-            <a:headEnd/>
-            <a:tailEnd/>
-          </a:ln>
-        </p:spPr>
-        <p:txBody>
-          <a:bodyPr vert="horz" wrap="square" lIns="91440" tIns="45720" rIns="91440" bIns="45720" numCol="1" anchor="t" anchorCtr="0" compatLnSpc="1">
-            <a:prstTxWarp prst="textNoShape">
-              <a:avLst/>
-            </a:prstTxWarp>
-            <a:noAutofit/>
-          </a:bodyPr>
-          <a:lstStyle>
-            <a:lvl1pPr>
-              <a:defRPr lang="en-US" sz="1800" smtClean="0"/>
-            </a:lvl1pPr>
-            <a:lvl2pPr>
-              <a:defRPr lang="en-US" sz="1600" smtClean="0"/>
-            </a:lvl2pPr>
-            <a:lvl3pPr>
-              <a:defRPr lang="en-US" sz="1400" smtClean="0"/>
-            </a:lvl3pPr>
-            <a:lvl4pPr>
-              <a:defRPr lang="en-US" sz="1200" smtClean="0"/>
-            </a:lvl4pPr>
-            <a:lvl5pPr>
-              <a:defRPr lang="en-US" sz="1400"/>
-            </a:lvl5pPr>
-          </a:lstStyle>
-          <a:p>
-            <a:pPr lvl="0"/>
-            <a:r>
-              <a:rPr lang="en-US"/>
-              <a:t>Edit Master text styles</a:t>
-            </a:r>
-          </a:p>
-          <a:p>
-            <a:pPr lvl="1"/>
-            <a:r>
-              <a:rPr lang="en-US"/>
-              <a:t>Second level</a:t>
-            </a:r>
-          </a:p>
-          <a:p>
-            <a:pPr lvl="2"/>
-            <a:r>
-              <a:rPr lang="en-US"/>
-              <a:t>Third level</a:t>
-            </a:r>
-          </a:p>
-        </p:txBody>
-      </p:sp>
-      <p:sp>
-        <p:nvSpPr>
-          <p:cNvPr id="16" name="Text Placeholder 15">
-            <a:extLst>
-              <a:ext uri="{FF2B5EF4-FFF2-40B4-BE49-F238E27FC236}">
-                <a16:creationId xmlns:a16="http://schemas.microsoft.com/office/drawing/2014/main" id="{DA42C277-CD07-4855-BE2B-F5804018ECD9}"/>
-              </a:ext>
-            </a:extLst>
-          </p:cNvPr>
-          <p:cNvSpPr>
-            <a:spLocks noGrp="1"/>
-          </p:cNvSpPr>
-          <p:nvPr>
-            <p:ph type="body" sz="quarter" idx="13"/>
-          </p:nvPr>
-        </p:nvSpPr>
-        <p:spPr>
-          <a:xfrm>
-            <a:off x="6153150" y="3776472"/>
-            <a:ext cx="5605463" cy="1316736"/>
-          </a:xfrm>
-          <a:noFill/>
-          <a:ln w="19050">
-            <a:gradFill flip="none" rotWithShape="1">
-              <a:gsLst>
-                <a:gs pos="0">
-                  <a:schemeClr val="bg1">
-                    <a:alpha val="0"/>
-                  </a:schemeClr>
-                </a:gs>
-                <a:gs pos="100000">
-                  <a:schemeClr val="accent3"/>
-                </a:gs>
-              </a:gsLst>
-              <a:lin ang="16200000" scaled="1"/>
-              <a:tileRect/>
-            </a:gradFill>
-            <a:miter lim="800000"/>
-            <a:headEnd/>
-            <a:tailEnd/>
-          </a:ln>
-        </p:spPr>
-        <p:txBody>
-          <a:bodyPr vert="horz" wrap="square" lIns="91440" tIns="45720" rIns="91440" bIns="45720" numCol="1" anchor="t" anchorCtr="0" compatLnSpc="1">
-            <a:prstTxWarp prst="textNoShape">
-              <a:avLst/>
-            </a:prstTxWarp>
-            <a:noAutofit/>
-          </a:bodyPr>
-          <a:lstStyle>
-            <a:lvl1pPr>
-              <a:defRPr lang="en-US" sz="1800" smtClean="0"/>
-            </a:lvl1pPr>
-            <a:lvl2pPr>
-              <a:defRPr lang="en-US" sz="1600" smtClean="0"/>
-            </a:lvl2pPr>
-            <a:lvl3pPr>
-              <a:defRPr lang="en-US" sz="1400" smtClean="0"/>
-            </a:lvl3pPr>
-            <a:lvl4pPr>
-              <a:defRPr lang="en-US" sz="1200" smtClean="0"/>
-            </a:lvl4pPr>
-            <a:lvl5pPr>
-              <a:defRPr lang="en-US" sz="1400"/>
-            </a:lvl5pPr>
-          </a:lstStyle>
-          <a:p>
-            <a:pPr lvl="0"/>
-            <a:r>
-              <a:rPr lang="en-US"/>
-              <a:t>Edit Master text styles</a:t>
-            </a:r>
-          </a:p>
-          <a:p>
-            <a:pPr lvl="1"/>
-            <a:r>
-              <a:rPr lang="en-US"/>
-              <a:t>Second level</a:t>
-            </a:r>
-          </a:p>
-          <a:p>
-            <a:pPr lvl="2"/>
-            <a:r>
-              <a:rPr lang="en-US"/>
-              <a:t>Third level</a:t>
-            </a:r>
-          </a:p>
-        </p:txBody>
-      </p:sp>
-    </p:spTree>
-    <p:extLst>
-      <p:ext uri="{BB962C8B-B14F-4D97-AF65-F5344CB8AC3E}">
-        <p14:creationId xmlns:p14="http://schemas.microsoft.com/office/powerpoint/2010/main" val="2977560721"/>
-      </p:ext>
-    </p:extLst>
-  </p:cSld>
-  <p:clrMapOvr>
-    <a:masterClrMapping/>
-  </p:clrMapOvr>
-</p:sldLayout>
-</file>
-
-<file path=ppt/slideLayouts/slideLayout12.xml><?xml version="1.0" encoding="utf-8"?>
-<p:sldLayout xmlns:a="http://schemas.openxmlformats.org/drawingml/2006/main" xmlns:r="http://schemas.openxmlformats.org/officeDocument/2006/relationships" xmlns:p="http://schemas.openxmlformats.org/presentationml/2006/main" preserve="1" userDrawn="1">
-  <p:cSld name="Section divider">
-    <p:spTree>
-      <p:nvGrpSpPr>
-        <p:cNvPr id="1" name=""/>
-        <p:cNvGrpSpPr/>
-        <p:nvPr/>
-      </p:nvGrpSpPr>
-      <p:grpSpPr>
-        <a:xfrm>
-          <a:off x="0" y="0"/>
-          <a:ext cx="0" cy="0"/>
-          <a:chOff x="0" y="0"/>
-          <a:chExt cx="0" cy="0"/>
-        </a:xfrm>
-      </p:grpSpPr>
-      <p:sp>
-        <p:nvSpPr>
-          <p:cNvPr id="2" name="Title 1"/>
-          <p:cNvSpPr>
-            <a:spLocks noGrp="1"/>
-          </p:cNvSpPr>
-          <p:nvPr>
-            <p:ph type="title"/>
-          </p:nvPr>
-        </p:nvSpPr>
-        <p:spPr>
-          <a:xfrm>
-            <a:off x="365760" y="411480"/>
-            <a:ext cx="11375136" cy="914400"/>
-          </a:xfrm>
-        </p:spPr>
-        <p:txBody>
-          <a:bodyPr/>
-          <a:lstStyle/>
-          <a:p>
-            <a:r>
-              <a:rPr lang="en-US"/>
-              <a:t>Click to edit Master title style</a:t>
-            </a:r>
-            <a:endParaRPr lang="en-US" dirty="0"/>
-          </a:p>
-        </p:txBody>
-      </p:sp>
-    </p:spTree>
-    <p:extLst>
-      <p:ext uri="{BB962C8B-B14F-4D97-AF65-F5344CB8AC3E}">
-        <p14:creationId xmlns:p14="http://schemas.microsoft.com/office/powerpoint/2010/main" val="2057808735"/>
-      </p:ext>
-    </p:extLst>
-  </p:cSld>
-  <p:clrMapOvr>
-    <a:masterClrMapping/>
-  </p:clrMapOvr>
-</p:sldLayout>
-</file>
-
-<file path=ppt/slideLayouts/slideLayout13.xml><?xml version="1.0" encoding="utf-8"?>
-<p:sldLayout xmlns:a="http://schemas.openxmlformats.org/drawingml/2006/main" xmlns:r="http://schemas.openxmlformats.org/officeDocument/2006/relationships" xmlns:p="http://schemas.openxmlformats.org/presentationml/2006/main" type="titleOnly" preserve="1">
-  <p:cSld name="Title Only">
-    <p:spTree>
-      <p:nvGrpSpPr>
-        <p:cNvPr id="1" name=""/>
-        <p:cNvGrpSpPr/>
-        <p:nvPr/>
-      </p:nvGrpSpPr>
-      <p:grpSpPr>
-        <a:xfrm>
-          <a:off x="0" y="0"/>
-          <a:ext cx="0" cy="0"/>
-          <a:chOff x="0" y="0"/>
-          <a:chExt cx="0" cy="0"/>
-        </a:xfrm>
-      </p:grpSpPr>
-      <p:sp>
-        <p:nvSpPr>
-          <p:cNvPr id="2" name="Title 1"/>
-          <p:cNvSpPr>
-            <a:spLocks noGrp="1"/>
-          </p:cNvSpPr>
-          <p:nvPr>
-            <p:ph type="title"/>
-          </p:nvPr>
-        </p:nvSpPr>
-        <p:spPr>
-          <a:xfrm>
-            <a:off x="365760" y="411480"/>
-            <a:ext cx="11375136" cy="914400"/>
-          </a:xfrm>
-        </p:spPr>
-        <p:txBody>
-          <a:bodyPr/>
-          <a:lstStyle/>
-          <a:p>
-            <a:r>
-              <a:rPr lang="en-US"/>
-              <a:t>Click to edit Master title style</a:t>
-            </a:r>
-            <a:endParaRPr lang="en-US" dirty="0"/>
-          </a:p>
-        </p:txBody>
-      </p:sp>
-    </p:spTree>
-    <p:extLst>
-      <p:ext uri="{BB962C8B-B14F-4D97-AF65-F5344CB8AC3E}">
-        <p14:creationId xmlns:p14="http://schemas.microsoft.com/office/powerpoint/2010/main" val="317794684"/>
-      </p:ext>
-    </p:extLst>
-  </p:cSld>
-  <p:clrMapOvr>
-    <a:masterClrMapping/>
-  </p:clrMapOvr>
-</p:sldLayout>
-</file>
-
-<file path=ppt/slideLayouts/slideLayout14.xml><?xml version="1.0" encoding="utf-8"?>
-<p:sldLayout xmlns:a="http://schemas.openxmlformats.org/drawingml/2006/main" xmlns:r="http://schemas.openxmlformats.org/officeDocument/2006/relationships" xmlns:p="http://schemas.openxmlformats.org/presentationml/2006/main" showMasterSp="0" type="secHead">
-  <p:cSld name="Section Header">
-    <p:bg>
-      <p:bgRef idx="1003">
-        <a:schemeClr val="bg1"/>
-      </p:bgRef>
-    </p:bg>
-    <p:spTree>
-      <p:nvGrpSpPr>
-        <p:cNvPr id="1" name=""/>
-        <p:cNvGrpSpPr/>
-        <p:nvPr/>
-      </p:nvGrpSpPr>
-      <p:grpSpPr>
-        <a:xfrm>
-          <a:off x="0" y="0"/>
-          <a:ext cx="0" cy="0"/>
-          <a:chOff x="0" y="0"/>
-          <a:chExt cx="0" cy="0"/>
-        </a:xfrm>
-      </p:grpSpPr>
-      <p:sp>
-        <p:nvSpPr>
-          <p:cNvPr id="3" name="Text Placeholder 2"/>
-          <p:cNvSpPr>
-            <a:spLocks noGrp="1"/>
-          </p:cNvSpPr>
-          <p:nvPr>
-            <p:ph type="body" idx="1"/>
-          </p:nvPr>
-        </p:nvSpPr>
-        <p:spPr>
-          <a:xfrm>
-            <a:off x="1828324" y="2743200"/>
-            <a:ext cx="9495011" cy="1673225"/>
-          </a:xfrm>
-        </p:spPr>
-        <p:txBody>
-          <a:bodyPr anchor="t"/>
-          <a:lstStyle>
-            <a:lvl1pPr marL="0" indent="0">
-              <a:buNone/>
-              <a:defRPr sz="2800">
-                <a:solidFill>
-                  <a:schemeClr val="tx2"/>
-                </a:solidFill>
-              </a:defRPr>
-            </a:lvl1pPr>
-            <a:lvl2pPr>
-              <a:buNone/>
-              <a:defRPr sz="1800">
-                <a:solidFill>
-                  <a:schemeClr val="tx1">
-                    <a:tint val="75000"/>
-                  </a:schemeClr>
-                </a:solidFill>
-              </a:defRPr>
-            </a:lvl2pPr>
-            <a:lvl3pPr>
-              <a:buNone/>
-              <a:defRPr sz="1600">
-                <a:solidFill>
-                  <a:schemeClr val="tx1">
-                    <a:tint val="75000"/>
-                  </a:schemeClr>
-                </a:solidFill>
-              </a:defRPr>
-            </a:lvl3pPr>
-            <a:lvl4pPr>
-              <a:buNone/>
-              <a:defRPr sz="1400">
-                <a:solidFill>
-                  <a:schemeClr val="tx1">
-                    <a:tint val="75000"/>
-                  </a:schemeClr>
-                </a:solidFill>
-              </a:defRPr>
-            </a:lvl4pPr>
-            <a:lvl5pPr>
-              <a:buNone/>
-              <a:defRPr sz="1400">
-                <a:solidFill>
-                  <a:schemeClr val="tx1">
-                    <a:tint val="75000"/>
-                  </a:schemeClr>
-                </a:solidFill>
-              </a:defRPr>
-            </a:lvl5pPr>
-          </a:lstStyle>
-          <a:p>
-            <a:pPr lvl="0" eaLnBrk="1" latinLnBrk="0" hangingPunct="1"/>
-            <a:r>
-              <a:rPr kumimoji="0" lang="en-US"/>
-              <a:t>Click to edit Master text styles</a:t>
-            </a:r>
-          </a:p>
-        </p:txBody>
-      </p:sp>
-      <p:sp>
-        <p:nvSpPr>
-          <p:cNvPr id="7" name="Rectangle 6"/>
-          <p:cNvSpPr/>
-          <p:nvPr/>
-        </p:nvSpPr>
-        <p:spPr bwMode="white">
-          <a:xfrm>
-            <a:off x="0" y="1524000"/>
-            <a:ext cx="12188825" cy="1143000"/>
-          </a:xfrm>
-          <a:prstGeom prst="rect">
-            <a:avLst/>
-          </a:prstGeom>
-          <a:solidFill>
-            <a:srgbClr val="FFFFFF"/>
-          </a:solidFill>
-          <a:ln w="50800" cap="rnd" cmpd="dbl" algn="ctr">
-            <a:noFill/>
-            <a:prstDash val="solid"/>
-          </a:ln>
-          <a:effectLst/>
-        </p:spPr>
-        <p:style>
-          <a:lnRef idx="3">
-            <a:schemeClr val="lt1"/>
-          </a:lnRef>
-          <a:fillRef idx="1">
-            <a:schemeClr val="accent1"/>
-          </a:fillRef>
-          <a:effectRef idx="1">
-            <a:schemeClr val="accent1"/>
-          </a:effectRef>
-          <a:fontRef idx="minor">
-            <a:schemeClr val="lt1"/>
-          </a:fontRef>
-        </p:style>
-        <p:txBody>
-          <a:bodyPr anchor="ctr"/>
-          <a:lstStyle/>
-          <a:p>
-            <a:pPr algn="ctr" eaLnBrk="1" latinLnBrk="0" hangingPunct="1"/>
-            <a:endParaRPr kumimoji="0" lang="en-US"/>
-          </a:p>
-        </p:txBody>
-      </p:sp>
-      <p:sp>
-        <p:nvSpPr>
-          <p:cNvPr id="8" name="Rectangle 7"/>
-          <p:cNvSpPr/>
-          <p:nvPr/>
-        </p:nvSpPr>
-        <p:spPr>
-          <a:xfrm>
-            <a:off x="0" y="1600200"/>
-            <a:ext cx="1726750" cy="990600"/>
-          </a:xfrm>
-          <a:prstGeom prst="rect">
-            <a:avLst/>
-          </a:prstGeom>
-          <a:solidFill>
-            <a:schemeClr val="accent2">
-              <a:alpha val="100000"/>
-            </a:schemeClr>
-          </a:solidFill>
-          <a:ln w="50800" cap="rnd" cmpd="dbl" algn="ctr">
-            <a:noFill/>
-            <a:prstDash val="solid"/>
-          </a:ln>
-          <a:effectLst/>
-        </p:spPr>
-        <p:style>
-          <a:lnRef idx="3">
-            <a:schemeClr val="lt1"/>
-          </a:lnRef>
-          <a:fillRef idx="1">
-            <a:schemeClr val="accent1"/>
-          </a:fillRef>
-          <a:effectRef idx="1">
-            <a:schemeClr val="accent1"/>
-          </a:effectRef>
-          <a:fontRef idx="minor">
-            <a:schemeClr val="lt1"/>
-          </a:fontRef>
-        </p:style>
-        <p:txBody>
-          <a:bodyPr anchor="ctr"/>
-          <a:lstStyle/>
-          <a:p>
-            <a:pPr algn="ctr" eaLnBrk="1" latinLnBrk="0" hangingPunct="1"/>
-            <a:endParaRPr kumimoji="0" lang="en-US"/>
-          </a:p>
-        </p:txBody>
-      </p:sp>
-      <p:sp>
-        <p:nvSpPr>
-          <p:cNvPr id="9" name="Rectangle 8"/>
-          <p:cNvSpPr/>
-          <p:nvPr/>
-        </p:nvSpPr>
-        <p:spPr>
-          <a:xfrm>
-            <a:off x="1828324" y="1600200"/>
-            <a:ext cx="10360501" cy="990600"/>
-          </a:xfrm>
-          <a:prstGeom prst="rect">
-            <a:avLst/>
-          </a:prstGeom>
-          <a:solidFill>
-            <a:schemeClr val="accent1">
-              <a:alpha val="100000"/>
-            </a:schemeClr>
-          </a:solidFill>
-          <a:ln w="50800" cap="rnd" cmpd="dbl" algn="ctr">
-            <a:noFill/>
-            <a:prstDash val="solid"/>
-          </a:ln>
-          <a:effectLst/>
-        </p:spPr>
-        <p:style>
-          <a:lnRef idx="3">
-            <a:schemeClr val="lt1"/>
-          </a:lnRef>
-          <a:fillRef idx="1">
-            <a:schemeClr val="accent1"/>
-          </a:fillRef>
-          <a:effectRef idx="1">
-            <a:schemeClr val="accent1"/>
-          </a:effectRef>
-          <a:fontRef idx="minor">
-            <a:schemeClr val="lt1"/>
-          </a:fontRef>
-        </p:style>
-        <p:txBody>
-          <a:bodyPr anchor="ctr"/>
-          <a:lstStyle/>
-          <a:p>
-            <a:pPr algn="ctr" eaLnBrk="1" latinLnBrk="0" hangingPunct="1"/>
-            <a:endParaRPr kumimoji="0" lang="en-US"/>
-          </a:p>
-        </p:txBody>
-      </p:sp>
-      <p:sp>
-        <p:nvSpPr>
-          <p:cNvPr id="2" name="Title 1"/>
-          <p:cNvSpPr>
-            <a:spLocks noGrp="1"/>
-          </p:cNvSpPr>
-          <p:nvPr>
-            <p:ph type="title"/>
-          </p:nvPr>
-        </p:nvSpPr>
-        <p:spPr>
-          <a:xfrm>
-            <a:off x="1828324" y="1600200"/>
-            <a:ext cx="10157354" cy="667875"/>
-          </a:xfrm>
-        </p:spPr>
-        <p:txBody>
-          <a:bodyPr/>
-          <a:lstStyle>
-            <a:lvl1pPr algn="l">
-              <a:buNone/>
-              <a:defRPr sz="4400" b="0" cap="none">
-                <a:solidFill>
-                  <a:srgbClr val="FFFFFF"/>
-                </a:solidFill>
-              </a:defRPr>
-            </a:lvl1pPr>
-          </a:lstStyle>
-          <a:p>
-            <a:r>
-              <a:rPr kumimoji="0" lang="en-US"/>
-              <a:t>Click to edit Master title style</a:t>
-            </a:r>
-            <a:endParaRPr kumimoji="0" lang="en-US" dirty="0"/>
-          </a:p>
-        </p:txBody>
-      </p:sp>
-      <p:sp>
-        <p:nvSpPr>
-          <p:cNvPr id="13" name="Slide Number Placeholder 12"/>
-          <p:cNvSpPr>
-            <a:spLocks noGrp="1"/>
-          </p:cNvSpPr>
-          <p:nvPr>
-            <p:ph type="sldNum" sz="quarter" idx="11"/>
-          </p:nvPr>
-        </p:nvSpPr>
-        <p:spPr>
-          <a:xfrm>
-            <a:off x="0" y="1752600"/>
-            <a:ext cx="1726750" cy="701676"/>
-          </a:xfrm>
-          <a:prstGeom prst="rect">
-            <a:avLst/>
-          </a:prstGeom>
-        </p:spPr>
-        <p:txBody>
-          <a:bodyPr>
-            <a:noAutofit/>
-          </a:bodyPr>
-          <a:lstStyle>
-            <a:lvl1pPr>
-              <a:defRPr sz="2400">
-                <a:solidFill>
-                  <a:srgbClr val="FFFFFF"/>
-                </a:solidFill>
-              </a:defRPr>
-            </a:lvl1pPr>
-          </a:lstStyle>
-          <a:p>
-            <a:pPr algn="ctr" eaLnBrk="1" latinLnBrk="0" hangingPunct="1"/>
-            <a:fld id="{F0C94032-CD4C-4C25-B0C2-CEC720522D92}" type="slidenum">
-              <a:rPr kumimoji="0" lang="en-US" smtClean="0"/>
-              <a:pPr algn="ctr" eaLnBrk="1" latinLnBrk="0" hangingPunct="1"/>
-              <a:t>‹#›</a:t>
-            </a:fld>
-            <a:endParaRPr kumimoji="0" lang="en-US" sz="2400" dirty="0">
-              <a:solidFill>
-                <a:srgbClr val="FFFFFF"/>
-              </a:solidFill>
-            </a:endParaRPr>
-          </a:p>
-        </p:txBody>
-      </p:sp>
-      <p:sp>
-        <p:nvSpPr>
-          <p:cNvPr id="10" name="Footer Placeholder 4"/>
-          <p:cNvSpPr>
-            <a:spLocks noGrp="1"/>
-          </p:cNvSpPr>
-          <p:nvPr>
-            <p:ph type="ftr" sz="quarter" idx="3"/>
-          </p:nvPr>
-        </p:nvSpPr>
-        <p:spPr>
-          <a:xfrm>
-            <a:off x="4104862" y="6513223"/>
-            <a:ext cx="4059169" cy="218473"/>
-          </a:xfrm>
-          <a:prstGeom prst="rect">
-            <a:avLst/>
-          </a:prstGeom>
-        </p:spPr>
-        <p:txBody>
-          <a:bodyPr/>
-          <a:lstStyle>
-            <a:lvl1pPr>
-              <a:defRPr sz="1200">
-                <a:latin typeface="Calibri"/>
-                <a:cs typeface="Calibri"/>
-              </a:defRPr>
-            </a:lvl1pPr>
-          </a:lstStyle>
-          <a:p>
-            <a:r>
-              <a:rPr lang="en-US" dirty="0"/>
-              <a:t>ATPESC, August 2017</a:t>
-            </a:r>
-          </a:p>
-        </p:txBody>
-      </p:sp>
-      <p:pic>
-        <p:nvPicPr>
-          <p:cNvPr id="11" name="Picture 10" descr="IDEAS_logo.png"/>
-          <p:cNvPicPr>
-            <a:picLocks noChangeAspect="1"/>
-          </p:cNvPicPr>
-          <p:nvPr userDrawn="1"/>
-        </p:nvPicPr>
-        <p:blipFill>
-          <a:blip r:embed="rId2" cstate="print">
-            <a:extLst>
-              <a:ext uri="{28A0092B-C50C-407E-A947-70E740481C1C}">
-                <a14:useLocalDpi xmlns:a14="http://schemas.microsoft.com/office/drawing/2010/main"/>
-              </a:ext>
-            </a:extLst>
-          </a:blip>
-          <a:stretch>
-            <a:fillRect/>
-          </a:stretch>
-        </p:blipFill>
-        <p:spPr>
-          <a:xfrm>
-            <a:off x="10982044" y="6417642"/>
-            <a:ext cx="1086190" cy="376761"/>
-          </a:xfrm>
-          <a:prstGeom prst="rect">
-            <a:avLst/>
-          </a:prstGeom>
-        </p:spPr>
-      </p:pic>
-    </p:spTree>
-    <p:extLst>
-      <p:ext uri="{BB962C8B-B14F-4D97-AF65-F5344CB8AC3E}">
-        <p14:creationId xmlns:p14="http://schemas.microsoft.com/office/powerpoint/2010/main" val="2893954155"/>
-      </p:ext>
-    </p:extLst>
-  </p:cSld>
-  <p:clrMapOvr>
-    <a:overrideClrMapping bg1="lt1" tx1="dk1" bg2="lt2" tx2="dk2" accent1="accent1" accent2="accent2" accent3="accent3" accent4="accent4" accent5="accent5" accent6="accent6" hlink="hlink" folHlink="folHlink"/>
-  </p:clrMapOvr>
-</p:sldLayout>
-</file>
-
-<file path=ppt/slideLayouts/slideLayout15.xml><?xml version="1.0" encoding="utf-8"?>
-<p:sldLayout xmlns:a="http://schemas.openxmlformats.org/drawingml/2006/main" xmlns:r="http://schemas.openxmlformats.org/officeDocument/2006/relationships" xmlns:p="http://schemas.openxmlformats.org/presentationml/2006/main" showMasterSp="0" type="blank">
-  <p:cSld name="Blank">
-    <p:spTree>
-      <p:nvGrpSpPr>
-        <p:cNvPr id="1" name=""/>
-        <p:cNvGrpSpPr/>
-        <p:nvPr/>
-      </p:nvGrpSpPr>
-      <p:grpSpPr>
-        <a:xfrm>
-          <a:off x="0" y="0"/>
-          <a:ext cx="0" cy="0"/>
-          <a:chOff x="0" y="0"/>
-          <a:chExt cx="0" cy="0"/>
-        </a:xfrm>
-      </p:grpSpPr>
-      <p:sp>
-        <p:nvSpPr>
-          <p:cNvPr id="4" name="Slide Number Placeholder 3"/>
-          <p:cNvSpPr>
-            <a:spLocks noGrp="1"/>
-          </p:cNvSpPr>
-          <p:nvPr>
-            <p:ph type="sldNum" sz="quarter" idx="12"/>
-          </p:nvPr>
-        </p:nvSpPr>
-        <p:spPr>
-          <a:xfrm>
-            <a:off x="0" y="6248400"/>
-            <a:ext cx="711015" cy="381000"/>
-          </a:xfrm>
-          <a:prstGeom prst="rect">
-            <a:avLst/>
-          </a:prstGeom>
-        </p:spPr>
-        <p:txBody>
-          <a:bodyPr/>
-          <a:lstStyle>
-            <a:lvl1pPr>
-              <a:defRPr>
-                <a:solidFill>
-                  <a:schemeClr val="tx2"/>
-                </a:solidFill>
-                <a:latin typeface="Calibri"/>
-                <a:cs typeface="Calibri"/>
-              </a:defRPr>
-            </a:lvl1pPr>
-          </a:lstStyle>
-          <a:p>
-            <a:fld id="{F0C94032-CD4C-4C25-B0C2-CEC720522D92}" type="slidenum">
-              <a:rPr lang="en-US" smtClean="0"/>
-              <a:pPr/>
-              <a:t>‹#›</a:t>
-            </a:fld>
-            <a:endParaRPr lang="en-US" dirty="0"/>
-          </a:p>
-        </p:txBody>
-      </p:sp>
-      <p:sp>
-        <p:nvSpPr>
-          <p:cNvPr id="5" name="Footer Placeholder 4"/>
-          <p:cNvSpPr>
-            <a:spLocks noGrp="1"/>
-          </p:cNvSpPr>
-          <p:nvPr>
-            <p:ph type="ftr" sz="quarter" idx="3"/>
-          </p:nvPr>
-        </p:nvSpPr>
-        <p:spPr>
-          <a:xfrm>
-            <a:off x="4104862" y="6497543"/>
-            <a:ext cx="4059169" cy="218473"/>
-          </a:xfrm>
-          <a:prstGeom prst="rect">
-            <a:avLst/>
-          </a:prstGeom>
-        </p:spPr>
-        <p:txBody>
-          <a:bodyPr/>
-          <a:lstStyle>
-            <a:lvl1pPr>
-              <a:defRPr sz="1400">
-                <a:latin typeface="Calibri"/>
-                <a:cs typeface="Calibri"/>
-              </a:defRPr>
-            </a:lvl1pPr>
-          </a:lstStyle>
-          <a:p>
-            <a:endParaRPr lang="en-US" dirty="0"/>
-          </a:p>
-        </p:txBody>
-      </p:sp>
-    </p:spTree>
-    <p:extLst>
-      <p:ext uri="{BB962C8B-B14F-4D97-AF65-F5344CB8AC3E}">
-        <p14:creationId xmlns:p14="http://schemas.microsoft.com/office/powerpoint/2010/main" val="365896395"/>
-      </p:ext>
-    </p:extLst>
-  </p:cSld>
-  <p:clrMapOvr>
-    <a:masterClrMapping/>
-  </p:clrMapOvr>
-</p:sldLayout>
-</file>
-
-<file path=ppt/slideLayouts/slideLayout2.xml><?xml version="1.0" encoding="utf-8"?>
-<p:sldLayout xmlns:a="http://schemas.openxmlformats.org/drawingml/2006/main" xmlns:r="http://schemas.openxmlformats.org/officeDocument/2006/relationships" xmlns:p="http://schemas.openxmlformats.org/presentationml/2006/main" type="obj" preserve="1">
-  <p:cSld name="Title and Content">
-    <p:spTree>
-      <p:nvGrpSpPr>
-        <p:cNvPr id="1" name=""/>
-        <p:cNvGrpSpPr/>
-        <p:nvPr/>
-      </p:nvGrpSpPr>
-      <p:grpSpPr>
-        <a:xfrm>
-          <a:off x="0" y="0"/>
-          <a:ext cx="0" cy="0"/>
-          <a:chOff x="0" y="0"/>
-          <a:chExt cx="0" cy="0"/>
-        </a:xfrm>
-      </p:grpSpPr>
-      <p:sp>
-        <p:nvSpPr>
-          <p:cNvPr id="2" name="Title 1"/>
-          <p:cNvSpPr>
-            <a:spLocks noGrp="1"/>
-          </p:cNvSpPr>
-          <p:nvPr>
-            <p:ph type="title"/>
-          </p:nvPr>
-        </p:nvSpPr>
-        <p:spPr>
-          <a:xfrm>
-            <a:off x="365760" y="411480"/>
-            <a:ext cx="11372473" cy="510909"/>
-          </a:xfrm>
-        </p:spPr>
-        <p:txBody>
-          <a:bodyPr anchor="t" anchorCtr="0"/>
-          <a:lstStyle/>
-          <a:p>
-            <a:r>
-              <a:rPr lang="en-US" dirty="0">
-                <a:uFillTx/>
-              </a:rPr>
-              <a:t>Click to edit Master title style</a:t>
-            </a:r>
-          </a:p>
-        </p:txBody>
-      </p:sp>
-      <p:sp>
-        <p:nvSpPr>
-          <p:cNvPr id="3" name="Content Placeholder 2"/>
-          <p:cNvSpPr>
-            <a:spLocks noGrp="1"/>
-          </p:cNvSpPr>
-          <p:nvPr>
-            <p:ph idx="1"/>
-          </p:nvPr>
-        </p:nvSpPr>
-        <p:spPr>
-          <a:xfrm>
-            <a:off x="365760" y="1615440"/>
-            <a:ext cx="11369809" cy="4047778"/>
-          </a:xfrm>
-        </p:spPr>
-        <p:txBody>
-          <a:bodyPr/>
-          <a:lstStyle>
-            <a:lvl1pPr>
-              <a:defRPr>
-                <a:uFillTx/>
-                <a:latin typeface="Arial" panose="020B0604020202020204" pitchFamily="34" charset="0"/>
-                <a:cs typeface="Arial" panose="020B0604020202020204" pitchFamily="34" charset="0"/>
-              </a:defRPr>
-            </a:lvl1pPr>
-            <a:lvl2pPr>
-              <a:defRPr>
-                <a:uFillTx/>
-                <a:latin typeface="Arial" panose="020B0604020202020204" pitchFamily="34" charset="0"/>
-                <a:cs typeface="Arial" panose="020B0604020202020204" pitchFamily="34" charset="0"/>
-              </a:defRPr>
-            </a:lvl2pPr>
-            <a:lvl3pPr>
-              <a:defRPr>
-                <a:uFillTx/>
-                <a:latin typeface="Arial" panose="020B0604020202020204" pitchFamily="34" charset="0"/>
-                <a:cs typeface="Arial" panose="020B0604020202020204" pitchFamily="34" charset="0"/>
-              </a:defRPr>
-            </a:lvl3pPr>
-            <a:lvl4pPr>
-              <a:defRPr>
-                <a:uFillTx/>
-                <a:latin typeface="Arial" panose="020B0604020202020204" pitchFamily="34" charset="0"/>
-                <a:cs typeface="Arial" panose="020B0604020202020204" pitchFamily="34" charset="0"/>
-              </a:defRPr>
-            </a:lvl4pPr>
-            <a:lvl5pPr marL="1482725" indent="-222250">
-              <a:buFont typeface="Arial" panose="020B0604020202020204" pitchFamily="34" charset="0"/>
-              <a:buChar char="•"/>
-              <a:defRPr>
-                <a:uFillTx/>
-                <a:latin typeface="Arial" panose="020B0604020202020204" pitchFamily="34" charset="0"/>
-                <a:cs typeface="Arial" panose="020B0604020202020204" pitchFamily="34" charset="0"/>
-              </a:defRPr>
-            </a:lvl5pPr>
-          </a:lstStyle>
-          <a:p>
-            <a:pPr lvl="0"/>
-            <a:r>
-              <a:rPr lang="en-US" dirty="0">
-                <a:uFillTx/>
-              </a:rPr>
-              <a:t>Click to edit Master text styles</a:t>
-            </a:r>
-          </a:p>
-          <a:p>
-            <a:pPr lvl="1"/>
-            <a:r>
-              <a:rPr lang="en-US" dirty="0">
-                <a:uFillTx/>
-              </a:rPr>
-              <a:t>Second level</a:t>
-            </a:r>
-          </a:p>
-          <a:p>
-            <a:pPr lvl="2"/>
-            <a:r>
-              <a:rPr lang="en-US" dirty="0">
-                <a:uFillTx/>
-              </a:rPr>
-              <a:t>Third level</a:t>
-            </a:r>
-          </a:p>
-          <a:p>
-            <a:pPr lvl="3"/>
-            <a:r>
-              <a:rPr lang="en-US" dirty="0">
-                <a:uFillTx/>
-              </a:rPr>
-              <a:t>Fourth level</a:t>
-            </a:r>
-          </a:p>
-          <a:p>
-            <a:pPr lvl="4"/>
-            <a:r>
-              <a:rPr lang="en-US" dirty="0">
-                <a:uFillTx/>
-              </a:rPr>
-              <a:t>Fifth level</a:t>
-            </a:r>
-          </a:p>
-        </p:txBody>
-      </p:sp>
-    </p:spTree>
-  </p:cSld>
-  <p:clrMapOvr>
-    <a:masterClrMapping/>
-  </p:clrMapOvr>
-</p:sldLayout>
-</file>
-
-<file path=ppt/slideLayouts/slideLayout3.xml><?xml version="1.0" encoding="utf-8"?>
-<p:sldLayout xmlns:a="http://schemas.openxmlformats.org/drawingml/2006/main" xmlns:r="http://schemas.openxmlformats.org/officeDocument/2006/relationships" xmlns:p="http://schemas.openxmlformats.org/presentationml/2006/main" type="twoTxTwoObj" preserve="1">
-  <p:cSld name="Comparison">
-    <p:spTree>
-      <p:nvGrpSpPr>
-        <p:cNvPr id="1" name=""/>
-        <p:cNvGrpSpPr/>
-        <p:nvPr/>
-      </p:nvGrpSpPr>
-      <p:grpSpPr>
-        <a:xfrm>
-          <a:off x="0" y="0"/>
-          <a:ext cx="0" cy="0"/>
-          <a:chOff x="0" y="0"/>
-          <a:chExt cx="0" cy="0"/>
-        </a:xfrm>
-      </p:grpSpPr>
-      <p:sp>
-        <p:nvSpPr>
-          <p:cNvPr id="2" name="Title 1"/>
-          <p:cNvSpPr>
-            <a:spLocks noGrp="1"/>
-          </p:cNvSpPr>
-          <p:nvPr>
-            <p:ph type="title"/>
-          </p:nvPr>
-        </p:nvSpPr>
-        <p:spPr>
-          <a:xfrm>
-            <a:off x="365760" y="410602"/>
-            <a:ext cx="11375136" cy="877824"/>
-          </a:xfrm>
-        </p:spPr>
-        <p:txBody>
-          <a:bodyPr/>
-          <a:lstStyle>
-            <a:lvl1pPr>
-              <a:defRPr>
-                <a:uFillTx/>
-              </a:defRPr>
-            </a:lvl1pPr>
-          </a:lstStyle>
-          <a:p>
-            <a:r>
-              <a:rPr lang="en-US" dirty="0">
-                <a:uFillTx/>
-              </a:rPr>
-              <a:t>Click to edit Master title style</a:t>
-            </a:r>
-          </a:p>
-        </p:txBody>
-      </p:sp>
-      <p:sp>
-        <p:nvSpPr>
-          <p:cNvPr id="3" name="Text Placeholder 2"/>
-          <p:cNvSpPr>
-            <a:spLocks noGrp="1"/>
-          </p:cNvSpPr>
-          <p:nvPr>
-            <p:ph type="body" idx="1"/>
-          </p:nvPr>
-        </p:nvSpPr>
-        <p:spPr>
-          <a:xfrm>
-            <a:off x="365760" y="1553612"/>
-            <a:ext cx="5588582" cy="821190"/>
-          </a:xfrm>
-        </p:spPr>
-        <p:txBody>
-          <a:bodyPr anchor="b"/>
-          <a:lstStyle>
-            <a:lvl1pPr marL="0" indent="0">
-              <a:buNone/>
-              <a:defRPr sz="2400" b="1">
-                <a:solidFill>
-                  <a:schemeClr val="tx2"/>
-                </a:solidFill>
-                <a:uFillTx/>
-              </a:defRPr>
-            </a:lvl1pPr>
-            <a:lvl2pPr marL="457200" indent="0">
-              <a:buNone/>
-              <a:defRPr sz="2000" b="1">
-                <a:uFillTx/>
-              </a:defRPr>
-            </a:lvl2pPr>
-            <a:lvl3pPr marL="914400" indent="0">
-              <a:buNone/>
-              <a:defRPr sz="1800" b="1">
-                <a:uFillTx/>
-              </a:defRPr>
-            </a:lvl3pPr>
-            <a:lvl4pPr marL="1371600" indent="0">
-              <a:buNone/>
-              <a:defRPr sz="1600" b="1">
-                <a:uFillTx/>
-              </a:defRPr>
-            </a:lvl4pPr>
-            <a:lvl5pPr marL="1828800" indent="0">
-              <a:buNone/>
-              <a:defRPr sz="1600" b="1">
-                <a:uFillTx/>
-              </a:defRPr>
-            </a:lvl5pPr>
-            <a:lvl6pPr marL="2286000" indent="0">
-              <a:buNone/>
-              <a:defRPr sz="1600" b="1">
-                <a:uFillTx/>
-              </a:defRPr>
-            </a:lvl6pPr>
-            <a:lvl7pPr marL="2743200" indent="0">
-              <a:buNone/>
-              <a:defRPr sz="1600" b="1">
-                <a:uFillTx/>
-              </a:defRPr>
-            </a:lvl7pPr>
-            <a:lvl8pPr marL="3200400" indent="0">
-              <a:buNone/>
-              <a:defRPr sz="1600" b="1">
-                <a:uFillTx/>
-              </a:defRPr>
-            </a:lvl8pPr>
-            <a:lvl9pPr marL="3657600" indent="0">
-              <a:buNone/>
-              <a:defRPr sz="1600" b="1">
-                <a:uFillTx/>
-              </a:defRPr>
-            </a:lvl9pPr>
-          </a:lstStyle>
-          <a:p>
-            <a:pPr lvl="0"/>
-            <a:r>
-              <a:rPr lang="en-US">
-                <a:uFillTx/>
-              </a:rPr>
-              <a:t>Click to edit Master text styles</a:t>
-            </a:r>
-          </a:p>
-        </p:txBody>
-      </p:sp>
-      <p:sp>
-        <p:nvSpPr>
-          <p:cNvPr id="4" name="Content Placeholder 3"/>
-          <p:cNvSpPr>
-            <a:spLocks noGrp="1"/>
-          </p:cNvSpPr>
-          <p:nvPr>
-            <p:ph sz="half" idx="2"/>
-          </p:nvPr>
-        </p:nvSpPr>
-        <p:spPr>
-          <a:xfrm>
-            <a:off x="365760" y="2379194"/>
-            <a:ext cx="5588582" cy="3373229"/>
-          </a:xfrm>
-        </p:spPr>
-        <p:txBody>
-          <a:bodyPr/>
-          <a:lstStyle>
-            <a:lvl1pPr>
-              <a:defRPr sz="2400">
-                <a:uFillTx/>
-              </a:defRPr>
-            </a:lvl1pPr>
-            <a:lvl2pPr>
-              <a:defRPr sz="2000">
-                <a:uFillTx/>
-              </a:defRPr>
-            </a:lvl2pPr>
-            <a:lvl3pPr>
-              <a:defRPr sz="1800">
-                <a:uFillTx/>
-              </a:defRPr>
-            </a:lvl3pPr>
-            <a:lvl4pPr>
-              <a:defRPr sz="1600">
-                <a:uFillTx/>
-              </a:defRPr>
-            </a:lvl4pPr>
-            <a:lvl5pPr marL="1482725" indent="-222250">
-              <a:buFont typeface="Arial" panose="020B0604020202020204" pitchFamily="34" charset="0"/>
-              <a:buChar char="•"/>
-              <a:defRPr sz="1800">
-                <a:uFillTx/>
-              </a:defRPr>
-            </a:lvl5pPr>
-            <a:lvl6pPr>
-              <a:defRPr sz="1600">
-                <a:uFillTx/>
-              </a:defRPr>
-            </a:lvl6pPr>
-            <a:lvl7pPr>
-              <a:defRPr sz="1600">
-                <a:uFillTx/>
-              </a:defRPr>
-            </a:lvl7pPr>
-            <a:lvl8pPr>
-              <a:defRPr sz="1600">
-                <a:uFillTx/>
-              </a:defRPr>
-            </a:lvl8pPr>
-            <a:lvl9pPr>
-              <a:defRPr sz="1600">
-                <a:uFillTx/>
-              </a:defRPr>
-            </a:lvl9pPr>
-          </a:lstStyle>
-          <a:p>
-            <a:pPr lvl="0"/>
-            <a:r>
-              <a:rPr lang="en-US">
-                <a:uFillTx/>
-              </a:rPr>
-              <a:t>Click to edit Master text styles</a:t>
-            </a:r>
-          </a:p>
-          <a:p>
-            <a:pPr lvl="1"/>
-            <a:r>
-              <a:rPr lang="en-US">
-                <a:uFillTx/>
-              </a:rPr>
-              <a:t>Second level</a:t>
-            </a:r>
-          </a:p>
-          <a:p>
-            <a:pPr lvl="2"/>
-            <a:r>
-              <a:rPr lang="en-US">
-                <a:uFillTx/>
-              </a:rPr>
-              <a:t>Third level</a:t>
-            </a:r>
-          </a:p>
-          <a:p>
-            <a:pPr lvl="3"/>
-            <a:r>
-              <a:rPr lang="en-US">
-                <a:uFillTx/>
-              </a:rPr>
-              <a:t>Fourth level</a:t>
-            </a:r>
-          </a:p>
-          <a:p>
-            <a:pPr lvl="4"/>
-            <a:r>
-              <a:rPr lang="en-US">
-                <a:uFillTx/>
-              </a:rPr>
-              <a:t>Fifth level</a:t>
-            </a:r>
-            <a:endParaRPr lang="en-US" dirty="0">
-              <a:uFillTx/>
-            </a:endParaRPr>
-          </a:p>
-        </p:txBody>
-      </p:sp>
-      <p:sp>
-        <p:nvSpPr>
-          <p:cNvPr id="5" name="Text Placeholder 4"/>
-          <p:cNvSpPr>
-            <a:spLocks noGrp="1"/>
-          </p:cNvSpPr>
-          <p:nvPr>
-            <p:ph type="body" sz="quarter" idx="3"/>
-          </p:nvPr>
-        </p:nvSpPr>
-        <p:spPr>
-          <a:xfrm>
-            <a:off x="6191755" y="1553612"/>
-            <a:ext cx="5531934" cy="821190"/>
-          </a:xfrm>
-        </p:spPr>
-        <p:txBody>
-          <a:bodyPr anchor="b"/>
-          <a:lstStyle>
-            <a:lvl1pPr marL="0" indent="0">
-              <a:buNone/>
-              <a:defRPr sz="2400" b="1">
-                <a:solidFill>
-                  <a:schemeClr val="tx2"/>
-                </a:solidFill>
-                <a:uFillTx/>
-              </a:defRPr>
-            </a:lvl1pPr>
-            <a:lvl2pPr marL="457200" indent="0">
-              <a:buNone/>
-              <a:defRPr sz="2000" b="1">
-                <a:uFillTx/>
-              </a:defRPr>
-            </a:lvl2pPr>
-            <a:lvl3pPr marL="914400" indent="0">
-              <a:buNone/>
-              <a:defRPr sz="1800" b="1">
-                <a:uFillTx/>
-              </a:defRPr>
-            </a:lvl3pPr>
-            <a:lvl4pPr marL="1371600" indent="0">
-              <a:buNone/>
-              <a:defRPr sz="1600" b="1">
-                <a:uFillTx/>
-              </a:defRPr>
-            </a:lvl4pPr>
-            <a:lvl5pPr marL="1828800" indent="0">
-              <a:buNone/>
-              <a:defRPr sz="1600" b="1">
-                <a:uFillTx/>
-              </a:defRPr>
-            </a:lvl5pPr>
-            <a:lvl6pPr marL="2286000" indent="0">
-              <a:buNone/>
-              <a:defRPr sz="1600" b="1">
-                <a:uFillTx/>
-              </a:defRPr>
-            </a:lvl6pPr>
-            <a:lvl7pPr marL="2743200" indent="0">
-              <a:buNone/>
-              <a:defRPr sz="1600" b="1">
-                <a:uFillTx/>
-              </a:defRPr>
-            </a:lvl7pPr>
-            <a:lvl8pPr marL="3200400" indent="0">
-              <a:buNone/>
-              <a:defRPr sz="1600" b="1">
-                <a:uFillTx/>
-              </a:defRPr>
-            </a:lvl8pPr>
-            <a:lvl9pPr marL="3657600" indent="0">
-              <a:buNone/>
-              <a:defRPr sz="1600" b="1">
-                <a:uFillTx/>
-              </a:defRPr>
-            </a:lvl9pPr>
-          </a:lstStyle>
-          <a:p>
-            <a:pPr lvl="0"/>
-            <a:r>
-              <a:rPr lang="en-US">
-                <a:uFillTx/>
-              </a:rPr>
-              <a:t>Click to edit Master text styles</a:t>
-            </a:r>
-          </a:p>
-        </p:txBody>
-      </p:sp>
-      <p:sp>
-        <p:nvSpPr>
-          <p:cNvPr id="6" name="Content Placeholder 5"/>
-          <p:cNvSpPr>
-            <a:spLocks noGrp="1"/>
-          </p:cNvSpPr>
-          <p:nvPr>
-            <p:ph sz="quarter" idx="4"/>
-          </p:nvPr>
-        </p:nvSpPr>
-        <p:spPr>
-          <a:xfrm>
-            <a:off x="6191755" y="2379194"/>
-            <a:ext cx="5531934" cy="3373229"/>
-          </a:xfrm>
-        </p:spPr>
-        <p:txBody>
-          <a:bodyPr/>
-          <a:lstStyle>
-            <a:lvl1pPr>
-              <a:defRPr sz="2400">
-                <a:uFillTx/>
-              </a:defRPr>
-            </a:lvl1pPr>
-            <a:lvl2pPr>
-              <a:defRPr sz="2000">
-                <a:uFillTx/>
-              </a:defRPr>
-            </a:lvl2pPr>
-            <a:lvl3pPr>
-              <a:defRPr sz="1800">
-                <a:uFillTx/>
-              </a:defRPr>
-            </a:lvl3pPr>
-            <a:lvl4pPr>
-              <a:defRPr sz="1600">
-                <a:uFillTx/>
-              </a:defRPr>
-            </a:lvl4pPr>
-            <a:lvl5pPr marL="1482725" indent="-222250">
-              <a:defRPr lang="en-US" sz="1800" kern="1200" dirty="0">
-                <a:solidFill>
-                  <a:schemeClr val="tx1"/>
-                </a:solidFill>
-                <a:uFillTx/>
-                <a:latin typeface="+mn-lt"/>
-                <a:ea typeface="+mn-ea"/>
-                <a:cs typeface="+mn-cs"/>
-              </a:defRPr>
-            </a:lvl5pPr>
-            <a:lvl6pPr>
-              <a:defRPr sz="1600">
-                <a:uFillTx/>
-              </a:defRPr>
-            </a:lvl6pPr>
-            <a:lvl7pPr>
-              <a:defRPr sz="1600">
-                <a:uFillTx/>
-              </a:defRPr>
-            </a:lvl7pPr>
-            <a:lvl8pPr>
-              <a:defRPr sz="1600">
-                <a:uFillTx/>
-              </a:defRPr>
-            </a:lvl8pPr>
-            <a:lvl9pPr>
-              <a:defRPr sz="1600">
-                <a:uFillTx/>
-              </a:defRPr>
-            </a:lvl9pPr>
-          </a:lstStyle>
-          <a:p>
-            <a:pPr lvl="0"/>
-            <a:r>
-              <a:rPr lang="en-US">
-                <a:uFillTx/>
-              </a:rPr>
-              <a:t>Click to edit Master text styles</a:t>
-            </a:r>
-          </a:p>
-          <a:p>
-            <a:pPr lvl="1"/>
-            <a:r>
-              <a:rPr lang="en-US">
-                <a:uFillTx/>
-              </a:rPr>
-              <a:t>Second level</a:t>
-            </a:r>
-          </a:p>
-          <a:p>
-            <a:pPr lvl="2"/>
-            <a:r>
-              <a:rPr lang="en-US">
-                <a:uFillTx/>
-              </a:rPr>
-              <a:t>Third level</a:t>
-            </a:r>
-          </a:p>
-          <a:p>
-            <a:pPr lvl="3"/>
-            <a:r>
-              <a:rPr lang="en-US">
-                <a:uFillTx/>
-              </a:rPr>
-              <a:t>Fourth level</a:t>
-            </a:r>
-          </a:p>
-          <a:p>
-            <a:pPr lvl="4"/>
-            <a:r>
-              <a:rPr lang="en-US">
-                <a:uFillTx/>
-              </a:rPr>
-              <a:t>Fifth level</a:t>
-            </a:r>
-            <a:endParaRPr lang="en-US" dirty="0">
-              <a:uFillTx/>
-            </a:endParaRPr>
-          </a:p>
-        </p:txBody>
-      </p:sp>
-    </p:spTree>
-  </p:cSld>
-  <p:clrMapOvr>
-    <a:masterClrMapping/>
-  </p:clrMapOvr>
-</p:sldLayout>
-</file>
-
-<file path=ppt/slideLayouts/slideLayout4.xml><?xml version="1.0" encoding="utf-8"?>
-<p:sldLayout xmlns:a="http://schemas.openxmlformats.org/drawingml/2006/main" xmlns:r="http://schemas.openxmlformats.org/officeDocument/2006/relationships" xmlns:p="http://schemas.openxmlformats.org/presentationml/2006/main" showMasterSp="0" preserve="1">
-  <p:cSld name="Section divider">
-    <p:spTree>
-      <p:nvGrpSpPr>
-        <p:cNvPr id="1" name=""/>
-        <p:cNvGrpSpPr/>
-        <p:nvPr/>
-      </p:nvGrpSpPr>
-      <p:grpSpPr>
-        <a:xfrm>
-          <a:off x="0" y="0"/>
-          <a:ext cx="0" cy="0"/>
-          <a:chOff x="0" y="0"/>
-          <a:chExt cx="0" cy="0"/>
-        </a:xfrm>
-      </p:grpSpPr>
-      <p:sp>
-        <p:nvSpPr>
-          <p:cNvPr id="2" name="Title 1"/>
-          <p:cNvSpPr>
-            <a:spLocks noGrp="1"/>
-          </p:cNvSpPr>
-          <p:nvPr>
-            <p:ph type="title"/>
-          </p:nvPr>
-        </p:nvSpPr>
-        <p:spPr>
-          <a:xfrm>
-            <a:off x="365760" y="411480"/>
-            <a:ext cx="11375136" cy="877824"/>
-          </a:xfrm>
-        </p:spPr>
-        <p:txBody>
-          <a:bodyPr/>
-          <a:lstStyle/>
-          <a:p>
-            <a:r>
-              <a:rPr lang="en-US" dirty="0">
-                <a:uFillTx/>
-              </a:rPr>
-              <a:t>Click to edit Master title style</a:t>
-            </a:r>
-          </a:p>
-        </p:txBody>
-      </p:sp>
-    </p:spTree>
-  </p:cSld>
-  <p:clrMapOvr>
-    <a:masterClrMapping/>
-  </p:clrMapOvr>
-</p:sldLayout>
-</file>
-
-<file path=ppt/slideLayouts/slideLayout5.xml><?xml version="1.0" encoding="utf-8"?>
-<p:sldLayout xmlns:a="http://schemas.openxmlformats.org/drawingml/2006/main" xmlns:r="http://schemas.openxmlformats.org/officeDocument/2006/relationships" xmlns:p="http://schemas.openxmlformats.org/presentationml/2006/main" showMasterSp="0" preserve="1">
-  <p:cSld name="Section break">
-    <p:spTree>
-      <p:nvGrpSpPr>
-        <p:cNvPr id="1" name=""/>
-        <p:cNvGrpSpPr/>
-        <p:nvPr/>
-      </p:nvGrpSpPr>
-      <p:grpSpPr>
-        <a:xfrm>
-          <a:off x="0" y="0"/>
-          <a:ext cx="0" cy="0"/>
-          <a:chOff x="0" y="0"/>
-          <a:chExt cx="0" cy="0"/>
-        </a:xfrm>
-      </p:grpSpPr>
-      <p:sp>
-        <p:nvSpPr>
-          <p:cNvPr id="22" name="Rectangle 21"/>
-          <p:cNvSpPr>
-            <a:spLocks/>
-          </p:cNvSpPr>
-          <p:nvPr userDrawn="1"/>
-        </p:nvSpPr>
-        <p:spPr>
-          <a:xfrm>
-            <a:off x="8305800" y="5921829"/>
-            <a:ext cx="3883025" cy="936171"/>
-          </a:xfrm>
-          <a:prstGeom prst="rect">
-            <a:avLst/>
-          </a:prstGeom>
-          <a:noFill/>
-          <a:ln>
-            <a:noFill/>
-          </a:ln>
-          <a:effectLst/>
-          <a:scene3d>
-            <a:camera prst="orthographicFront">
-              <a:rot lat="0" lon="0" rev="0"/>
-            </a:camera>
-            <a:lightRig rig="threePt" dir="t">
-              <a:rot lat="0" lon="0" rev="1200000"/>
-            </a:lightRig>
-          </a:scene3d>
-        </p:spPr>
-        <p:style>
-          <a:lnRef idx="0">
-            <a:schemeClr val="accent1"/>
-          </a:lnRef>
-          <a:fillRef idx="3">
-            <a:schemeClr val="accent1"/>
-          </a:fillRef>
-          <a:effectRef idx="3">
-            <a:schemeClr val="accent1"/>
-          </a:effectRef>
-          <a:fontRef idx="minor">
-            <a:schemeClr val="lt1"/>
-          </a:fontRef>
-        </p:style>
-        <p:txBody>
-          <a:bodyPr rot="0" spcFirstLastPara="0" vertOverflow="overflow" horzOverflow="overflow" vert="horz" wrap="square" lIns="45720" tIns="45720" rIns="45720" bIns="45720" numCol="1" rtlCol="0" fromWordArt="0" anchor="ctr" anchorCtr="0" forceAA="0" compatLnSpc="1">
-            <a:prstTxWarp prst="textNoShape">
-              <a:avLst/>
-            </a:prstTxWarp>
-            <a:noAutofit/>
-          </a:bodyPr>
-          <a:lstStyle/>
-          <a:p>
-            <a:pPr algn="ctr">
-              <a:lnSpc>
-                <a:spcPct val="90000"/>
-              </a:lnSpc>
-            </a:pPr>
-            <a:endParaRPr lang="en-US" dirty="0">
-              <a:solidFill>
-                <a:schemeClr val="tx1"/>
-              </a:solidFill>
-              <a:uFillTx/>
-            </a:endParaRPr>
-          </a:p>
-        </p:txBody>
-      </p:sp>
-      <p:sp>
-        <p:nvSpPr>
-          <p:cNvPr id="2" name="Title 1"/>
-          <p:cNvSpPr>
-            <a:spLocks noGrp="1"/>
-          </p:cNvSpPr>
-          <p:nvPr userDrawn="1">
-            <p:ph type="ctrTitle"/>
-          </p:nvPr>
-        </p:nvSpPr>
-        <p:spPr>
-          <a:xfrm>
-            <a:off x="365760" y="411480"/>
-            <a:ext cx="6962455" cy="510909"/>
-          </a:xfrm>
-        </p:spPr>
-        <p:txBody>
-          <a:bodyPr/>
-          <a:lstStyle>
-            <a:lvl1pPr algn="l">
-              <a:defRPr sz="3200" b="1">
-                <a:solidFill>
-                  <a:schemeClr val="tx1"/>
-                </a:solidFill>
-                <a:uFillTx/>
-                <a:latin typeface="+mn-lt"/>
-              </a:defRPr>
-            </a:lvl1pPr>
-          </a:lstStyle>
-          <a:p>
-            <a:r>
-              <a:rPr lang="en-US" dirty="0">
-                <a:uFillTx/>
-              </a:rPr>
-              <a:t>Click to edit Master title style</a:t>
-            </a:r>
-          </a:p>
-        </p:txBody>
-      </p:sp>
-      <p:pic>
-        <p:nvPicPr>
-          <p:cNvPr id="12" name="Picture 11"/>
-          <p:cNvPicPr>
-            <a:picLocks noChangeAspect="1"/>
-          </p:cNvPicPr>
-          <p:nvPr userDrawn="1"/>
-        </p:nvPicPr>
-        <p:blipFill>
-          <a:blip r:embed="rId2" cstate="print"/>
-          <a:stretch>
-            <a:fillRect/>
-          </a:stretch>
-        </p:blipFill>
-        <p:spPr>
-          <a:xfrm>
-            <a:off x="8256801" y="4458940"/>
-            <a:ext cx="3047137" cy="1389960"/>
-          </a:xfrm>
-          <a:prstGeom prst="rect">
-            <a:avLst/>
-          </a:prstGeom>
-        </p:spPr>
-      </p:pic>
-      <p:grpSp>
-        <p:nvGrpSpPr>
-          <p:cNvPr id="13" name="Group 12"/>
-          <p:cNvGrpSpPr/>
-          <p:nvPr userDrawn="1"/>
-        </p:nvGrpSpPr>
-        <p:grpSpPr>
-          <a:xfrm>
-            <a:off x="-4595" y="6002316"/>
-            <a:ext cx="12198096" cy="27432"/>
-            <a:chOff x="-9675" y="6830568"/>
-            <a:chExt cx="9176303" cy="27432"/>
-          </a:xfrm>
-        </p:grpSpPr>
-        <p:sp>
-          <p:nvSpPr>
-            <p:cNvPr id="14" name="Rectangle 13"/>
-            <p:cNvSpPr>
-              <a:spLocks/>
-            </p:cNvSpPr>
-            <p:nvPr userDrawn="1"/>
-          </p:nvSpPr>
-          <p:spPr>
-            <a:xfrm>
-              <a:off x="5529226" y="6830568"/>
-              <a:ext cx="3637402" cy="27432"/>
-            </a:xfrm>
-            <a:prstGeom prst="rect">
-              <a:avLst/>
-            </a:prstGeom>
-            <a:solidFill>
-              <a:schemeClr val="accent4"/>
-            </a:solidFill>
-            <a:ln>
-              <a:noFill/>
-            </a:ln>
-            <a:effectLst/>
-            <a:scene3d>
-              <a:camera prst="orthographicFront">
-                <a:rot lat="0" lon="0" rev="0"/>
-              </a:camera>
-              <a:lightRig rig="threePt" dir="t">
-                <a:rot lat="0" lon="0" rev="1200000"/>
-              </a:lightRig>
-            </a:scene3d>
-          </p:spPr>
-          <p:style>
-            <a:lnRef idx="0">
-              <a:schemeClr val="accent1"/>
-            </a:lnRef>
-            <a:fillRef idx="3">
-              <a:schemeClr val="accent1"/>
-            </a:fillRef>
-            <a:effectRef idx="3">
-              <a:schemeClr val="accent1"/>
-            </a:effectRef>
-            <a:fontRef idx="minor">
-              <a:schemeClr val="lt1"/>
-            </a:fontRef>
-          </p:style>
-          <p:txBody>
-            <a:bodyPr rot="0" spcFirstLastPara="0" vertOverflow="overflow" horzOverflow="overflow" vert="horz" wrap="square" lIns="45720" tIns="45720" rIns="45720" bIns="45720" numCol="1" rtlCol="0" fromWordArt="0" anchor="ctr" anchorCtr="0" forceAA="0" compatLnSpc="1">
-              <a:prstTxWarp prst="textNoShape">
-                <a:avLst/>
-              </a:prstTxWarp>
-              <a:noAutofit/>
-            </a:bodyPr>
-            <a:lstStyle/>
-            <a:p>
-              <a:pPr algn="ctr">
-                <a:lnSpc>
-                  <a:spcPct val="90000"/>
-                </a:lnSpc>
-              </a:pPr>
-              <a:endParaRPr lang="en-US" dirty="0">
-                <a:solidFill>
-                  <a:schemeClr val="tx1"/>
-                </a:solidFill>
-                <a:uFillTx/>
-              </a:endParaRPr>
-            </a:p>
-          </p:txBody>
-        </p:sp>
-        <p:sp>
-          <p:nvSpPr>
-            <p:cNvPr id="15" name="Rectangle 14"/>
-            <p:cNvSpPr>
-              <a:spLocks/>
-            </p:cNvSpPr>
-            <p:nvPr userDrawn="1"/>
-          </p:nvSpPr>
-          <p:spPr>
-            <a:xfrm>
-              <a:off x="-9675" y="6830568"/>
-              <a:ext cx="5542707" cy="27432"/>
-            </a:xfrm>
-            <a:prstGeom prst="rect">
-              <a:avLst/>
-            </a:prstGeom>
-            <a:solidFill>
-              <a:schemeClr val="accent3">
-                <a:lumMod val="75000"/>
-              </a:schemeClr>
-            </a:solidFill>
-            <a:ln>
-              <a:noFill/>
-            </a:ln>
-            <a:effectLst/>
-            <a:scene3d>
-              <a:camera prst="orthographicFront">
-                <a:rot lat="0" lon="0" rev="0"/>
-              </a:camera>
-              <a:lightRig rig="threePt" dir="t">
-                <a:rot lat="0" lon="0" rev="1200000"/>
-              </a:lightRig>
-            </a:scene3d>
-          </p:spPr>
-          <p:style>
-            <a:lnRef idx="0">
-              <a:schemeClr val="accent1"/>
-            </a:lnRef>
-            <a:fillRef idx="3">
-              <a:schemeClr val="accent1"/>
-            </a:fillRef>
-            <a:effectRef idx="3">
-              <a:schemeClr val="accent1"/>
-            </a:effectRef>
-            <a:fontRef idx="minor">
-              <a:schemeClr val="lt1"/>
-            </a:fontRef>
-          </p:style>
-          <p:txBody>
-            <a:bodyPr rot="0" spcFirstLastPara="0" vertOverflow="overflow" horzOverflow="overflow" vert="horz" wrap="square" lIns="45720" tIns="45720" rIns="45720" bIns="45720" numCol="1" rtlCol="0" fromWordArt="0" anchor="ctr" anchorCtr="0" forceAA="0" compatLnSpc="1">
-              <a:prstTxWarp prst="textNoShape">
-                <a:avLst/>
-              </a:prstTxWarp>
-              <a:noAutofit/>
-            </a:bodyPr>
-            <a:lstStyle/>
-            <a:p>
-              <a:pPr lvl="0" algn="ctr">
-                <a:lnSpc>
-                  <a:spcPct val="90000"/>
-                </a:lnSpc>
-              </a:pPr>
-              <a:endParaRPr lang="en-US" dirty="0">
-                <a:solidFill>
-                  <a:schemeClr val="tx1"/>
-                </a:solidFill>
-                <a:uFillTx/>
-              </a:endParaRPr>
-            </a:p>
-          </p:txBody>
-        </p:sp>
-      </p:grpSp>
-      <p:grpSp>
-        <p:nvGrpSpPr>
-          <p:cNvPr id="11" name="Group 10"/>
-          <p:cNvGrpSpPr/>
-          <p:nvPr userDrawn="1"/>
-        </p:nvGrpSpPr>
-        <p:grpSpPr>
-          <a:xfrm>
-            <a:off x="-4595" y="4272576"/>
-            <a:ext cx="12198096" cy="27432"/>
-            <a:chOff x="-9675" y="6830568"/>
-            <a:chExt cx="9176303" cy="27432"/>
-          </a:xfrm>
-        </p:grpSpPr>
-        <p:sp>
-          <p:nvSpPr>
-            <p:cNvPr id="18" name="Rectangle 17"/>
-            <p:cNvSpPr>
-              <a:spLocks/>
-            </p:cNvSpPr>
-            <p:nvPr userDrawn="1"/>
-          </p:nvSpPr>
-          <p:spPr>
-            <a:xfrm>
-              <a:off x="5529226" y="6830568"/>
-              <a:ext cx="3637402" cy="27432"/>
-            </a:xfrm>
-            <a:prstGeom prst="rect">
-              <a:avLst/>
-            </a:prstGeom>
-            <a:solidFill>
-              <a:schemeClr val="accent4"/>
-            </a:solidFill>
-            <a:ln>
-              <a:noFill/>
-            </a:ln>
-            <a:effectLst/>
-            <a:scene3d>
-              <a:camera prst="orthographicFront">
-                <a:rot lat="0" lon="0" rev="0"/>
-              </a:camera>
-              <a:lightRig rig="threePt" dir="t">
-                <a:rot lat="0" lon="0" rev="1200000"/>
-              </a:lightRig>
-            </a:scene3d>
-          </p:spPr>
-          <p:style>
-            <a:lnRef idx="0">
-              <a:schemeClr val="accent1"/>
-            </a:lnRef>
-            <a:fillRef idx="3">
-              <a:schemeClr val="accent1"/>
-            </a:fillRef>
-            <a:effectRef idx="3">
-              <a:schemeClr val="accent1"/>
-            </a:effectRef>
-            <a:fontRef idx="minor">
-              <a:schemeClr val="lt1"/>
-            </a:fontRef>
-          </p:style>
-          <p:txBody>
-            <a:bodyPr rot="0" spcFirstLastPara="0" vertOverflow="overflow" horzOverflow="overflow" vert="horz" wrap="square" lIns="45720" tIns="45720" rIns="45720" bIns="45720" numCol="1" rtlCol="0" fromWordArt="0" anchor="ctr" anchorCtr="0" forceAA="0" compatLnSpc="1">
-              <a:prstTxWarp prst="textNoShape">
-                <a:avLst/>
-              </a:prstTxWarp>
-              <a:noAutofit/>
-            </a:bodyPr>
-            <a:lstStyle/>
-            <a:p>
-              <a:pPr algn="ctr">
-                <a:lnSpc>
-                  <a:spcPct val="90000"/>
-                </a:lnSpc>
-              </a:pPr>
-              <a:endParaRPr lang="en-US" dirty="0">
-                <a:solidFill>
-                  <a:schemeClr val="tx1"/>
-                </a:solidFill>
-                <a:uFillTx/>
-              </a:endParaRPr>
-            </a:p>
-          </p:txBody>
-        </p:sp>
-        <p:sp>
-          <p:nvSpPr>
-            <p:cNvPr id="19" name="Rectangle 18"/>
-            <p:cNvSpPr>
-              <a:spLocks/>
-            </p:cNvSpPr>
-            <p:nvPr userDrawn="1"/>
-          </p:nvSpPr>
-          <p:spPr>
-            <a:xfrm>
-              <a:off x="-9675" y="6830568"/>
-              <a:ext cx="5542707" cy="27432"/>
-            </a:xfrm>
-            <a:prstGeom prst="rect">
-              <a:avLst/>
-            </a:prstGeom>
-            <a:solidFill>
-              <a:schemeClr val="accent3">
-                <a:lumMod val="75000"/>
-              </a:schemeClr>
-            </a:solidFill>
-            <a:ln>
-              <a:noFill/>
-            </a:ln>
-            <a:effectLst/>
-            <a:scene3d>
-              <a:camera prst="orthographicFront">
-                <a:rot lat="0" lon="0" rev="0"/>
-              </a:camera>
-              <a:lightRig rig="threePt" dir="t">
-                <a:rot lat="0" lon="0" rev="1200000"/>
-              </a:lightRig>
-            </a:scene3d>
-          </p:spPr>
-          <p:style>
-            <a:lnRef idx="0">
-              <a:schemeClr val="accent1"/>
-            </a:lnRef>
-            <a:fillRef idx="3">
-              <a:schemeClr val="accent1"/>
-            </a:fillRef>
-            <a:effectRef idx="3">
-              <a:schemeClr val="accent1"/>
-            </a:effectRef>
-            <a:fontRef idx="minor">
-              <a:schemeClr val="lt1"/>
-            </a:fontRef>
-          </p:style>
-          <p:txBody>
-            <a:bodyPr rot="0" spcFirstLastPara="0" vertOverflow="overflow" horzOverflow="overflow" vert="horz" wrap="square" lIns="45720" tIns="45720" rIns="45720" bIns="45720" numCol="1" rtlCol="0" fromWordArt="0" anchor="ctr" anchorCtr="0" forceAA="0" compatLnSpc="1">
-              <a:prstTxWarp prst="textNoShape">
-                <a:avLst/>
-              </a:prstTxWarp>
-              <a:noAutofit/>
-            </a:bodyPr>
-            <a:lstStyle/>
-            <a:p>
-              <a:pPr lvl="0" algn="ctr">
-                <a:lnSpc>
-                  <a:spcPct val="90000"/>
-                </a:lnSpc>
-              </a:pPr>
-              <a:endParaRPr lang="en-US" dirty="0">
-                <a:solidFill>
-                  <a:schemeClr val="tx1"/>
-                </a:solidFill>
-                <a:uFillTx/>
-              </a:endParaRPr>
-            </a:p>
-          </p:txBody>
-        </p:sp>
-      </p:grpSp>
-    </p:spTree>
-  </p:cSld>
-  <p:clrMapOvr>
-    <a:masterClrMapping/>
-  </p:clrMapOvr>
-</p:sldLayout>
-</file>
-
-<file path=ppt/slideLayouts/slideLayout6.xml><?xml version="1.0" encoding="utf-8"?>
-<p:sldLayout xmlns:a="http://schemas.openxmlformats.org/drawingml/2006/main" xmlns:r="http://schemas.openxmlformats.org/officeDocument/2006/relationships" xmlns:p="http://schemas.openxmlformats.org/presentationml/2006/main" type="titleOnly" preserve="1">
-  <p:cSld name="Title Only">
-    <p:spTree>
-      <p:nvGrpSpPr>
-        <p:cNvPr id="1" name=""/>
-        <p:cNvGrpSpPr/>
-        <p:nvPr/>
-      </p:nvGrpSpPr>
-      <p:grpSpPr>
-        <a:xfrm>
-          <a:off x="0" y="0"/>
-          <a:ext cx="0" cy="0"/>
-          <a:chOff x="0" y="0"/>
-          <a:chExt cx="0" cy="0"/>
-        </a:xfrm>
-      </p:grpSpPr>
-      <p:sp>
-        <p:nvSpPr>
-          <p:cNvPr id="2" name="Title 1"/>
-          <p:cNvSpPr>
-            <a:spLocks noGrp="1"/>
-          </p:cNvSpPr>
-          <p:nvPr>
-            <p:ph type="title"/>
-          </p:nvPr>
-        </p:nvSpPr>
-        <p:spPr>
-          <a:xfrm>
-            <a:off x="365760" y="411480"/>
-            <a:ext cx="11375136" cy="877824"/>
-          </a:xfrm>
-        </p:spPr>
-        <p:txBody>
-          <a:bodyPr/>
-          <a:lstStyle/>
-          <a:p>
-            <a:r>
-              <a:rPr lang="en-US" dirty="0">
-                <a:uFillTx/>
-              </a:rPr>
-              <a:t>Click to edit Master title style</a:t>
-            </a:r>
-          </a:p>
-        </p:txBody>
-      </p:sp>
-    </p:spTree>
-  </p:cSld>
-  <p:clrMapOvr>
-    <a:masterClrMapping/>
-  </p:clrMapOvr>
-</p:sldLayout>
-</file>
-
-<file path=ppt/slideLayouts/slideLayout7.xml><?xml version="1.0" encoding="utf-8"?>
-<p:sldLayout xmlns:a="http://schemas.openxmlformats.org/drawingml/2006/main" xmlns:r="http://schemas.openxmlformats.org/officeDocument/2006/relationships" xmlns:p="http://schemas.openxmlformats.org/presentationml/2006/main" showMasterSp="0" type="secHead">
-  <p:cSld name="Section Header">
-    <p:bg>
-      <p:bgRef idx="1003">
-        <a:schemeClr val="bg1"/>
-      </p:bgRef>
-    </p:bg>
-    <p:spTree>
-      <p:nvGrpSpPr>
-        <p:cNvPr id="1" name=""/>
-        <p:cNvGrpSpPr/>
-        <p:nvPr/>
-      </p:nvGrpSpPr>
-      <p:grpSpPr>
-        <a:xfrm>
-          <a:off x="0" y="0"/>
-          <a:ext cx="0" cy="0"/>
-          <a:chOff x="0" y="0"/>
-          <a:chExt cx="0" cy="0"/>
-        </a:xfrm>
-      </p:grpSpPr>
-      <p:sp>
-        <p:nvSpPr>
-          <p:cNvPr id="3" name="Text Placeholder 2"/>
-          <p:cNvSpPr>
-            <a:spLocks noGrp="1"/>
-          </p:cNvSpPr>
-          <p:nvPr>
-            <p:ph type="body" idx="1"/>
-          </p:nvPr>
-        </p:nvSpPr>
-        <p:spPr>
-          <a:xfrm>
-            <a:off x="1828324" y="2743200"/>
-            <a:ext cx="9495011" cy="1673225"/>
-          </a:xfrm>
-        </p:spPr>
-        <p:txBody>
-          <a:bodyPr anchor="t"/>
-          <a:lstStyle>
-            <a:lvl1pPr marL="0" indent="0">
-              <a:buNone/>
-              <a:defRPr sz="2800">
-                <a:solidFill>
-                  <a:schemeClr val="tx2"/>
-                </a:solidFill>
-              </a:defRPr>
-            </a:lvl1pPr>
-            <a:lvl2pPr>
-              <a:buNone/>
-              <a:defRPr sz="1800">
-                <a:solidFill>
-                  <a:schemeClr val="tx1">
-                    <a:tint val="75000"/>
-                  </a:schemeClr>
-                </a:solidFill>
-              </a:defRPr>
-            </a:lvl2pPr>
-            <a:lvl3pPr>
-              <a:buNone/>
-              <a:defRPr sz="1600">
-                <a:solidFill>
-                  <a:schemeClr val="tx1">
-                    <a:tint val="75000"/>
-                  </a:schemeClr>
-                </a:solidFill>
-              </a:defRPr>
-            </a:lvl3pPr>
-            <a:lvl4pPr>
-              <a:buNone/>
-              <a:defRPr sz="1400">
-                <a:solidFill>
-                  <a:schemeClr val="tx1">
-                    <a:tint val="75000"/>
-                  </a:schemeClr>
-                </a:solidFill>
-              </a:defRPr>
-            </a:lvl4pPr>
-            <a:lvl5pPr>
-              <a:buNone/>
-              <a:defRPr sz="1400">
-                <a:solidFill>
-                  <a:schemeClr val="tx1">
-                    <a:tint val="75000"/>
-                  </a:schemeClr>
-                </a:solidFill>
-              </a:defRPr>
-            </a:lvl5pPr>
-          </a:lstStyle>
-          <a:p>
-            <a:pPr lvl="0" eaLnBrk="1" latinLnBrk="0" hangingPunct="1"/>
-            <a:r>
-              <a:rPr kumimoji="0" lang="en-US"/>
-              <a:t>Click to edit Master text styles</a:t>
-            </a:r>
-          </a:p>
-        </p:txBody>
-      </p:sp>
-      <p:sp>
-        <p:nvSpPr>
-          <p:cNvPr id="7" name="Rectangle 6"/>
-          <p:cNvSpPr/>
-          <p:nvPr/>
-        </p:nvSpPr>
-        <p:spPr bwMode="white">
-          <a:xfrm>
-            <a:off x="0" y="1524000"/>
-            <a:ext cx="12188825" cy="1143000"/>
-          </a:xfrm>
-          <a:prstGeom prst="rect">
-            <a:avLst/>
-          </a:prstGeom>
-          <a:solidFill>
-            <a:srgbClr val="FFFFFF"/>
-          </a:solidFill>
-          <a:ln w="50800" cap="rnd" cmpd="dbl" algn="ctr">
-            <a:noFill/>
-            <a:prstDash val="solid"/>
-          </a:ln>
-          <a:effectLst/>
-        </p:spPr>
-        <p:style>
-          <a:lnRef idx="3">
-            <a:schemeClr val="lt1"/>
-          </a:lnRef>
-          <a:fillRef idx="1">
-            <a:schemeClr val="accent1"/>
-          </a:fillRef>
-          <a:effectRef idx="1">
-            <a:schemeClr val="accent1"/>
-          </a:effectRef>
-          <a:fontRef idx="minor">
-            <a:schemeClr val="lt1"/>
-          </a:fontRef>
-        </p:style>
-        <p:txBody>
-          <a:bodyPr anchor="ctr"/>
-          <a:lstStyle/>
-          <a:p>
-            <a:pPr algn="ctr" eaLnBrk="1" latinLnBrk="0" hangingPunct="1"/>
-            <a:endParaRPr kumimoji="0" lang="en-US"/>
-          </a:p>
-        </p:txBody>
-      </p:sp>
-      <p:sp>
-        <p:nvSpPr>
-          <p:cNvPr id="8" name="Rectangle 7"/>
-          <p:cNvSpPr/>
-          <p:nvPr/>
-        </p:nvSpPr>
-        <p:spPr>
-          <a:xfrm>
-            <a:off x="0" y="1600200"/>
-            <a:ext cx="1726750" cy="990600"/>
-          </a:xfrm>
-          <a:prstGeom prst="rect">
-            <a:avLst/>
-          </a:prstGeom>
-          <a:solidFill>
-            <a:schemeClr val="accent2">
-              <a:alpha val="100000"/>
-            </a:schemeClr>
-          </a:solidFill>
-          <a:ln w="50800" cap="rnd" cmpd="dbl" algn="ctr">
-            <a:noFill/>
-            <a:prstDash val="solid"/>
-          </a:ln>
-          <a:effectLst/>
-        </p:spPr>
-        <p:style>
-          <a:lnRef idx="3">
-            <a:schemeClr val="lt1"/>
-          </a:lnRef>
-          <a:fillRef idx="1">
-            <a:schemeClr val="accent1"/>
-          </a:fillRef>
-          <a:effectRef idx="1">
-            <a:schemeClr val="accent1"/>
-          </a:effectRef>
-          <a:fontRef idx="minor">
-            <a:schemeClr val="lt1"/>
-          </a:fontRef>
-        </p:style>
-        <p:txBody>
-          <a:bodyPr anchor="ctr"/>
-          <a:lstStyle/>
-          <a:p>
-            <a:pPr algn="ctr" eaLnBrk="1" latinLnBrk="0" hangingPunct="1"/>
-            <a:endParaRPr kumimoji="0" lang="en-US"/>
-          </a:p>
-        </p:txBody>
-      </p:sp>
-      <p:sp>
-        <p:nvSpPr>
-          <p:cNvPr id="9" name="Rectangle 8"/>
-          <p:cNvSpPr/>
-          <p:nvPr/>
-        </p:nvSpPr>
-        <p:spPr>
-          <a:xfrm>
-            <a:off x="1828324" y="1600200"/>
-            <a:ext cx="10360501" cy="990600"/>
-          </a:xfrm>
-          <a:prstGeom prst="rect">
-            <a:avLst/>
-          </a:prstGeom>
-          <a:solidFill>
-            <a:schemeClr val="accent1">
-              <a:alpha val="100000"/>
-            </a:schemeClr>
-          </a:solidFill>
-          <a:ln w="50800" cap="rnd" cmpd="dbl" algn="ctr">
-            <a:noFill/>
-            <a:prstDash val="solid"/>
-          </a:ln>
-          <a:effectLst/>
-        </p:spPr>
-        <p:style>
-          <a:lnRef idx="3">
-            <a:schemeClr val="lt1"/>
-          </a:lnRef>
-          <a:fillRef idx="1">
-            <a:schemeClr val="accent1"/>
-          </a:fillRef>
-          <a:effectRef idx="1">
-            <a:schemeClr val="accent1"/>
-          </a:effectRef>
-          <a:fontRef idx="minor">
-            <a:schemeClr val="lt1"/>
-          </a:fontRef>
-        </p:style>
-        <p:txBody>
-          <a:bodyPr anchor="ctr"/>
-          <a:lstStyle/>
-          <a:p>
-            <a:pPr algn="ctr" eaLnBrk="1" latinLnBrk="0" hangingPunct="1"/>
-            <a:endParaRPr kumimoji="0" lang="en-US"/>
-          </a:p>
-        </p:txBody>
-      </p:sp>
-      <p:sp>
-        <p:nvSpPr>
-          <p:cNvPr id="2" name="Title 1"/>
-          <p:cNvSpPr>
-            <a:spLocks noGrp="1"/>
-          </p:cNvSpPr>
-          <p:nvPr>
-            <p:ph type="title"/>
-          </p:nvPr>
-        </p:nvSpPr>
-        <p:spPr>
-          <a:xfrm>
-            <a:off x="1828324" y="1600200"/>
-            <a:ext cx="10157354" cy="667875"/>
-          </a:xfrm>
-        </p:spPr>
-        <p:txBody>
-          <a:bodyPr/>
-          <a:lstStyle>
-            <a:lvl1pPr algn="l">
-              <a:buNone/>
-              <a:defRPr sz="4400" b="0" cap="none">
-                <a:solidFill>
-                  <a:srgbClr val="FFFFFF"/>
-                </a:solidFill>
-              </a:defRPr>
-            </a:lvl1pPr>
-          </a:lstStyle>
-          <a:p>
-            <a:r>
-              <a:rPr kumimoji="0" lang="en-US"/>
-              <a:t>Click to edit Master title style</a:t>
-            </a:r>
-            <a:endParaRPr kumimoji="0" lang="en-US" dirty="0"/>
-          </a:p>
-        </p:txBody>
-      </p:sp>
-      <p:sp>
-        <p:nvSpPr>
-          <p:cNvPr id="13" name="Slide Number Placeholder 12"/>
-          <p:cNvSpPr>
-            <a:spLocks noGrp="1"/>
-          </p:cNvSpPr>
-          <p:nvPr>
-            <p:ph type="sldNum" sz="quarter" idx="11"/>
-          </p:nvPr>
-        </p:nvSpPr>
-        <p:spPr>
-          <a:xfrm>
-            <a:off x="0" y="1752600"/>
-            <a:ext cx="1726750" cy="701676"/>
-          </a:xfrm>
-          <a:prstGeom prst="rect">
-            <a:avLst/>
-          </a:prstGeom>
-        </p:spPr>
-        <p:txBody>
-          <a:bodyPr>
-            <a:noAutofit/>
-          </a:bodyPr>
-          <a:lstStyle>
-            <a:lvl1pPr>
-              <a:defRPr sz="2400">
-                <a:solidFill>
-                  <a:srgbClr val="FFFFFF"/>
-                </a:solidFill>
-              </a:defRPr>
-            </a:lvl1pPr>
-          </a:lstStyle>
-          <a:p>
-            <a:pPr algn="ctr" eaLnBrk="1" latinLnBrk="0" hangingPunct="1"/>
-            <a:fld id="{F0C94032-CD4C-4C25-B0C2-CEC720522D92}" type="slidenum">
-              <a:rPr kumimoji="0" lang="en-US" smtClean="0"/>
-              <a:pPr algn="ctr" eaLnBrk="1" latinLnBrk="0" hangingPunct="1"/>
-              <a:t>‹#›</a:t>
-            </a:fld>
-            <a:endParaRPr kumimoji="0" lang="en-US" sz="2400" dirty="0">
-              <a:solidFill>
-                <a:srgbClr val="FFFFFF"/>
-              </a:solidFill>
-            </a:endParaRPr>
-          </a:p>
-        </p:txBody>
-      </p:sp>
-      <p:sp>
-        <p:nvSpPr>
-          <p:cNvPr id="10" name="Footer Placeholder 4"/>
-          <p:cNvSpPr>
-            <a:spLocks noGrp="1"/>
-          </p:cNvSpPr>
-          <p:nvPr>
-            <p:ph type="ftr" sz="quarter" idx="3"/>
-          </p:nvPr>
-        </p:nvSpPr>
-        <p:spPr>
-          <a:xfrm>
-            <a:off x="514169" y="6435568"/>
-            <a:ext cx="4059169" cy="218473"/>
-          </a:xfrm>
-          <a:prstGeom prst="rect">
-            <a:avLst/>
-          </a:prstGeom>
-        </p:spPr>
-        <p:txBody>
-          <a:bodyPr/>
-          <a:lstStyle>
-            <a:lvl1pPr algn="l">
-              <a:defRPr sz="1200">
-                <a:latin typeface="Calibri"/>
-                <a:cs typeface="Calibri"/>
-              </a:defRPr>
-            </a:lvl1pPr>
-          </a:lstStyle>
-          <a:p>
-            <a:endParaRPr lang="en-US" dirty="0">
-              <a:latin typeface="Arial" pitchFamily="34" charset="0"/>
-              <a:cs typeface="Arial" pitchFamily="34" charset="0"/>
-            </a:endParaRPr>
-          </a:p>
-        </p:txBody>
-      </p:sp>
-      <p:pic>
-        <p:nvPicPr>
-          <p:cNvPr id="11" name="Picture 10" descr="IDEAS_logo.png"/>
-          <p:cNvPicPr>
-            <a:picLocks noChangeAspect="1"/>
-          </p:cNvPicPr>
-          <p:nvPr userDrawn="1"/>
-        </p:nvPicPr>
-        <p:blipFill>
-          <a:blip r:embed="rId2" cstate="print">
-            <a:extLst>
-              <a:ext uri="{28A0092B-C50C-407E-A947-70E740481C1C}">
-                <a14:useLocalDpi xmlns:a14="http://schemas.microsoft.com/office/drawing/2010/main"/>
-              </a:ext>
-            </a:extLst>
-          </a:blip>
-          <a:stretch>
-            <a:fillRect/>
-          </a:stretch>
-        </p:blipFill>
-        <p:spPr>
-          <a:xfrm>
-            <a:off x="7330747" y="6236786"/>
-            <a:ext cx="1401117" cy="485998"/>
-          </a:xfrm>
-          <a:prstGeom prst="rect">
-            <a:avLst/>
-          </a:prstGeom>
-        </p:spPr>
-      </p:pic>
-      <p:pic>
-        <p:nvPicPr>
-          <p:cNvPr id="12" name="Picture 11">
-            <a:extLst>
-              <a:ext uri="{FF2B5EF4-FFF2-40B4-BE49-F238E27FC236}">
-                <a16:creationId xmlns:a16="http://schemas.microsoft.com/office/drawing/2014/main" id="{D43F2E29-D923-E449-87DA-691D3382DA10}"/>
-              </a:ext>
-            </a:extLst>
-          </p:cNvPr>
-          <p:cNvPicPr>
-            <a:picLocks noChangeAspect="1"/>
-          </p:cNvPicPr>
-          <p:nvPr userDrawn="1"/>
-        </p:nvPicPr>
-        <p:blipFill>
-          <a:blip r:embed="rId3" cstate="print"/>
-          <a:stretch>
-            <a:fillRect/>
-          </a:stretch>
-        </p:blipFill>
-        <p:spPr>
-          <a:xfrm>
-            <a:off x="9426619" y="6115528"/>
-            <a:ext cx="2366963" cy="640080"/>
-          </a:xfrm>
-          <a:prstGeom prst="rect">
-            <a:avLst/>
-          </a:prstGeom>
-        </p:spPr>
-      </p:pic>
-      <p:sp>
-        <p:nvSpPr>
-          <p:cNvPr id="14" name="Rectangle 6">
-            <a:extLst>
-              <a:ext uri="{FF2B5EF4-FFF2-40B4-BE49-F238E27FC236}">
-                <a16:creationId xmlns:a16="http://schemas.microsoft.com/office/drawing/2014/main" id="{96FBCAFB-8167-4C4C-9FAA-536E2379E788}"/>
-              </a:ext>
-            </a:extLst>
-          </p:cNvPr>
-          <p:cNvSpPr>
-            <a:spLocks noChangeArrowheads="1"/>
-          </p:cNvSpPr>
-          <p:nvPr userDrawn="1"/>
-        </p:nvSpPr>
-        <p:spPr bwMode="auto">
-          <a:xfrm flipH="1">
-            <a:off x="163375" y="6479785"/>
-            <a:ext cx="210301" cy="152400"/>
-          </a:xfrm>
-          <a:prstGeom prst="rect">
-            <a:avLst/>
-          </a:prstGeom>
-          <a:noFill/>
-          <a:ln w="9525">
-            <a:noFill/>
-            <a:miter lim="800000"/>
-          </a:ln>
-          <a:effectLst/>
-        </p:spPr>
-        <p:txBody>
-          <a:bodyPr lIns="0" tIns="0" rIns="0" bIns="0"/>
-          <a:lstStyle/>
-          <a:p>
-            <a:pPr algn="r" defTabSz="173038">
-              <a:lnSpc>
-                <a:spcPct val="90000"/>
-              </a:lnSpc>
-              <a:defRPr>
-                <a:uFillTx/>
-              </a:defRPr>
-            </a:pPr>
-            <a:fld id="{040BB257-551A-4736-B50F-DCF1BA034C06}" type="slidenum">
-              <a:rPr lang="en-US" sz="1000" smtClean="0">
-                <a:solidFill>
-                  <a:schemeClr val="tx1"/>
-                </a:solidFill>
-                <a:uFillTx/>
-                <a:latin typeface="Arial" pitchFamily="34" charset="0"/>
-                <a:cs typeface="Arial" pitchFamily="34" charset="0"/>
-              </a:rPr>
-              <a:pPr algn="r" defTabSz="173038">
-                <a:lnSpc>
-                  <a:spcPct val="90000"/>
-                </a:lnSpc>
-                <a:defRPr>
-                  <a:uFillTx/>
-                </a:defRPr>
-              </a:pPr>
-              <a:t>‹#›</a:t>
-            </a:fld>
-            <a:endParaRPr lang="en-US" sz="1000" dirty="0">
-              <a:solidFill>
-                <a:schemeClr val="tx1"/>
-              </a:solidFill>
-              <a:uFillTx/>
-              <a:latin typeface="Arial" pitchFamily="34" charset="0"/>
-              <a:cs typeface="Arial" pitchFamily="34" charset="0"/>
-            </a:endParaRPr>
-          </a:p>
-        </p:txBody>
-      </p:sp>
-    </p:spTree>
-    <p:extLst>
-      <p:ext uri="{BB962C8B-B14F-4D97-AF65-F5344CB8AC3E}">
-        <p14:creationId xmlns:p14="http://schemas.microsoft.com/office/powerpoint/2010/main" val="621084032"/>
-      </p:ext>
-    </p:extLst>
-  </p:cSld>
-  <p:clrMapOvr>
-    <a:overrideClrMapping bg1="lt1" tx1="dk1" bg2="lt2" tx2="dk2" accent1="accent1" accent2="accent2" accent3="accent3" accent4="accent4" accent5="accent5" accent6="accent6" hlink="hlink" folHlink="folHlink"/>
-  </p:clrMapOvr>
-</p:sldLayout>
-</file>
-
-<file path=ppt/slideLayouts/slideLayout8.xml><?xml version="1.0" encoding="utf-8"?>
 <p:sldLayout xmlns:a="http://schemas.openxmlformats.org/drawingml/2006/main" xmlns:r="http://schemas.openxmlformats.org/officeDocument/2006/relationships" xmlns:p="http://schemas.openxmlformats.org/presentationml/2006/main" showMasterSp="0" preserve="1" userDrawn="1">
   <p:cSld name="7_Title Slide">
     <p:spTree>
@@ -5320,7 +1164,7 @@
         </p:blipFill>
         <p:spPr>
           <a:xfrm>
-            <a:off x="360640" y="483164"/>
+            <a:off x="360639" y="483164"/>
             <a:ext cx="2050840" cy="935496"/>
           </a:xfrm>
           <a:prstGeom prst="rect">
@@ -5407,45 +1251,10 @@
       </p:pic>
       <p:pic>
         <p:nvPicPr>
-          <p:cNvPr id="11" name="Picture 10">
+          <p:cNvPr id="8" name="Picture 7" descr="A picture containing shape&#10;&#10;Description automatically generated">
             <a:extLst>
               <a:ext uri="{FF2B5EF4-FFF2-40B4-BE49-F238E27FC236}">
-                <a16:creationId xmlns:a16="http://schemas.microsoft.com/office/drawing/2014/main" id="{FEB516F4-C09A-4E83-A0F1-168C638F25AA}"/>
-              </a:ext>
-            </a:extLst>
-          </p:cNvPr>
-          <p:cNvPicPr>
-            <a:picLocks noChangeAspect="1"/>
-          </p:cNvPicPr>
-          <p:nvPr userDrawn="1"/>
-        </p:nvPicPr>
-        <p:blipFill rotWithShape="1">
-          <a:blip r:embed="rId7">
-            <a:extLst>
-              <a:ext uri="{28A0092B-C50C-407E-A947-70E740481C1C}">
-                <a14:useLocalDpi xmlns:a14="http://schemas.microsoft.com/office/drawing/2010/main" val="0"/>
-              </a:ext>
-            </a:extLst>
-          </a:blip>
-          <a:srcRect r="58932" b="1495"/>
-          <a:stretch/>
-        </p:blipFill>
-        <p:spPr>
-          <a:xfrm rot="10800000">
-            <a:off x="-1" y="1572767"/>
-            <a:ext cx="2852965" cy="4078297"/>
-          </a:xfrm>
-          <a:prstGeom prst="rect">
-            <a:avLst/>
-          </a:prstGeom>
-        </p:spPr>
-      </p:pic>
-      <p:pic>
-        <p:nvPicPr>
-          <p:cNvPr id="10" name="Picture 9" descr="IDEAS_logo.png">
-            <a:extLst>
-              <a:ext uri="{FF2B5EF4-FFF2-40B4-BE49-F238E27FC236}">
-                <a16:creationId xmlns:a16="http://schemas.microsoft.com/office/drawing/2014/main" id="{9DE86E9C-D24A-4552-A542-495444B5B047}"/>
+                <a16:creationId xmlns:a16="http://schemas.microsoft.com/office/drawing/2014/main" id="{C432A180-7341-4E28-8C2B-73F9AB53D13F}"/>
               </a:ext>
             </a:extLst>
           </p:cNvPr>
@@ -5455,10 +1264,10 @@
           <p:nvPr userDrawn="1"/>
         </p:nvPicPr>
         <p:blipFill>
-          <a:blip r:embed="rId8" cstate="print">
+          <a:blip r:embed="rId7">
             <a:extLst>
               <a:ext uri="{28A0092B-C50C-407E-A947-70E740481C1C}">
-                <a14:useLocalDpi xmlns:a14="http://schemas.microsoft.com/office/drawing/2010/main"/>
+                <a14:useLocalDpi xmlns:a14="http://schemas.microsoft.com/office/drawing/2010/main" val="0"/>
               </a:ext>
             </a:extLst>
           </a:blip>
@@ -5468,8 +1277,8 @@
         </p:blipFill>
         <p:spPr>
           <a:xfrm>
-            <a:off x="211056" y="1848659"/>
-            <a:ext cx="2350008" cy="815135"/>
+            <a:off x="331810" y="1848659"/>
+            <a:ext cx="2108499" cy="914400"/>
           </a:xfrm>
           <a:prstGeom prst="rect">
             <a:avLst/>
@@ -5479,7 +1288,7 @@
     </p:spTree>
     <p:extLst>
       <p:ext uri="{BB962C8B-B14F-4D97-AF65-F5344CB8AC3E}">
-        <p14:creationId xmlns:p14="http://schemas.microsoft.com/office/powerpoint/2010/main" val="3495557316"/>
+        <p14:creationId xmlns:p14="http://schemas.microsoft.com/office/powerpoint/2010/main" val="324926385"/>
       </p:ext>
     </p:extLst>
   </p:cSld>
@@ -5489,7 +1298,605 @@
 </p:sldLayout>
 </file>
 
-<file path=ppt/slideLayouts/slideLayout9.xml><?xml version="1.0" encoding="utf-8"?>
+<file path=ppt/slideLayouts/slideLayout2.xml><?xml version="1.0" encoding="utf-8"?>
+<p:sldLayout xmlns:a="http://schemas.openxmlformats.org/drawingml/2006/main" xmlns:r="http://schemas.openxmlformats.org/officeDocument/2006/relationships" xmlns:p="http://schemas.openxmlformats.org/presentationml/2006/main" showMasterSp="0" preserve="1" userDrawn="1">
+  <p:cSld name="8_Title Slide">
+    <p:spTree>
+      <p:nvGrpSpPr>
+        <p:cNvPr id="1" name=""/>
+        <p:cNvGrpSpPr/>
+        <p:nvPr/>
+      </p:nvGrpSpPr>
+      <p:grpSpPr>
+        <a:xfrm>
+          <a:off x="0" y="0"/>
+          <a:ext cx="0" cy="0"/>
+          <a:chOff x="0" y="0"/>
+          <a:chExt cx="0" cy="0"/>
+        </a:xfrm>
+      </p:grpSpPr>
+      <p:sp>
+        <p:nvSpPr>
+          <p:cNvPr id="4" name="Rectangle 3">
+            <a:extLst>
+              <a:ext uri="{FF2B5EF4-FFF2-40B4-BE49-F238E27FC236}">
+                <a16:creationId xmlns:a16="http://schemas.microsoft.com/office/drawing/2014/main" id="{2E2177C6-060C-4445-8C10-ADA6D3CE5F74}"/>
+              </a:ext>
+            </a:extLst>
+          </p:cNvPr>
+          <p:cNvSpPr/>
+          <p:nvPr userDrawn="1"/>
+        </p:nvSpPr>
+        <p:spPr>
+          <a:xfrm>
+            <a:off x="0" y="6186396"/>
+            <a:ext cx="12188825" cy="671604"/>
+          </a:xfrm>
+          <a:prstGeom prst="rect">
+            <a:avLst/>
+          </a:prstGeom>
+          <a:solidFill>
+            <a:schemeClr val="accent1">
+              <a:lumMod val="75000"/>
+            </a:schemeClr>
+          </a:solidFill>
+          <a:ln>
+            <a:noFill/>
+          </a:ln>
+          <a:effectLst/>
+          <a:scene3d>
+            <a:camera prst="orthographicFront">
+              <a:rot lat="0" lon="0" rev="0"/>
+            </a:camera>
+            <a:lightRig rig="threePt" dir="t">
+              <a:rot lat="0" lon="0" rev="1200000"/>
+            </a:lightRig>
+          </a:scene3d>
+          <a:sp3d/>
+        </p:spPr>
+        <p:style>
+          <a:lnRef idx="0">
+            <a:schemeClr val="accent1"/>
+          </a:lnRef>
+          <a:fillRef idx="3">
+            <a:schemeClr val="accent1"/>
+          </a:fillRef>
+          <a:effectRef idx="3">
+            <a:schemeClr val="accent1"/>
+          </a:effectRef>
+          <a:fontRef idx="minor">
+            <a:schemeClr val="lt1"/>
+          </a:fontRef>
+        </p:style>
+        <p:txBody>
+          <a:bodyPr rot="0" spcFirstLastPara="0" vertOverflow="overflow" horzOverflow="overflow" vert="horz" wrap="square" lIns="548640" tIns="45720" rIns="45720" bIns="45720" numCol="1" spcCol="0" rtlCol="0" fromWordArt="0" anchor="ctr" anchorCtr="0" forceAA="0" compatLnSpc="1">
+            <a:prstTxWarp prst="textNoShape">
+              <a:avLst/>
+            </a:prstTxWarp>
+            <a:noAutofit/>
+          </a:bodyPr>
+          <a:lstStyle/>
+          <a:p>
+            <a:pPr algn="l">
+              <a:lnSpc>
+                <a:spcPct val="90000"/>
+              </a:lnSpc>
+            </a:pPr>
+            <a:r>
+              <a:rPr lang="en-US" sz="1600" dirty="0">
+                <a:ln>
+                  <a:noFill/>
+                </a:ln>
+                <a:solidFill>
+                  <a:schemeClr val="bg1"/>
+                </a:solidFill>
+              </a:rPr>
+              <a:t>exascaleproject.org</a:t>
+            </a:r>
+          </a:p>
+        </p:txBody>
+      </p:sp>
+      <p:sp>
+        <p:nvSpPr>
+          <p:cNvPr id="22" name="Rectangle 21"/>
+          <p:cNvSpPr/>
+          <p:nvPr userDrawn="1"/>
+        </p:nvSpPr>
+        <p:spPr>
+          <a:xfrm>
+            <a:off x="8305800" y="5921829"/>
+            <a:ext cx="3883025" cy="936171"/>
+          </a:xfrm>
+          <a:prstGeom prst="rect">
+            <a:avLst/>
+          </a:prstGeom>
+          <a:noFill/>
+          <a:ln>
+            <a:noFill/>
+          </a:ln>
+          <a:effectLst/>
+          <a:scene3d>
+            <a:camera prst="orthographicFront">
+              <a:rot lat="0" lon="0" rev="0"/>
+            </a:camera>
+            <a:lightRig rig="threePt" dir="t">
+              <a:rot lat="0" lon="0" rev="1200000"/>
+            </a:lightRig>
+          </a:scene3d>
+          <a:sp3d/>
+        </p:spPr>
+        <p:style>
+          <a:lnRef idx="0">
+            <a:schemeClr val="accent1"/>
+          </a:lnRef>
+          <a:fillRef idx="3">
+            <a:schemeClr val="accent1"/>
+          </a:fillRef>
+          <a:effectRef idx="3">
+            <a:schemeClr val="accent1"/>
+          </a:effectRef>
+          <a:fontRef idx="minor">
+            <a:schemeClr val="lt1"/>
+          </a:fontRef>
+        </p:style>
+        <p:txBody>
+          <a:bodyPr rot="0" spcFirstLastPara="0" vertOverflow="overflow" horzOverflow="overflow" vert="horz" wrap="square" lIns="45720" tIns="45720" rIns="45720" bIns="45720" numCol="1" spcCol="0" rtlCol="0" fromWordArt="0" anchor="ctr" anchorCtr="0" forceAA="0" compatLnSpc="1">
+            <a:prstTxWarp prst="textNoShape">
+              <a:avLst/>
+            </a:prstTxWarp>
+            <a:noAutofit/>
+          </a:bodyPr>
+          <a:lstStyle/>
+          <a:p>
+            <a:pPr algn="ctr">
+              <a:lnSpc>
+                <a:spcPct val="90000"/>
+              </a:lnSpc>
+            </a:pPr>
+            <a:endParaRPr lang="en-US" dirty="0">
+              <a:solidFill>
+                <a:schemeClr val="tx1"/>
+              </a:solidFill>
+            </a:endParaRPr>
+          </a:p>
+        </p:txBody>
+      </p:sp>
+      <p:sp>
+        <p:nvSpPr>
+          <p:cNvPr id="2" name="Title 1"/>
+          <p:cNvSpPr>
+            <a:spLocks noGrp="1"/>
+          </p:cNvSpPr>
+          <p:nvPr userDrawn="1">
+            <p:ph type="ctrTitle"/>
+          </p:nvPr>
+        </p:nvSpPr>
+        <p:spPr>
+          <a:xfrm>
+            <a:off x="3177633" y="503144"/>
+            <a:ext cx="8292316" cy="1030930"/>
+          </a:xfrm>
+        </p:spPr>
+        <p:txBody>
+          <a:bodyPr anchor="b"/>
+          <a:lstStyle>
+            <a:lvl1pPr algn="l">
+              <a:defRPr sz="3200" b="1">
+                <a:solidFill>
+                  <a:schemeClr val="tx1"/>
+                </a:solidFill>
+                <a:latin typeface="+mn-lt"/>
+              </a:defRPr>
+            </a:lvl1pPr>
+          </a:lstStyle>
+          <a:p>
+            <a:r>
+              <a:rPr lang="en-US"/>
+              <a:t>Click to edit Master title style</a:t>
+            </a:r>
+            <a:endParaRPr lang="en-US" dirty="0"/>
+          </a:p>
+        </p:txBody>
+      </p:sp>
+      <p:sp>
+        <p:nvSpPr>
+          <p:cNvPr id="3" name="Subtitle 2"/>
+          <p:cNvSpPr>
+            <a:spLocks noGrp="1"/>
+          </p:cNvSpPr>
+          <p:nvPr userDrawn="1">
+            <p:ph type="subTitle" idx="1"/>
+          </p:nvPr>
+        </p:nvSpPr>
+        <p:spPr>
+          <a:xfrm>
+            <a:off x="3177632" y="2085962"/>
+            <a:ext cx="8292317" cy="2855300"/>
+          </a:xfrm>
+        </p:spPr>
+        <p:txBody>
+          <a:bodyPr lIns="109728"/>
+          <a:lstStyle>
+            <a:lvl1pPr marL="0" indent="0" algn="l">
+              <a:buNone/>
+              <a:defRPr sz="2400">
+                <a:solidFill>
+                  <a:schemeClr val="tx1"/>
+                </a:solidFill>
+                <a:latin typeface="Arial" panose="020B0604020202020204" pitchFamily="34" charset="0"/>
+                <a:cs typeface="Arial" panose="020B0604020202020204" pitchFamily="34" charset="0"/>
+              </a:defRPr>
+            </a:lvl1pPr>
+            <a:lvl2pPr marL="457200" indent="0" algn="ctr">
+              <a:buNone/>
+              <a:defRPr>
+                <a:solidFill>
+                  <a:schemeClr val="tx1">
+                    <a:tint val="75000"/>
+                  </a:schemeClr>
+                </a:solidFill>
+              </a:defRPr>
+            </a:lvl2pPr>
+            <a:lvl3pPr marL="914400" indent="0" algn="ctr">
+              <a:buNone/>
+              <a:defRPr>
+                <a:solidFill>
+                  <a:schemeClr val="tx1">
+                    <a:tint val="75000"/>
+                  </a:schemeClr>
+                </a:solidFill>
+              </a:defRPr>
+            </a:lvl3pPr>
+            <a:lvl4pPr marL="1371600" indent="0" algn="ctr">
+              <a:buNone/>
+              <a:defRPr>
+                <a:solidFill>
+                  <a:schemeClr val="tx1">
+                    <a:tint val="75000"/>
+                  </a:schemeClr>
+                </a:solidFill>
+              </a:defRPr>
+            </a:lvl4pPr>
+            <a:lvl5pPr marL="1828800" indent="0" algn="ctr">
+              <a:buNone/>
+              <a:defRPr>
+                <a:solidFill>
+                  <a:schemeClr val="tx1">
+                    <a:tint val="75000"/>
+                  </a:schemeClr>
+                </a:solidFill>
+              </a:defRPr>
+            </a:lvl5pPr>
+            <a:lvl6pPr marL="2286000" indent="0" algn="ctr">
+              <a:buNone/>
+              <a:defRPr>
+                <a:solidFill>
+                  <a:schemeClr val="tx1">
+                    <a:tint val="75000"/>
+                  </a:schemeClr>
+                </a:solidFill>
+              </a:defRPr>
+            </a:lvl6pPr>
+            <a:lvl7pPr marL="2743200" indent="0" algn="ctr">
+              <a:buNone/>
+              <a:defRPr>
+                <a:solidFill>
+                  <a:schemeClr val="tx1">
+                    <a:tint val="75000"/>
+                  </a:schemeClr>
+                </a:solidFill>
+              </a:defRPr>
+            </a:lvl7pPr>
+            <a:lvl8pPr marL="3200400" indent="0" algn="ctr">
+              <a:buNone/>
+              <a:defRPr>
+                <a:solidFill>
+                  <a:schemeClr val="tx1">
+                    <a:tint val="75000"/>
+                  </a:schemeClr>
+                </a:solidFill>
+              </a:defRPr>
+            </a:lvl8pPr>
+            <a:lvl9pPr marL="3657600" indent="0" algn="ctr">
+              <a:buNone/>
+              <a:defRPr>
+                <a:solidFill>
+                  <a:schemeClr val="tx1">
+                    <a:tint val="75000"/>
+                  </a:schemeClr>
+                </a:solidFill>
+              </a:defRPr>
+            </a:lvl9pPr>
+          </a:lstStyle>
+          <a:p>
+            <a:r>
+              <a:rPr lang="en-US"/>
+              <a:t>Click to edit Master subtitle style</a:t>
+            </a:r>
+            <a:endParaRPr lang="en-US" dirty="0"/>
+          </a:p>
+        </p:txBody>
+      </p:sp>
+      <p:pic>
+        <p:nvPicPr>
+          <p:cNvPr id="12" name="Picture 11"/>
+          <p:cNvPicPr>
+            <a:picLocks noChangeAspect="1"/>
+          </p:cNvPicPr>
+          <p:nvPr userDrawn="1"/>
+        </p:nvPicPr>
+        <p:blipFill>
+          <a:blip r:embed="rId2" cstate="print">
+            <a:extLst>
+              <a:ext uri="{28A0092B-C50C-407E-A947-70E740481C1C}">
+                <a14:useLocalDpi xmlns:a14="http://schemas.microsoft.com/office/drawing/2010/main" val="0"/>
+              </a:ext>
+            </a:extLst>
+          </a:blip>
+          <a:stretch>
+            <a:fillRect/>
+          </a:stretch>
+        </p:blipFill>
+        <p:spPr>
+          <a:xfrm>
+            <a:off x="362749" y="483164"/>
+            <a:ext cx="2050840" cy="935496"/>
+          </a:xfrm>
+          <a:prstGeom prst="rect">
+            <a:avLst/>
+          </a:prstGeom>
+        </p:spPr>
+      </p:pic>
+      <p:pic>
+        <p:nvPicPr>
+          <p:cNvPr id="16" name="Picture 15"/>
+          <p:cNvPicPr>
+            <a:picLocks noChangeAspect="1"/>
+          </p:cNvPicPr>
+          <p:nvPr userDrawn="1"/>
+        </p:nvPicPr>
+        <p:blipFill>
+          <a:blip r:embed="rId3" cstate="print">
+            <a:extLst>
+              <a:ext uri="{BEBA8EAE-BF5A-486C-A8C5-ECC9F3942E4B}">
+                <a14:imgProps xmlns:a14="http://schemas.microsoft.com/office/drawing/2010/main">
+                  <a14:imgLayer r:embed="rId4">
+                    <a14:imgEffect>
+                      <a14:brightnessContrast bright="100000"/>
+                    </a14:imgEffect>
+                  </a14:imgLayer>
+                </a14:imgProps>
+              </a:ext>
+              <a:ext uri="{28A0092B-C50C-407E-A947-70E740481C1C}">
+                <a14:useLocalDpi xmlns:a14="http://schemas.microsoft.com/office/drawing/2010/main" val="0"/>
+              </a:ext>
+            </a:extLst>
+          </a:blip>
+          <a:stretch>
+            <a:fillRect/>
+          </a:stretch>
+        </p:blipFill>
+        <p:spPr>
+          <a:xfrm>
+            <a:off x="7289921" y="6322747"/>
+            <a:ext cx="2409477" cy="401008"/>
+          </a:xfrm>
+          <a:prstGeom prst="rect">
+            <a:avLst/>
+          </a:prstGeom>
+        </p:spPr>
+      </p:pic>
+      <p:pic>
+        <p:nvPicPr>
+          <p:cNvPr id="17" name="Picture 16"/>
+          <p:cNvPicPr>
+            <a:picLocks noChangeAspect="1"/>
+          </p:cNvPicPr>
+          <p:nvPr userDrawn="1"/>
+        </p:nvPicPr>
+        <p:blipFill rotWithShape="1">
+          <a:blip r:embed="rId5" cstate="print">
+            <a:extLst>
+              <a:ext uri="{BEBA8EAE-BF5A-486C-A8C5-ECC9F3942E4B}">
+                <a14:imgProps xmlns:a14="http://schemas.microsoft.com/office/drawing/2010/main">
+                  <a14:imgLayer r:embed="rId6">
+                    <a14:imgEffect>
+                      <a14:brightnessContrast bright="100000"/>
+                    </a14:imgEffect>
+                  </a14:imgLayer>
+                </a14:imgProps>
+              </a:ext>
+              <a:ext uri="{28A0092B-C50C-407E-A947-70E740481C1C}">
+                <a14:useLocalDpi xmlns:a14="http://schemas.microsoft.com/office/drawing/2010/main" val="0"/>
+              </a:ext>
+            </a:extLst>
+          </a:blip>
+          <a:srcRect b="70693"/>
+          <a:stretch/>
+        </p:blipFill>
+        <p:spPr>
+          <a:xfrm>
+            <a:off x="10204521" y="6307740"/>
+            <a:ext cx="1367541" cy="428915"/>
+          </a:xfrm>
+          <a:prstGeom prst="rect">
+            <a:avLst/>
+          </a:prstGeom>
+        </p:spPr>
+      </p:pic>
+      <p:pic>
+        <p:nvPicPr>
+          <p:cNvPr id="8" name="Picture 7" descr="A picture containing shape&#10;&#10;Description automatically generated">
+            <a:extLst>
+              <a:ext uri="{FF2B5EF4-FFF2-40B4-BE49-F238E27FC236}">
+                <a16:creationId xmlns:a16="http://schemas.microsoft.com/office/drawing/2014/main" id="{C432A180-7341-4E28-8C2B-73F9AB53D13F}"/>
+              </a:ext>
+            </a:extLst>
+          </p:cNvPr>
+          <p:cNvPicPr>
+            <a:picLocks noChangeAspect="1"/>
+          </p:cNvPicPr>
+          <p:nvPr userDrawn="1"/>
+        </p:nvPicPr>
+        <p:blipFill>
+          <a:blip r:embed="rId7">
+            <a:extLst>
+              <a:ext uri="{28A0092B-C50C-407E-A947-70E740481C1C}">
+                <a14:useLocalDpi xmlns:a14="http://schemas.microsoft.com/office/drawing/2010/main" val="0"/>
+              </a:ext>
+            </a:extLst>
+          </a:blip>
+          <a:stretch>
+            <a:fillRect/>
+          </a:stretch>
+        </p:blipFill>
+        <p:spPr>
+          <a:xfrm>
+            <a:off x="333920" y="1848659"/>
+            <a:ext cx="2108499" cy="914400"/>
+          </a:xfrm>
+          <a:prstGeom prst="rect">
+            <a:avLst/>
+          </a:prstGeom>
+        </p:spPr>
+      </p:pic>
+      <p:pic>
+        <p:nvPicPr>
+          <p:cNvPr id="13" name="Picture 2" descr="https://licensebuttons.net/l/by/4.0/88x31.png">
+            <a:extLst>
+              <a:ext uri="{FF2B5EF4-FFF2-40B4-BE49-F238E27FC236}">
+                <a16:creationId xmlns:a16="http://schemas.microsoft.com/office/drawing/2014/main" id="{FAFD7D99-41CA-4FD0-9396-9C5659F22045}"/>
+              </a:ext>
+            </a:extLst>
+          </p:cNvPr>
+          <p:cNvPicPr>
+            <a:picLocks noChangeAspect="1" noChangeArrowheads="1"/>
+          </p:cNvPicPr>
+          <p:nvPr userDrawn="1"/>
+        </p:nvPicPr>
+        <p:blipFill>
+          <a:blip r:embed="rId8">
+            <a:extLst>
+              <a:ext uri="{28A0092B-C50C-407E-A947-70E740481C1C}">
+                <a14:useLocalDpi xmlns:a14="http://schemas.microsoft.com/office/drawing/2010/main" val="0"/>
+              </a:ext>
+            </a:extLst>
+          </a:blip>
+          <a:srcRect/>
+          <a:stretch>
+            <a:fillRect/>
+          </a:stretch>
+        </p:blipFill>
+        <p:spPr bwMode="auto">
+          <a:xfrm>
+            <a:off x="969069" y="5841262"/>
+            <a:ext cx="838200" cy="295275"/>
+          </a:xfrm>
+          <a:prstGeom prst="rect">
+            <a:avLst/>
+          </a:prstGeom>
+          <a:noFill/>
+          <a:extLst>
+            <a:ext uri="{909E8E84-426E-40DD-AFC4-6F175D3DCCD1}">
+              <a14:hiddenFill xmlns:a14="http://schemas.microsoft.com/office/drawing/2010/main">
+                <a:solidFill>
+                  <a:srgbClr val="FFFFFF"/>
+                </a:solidFill>
+              </a14:hiddenFill>
+            </a:ext>
+          </a:extLst>
+        </p:spPr>
+      </p:pic>
+      <p:sp>
+        <p:nvSpPr>
+          <p:cNvPr id="14" name="TextBox 13">
+            <a:extLst>
+              <a:ext uri="{FF2B5EF4-FFF2-40B4-BE49-F238E27FC236}">
+                <a16:creationId xmlns:a16="http://schemas.microsoft.com/office/drawing/2014/main" id="{9D022D1C-99FF-490C-8690-D8081D33C0AF}"/>
+              </a:ext>
+            </a:extLst>
+          </p:cNvPr>
+          <p:cNvSpPr txBox="1"/>
+          <p:nvPr userDrawn="1"/>
+        </p:nvSpPr>
+        <p:spPr>
+          <a:xfrm>
+            <a:off x="1810964" y="5776533"/>
+            <a:ext cx="1171114" cy="424732"/>
+          </a:xfrm>
+          <a:prstGeom prst="rect">
+            <a:avLst/>
+          </a:prstGeom>
+          <a:noFill/>
+        </p:spPr>
+        <p:txBody>
+          <a:bodyPr wrap="square" rtlCol="0">
+            <a:spAutoFit/>
+          </a:bodyPr>
+          <a:lstStyle/>
+          <a:p>
+            <a:pPr algn="ctr">
+              <a:lnSpc>
+                <a:spcPct val="90000"/>
+              </a:lnSpc>
+            </a:pPr>
+            <a:r>
+              <a:rPr lang="en-US" sz="1200" dirty="0"/>
+              <a:t>See slide 2 for license details</a:t>
+            </a:r>
+          </a:p>
+        </p:txBody>
+      </p:sp>
+      <p:pic>
+        <p:nvPicPr>
+          <p:cNvPr id="15" name="Picture 14">
+            <a:extLst>
+              <a:ext uri="{FF2B5EF4-FFF2-40B4-BE49-F238E27FC236}">
+                <a16:creationId xmlns:a16="http://schemas.microsoft.com/office/drawing/2014/main" id="{C554CDC7-44CF-4751-9869-0265C8E01840}"/>
+              </a:ext>
+            </a:extLst>
+          </p:cNvPr>
+          <p:cNvPicPr>
+            <a:picLocks noChangeAspect="1"/>
+          </p:cNvPicPr>
+          <p:nvPr userDrawn="1"/>
+        </p:nvPicPr>
+        <p:blipFill>
+          <a:blip r:embed="rId9" cstate="print">
+            <a:extLst>
+              <a:ext uri="{28A0092B-C50C-407E-A947-70E740481C1C}">
+                <a14:useLocalDpi xmlns:a14="http://schemas.microsoft.com/office/drawing/2010/main" val="0"/>
+              </a:ext>
+            </a:extLst>
+          </a:blip>
+          <a:stretch>
+            <a:fillRect/>
+          </a:stretch>
+        </p:blipFill>
+        <p:spPr>
+          <a:xfrm>
+            <a:off x="333211" y="3189686"/>
+            <a:ext cx="2109916" cy="905256"/>
+          </a:xfrm>
+          <a:prstGeom prst="rect">
+            <a:avLst/>
+          </a:prstGeom>
+        </p:spPr>
+      </p:pic>
+    </p:spTree>
+    <p:extLst>
+      <p:ext uri="{BB962C8B-B14F-4D97-AF65-F5344CB8AC3E}">
+        <p14:creationId xmlns:p14="http://schemas.microsoft.com/office/powerpoint/2010/main" val="451228200"/>
+      </p:ext>
+    </p:extLst>
+  </p:cSld>
+  <p:clrMapOvr>
+    <a:masterClrMapping/>
+  </p:clrMapOvr>
+</p:sldLayout>
+</file>
+
+<file path=ppt/slideLayouts/slideLayout3.xml><?xml version="1.0" encoding="utf-8"?>
 <p:sldLayout xmlns:a="http://schemas.openxmlformats.org/drawingml/2006/main" xmlns:r="http://schemas.openxmlformats.org/officeDocument/2006/relationships" xmlns:p="http://schemas.openxmlformats.org/presentationml/2006/main" type="obj" preserve="1">
   <p:cSld name="Title and Content">
     <p:bg>
@@ -5634,7 +2041,7 @@
     </p:spTree>
     <p:extLst>
       <p:ext uri="{BB962C8B-B14F-4D97-AF65-F5344CB8AC3E}">
-        <p14:creationId xmlns:p14="http://schemas.microsoft.com/office/powerpoint/2010/main" val="2509008630"/>
+        <p14:creationId xmlns:p14="http://schemas.microsoft.com/office/powerpoint/2010/main" val="1209220624"/>
       </p:ext>
     </p:extLst>
   </p:cSld>
@@ -5644,8 +2051,1864 @@
 </p:sldLayout>
 </file>
 
+<file path=ppt/slideLayouts/slideLayout4.xml><?xml version="1.0" encoding="utf-8"?>
+<p:sldLayout xmlns:a="http://schemas.openxmlformats.org/drawingml/2006/main" xmlns:r="http://schemas.openxmlformats.org/officeDocument/2006/relationships" xmlns:p="http://schemas.openxmlformats.org/presentationml/2006/main" type="twoTxTwoObj" preserve="1">
+  <p:cSld name="Comparison">
+    <p:spTree>
+      <p:nvGrpSpPr>
+        <p:cNvPr id="1" name=""/>
+        <p:cNvGrpSpPr/>
+        <p:nvPr/>
+      </p:nvGrpSpPr>
+      <p:grpSpPr>
+        <a:xfrm>
+          <a:off x="0" y="0"/>
+          <a:ext cx="0" cy="0"/>
+          <a:chOff x="0" y="0"/>
+          <a:chExt cx="0" cy="0"/>
+        </a:xfrm>
+      </p:grpSpPr>
+      <p:sp>
+        <p:nvSpPr>
+          <p:cNvPr id="2" name="Title 1"/>
+          <p:cNvSpPr>
+            <a:spLocks noGrp="1"/>
+          </p:cNvSpPr>
+          <p:nvPr>
+            <p:ph type="title"/>
+          </p:nvPr>
+        </p:nvSpPr>
+        <p:spPr>
+          <a:xfrm>
+            <a:off x="365760" y="411480"/>
+            <a:ext cx="11375136" cy="914400"/>
+          </a:xfrm>
+        </p:spPr>
+        <p:txBody>
+          <a:bodyPr/>
+          <a:lstStyle>
+            <a:lvl1pPr>
+              <a:defRPr/>
+            </a:lvl1pPr>
+          </a:lstStyle>
+          <a:p>
+            <a:r>
+              <a:rPr lang="en-US"/>
+              <a:t>Click to edit Master title style</a:t>
+            </a:r>
+            <a:endParaRPr lang="en-US" dirty="0"/>
+          </a:p>
+        </p:txBody>
+      </p:sp>
+      <p:sp>
+        <p:nvSpPr>
+          <p:cNvPr id="3" name="Text Placeholder 2"/>
+          <p:cNvSpPr>
+            <a:spLocks noGrp="1"/>
+          </p:cNvSpPr>
+          <p:nvPr>
+            <p:ph type="body" idx="1" hasCustomPrompt="1"/>
+          </p:nvPr>
+        </p:nvSpPr>
+        <p:spPr>
+          <a:xfrm>
+            <a:off x="457200" y="1737360"/>
+            <a:ext cx="5588582" cy="821190"/>
+          </a:xfrm>
+          <a:solidFill>
+            <a:schemeClr val="accent1">
+              <a:lumMod val="40000"/>
+              <a:lumOff val="60000"/>
+            </a:schemeClr>
+          </a:solidFill>
+          <a:ln w="19050">
+            <a:solidFill>
+              <a:schemeClr val="tx2">
+                <a:lumMod val="60000"/>
+                <a:lumOff val="40000"/>
+              </a:schemeClr>
+            </a:solidFill>
+          </a:ln>
+        </p:spPr>
+        <p:txBody>
+          <a:bodyPr anchor="b"/>
+          <a:lstStyle>
+            <a:lvl1pPr marL="0" indent="0">
+              <a:buNone/>
+              <a:defRPr sz="2000" b="1">
+                <a:solidFill>
+                  <a:schemeClr val="tx2"/>
+                </a:solidFill>
+              </a:defRPr>
+            </a:lvl1pPr>
+            <a:lvl2pPr marL="457200" indent="0">
+              <a:buNone/>
+              <a:defRPr sz="2000" b="1"/>
+            </a:lvl2pPr>
+            <a:lvl3pPr marL="914400" indent="0">
+              <a:buNone/>
+              <a:defRPr sz="1800" b="1"/>
+            </a:lvl3pPr>
+            <a:lvl4pPr marL="1371600" indent="0">
+              <a:buNone/>
+              <a:defRPr sz="1600" b="1"/>
+            </a:lvl4pPr>
+            <a:lvl5pPr marL="1828800" indent="0">
+              <a:buNone/>
+              <a:defRPr sz="1600" b="1"/>
+            </a:lvl5pPr>
+            <a:lvl6pPr marL="2286000" indent="0">
+              <a:buNone/>
+              <a:defRPr sz="1600" b="1"/>
+            </a:lvl6pPr>
+            <a:lvl7pPr marL="2743200" indent="0">
+              <a:buNone/>
+              <a:defRPr sz="1600" b="1"/>
+            </a:lvl7pPr>
+            <a:lvl8pPr marL="3200400" indent="0">
+              <a:buNone/>
+              <a:defRPr sz="1600" b="1"/>
+            </a:lvl8pPr>
+            <a:lvl9pPr marL="3657600" indent="0">
+              <a:buNone/>
+              <a:defRPr sz="1600" b="1"/>
+            </a:lvl9pPr>
+          </a:lstStyle>
+          <a:p>
+            <a:pPr lvl="0"/>
+            <a:r>
+              <a:rPr lang="en-US" dirty="0"/>
+              <a:t>Click to edit Master text styles</a:t>
+            </a:r>
+          </a:p>
+        </p:txBody>
+      </p:sp>
+      <p:sp>
+        <p:nvSpPr>
+          <p:cNvPr id="4" name="Content Placeholder 3"/>
+          <p:cNvSpPr>
+            <a:spLocks noGrp="1"/>
+          </p:cNvSpPr>
+          <p:nvPr>
+            <p:ph sz="half" idx="2"/>
+          </p:nvPr>
+        </p:nvSpPr>
+        <p:spPr>
+          <a:xfrm>
+            <a:off x="457200" y="2558550"/>
+            <a:ext cx="5588582" cy="3373229"/>
+          </a:xfrm>
+          <a:noFill/>
+          <a:ln w="19050">
+            <a:gradFill flip="none" rotWithShape="1">
+              <a:gsLst>
+                <a:gs pos="0">
+                  <a:schemeClr val="bg1">
+                    <a:alpha val="0"/>
+                  </a:schemeClr>
+                </a:gs>
+                <a:gs pos="74000">
+                  <a:schemeClr val="accent1">
+                    <a:lumMod val="45000"/>
+                    <a:lumOff val="55000"/>
+                  </a:schemeClr>
+                </a:gs>
+                <a:gs pos="83000">
+                  <a:schemeClr val="accent1">
+                    <a:lumMod val="45000"/>
+                    <a:lumOff val="55000"/>
+                  </a:schemeClr>
+                </a:gs>
+                <a:gs pos="100000">
+                  <a:schemeClr val="accent1">
+                    <a:lumMod val="30000"/>
+                    <a:lumOff val="70000"/>
+                  </a:schemeClr>
+                </a:gs>
+              </a:gsLst>
+              <a:lin ang="16200000" scaled="1"/>
+              <a:tileRect/>
+            </a:gradFill>
+          </a:ln>
+        </p:spPr>
+        <p:txBody>
+          <a:bodyPr/>
+          <a:lstStyle>
+            <a:lvl1pPr>
+              <a:defRPr sz="2000"/>
+            </a:lvl1pPr>
+            <a:lvl2pPr>
+              <a:defRPr sz="1800"/>
+            </a:lvl2pPr>
+            <a:lvl3pPr>
+              <a:defRPr sz="1600"/>
+            </a:lvl3pPr>
+            <a:lvl4pPr>
+              <a:defRPr sz="1400"/>
+            </a:lvl4pPr>
+            <a:lvl5pPr marL="1482725" indent="-222250">
+              <a:buFont typeface="Arial" panose="020B0604020202020204" pitchFamily="34" charset="0"/>
+              <a:buChar char="•"/>
+              <a:defRPr sz="1600"/>
+            </a:lvl5pPr>
+            <a:lvl6pPr>
+              <a:defRPr sz="1600"/>
+            </a:lvl6pPr>
+            <a:lvl7pPr>
+              <a:defRPr sz="1600"/>
+            </a:lvl7pPr>
+            <a:lvl8pPr>
+              <a:defRPr sz="1600"/>
+            </a:lvl8pPr>
+            <a:lvl9pPr>
+              <a:defRPr sz="1600"/>
+            </a:lvl9pPr>
+          </a:lstStyle>
+          <a:p>
+            <a:pPr lvl="0"/>
+            <a:r>
+              <a:rPr lang="en-US"/>
+              <a:t>Edit Master text styles</a:t>
+            </a:r>
+          </a:p>
+          <a:p>
+            <a:pPr lvl="1"/>
+            <a:r>
+              <a:rPr lang="en-US"/>
+              <a:t>Second level</a:t>
+            </a:r>
+          </a:p>
+          <a:p>
+            <a:pPr lvl="2"/>
+            <a:r>
+              <a:rPr lang="en-US"/>
+              <a:t>Third level</a:t>
+            </a:r>
+          </a:p>
+          <a:p>
+            <a:pPr lvl="3"/>
+            <a:r>
+              <a:rPr lang="en-US"/>
+              <a:t>Fourth level</a:t>
+            </a:r>
+          </a:p>
+          <a:p>
+            <a:pPr lvl="4"/>
+            <a:r>
+              <a:rPr lang="en-US"/>
+              <a:t>Fifth level</a:t>
+            </a:r>
+            <a:endParaRPr lang="en-US" dirty="0"/>
+          </a:p>
+        </p:txBody>
+      </p:sp>
+      <p:sp>
+        <p:nvSpPr>
+          <p:cNvPr id="5" name="Text Placeholder 4"/>
+          <p:cNvSpPr>
+            <a:spLocks noGrp="1"/>
+          </p:cNvSpPr>
+          <p:nvPr>
+            <p:ph type="body" sz="quarter" idx="3"/>
+          </p:nvPr>
+        </p:nvSpPr>
+        <p:spPr>
+          <a:xfrm>
+            <a:off x="6218914" y="1737360"/>
+            <a:ext cx="5531934" cy="821190"/>
+          </a:xfrm>
+          <a:solidFill>
+            <a:schemeClr val="accent1">
+              <a:lumMod val="40000"/>
+              <a:lumOff val="60000"/>
+            </a:schemeClr>
+          </a:solidFill>
+          <a:ln w="19050">
+            <a:solidFill>
+              <a:schemeClr val="tx2">
+                <a:lumMod val="60000"/>
+                <a:lumOff val="40000"/>
+              </a:schemeClr>
+            </a:solidFill>
+          </a:ln>
+        </p:spPr>
+        <p:txBody>
+          <a:bodyPr anchor="b"/>
+          <a:lstStyle>
+            <a:lvl1pPr marL="0" indent="0">
+              <a:buNone/>
+              <a:defRPr sz="2000" b="1">
+                <a:solidFill>
+                  <a:schemeClr val="tx2"/>
+                </a:solidFill>
+              </a:defRPr>
+            </a:lvl1pPr>
+            <a:lvl2pPr marL="457200" indent="0">
+              <a:buNone/>
+              <a:defRPr sz="2000" b="1"/>
+            </a:lvl2pPr>
+            <a:lvl3pPr marL="914400" indent="0">
+              <a:buNone/>
+              <a:defRPr sz="1800" b="1"/>
+            </a:lvl3pPr>
+            <a:lvl4pPr marL="1371600" indent="0">
+              <a:buNone/>
+              <a:defRPr sz="1600" b="1"/>
+            </a:lvl4pPr>
+            <a:lvl5pPr marL="1828800" indent="0">
+              <a:buNone/>
+              <a:defRPr sz="1600" b="1"/>
+            </a:lvl5pPr>
+            <a:lvl6pPr marL="2286000" indent="0">
+              <a:buNone/>
+              <a:defRPr sz="1600" b="1"/>
+            </a:lvl6pPr>
+            <a:lvl7pPr marL="2743200" indent="0">
+              <a:buNone/>
+              <a:defRPr sz="1600" b="1"/>
+            </a:lvl7pPr>
+            <a:lvl8pPr marL="3200400" indent="0">
+              <a:buNone/>
+              <a:defRPr sz="1600" b="1"/>
+            </a:lvl8pPr>
+            <a:lvl9pPr marL="3657600" indent="0">
+              <a:buNone/>
+              <a:defRPr sz="1600" b="1"/>
+            </a:lvl9pPr>
+          </a:lstStyle>
+          <a:p>
+            <a:pPr lvl="0"/>
+            <a:r>
+              <a:rPr lang="en-US"/>
+              <a:t>Edit Master text styles</a:t>
+            </a:r>
+          </a:p>
+        </p:txBody>
+      </p:sp>
+      <p:sp>
+        <p:nvSpPr>
+          <p:cNvPr id="6" name="Content Placeholder 5"/>
+          <p:cNvSpPr>
+            <a:spLocks noGrp="1"/>
+          </p:cNvSpPr>
+          <p:nvPr>
+            <p:ph sz="quarter" idx="4"/>
+          </p:nvPr>
+        </p:nvSpPr>
+        <p:spPr>
+          <a:xfrm>
+            <a:off x="6218914" y="2558550"/>
+            <a:ext cx="5531934" cy="3373229"/>
+          </a:xfrm>
+          <a:noFill/>
+          <a:ln w="19050">
+            <a:gradFill flip="none" rotWithShape="1">
+              <a:gsLst>
+                <a:gs pos="0">
+                  <a:schemeClr val="bg1">
+                    <a:alpha val="0"/>
+                  </a:schemeClr>
+                </a:gs>
+                <a:gs pos="74000">
+                  <a:schemeClr val="accent1">
+                    <a:lumMod val="45000"/>
+                    <a:lumOff val="55000"/>
+                  </a:schemeClr>
+                </a:gs>
+                <a:gs pos="83000">
+                  <a:schemeClr val="accent1">
+                    <a:lumMod val="45000"/>
+                    <a:lumOff val="55000"/>
+                  </a:schemeClr>
+                </a:gs>
+                <a:gs pos="100000">
+                  <a:schemeClr val="accent1">
+                    <a:lumMod val="30000"/>
+                    <a:lumOff val="70000"/>
+                  </a:schemeClr>
+                </a:gs>
+              </a:gsLst>
+              <a:lin ang="16200000" scaled="1"/>
+              <a:tileRect/>
+            </a:gradFill>
+          </a:ln>
+        </p:spPr>
+        <p:txBody>
+          <a:bodyPr/>
+          <a:lstStyle>
+            <a:lvl1pPr>
+              <a:defRPr sz="2000"/>
+            </a:lvl1pPr>
+            <a:lvl2pPr>
+              <a:defRPr sz="1800"/>
+            </a:lvl2pPr>
+            <a:lvl3pPr>
+              <a:defRPr sz="1600"/>
+            </a:lvl3pPr>
+            <a:lvl4pPr>
+              <a:defRPr sz="1400"/>
+            </a:lvl4pPr>
+            <a:lvl5pPr marL="1482725" indent="-222250">
+              <a:defRPr lang="en-US" sz="1600" kern="1200" dirty="0">
+                <a:solidFill>
+                  <a:schemeClr val="tx1"/>
+                </a:solidFill>
+                <a:latin typeface="+mn-lt"/>
+                <a:ea typeface="+mn-ea"/>
+                <a:cs typeface="+mn-cs"/>
+              </a:defRPr>
+            </a:lvl5pPr>
+            <a:lvl6pPr>
+              <a:defRPr sz="1600"/>
+            </a:lvl6pPr>
+            <a:lvl7pPr>
+              <a:defRPr sz="1600"/>
+            </a:lvl7pPr>
+            <a:lvl8pPr>
+              <a:defRPr sz="1600"/>
+            </a:lvl8pPr>
+            <a:lvl9pPr>
+              <a:defRPr sz="1600"/>
+            </a:lvl9pPr>
+          </a:lstStyle>
+          <a:p>
+            <a:pPr lvl="0"/>
+            <a:r>
+              <a:rPr lang="en-US"/>
+              <a:t>Edit Master text styles</a:t>
+            </a:r>
+          </a:p>
+          <a:p>
+            <a:pPr lvl="1"/>
+            <a:r>
+              <a:rPr lang="en-US"/>
+              <a:t>Second level</a:t>
+            </a:r>
+          </a:p>
+          <a:p>
+            <a:pPr lvl="2"/>
+            <a:r>
+              <a:rPr lang="en-US"/>
+              <a:t>Third level</a:t>
+            </a:r>
+          </a:p>
+          <a:p>
+            <a:pPr lvl="3"/>
+            <a:r>
+              <a:rPr lang="en-US"/>
+              <a:t>Fourth level</a:t>
+            </a:r>
+          </a:p>
+          <a:p>
+            <a:pPr lvl="4"/>
+            <a:r>
+              <a:rPr lang="en-US"/>
+              <a:t>Fifth level</a:t>
+            </a:r>
+            <a:endParaRPr lang="en-US" dirty="0"/>
+          </a:p>
+        </p:txBody>
+      </p:sp>
+    </p:spTree>
+    <p:extLst>
+      <p:ext uri="{BB962C8B-B14F-4D97-AF65-F5344CB8AC3E}">
+        <p14:creationId xmlns:p14="http://schemas.microsoft.com/office/powerpoint/2010/main" val="3174864902"/>
+      </p:ext>
+    </p:extLst>
+  </p:cSld>
+  <p:clrMapOvr>
+    <a:masterClrMapping/>
+  </p:clrMapOvr>
+</p:sldLayout>
+</file>
+
+<file path=ppt/slideLayouts/slideLayout5.xml><?xml version="1.0" encoding="utf-8"?>
+<p:sldLayout xmlns:a="http://schemas.openxmlformats.org/drawingml/2006/main" xmlns:r="http://schemas.openxmlformats.org/officeDocument/2006/relationships" xmlns:p="http://schemas.openxmlformats.org/presentationml/2006/main" preserve="1" userDrawn="1">
+  <p:cSld name="quad chart">
+    <p:spTree>
+      <p:nvGrpSpPr>
+        <p:cNvPr id="1" name=""/>
+        <p:cNvGrpSpPr/>
+        <p:nvPr/>
+      </p:nvGrpSpPr>
+      <p:grpSpPr>
+        <a:xfrm>
+          <a:off x="0" y="0"/>
+          <a:ext cx="0" cy="0"/>
+          <a:chOff x="0" y="0"/>
+          <a:chExt cx="0" cy="0"/>
+        </a:xfrm>
+      </p:grpSpPr>
+      <p:sp>
+        <p:nvSpPr>
+          <p:cNvPr id="2" name="Title 1"/>
+          <p:cNvSpPr>
+            <a:spLocks noGrp="1"/>
+          </p:cNvSpPr>
+          <p:nvPr>
+            <p:ph type="title"/>
+          </p:nvPr>
+        </p:nvSpPr>
+        <p:spPr>
+          <a:xfrm>
+            <a:off x="365760" y="411480"/>
+            <a:ext cx="7465488" cy="810738"/>
+          </a:xfrm>
+        </p:spPr>
+        <p:txBody>
+          <a:bodyPr/>
+          <a:lstStyle>
+            <a:lvl1pPr>
+              <a:defRPr sz="2400"/>
+            </a:lvl1pPr>
+          </a:lstStyle>
+          <a:p>
+            <a:r>
+              <a:rPr lang="en-US"/>
+              <a:t>Click to edit Master title style</a:t>
+            </a:r>
+            <a:endParaRPr lang="en-US" dirty="0"/>
+          </a:p>
+        </p:txBody>
+      </p:sp>
+      <p:sp>
+        <p:nvSpPr>
+          <p:cNvPr id="3" name="Text Placeholder 2"/>
+          <p:cNvSpPr>
+            <a:spLocks noGrp="1"/>
+          </p:cNvSpPr>
+          <p:nvPr>
+            <p:ph type="body" idx="1" hasCustomPrompt="1"/>
+          </p:nvPr>
+        </p:nvSpPr>
+        <p:spPr>
+          <a:xfrm>
+            <a:off x="448056" y="1316736"/>
+            <a:ext cx="5605272" cy="347472"/>
+          </a:xfrm>
+          <a:solidFill>
+            <a:schemeClr val="accent3"/>
+          </a:solidFill>
+          <a:ln w="19050">
+            <a:solidFill>
+              <a:schemeClr val="tx2">
+                <a:lumMod val="60000"/>
+                <a:lumOff val="40000"/>
+              </a:schemeClr>
+            </a:solidFill>
+          </a:ln>
+        </p:spPr>
+        <p:txBody>
+          <a:bodyPr anchor="ctr"/>
+          <a:lstStyle>
+            <a:lvl1pPr marL="0" indent="0">
+              <a:buNone/>
+              <a:defRPr sz="1800" b="0">
+                <a:solidFill>
+                  <a:schemeClr val="bg1"/>
+                </a:solidFill>
+              </a:defRPr>
+            </a:lvl1pPr>
+            <a:lvl2pPr marL="457200" indent="0">
+              <a:buNone/>
+              <a:defRPr sz="2000" b="1"/>
+            </a:lvl2pPr>
+            <a:lvl3pPr marL="914400" indent="0">
+              <a:buNone/>
+              <a:defRPr sz="1800" b="1"/>
+            </a:lvl3pPr>
+            <a:lvl4pPr marL="1371600" indent="0">
+              <a:buNone/>
+              <a:defRPr sz="1600" b="1"/>
+            </a:lvl4pPr>
+            <a:lvl5pPr marL="1828800" indent="0">
+              <a:buNone/>
+              <a:defRPr sz="1600" b="1"/>
+            </a:lvl5pPr>
+            <a:lvl6pPr marL="2286000" indent="0">
+              <a:buNone/>
+              <a:defRPr sz="1600" b="1"/>
+            </a:lvl6pPr>
+            <a:lvl7pPr marL="2743200" indent="0">
+              <a:buNone/>
+              <a:defRPr sz="1600" b="1"/>
+            </a:lvl7pPr>
+            <a:lvl8pPr marL="3200400" indent="0">
+              <a:buNone/>
+              <a:defRPr sz="1600" b="1"/>
+            </a:lvl8pPr>
+            <a:lvl9pPr marL="3657600" indent="0">
+              <a:buNone/>
+              <a:defRPr sz="1600" b="1"/>
+            </a:lvl9pPr>
+          </a:lstStyle>
+          <a:p>
+            <a:pPr lvl="0"/>
+            <a:r>
+              <a:rPr lang="en-US" dirty="0"/>
+              <a:t>Click to edit Master text styles</a:t>
+            </a:r>
+          </a:p>
+        </p:txBody>
+      </p:sp>
+      <p:sp>
+        <p:nvSpPr>
+          <p:cNvPr id="4" name="Content Placeholder 3"/>
+          <p:cNvSpPr>
+            <a:spLocks noGrp="1"/>
+          </p:cNvSpPr>
+          <p:nvPr>
+            <p:ph sz="half" idx="2" hasCustomPrompt="1"/>
+          </p:nvPr>
+        </p:nvSpPr>
+        <p:spPr>
+          <a:xfrm>
+            <a:off x="448056" y="1655064"/>
+            <a:ext cx="5605272" cy="1316736"/>
+          </a:xfrm>
+          <a:noFill/>
+          <a:ln w="19050">
+            <a:gradFill flip="none" rotWithShape="1">
+              <a:gsLst>
+                <a:gs pos="0">
+                  <a:schemeClr val="bg1">
+                    <a:alpha val="0"/>
+                  </a:schemeClr>
+                </a:gs>
+                <a:gs pos="100000">
+                  <a:schemeClr val="accent3"/>
+                </a:gs>
+              </a:gsLst>
+              <a:lin ang="16200000" scaled="1"/>
+              <a:tileRect/>
+            </a:gradFill>
+          </a:ln>
+        </p:spPr>
+        <p:txBody>
+          <a:bodyPr/>
+          <a:lstStyle>
+            <a:lvl1pPr>
+              <a:defRPr sz="1800"/>
+            </a:lvl1pPr>
+            <a:lvl2pPr>
+              <a:defRPr sz="1600"/>
+            </a:lvl2pPr>
+            <a:lvl3pPr>
+              <a:defRPr sz="1400"/>
+            </a:lvl3pPr>
+            <a:lvl4pPr>
+              <a:defRPr sz="1200"/>
+            </a:lvl4pPr>
+            <a:lvl5pPr marL="1482725" indent="-222250">
+              <a:buFont typeface="Arial" panose="020B0604020202020204" pitchFamily="34" charset="0"/>
+              <a:buChar char="•"/>
+              <a:defRPr sz="1400"/>
+            </a:lvl5pPr>
+            <a:lvl6pPr>
+              <a:defRPr sz="1600"/>
+            </a:lvl6pPr>
+            <a:lvl7pPr>
+              <a:defRPr sz="1600"/>
+            </a:lvl7pPr>
+            <a:lvl8pPr>
+              <a:defRPr sz="1600"/>
+            </a:lvl8pPr>
+            <a:lvl9pPr>
+              <a:defRPr sz="1600"/>
+            </a:lvl9pPr>
+          </a:lstStyle>
+          <a:p>
+            <a:pPr lvl="0"/>
+            <a:r>
+              <a:rPr lang="en-US" dirty="0"/>
+              <a:t>Click to edit Master text styles</a:t>
+            </a:r>
+          </a:p>
+          <a:p>
+            <a:pPr lvl="1"/>
+            <a:r>
+              <a:rPr lang="en-US" dirty="0"/>
+              <a:t>Second level</a:t>
+            </a:r>
+          </a:p>
+          <a:p>
+            <a:pPr lvl="2"/>
+            <a:r>
+              <a:rPr lang="en-US" dirty="0"/>
+              <a:t>Third level</a:t>
+            </a:r>
+          </a:p>
+        </p:txBody>
+      </p:sp>
+      <p:sp>
+        <p:nvSpPr>
+          <p:cNvPr id="5" name="Text Placeholder 4"/>
+          <p:cNvSpPr>
+            <a:spLocks noGrp="1"/>
+          </p:cNvSpPr>
+          <p:nvPr>
+            <p:ph type="body" sz="quarter" idx="3" hasCustomPrompt="1"/>
+          </p:nvPr>
+        </p:nvSpPr>
+        <p:spPr>
+          <a:xfrm>
+            <a:off x="6153912" y="1316736"/>
+            <a:ext cx="5605272" cy="347472"/>
+          </a:xfrm>
+          <a:solidFill>
+            <a:schemeClr val="accent3"/>
+          </a:solidFill>
+          <a:ln w="19050">
+            <a:solidFill>
+              <a:schemeClr val="tx2">
+                <a:lumMod val="60000"/>
+                <a:lumOff val="40000"/>
+              </a:schemeClr>
+            </a:solidFill>
+          </a:ln>
+        </p:spPr>
+        <p:txBody>
+          <a:bodyPr anchor="ctr"/>
+          <a:lstStyle>
+            <a:lvl1pPr marL="0" indent="0">
+              <a:buNone/>
+              <a:defRPr sz="1800" b="0">
+                <a:solidFill>
+                  <a:schemeClr val="bg1"/>
+                </a:solidFill>
+              </a:defRPr>
+            </a:lvl1pPr>
+            <a:lvl2pPr marL="457200" indent="0">
+              <a:buNone/>
+              <a:defRPr sz="2000" b="1"/>
+            </a:lvl2pPr>
+            <a:lvl3pPr marL="914400" indent="0">
+              <a:buNone/>
+              <a:defRPr sz="1800" b="1"/>
+            </a:lvl3pPr>
+            <a:lvl4pPr marL="1371600" indent="0">
+              <a:buNone/>
+              <a:defRPr sz="1600" b="1"/>
+            </a:lvl4pPr>
+            <a:lvl5pPr marL="1828800" indent="0">
+              <a:buNone/>
+              <a:defRPr sz="1600" b="1"/>
+            </a:lvl5pPr>
+            <a:lvl6pPr marL="2286000" indent="0">
+              <a:buNone/>
+              <a:defRPr sz="1600" b="1"/>
+            </a:lvl6pPr>
+            <a:lvl7pPr marL="2743200" indent="0">
+              <a:buNone/>
+              <a:defRPr sz="1600" b="1"/>
+            </a:lvl7pPr>
+            <a:lvl8pPr marL="3200400" indent="0">
+              <a:buNone/>
+              <a:defRPr sz="1600" b="1"/>
+            </a:lvl8pPr>
+            <a:lvl9pPr marL="3657600" indent="0">
+              <a:buNone/>
+              <a:defRPr sz="1600" b="1"/>
+            </a:lvl9pPr>
+          </a:lstStyle>
+          <a:p>
+            <a:pPr lvl="0"/>
+            <a:r>
+              <a:rPr lang="en-US" dirty="0"/>
+              <a:t>Click to edit Master text styles</a:t>
+            </a:r>
+          </a:p>
+        </p:txBody>
+      </p:sp>
+      <p:sp>
+        <p:nvSpPr>
+          <p:cNvPr id="6" name="Content Placeholder 5"/>
+          <p:cNvSpPr>
+            <a:spLocks noGrp="1"/>
+          </p:cNvSpPr>
+          <p:nvPr>
+            <p:ph sz="quarter" idx="4" hasCustomPrompt="1"/>
+          </p:nvPr>
+        </p:nvSpPr>
+        <p:spPr>
+          <a:xfrm>
+            <a:off x="6153912" y="1655064"/>
+            <a:ext cx="5605272" cy="1316736"/>
+          </a:xfrm>
+          <a:noFill/>
+          <a:ln w="19050">
+            <a:gradFill flip="none" rotWithShape="1">
+              <a:gsLst>
+                <a:gs pos="0">
+                  <a:schemeClr val="bg1">
+                    <a:alpha val="0"/>
+                  </a:schemeClr>
+                </a:gs>
+                <a:gs pos="100000">
+                  <a:schemeClr val="accent3"/>
+                </a:gs>
+              </a:gsLst>
+              <a:lin ang="16200000" scaled="1"/>
+              <a:tileRect/>
+            </a:gradFill>
+          </a:ln>
+        </p:spPr>
+        <p:txBody>
+          <a:bodyPr/>
+          <a:lstStyle>
+            <a:lvl1pPr>
+              <a:defRPr sz="1800"/>
+            </a:lvl1pPr>
+            <a:lvl2pPr>
+              <a:defRPr sz="1600"/>
+            </a:lvl2pPr>
+            <a:lvl3pPr>
+              <a:defRPr sz="1400"/>
+            </a:lvl3pPr>
+            <a:lvl4pPr>
+              <a:defRPr sz="1200"/>
+            </a:lvl4pPr>
+            <a:lvl5pPr marL="1482725" indent="-222250">
+              <a:defRPr lang="en-US" sz="1400" kern="1200" dirty="0">
+                <a:solidFill>
+                  <a:schemeClr val="tx1"/>
+                </a:solidFill>
+                <a:latin typeface="+mn-lt"/>
+                <a:ea typeface="+mn-ea"/>
+                <a:cs typeface="+mn-cs"/>
+              </a:defRPr>
+            </a:lvl5pPr>
+            <a:lvl6pPr>
+              <a:defRPr sz="1600"/>
+            </a:lvl6pPr>
+            <a:lvl7pPr>
+              <a:defRPr sz="1600"/>
+            </a:lvl7pPr>
+            <a:lvl8pPr>
+              <a:defRPr sz="1600"/>
+            </a:lvl8pPr>
+            <a:lvl9pPr>
+              <a:defRPr sz="1600"/>
+            </a:lvl9pPr>
+          </a:lstStyle>
+          <a:p>
+            <a:pPr lvl="0"/>
+            <a:r>
+              <a:rPr lang="en-US" dirty="0"/>
+              <a:t>Click to edit Master text styles</a:t>
+            </a:r>
+          </a:p>
+          <a:p>
+            <a:pPr lvl="1"/>
+            <a:r>
+              <a:rPr lang="en-US" dirty="0"/>
+              <a:t>Second level</a:t>
+            </a:r>
+          </a:p>
+          <a:p>
+            <a:pPr lvl="2"/>
+            <a:r>
+              <a:rPr lang="en-US" dirty="0"/>
+              <a:t>Third level</a:t>
+            </a:r>
+          </a:p>
+        </p:txBody>
+      </p:sp>
+      <p:sp>
+        <p:nvSpPr>
+          <p:cNvPr id="10" name="Text Placeholder 9">
+            <a:extLst>
+              <a:ext uri="{FF2B5EF4-FFF2-40B4-BE49-F238E27FC236}">
+                <a16:creationId xmlns:a16="http://schemas.microsoft.com/office/drawing/2014/main" id="{1AC1494F-06BF-478E-BCF5-6FCC755EF91F}"/>
+              </a:ext>
+            </a:extLst>
+          </p:cNvPr>
+          <p:cNvSpPr>
+            <a:spLocks noGrp="1"/>
+          </p:cNvSpPr>
+          <p:nvPr>
+            <p:ph type="body" sz="quarter" idx="10" hasCustomPrompt="1"/>
+          </p:nvPr>
+        </p:nvSpPr>
+        <p:spPr>
+          <a:xfrm>
+            <a:off x="447675" y="3438144"/>
+            <a:ext cx="5605463" cy="338138"/>
+          </a:xfrm>
+          <a:solidFill>
+            <a:schemeClr val="accent3"/>
+          </a:solidFill>
+          <a:ln w="19050">
+            <a:solidFill>
+              <a:schemeClr val="tx2">
+                <a:lumMod val="60000"/>
+                <a:lumOff val="40000"/>
+              </a:schemeClr>
+            </a:solidFill>
+            <a:miter lim="800000"/>
+            <a:headEnd/>
+            <a:tailEnd/>
+          </a:ln>
+        </p:spPr>
+        <p:txBody>
+          <a:bodyPr vert="horz" wrap="square" lIns="91440" tIns="45720" rIns="91440" bIns="45720" numCol="1" anchor="ctr" anchorCtr="0" compatLnSpc="1">
+            <a:prstTxWarp prst="textNoShape">
+              <a:avLst/>
+            </a:prstTxWarp>
+            <a:noAutofit/>
+          </a:bodyPr>
+          <a:lstStyle>
+            <a:lvl1pPr marL="0" indent="0">
+              <a:buNone/>
+              <a:defRPr lang="en-US" sz="1800" b="0" smtClean="0">
+                <a:solidFill>
+                  <a:schemeClr val="bg1"/>
+                </a:solidFill>
+              </a:defRPr>
+            </a:lvl1pPr>
+            <a:lvl2pPr>
+              <a:defRPr lang="en-US" b="1" smtClean="0">
+                <a:solidFill>
+                  <a:schemeClr val="bg1"/>
+                </a:solidFill>
+              </a:defRPr>
+            </a:lvl2pPr>
+            <a:lvl3pPr>
+              <a:defRPr lang="en-US" b="1" smtClean="0">
+                <a:solidFill>
+                  <a:schemeClr val="bg1"/>
+                </a:solidFill>
+              </a:defRPr>
+            </a:lvl3pPr>
+            <a:lvl4pPr>
+              <a:defRPr lang="en-US" b="1" smtClean="0">
+                <a:solidFill>
+                  <a:schemeClr val="bg1"/>
+                </a:solidFill>
+              </a:defRPr>
+            </a:lvl4pPr>
+            <a:lvl5pPr>
+              <a:defRPr lang="en-US" b="1">
+                <a:solidFill>
+                  <a:schemeClr val="bg1"/>
+                </a:solidFill>
+              </a:defRPr>
+            </a:lvl5pPr>
+          </a:lstStyle>
+          <a:p>
+            <a:pPr marL="230188" lvl="0" indent="-230188"/>
+            <a:r>
+              <a:rPr lang="en-US" dirty="0"/>
+              <a:t>Click to edit Master text styles</a:t>
+            </a:r>
+          </a:p>
+        </p:txBody>
+      </p:sp>
+      <p:sp>
+        <p:nvSpPr>
+          <p:cNvPr id="12" name="Text Placeholder 11">
+            <a:extLst>
+              <a:ext uri="{FF2B5EF4-FFF2-40B4-BE49-F238E27FC236}">
+                <a16:creationId xmlns:a16="http://schemas.microsoft.com/office/drawing/2014/main" id="{DE13F5F8-5DA4-4A7D-94FF-19BFEBF090FD}"/>
+              </a:ext>
+            </a:extLst>
+          </p:cNvPr>
+          <p:cNvSpPr>
+            <a:spLocks noGrp="1"/>
+          </p:cNvSpPr>
+          <p:nvPr>
+            <p:ph type="body" sz="quarter" idx="11" hasCustomPrompt="1"/>
+          </p:nvPr>
+        </p:nvSpPr>
+        <p:spPr>
+          <a:xfrm>
+            <a:off x="6153150" y="3438144"/>
+            <a:ext cx="5605463" cy="338138"/>
+          </a:xfrm>
+          <a:solidFill>
+            <a:schemeClr val="accent3"/>
+          </a:solidFill>
+          <a:ln w="19050">
+            <a:solidFill>
+              <a:schemeClr val="tx2">
+                <a:lumMod val="60000"/>
+                <a:lumOff val="40000"/>
+              </a:schemeClr>
+            </a:solidFill>
+            <a:miter lim="800000"/>
+            <a:headEnd/>
+            <a:tailEnd/>
+          </a:ln>
+        </p:spPr>
+        <p:txBody>
+          <a:bodyPr vert="horz" wrap="square" lIns="91440" tIns="45720" rIns="91440" bIns="45720" numCol="1" anchor="ctr" anchorCtr="0" compatLnSpc="1">
+            <a:prstTxWarp prst="textNoShape">
+              <a:avLst/>
+            </a:prstTxWarp>
+            <a:noAutofit/>
+          </a:bodyPr>
+          <a:lstStyle>
+            <a:lvl1pPr marL="0" indent="0">
+              <a:buNone/>
+              <a:defRPr lang="en-US" sz="1800" b="0" smtClean="0">
+                <a:solidFill>
+                  <a:schemeClr val="bg1"/>
+                </a:solidFill>
+              </a:defRPr>
+            </a:lvl1pPr>
+            <a:lvl2pPr>
+              <a:defRPr lang="en-US" b="1" smtClean="0">
+                <a:solidFill>
+                  <a:schemeClr val="bg1"/>
+                </a:solidFill>
+              </a:defRPr>
+            </a:lvl2pPr>
+            <a:lvl3pPr>
+              <a:defRPr lang="en-US" b="1" smtClean="0">
+                <a:solidFill>
+                  <a:schemeClr val="bg1"/>
+                </a:solidFill>
+              </a:defRPr>
+            </a:lvl3pPr>
+            <a:lvl4pPr>
+              <a:defRPr lang="en-US" b="1" smtClean="0">
+                <a:solidFill>
+                  <a:schemeClr val="bg1"/>
+                </a:solidFill>
+              </a:defRPr>
+            </a:lvl4pPr>
+            <a:lvl5pPr>
+              <a:defRPr lang="en-US" b="1">
+                <a:solidFill>
+                  <a:schemeClr val="bg1"/>
+                </a:solidFill>
+              </a:defRPr>
+            </a:lvl5pPr>
+          </a:lstStyle>
+          <a:p>
+            <a:pPr marL="230188" lvl="0" indent="-230188"/>
+            <a:r>
+              <a:rPr lang="en-US" dirty="0"/>
+              <a:t>Click to edit Master text styles</a:t>
+            </a:r>
+          </a:p>
+        </p:txBody>
+      </p:sp>
+      <p:sp>
+        <p:nvSpPr>
+          <p:cNvPr id="14" name="Text Placeholder 13">
+            <a:extLst>
+              <a:ext uri="{FF2B5EF4-FFF2-40B4-BE49-F238E27FC236}">
+                <a16:creationId xmlns:a16="http://schemas.microsoft.com/office/drawing/2014/main" id="{11508C29-BEAF-4D1B-85C7-62D86B9A99F0}"/>
+              </a:ext>
+            </a:extLst>
+          </p:cNvPr>
+          <p:cNvSpPr>
+            <a:spLocks noGrp="1"/>
+          </p:cNvSpPr>
+          <p:nvPr>
+            <p:ph type="body" sz="quarter" idx="12"/>
+          </p:nvPr>
+        </p:nvSpPr>
+        <p:spPr>
+          <a:xfrm>
+            <a:off x="447675" y="3776472"/>
+            <a:ext cx="5605463" cy="1316736"/>
+          </a:xfrm>
+          <a:noFill/>
+          <a:ln w="19050">
+            <a:gradFill flip="none" rotWithShape="1">
+              <a:gsLst>
+                <a:gs pos="0">
+                  <a:schemeClr val="bg1">
+                    <a:alpha val="0"/>
+                  </a:schemeClr>
+                </a:gs>
+                <a:gs pos="100000">
+                  <a:schemeClr val="accent3"/>
+                </a:gs>
+              </a:gsLst>
+              <a:lin ang="16200000" scaled="1"/>
+              <a:tileRect/>
+            </a:gradFill>
+            <a:miter lim="800000"/>
+            <a:headEnd/>
+            <a:tailEnd/>
+          </a:ln>
+        </p:spPr>
+        <p:txBody>
+          <a:bodyPr vert="horz" wrap="square" lIns="91440" tIns="45720" rIns="91440" bIns="45720" numCol="1" anchor="t" anchorCtr="0" compatLnSpc="1">
+            <a:prstTxWarp prst="textNoShape">
+              <a:avLst/>
+            </a:prstTxWarp>
+            <a:noAutofit/>
+          </a:bodyPr>
+          <a:lstStyle>
+            <a:lvl1pPr>
+              <a:defRPr lang="en-US" sz="1800" smtClean="0"/>
+            </a:lvl1pPr>
+            <a:lvl2pPr>
+              <a:defRPr lang="en-US" sz="1600" smtClean="0"/>
+            </a:lvl2pPr>
+            <a:lvl3pPr>
+              <a:defRPr lang="en-US" sz="1400" smtClean="0"/>
+            </a:lvl3pPr>
+            <a:lvl4pPr>
+              <a:defRPr lang="en-US" sz="1200" smtClean="0"/>
+            </a:lvl4pPr>
+            <a:lvl5pPr>
+              <a:defRPr lang="en-US" sz="1400"/>
+            </a:lvl5pPr>
+          </a:lstStyle>
+          <a:p>
+            <a:pPr lvl="0"/>
+            <a:r>
+              <a:rPr lang="en-US"/>
+              <a:t>Edit Master text styles</a:t>
+            </a:r>
+          </a:p>
+          <a:p>
+            <a:pPr lvl="1"/>
+            <a:r>
+              <a:rPr lang="en-US"/>
+              <a:t>Second level</a:t>
+            </a:r>
+          </a:p>
+          <a:p>
+            <a:pPr lvl="2"/>
+            <a:r>
+              <a:rPr lang="en-US"/>
+              <a:t>Third level</a:t>
+            </a:r>
+          </a:p>
+        </p:txBody>
+      </p:sp>
+      <p:sp>
+        <p:nvSpPr>
+          <p:cNvPr id="16" name="Text Placeholder 15">
+            <a:extLst>
+              <a:ext uri="{FF2B5EF4-FFF2-40B4-BE49-F238E27FC236}">
+                <a16:creationId xmlns:a16="http://schemas.microsoft.com/office/drawing/2014/main" id="{DA42C277-CD07-4855-BE2B-F5804018ECD9}"/>
+              </a:ext>
+            </a:extLst>
+          </p:cNvPr>
+          <p:cNvSpPr>
+            <a:spLocks noGrp="1"/>
+          </p:cNvSpPr>
+          <p:nvPr>
+            <p:ph type="body" sz="quarter" idx="13"/>
+          </p:nvPr>
+        </p:nvSpPr>
+        <p:spPr>
+          <a:xfrm>
+            <a:off x="6153150" y="3776472"/>
+            <a:ext cx="5605463" cy="1316736"/>
+          </a:xfrm>
+          <a:noFill/>
+          <a:ln w="19050">
+            <a:gradFill flip="none" rotWithShape="1">
+              <a:gsLst>
+                <a:gs pos="0">
+                  <a:schemeClr val="bg1">
+                    <a:alpha val="0"/>
+                  </a:schemeClr>
+                </a:gs>
+                <a:gs pos="100000">
+                  <a:schemeClr val="accent3"/>
+                </a:gs>
+              </a:gsLst>
+              <a:lin ang="16200000" scaled="1"/>
+              <a:tileRect/>
+            </a:gradFill>
+            <a:miter lim="800000"/>
+            <a:headEnd/>
+            <a:tailEnd/>
+          </a:ln>
+        </p:spPr>
+        <p:txBody>
+          <a:bodyPr vert="horz" wrap="square" lIns="91440" tIns="45720" rIns="91440" bIns="45720" numCol="1" anchor="t" anchorCtr="0" compatLnSpc="1">
+            <a:prstTxWarp prst="textNoShape">
+              <a:avLst/>
+            </a:prstTxWarp>
+            <a:noAutofit/>
+          </a:bodyPr>
+          <a:lstStyle>
+            <a:lvl1pPr>
+              <a:defRPr lang="en-US" sz="1800" smtClean="0"/>
+            </a:lvl1pPr>
+            <a:lvl2pPr>
+              <a:defRPr lang="en-US" sz="1600" smtClean="0"/>
+            </a:lvl2pPr>
+            <a:lvl3pPr>
+              <a:defRPr lang="en-US" sz="1400" smtClean="0"/>
+            </a:lvl3pPr>
+            <a:lvl4pPr>
+              <a:defRPr lang="en-US" sz="1200" smtClean="0"/>
+            </a:lvl4pPr>
+            <a:lvl5pPr>
+              <a:defRPr lang="en-US" sz="1400"/>
+            </a:lvl5pPr>
+          </a:lstStyle>
+          <a:p>
+            <a:pPr lvl="0"/>
+            <a:r>
+              <a:rPr lang="en-US"/>
+              <a:t>Edit Master text styles</a:t>
+            </a:r>
+          </a:p>
+          <a:p>
+            <a:pPr lvl="1"/>
+            <a:r>
+              <a:rPr lang="en-US"/>
+              <a:t>Second level</a:t>
+            </a:r>
+          </a:p>
+          <a:p>
+            <a:pPr lvl="2"/>
+            <a:r>
+              <a:rPr lang="en-US"/>
+              <a:t>Third level</a:t>
+            </a:r>
+          </a:p>
+        </p:txBody>
+      </p:sp>
+    </p:spTree>
+    <p:extLst>
+      <p:ext uri="{BB962C8B-B14F-4D97-AF65-F5344CB8AC3E}">
+        <p14:creationId xmlns:p14="http://schemas.microsoft.com/office/powerpoint/2010/main" val="475463715"/>
+      </p:ext>
+    </p:extLst>
+  </p:cSld>
+  <p:clrMapOvr>
+    <a:masterClrMapping/>
+  </p:clrMapOvr>
+</p:sldLayout>
+</file>
+
+<file path=ppt/slideLayouts/slideLayout6.xml><?xml version="1.0" encoding="utf-8"?>
+<p:sldLayout xmlns:a="http://schemas.openxmlformats.org/drawingml/2006/main" xmlns:r="http://schemas.openxmlformats.org/officeDocument/2006/relationships" xmlns:p="http://schemas.openxmlformats.org/presentationml/2006/main" preserve="1" userDrawn="1">
+  <p:cSld name="Section divider">
+    <p:spTree>
+      <p:nvGrpSpPr>
+        <p:cNvPr id="1" name=""/>
+        <p:cNvGrpSpPr/>
+        <p:nvPr/>
+      </p:nvGrpSpPr>
+      <p:grpSpPr>
+        <a:xfrm>
+          <a:off x="0" y="0"/>
+          <a:ext cx="0" cy="0"/>
+          <a:chOff x="0" y="0"/>
+          <a:chExt cx="0" cy="0"/>
+        </a:xfrm>
+      </p:grpSpPr>
+      <p:sp>
+        <p:nvSpPr>
+          <p:cNvPr id="2" name="Title 1"/>
+          <p:cNvSpPr>
+            <a:spLocks noGrp="1"/>
+          </p:cNvSpPr>
+          <p:nvPr>
+            <p:ph type="title"/>
+          </p:nvPr>
+        </p:nvSpPr>
+        <p:spPr>
+          <a:xfrm>
+            <a:off x="365760" y="411480"/>
+            <a:ext cx="11375136" cy="914400"/>
+          </a:xfrm>
+        </p:spPr>
+        <p:txBody>
+          <a:bodyPr/>
+          <a:lstStyle/>
+          <a:p>
+            <a:r>
+              <a:rPr lang="en-US"/>
+              <a:t>Click to edit Master title style</a:t>
+            </a:r>
+            <a:endParaRPr lang="en-US" dirty="0"/>
+          </a:p>
+        </p:txBody>
+      </p:sp>
+    </p:spTree>
+    <p:extLst>
+      <p:ext uri="{BB962C8B-B14F-4D97-AF65-F5344CB8AC3E}">
+        <p14:creationId xmlns:p14="http://schemas.microsoft.com/office/powerpoint/2010/main" val="612109091"/>
+      </p:ext>
+    </p:extLst>
+  </p:cSld>
+  <p:clrMapOvr>
+    <a:masterClrMapping/>
+  </p:clrMapOvr>
+</p:sldLayout>
+</file>
+
+<file path=ppt/slideLayouts/slideLayout7.xml><?xml version="1.0" encoding="utf-8"?>
+<p:sldLayout xmlns:a="http://schemas.openxmlformats.org/drawingml/2006/main" xmlns:r="http://schemas.openxmlformats.org/officeDocument/2006/relationships" xmlns:p="http://schemas.openxmlformats.org/presentationml/2006/main" type="titleOnly" preserve="1">
+  <p:cSld name="Title Only">
+    <p:spTree>
+      <p:nvGrpSpPr>
+        <p:cNvPr id="1" name=""/>
+        <p:cNvGrpSpPr/>
+        <p:nvPr/>
+      </p:nvGrpSpPr>
+      <p:grpSpPr>
+        <a:xfrm>
+          <a:off x="0" y="0"/>
+          <a:ext cx="0" cy="0"/>
+          <a:chOff x="0" y="0"/>
+          <a:chExt cx="0" cy="0"/>
+        </a:xfrm>
+      </p:grpSpPr>
+      <p:sp>
+        <p:nvSpPr>
+          <p:cNvPr id="2" name="Title 1"/>
+          <p:cNvSpPr>
+            <a:spLocks noGrp="1"/>
+          </p:cNvSpPr>
+          <p:nvPr>
+            <p:ph type="title"/>
+          </p:nvPr>
+        </p:nvSpPr>
+        <p:spPr>
+          <a:xfrm>
+            <a:off x="365760" y="411480"/>
+            <a:ext cx="11375136" cy="914400"/>
+          </a:xfrm>
+        </p:spPr>
+        <p:txBody>
+          <a:bodyPr/>
+          <a:lstStyle/>
+          <a:p>
+            <a:r>
+              <a:rPr lang="en-US"/>
+              <a:t>Click to edit Master title style</a:t>
+            </a:r>
+            <a:endParaRPr lang="en-US" dirty="0"/>
+          </a:p>
+        </p:txBody>
+      </p:sp>
+    </p:spTree>
+    <p:extLst>
+      <p:ext uri="{BB962C8B-B14F-4D97-AF65-F5344CB8AC3E}">
+        <p14:creationId xmlns:p14="http://schemas.microsoft.com/office/powerpoint/2010/main" val="2198867773"/>
+      </p:ext>
+    </p:extLst>
+  </p:cSld>
+  <p:clrMapOvr>
+    <a:masterClrMapping/>
+  </p:clrMapOvr>
+</p:sldLayout>
+</file>
+
+<file path=ppt/slideLayouts/slideLayout8.xml><?xml version="1.0" encoding="utf-8"?>
+<p:sldLayout xmlns:a="http://schemas.openxmlformats.org/drawingml/2006/main" xmlns:r="http://schemas.openxmlformats.org/officeDocument/2006/relationships" xmlns:p="http://schemas.openxmlformats.org/presentationml/2006/main" showMasterSp="0" type="secHead">
+  <p:cSld name="Section Header">
+    <p:bg>
+      <p:bgRef idx="1003">
+        <a:schemeClr val="bg1"/>
+      </p:bgRef>
+    </p:bg>
+    <p:spTree>
+      <p:nvGrpSpPr>
+        <p:cNvPr id="1" name=""/>
+        <p:cNvGrpSpPr/>
+        <p:nvPr/>
+      </p:nvGrpSpPr>
+      <p:grpSpPr>
+        <a:xfrm>
+          <a:off x="0" y="0"/>
+          <a:ext cx="0" cy="0"/>
+          <a:chOff x="0" y="0"/>
+          <a:chExt cx="0" cy="0"/>
+        </a:xfrm>
+      </p:grpSpPr>
+      <p:sp>
+        <p:nvSpPr>
+          <p:cNvPr id="3" name="Text Placeholder 2"/>
+          <p:cNvSpPr>
+            <a:spLocks noGrp="1"/>
+          </p:cNvSpPr>
+          <p:nvPr>
+            <p:ph type="body" idx="1"/>
+          </p:nvPr>
+        </p:nvSpPr>
+        <p:spPr>
+          <a:xfrm>
+            <a:off x="1828324" y="2743200"/>
+            <a:ext cx="9495011" cy="1673225"/>
+          </a:xfrm>
+        </p:spPr>
+        <p:txBody>
+          <a:bodyPr anchor="t"/>
+          <a:lstStyle>
+            <a:lvl1pPr marL="0" indent="0">
+              <a:buNone/>
+              <a:defRPr sz="2800">
+                <a:solidFill>
+                  <a:schemeClr val="tx2"/>
+                </a:solidFill>
+              </a:defRPr>
+            </a:lvl1pPr>
+            <a:lvl2pPr>
+              <a:buNone/>
+              <a:defRPr sz="1800">
+                <a:solidFill>
+                  <a:schemeClr val="tx1">
+                    <a:tint val="75000"/>
+                  </a:schemeClr>
+                </a:solidFill>
+              </a:defRPr>
+            </a:lvl2pPr>
+            <a:lvl3pPr>
+              <a:buNone/>
+              <a:defRPr sz="1600">
+                <a:solidFill>
+                  <a:schemeClr val="tx1">
+                    <a:tint val="75000"/>
+                  </a:schemeClr>
+                </a:solidFill>
+              </a:defRPr>
+            </a:lvl3pPr>
+            <a:lvl4pPr>
+              <a:buNone/>
+              <a:defRPr sz="1400">
+                <a:solidFill>
+                  <a:schemeClr val="tx1">
+                    <a:tint val="75000"/>
+                  </a:schemeClr>
+                </a:solidFill>
+              </a:defRPr>
+            </a:lvl4pPr>
+            <a:lvl5pPr>
+              <a:buNone/>
+              <a:defRPr sz="1400">
+                <a:solidFill>
+                  <a:schemeClr val="tx1">
+                    <a:tint val="75000"/>
+                  </a:schemeClr>
+                </a:solidFill>
+              </a:defRPr>
+            </a:lvl5pPr>
+          </a:lstStyle>
+          <a:p>
+            <a:pPr lvl="0" eaLnBrk="1" latinLnBrk="0" hangingPunct="1"/>
+            <a:r>
+              <a:rPr kumimoji="0" lang="en-US"/>
+              <a:t>Click to edit Master text styles</a:t>
+            </a:r>
+          </a:p>
+        </p:txBody>
+      </p:sp>
+      <p:sp>
+        <p:nvSpPr>
+          <p:cNvPr id="7" name="Rectangle 6"/>
+          <p:cNvSpPr/>
+          <p:nvPr/>
+        </p:nvSpPr>
+        <p:spPr bwMode="white">
+          <a:xfrm>
+            <a:off x="0" y="1524000"/>
+            <a:ext cx="12188825" cy="1143000"/>
+          </a:xfrm>
+          <a:prstGeom prst="rect">
+            <a:avLst/>
+          </a:prstGeom>
+          <a:solidFill>
+            <a:srgbClr val="FFFFFF"/>
+          </a:solidFill>
+          <a:ln w="50800" cap="rnd" cmpd="dbl" algn="ctr">
+            <a:noFill/>
+            <a:prstDash val="solid"/>
+          </a:ln>
+          <a:effectLst/>
+        </p:spPr>
+        <p:style>
+          <a:lnRef idx="3">
+            <a:schemeClr val="lt1"/>
+          </a:lnRef>
+          <a:fillRef idx="1">
+            <a:schemeClr val="accent1"/>
+          </a:fillRef>
+          <a:effectRef idx="1">
+            <a:schemeClr val="accent1"/>
+          </a:effectRef>
+          <a:fontRef idx="minor">
+            <a:schemeClr val="lt1"/>
+          </a:fontRef>
+        </p:style>
+        <p:txBody>
+          <a:bodyPr anchor="ctr"/>
+          <a:lstStyle/>
+          <a:p>
+            <a:pPr algn="ctr" eaLnBrk="1" latinLnBrk="0" hangingPunct="1"/>
+            <a:endParaRPr kumimoji="0" lang="en-US"/>
+          </a:p>
+        </p:txBody>
+      </p:sp>
+      <p:sp>
+        <p:nvSpPr>
+          <p:cNvPr id="8" name="Rectangle 7"/>
+          <p:cNvSpPr/>
+          <p:nvPr/>
+        </p:nvSpPr>
+        <p:spPr>
+          <a:xfrm>
+            <a:off x="0" y="1600200"/>
+            <a:ext cx="1726750" cy="990600"/>
+          </a:xfrm>
+          <a:prstGeom prst="rect">
+            <a:avLst/>
+          </a:prstGeom>
+          <a:solidFill>
+            <a:schemeClr val="accent2">
+              <a:alpha val="100000"/>
+            </a:schemeClr>
+          </a:solidFill>
+          <a:ln w="50800" cap="rnd" cmpd="dbl" algn="ctr">
+            <a:noFill/>
+            <a:prstDash val="solid"/>
+          </a:ln>
+          <a:effectLst/>
+        </p:spPr>
+        <p:style>
+          <a:lnRef idx="3">
+            <a:schemeClr val="lt1"/>
+          </a:lnRef>
+          <a:fillRef idx="1">
+            <a:schemeClr val="accent1"/>
+          </a:fillRef>
+          <a:effectRef idx="1">
+            <a:schemeClr val="accent1"/>
+          </a:effectRef>
+          <a:fontRef idx="minor">
+            <a:schemeClr val="lt1"/>
+          </a:fontRef>
+        </p:style>
+        <p:txBody>
+          <a:bodyPr anchor="ctr"/>
+          <a:lstStyle/>
+          <a:p>
+            <a:pPr algn="ctr" eaLnBrk="1" latinLnBrk="0" hangingPunct="1"/>
+            <a:endParaRPr kumimoji="0" lang="en-US"/>
+          </a:p>
+        </p:txBody>
+      </p:sp>
+      <p:sp>
+        <p:nvSpPr>
+          <p:cNvPr id="9" name="Rectangle 8"/>
+          <p:cNvSpPr/>
+          <p:nvPr/>
+        </p:nvSpPr>
+        <p:spPr>
+          <a:xfrm>
+            <a:off x="1828324" y="1600200"/>
+            <a:ext cx="10360501" cy="990600"/>
+          </a:xfrm>
+          <a:prstGeom prst="rect">
+            <a:avLst/>
+          </a:prstGeom>
+          <a:solidFill>
+            <a:schemeClr val="accent1">
+              <a:alpha val="100000"/>
+            </a:schemeClr>
+          </a:solidFill>
+          <a:ln w="50800" cap="rnd" cmpd="dbl" algn="ctr">
+            <a:noFill/>
+            <a:prstDash val="solid"/>
+          </a:ln>
+          <a:effectLst/>
+        </p:spPr>
+        <p:style>
+          <a:lnRef idx="3">
+            <a:schemeClr val="lt1"/>
+          </a:lnRef>
+          <a:fillRef idx="1">
+            <a:schemeClr val="accent1"/>
+          </a:fillRef>
+          <a:effectRef idx="1">
+            <a:schemeClr val="accent1"/>
+          </a:effectRef>
+          <a:fontRef idx="minor">
+            <a:schemeClr val="lt1"/>
+          </a:fontRef>
+        </p:style>
+        <p:txBody>
+          <a:bodyPr anchor="ctr"/>
+          <a:lstStyle/>
+          <a:p>
+            <a:pPr algn="ctr" eaLnBrk="1" latinLnBrk="0" hangingPunct="1"/>
+            <a:endParaRPr kumimoji="0" lang="en-US"/>
+          </a:p>
+        </p:txBody>
+      </p:sp>
+      <p:sp>
+        <p:nvSpPr>
+          <p:cNvPr id="2" name="Title 1"/>
+          <p:cNvSpPr>
+            <a:spLocks noGrp="1"/>
+          </p:cNvSpPr>
+          <p:nvPr>
+            <p:ph type="title"/>
+          </p:nvPr>
+        </p:nvSpPr>
+        <p:spPr>
+          <a:xfrm>
+            <a:off x="1828324" y="1600200"/>
+            <a:ext cx="10157354" cy="667875"/>
+          </a:xfrm>
+        </p:spPr>
+        <p:txBody>
+          <a:bodyPr/>
+          <a:lstStyle>
+            <a:lvl1pPr algn="l">
+              <a:buNone/>
+              <a:defRPr sz="4400" b="0" cap="none">
+                <a:solidFill>
+                  <a:srgbClr val="FFFFFF"/>
+                </a:solidFill>
+              </a:defRPr>
+            </a:lvl1pPr>
+          </a:lstStyle>
+          <a:p>
+            <a:r>
+              <a:rPr kumimoji="0" lang="en-US"/>
+              <a:t>Click to edit Master title style</a:t>
+            </a:r>
+            <a:endParaRPr kumimoji="0" lang="en-US" dirty="0"/>
+          </a:p>
+        </p:txBody>
+      </p:sp>
+      <p:sp>
+        <p:nvSpPr>
+          <p:cNvPr id="13" name="Slide Number Placeholder 12"/>
+          <p:cNvSpPr>
+            <a:spLocks noGrp="1"/>
+          </p:cNvSpPr>
+          <p:nvPr>
+            <p:ph type="sldNum" sz="quarter" idx="11"/>
+          </p:nvPr>
+        </p:nvSpPr>
+        <p:spPr>
+          <a:xfrm>
+            <a:off x="0" y="1752600"/>
+            <a:ext cx="1726750" cy="701676"/>
+          </a:xfrm>
+          <a:prstGeom prst="rect">
+            <a:avLst/>
+          </a:prstGeom>
+        </p:spPr>
+        <p:txBody>
+          <a:bodyPr>
+            <a:noAutofit/>
+          </a:bodyPr>
+          <a:lstStyle>
+            <a:lvl1pPr>
+              <a:defRPr sz="2400">
+                <a:solidFill>
+                  <a:srgbClr val="FFFFFF"/>
+                </a:solidFill>
+              </a:defRPr>
+            </a:lvl1pPr>
+          </a:lstStyle>
+          <a:p>
+            <a:pPr algn="ctr" eaLnBrk="1" latinLnBrk="0" hangingPunct="1"/>
+            <a:fld id="{F0C94032-CD4C-4C25-B0C2-CEC720522D92}" type="slidenum">
+              <a:rPr kumimoji="0" lang="en-US" smtClean="0"/>
+              <a:pPr algn="ctr" eaLnBrk="1" latinLnBrk="0" hangingPunct="1"/>
+              <a:t>‹#›</a:t>
+            </a:fld>
+            <a:endParaRPr kumimoji="0" lang="en-US" sz="2400" dirty="0">
+              <a:solidFill>
+                <a:srgbClr val="FFFFFF"/>
+              </a:solidFill>
+            </a:endParaRPr>
+          </a:p>
+        </p:txBody>
+      </p:sp>
+      <p:sp>
+        <p:nvSpPr>
+          <p:cNvPr id="10" name="Footer Placeholder 4"/>
+          <p:cNvSpPr>
+            <a:spLocks noGrp="1"/>
+          </p:cNvSpPr>
+          <p:nvPr>
+            <p:ph type="ftr" sz="quarter" idx="3"/>
+          </p:nvPr>
+        </p:nvSpPr>
+        <p:spPr>
+          <a:xfrm>
+            <a:off x="514169" y="6435568"/>
+            <a:ext cx="4059169" cy="218473"/>
+          </a:xfrm>
+          <a:prstGeom prst="rect">
+            <a:avLst/>
+          </a:prstGeom>
+        </p:spPr>
+        <p:txBody>
+          <a:bodyPr/>
+          <a:lstStyle>
+            <a:lvl1pPr algn="l">
+              <a:defRPr sz="1200">
+                <a:latin typeface="Calibri"/>
+                <a:cs typeface="Calibri"/>
+              </a:defRPr>
+            </a:lvl1pPr>
+          </a:lstStyle>
+          <a:p>
+            <a:endParaRPr lang="en-US" dirty="0">
+              <a:latin typeface="Arial" pitchFamily="34" charset="0"/>
+              <a:cs typeface="Arial" pitchFamily="34" charset="0"/>
+            </a:endParaRPr>
+          </a:p>
+        </p:txBody>
+      </p:sp>
+      <p:pic>
+        <p:nvPicPr>
+          <p:cNvPr id="11" name="Picture 10" descr="IDEAS_logo.png"/>
+          <p:cNvPicPr>
+            <a:picLocks noChangeAspect="1"/>
+          </p:cNvPicPr>
+          <p:nvPr userDrawn="1"/>
+        </p:nvPicPr>
+        <p:blipFill>
+          <a:blip r:embed="rId2" cstate="print">
+            <a:extLst>
+              <a:ext uri="{28A0092B-C50C-407E-A947-70E740481C1C}">
+                <a14:useLocalDpi xmlns:a14="http://schemas.microsoft.com/office/drawing/2010/main"/>
+              </a:ext>
+            </a:extLst>
+          </a:blip>
+          <a:stretch>
+            <a:fillRect/>
+          </a:stretch>
+        </p:blipFill>
+        <p:spPr>
+          <a:xfrm>
+            <a:off x="7330747" y="6236786"/>
+            <a:ext cx="1401117" cy="485998"/>
+          </a:xfrm>
+          <a:prstGeom prst="rect">
+            <a:avLst/>
+          </a:prstGeom>
+        </p:spPr>
+      </p:pic>
+      <p:pic>
+        <p:nvPicPr>
+          <p:cNvPr id="12" name="Picture 11">
+            <a:extLst>
+              <a:ext uri="{FF2B5EF4-FFF2-40B4-BE49-F238E27FC236}">
+                <a16:creationId xmlns:a16="http://schemas.microsoft.com/office/drawing/2014/main" id="{D43F2E29-D923-E449-87DA-691D3382DA10}"/>
+              </a:ext>
+            </a:extLst>
+          </p:cNvPr>
+          <p:cNvPicPr>
+            <a:picLocks noChangeAspect="1"/>
+          </p:cNvPicPr>
+          <p:nvPr userDrawn="1"/>
+        </p:nvPicPr>
+        <p:blipFill>
+          <a:blip r:embed="rId3" cstate="print"/>
+          <a:stretch>
+            <a:fillRect/>
+          </a:stretch>
+        </p:blipFill>
+        <p:spPr>
+          <a:xfrm>
+            <a:off x="9426619" y="6115528"/>
+            <a:ext cx="2366963" cy="640080"/>
+          </a:xfrm>
+          <a:prstGeom prst="rect">
+            <a:avLst/>
+          </a:prstGeom>
+        </p:spPr>
+      </p:pic>
+      <p:sp>
+        <p:nvSpPr>
+          <p:cNvPr id="14" name="Rectangle 6">
+            <a:extLst>
+              <a:ext uri="{FF2B5EF4-FFF2-40B4-BE49-F238E27FC236}">
+                <a16:creationId xmlns:a16="http://schemas.microsoft.com/office/drawing/2014/main" id="{96FBCAFB-8167-4C4C-9FAA-536E2379E788}"/>
+              </a:ext>
+            </a:extLst>
+          </p:cNvPr>
+          <p:cNvSpPr>
+            <a:spLocks noChangeArrowheads="1"/>
+          </p:cNvSpPr>
+          <p:nvPr userDrawn="1"/>
+        </p:nvSpPr>
+        <p:spPr bwMode="auto">
+          <a:xfrm flipH="1">
+            <a:off x="163375" y="6479785"/>
+            <a:ext cx="210301" cy="152400"/>
+          </a:xfrm>
+          <a:prstGeom prst="rect">
+            <a:avLst/>
+          </a:prstGeom>
+          <a:noFill/>
+          <a:ln w="9525">
+            <a:noFill/>
+            <a:miter lim="800000"/>
+          </a:ln>
+          <a:effectLst/>
+        </p:spPr>
+        <p:txBody>
+          <a:bodyPr lIns="0" tIns="0" rIns="0" bIns="0"/>
+          <a:lstStyle/>
+          <a:p>
+            <a:pPr algn="r" defTabSz="173038">
+              <a:lnSpc>
+                <a:spcPct val="90000"/>
+              </a:lnSpc>
+              <a:defRPr>
+                <a:uFillTx/>
+              </a:defRPr>
+            </a:pPr>
+            <a:fld id="{040BB257-551A-4736-B50F-DCF1BA034C06}" type="slidenum">
+              <a:rPr lang="en-US" sz="1000" smtClean="0">
+                <a:solidFill>
+                  <a:schemeClr val="tx1"/>
+                </a:solidFill>
+                <a:uFillTx/>
+                <a:latin typeface="Arial" pitchFamily="34" charset="0"/>
+                <a:cs typeface="Arial" pitchFamily="34" charset="0"/>
+              </a:rPr>
+              <a:pPr algn="r" defTabSz="173038">
+                <a:lnSpc>
+                  <a:spcPct val="90000"/>
+                </a:lnSpc>
+                <a:defRPr>
+                  <a:uFillTx/>
+                </a:defRPr>
+              </a:pPr>
+              <a:t>‹#›</a:t>
+            </a:fld>
+            <a:endParaRPr lang="en-US" sz="1000" dirty="0">
+              <a:solidFill>
+                <a:schemeClr val="tx1"/>
+              </a:solidFill>
+              <a:uFillTx/>
+              <a:latin typeface="Arial" pitchFamily="34" charset="0"/>
+              <a:cs typeface="Arial" pitchFamily="34" charset="0"/>
+            </a:endParaRPr>
+          </a:p>
+        </p:txBody>
+      </p:sp>
+    </p:spTree>
+    <p:extLst>
+      <p:ext uri="{BB962C8B-B14F-4D97-AF65-F5344CB8AC3E}">
+        <p14:creationId xmlns:p14="http://schemas.microsoft.com/office/powerpoint/2010/main" val="3398670667"/>
+      </p:ext>
+    </p:extLst>
+  </p:cSld>
+  <p:clrMapOvr>
+    <a:overrideClrMapping bg1="lt1" tx1="dk1" bg2="lt2" tx2="dk2" accent1="accent1" accent2="accent2" accent3="accent3" accent4="accent4" accent5="accent5" accent6="accent6" hlink="hlink" folHlink="folHlink"/>
+  </p:clrMapOvr>
+</p:sldLayout>
+</file>
+
 <file path=ppt/slideMasters/slideMaster1.xml><?xml version="1.0" encoding="utf-8"?>
-<p:sldMaster xmlns:a="http://schemas.openxmlformats.org/drawingml/2006/main" xmlns:r="http://schemas.openxmlformats.org/officeDocument/2006/relationships" xmlns:p="http://schemas.openxmlformats.org/presentationml/2006/main">
+<p:sldMaster xmlns:a="http://schemas.openxmlformats.org/drawingml/2006/main" xmlns:r="http://schemas.openxmlformats.org/officeDocument/2006/relationships" xmlns:p="http://schemas.openxmlformats.org/presentationml/2006/main" preserve="1">
   <p:cSld>
     <p:bg>
       <p:bgPr>
@@ -5682,977 +3945,6 @@
         <p:spPr bwMode="auto">
           <a:xfrm>
             <a:off x="365760" y="411480"/>
-            <a:ext cx="11376442" cy="510909"/>
-          </a:xfrm>
-          <a:prstGeom prst="rect">
-            <a:avLst/>
-          </a:prstGeom>
-          <a:noFill/>
-          <a:ln w="9525">
-            <a:noFill/>
-            <a:miter lim="800000"/>
-          </a:ln>
-        </p:spPr>
-        <p:txBody>
-          <a:bodyPr vert="horz" wrap="square" lIns="91440" tIns="45720" rIns="91440" bIns="45720" numCol="1" anchor="t" anchorCtr="0" compatLnSpc="1">
-            <a:prstTxWarp prst="textNoShape">
-              <a:avLst/>
-            </a:prstTxWarp>
-            <a:spAutoFit/>
-          </a:bodyPr>
-          <a:lstStyle/>
-          <a:p>
-            <a:pPr lvl="0"/>
-            <a:r>
-              <a:rPr lang="en-US" dirty="0">
-                <a:uFillTx/>
-              </a:rPr>
-              <a:t>Click to edit Master title style</a:t>
-            </a:r>
-          </a:p>
-        </p:txBody>
-      </p:sp>
-      <p:sp>
-        <p:nvSpPr>
-          <p:cNvPr id="1027" name="Text Placeholder 2"/>
-          <p:cNvSpPr>
-            <a:spLocks noGrp="1"/>
-          </p:cNvSpPr>
-          <p:nvPr>
-            <p:ph type="body" idx="1"/>
-          </p:nvPr>
-        </p:nvSpPr>
-        <p:spPr bwMode="auto">
-          <a:xfrm>
-            <a:off x="365760" y="1623066"/>
-            <a:ext cx="11376442" cy="4040923"/>
-          </a:xfrm>
-          <a:prstGeom prst="rect">
-            <a:avLst/>
-          </a:prstGeom>
-          <a:noFill/>
-          <a:ln w="9525">
-            <a:noFill/>
-            <a:miter lim="800000"/>
-          </a:ln>
-        </p:spPr>
-        <p:txBody>
-          <a:bodyPr vert="horz" wrap="square" lIns="91440" tIns="45720" rIns="91440" bIns="45720" numCol="1" anchor="t" anchorCtr="0" compatLnSpc="1">
-            <a:prstTxWarp prst="textNoShape">
-              <a:avLst/>
-            </a:prstTxWarp>
-            <a:noAutofit/>
-          </a:bodyPr>
-          <a:lstStyle/>
-          <a:p>
-            <a:pPr lvl="0"/>
-            <a:r>
-              <a:rPr lang="en-US" dirty="0">
-                <a:uFillTx/>
-              </a:rPr>
-              <a:t>Click to edit Master text styles</a:t>
-            </a:r>
-          </a:p>
-          <a:p>
-            <a:pPr lvl="1"/>
-            <a:r>
-              <a:rPr lang="en-US" dirty="0">
-                <a:uFillTx/>
-              </a:rPr>
-              <a:t>Second level</a:t>
-            </a:r>
-          </a:p>
-          <a:p>
-            <a:pPr lvl="2"/>
-            <a:r>
-              <a:rPr lang="en-US" dirty="0">
-                <a:uFillTx/>
-              </a:rPr>
-              <a:t>Third level</a:t>
-            </a:r>
-          </a:p>
-          <a:p>
-            <a:pPr lvl="3"/>
-            <a:r>
-              <a:rPr lang="en-US" dirty="0">
-                <a:uFillTx/>
-              </a:rPr>
-              <a:t>Fourth level</a:t>
-            </a:r>
-          </a:p>
-          <a:p>
-            <a:pPr lvl="4"/>
-            <a:r>
-              <a:rPr lang="en-US" dirty="0">
-                <a:uFillTx/>
-              </a:rPr>
-              <a:t>Fifth level</a:t>
-            </a:r>
-          </a:p>
-        </p:txBody>
-      </p:sp>
-      <p:pic>
-        <p:nvPicPr>
-          <p:cNvPr id="13" name="Picture 12"/>
-          <p:cNvPicPr>
-            <a:picLocks noChangeAspect="1"/>
-          </p:cNvPicPr>
-          <p:nvPr userDrawn="1"/>
-        </p:nvPicPr>
-        <p:blipFill>
-          <a:blip r:embed="rId9" cstate="print"/>
-          <a:stretch>
-            <a:fillRect/>
-          </a:stretch>
-        </p:blipFill>
-        <p:spPr>
-          <a:xfrm>
-            <a:off x="9236773" y="6033555"/>
-            <a:ext cx="2366963" cy="640080"/>
-          </a:xfrm>
-          <a:prstGeom prst="rect">
-            <a:avLst/>
-          </a:prstGeom>
-        </p:spPr>
-      </p:pic>
-      <p:grpSp>
-        <p:nvGrpSpPr>
-          <p:cNvPr id="15" name="Group 14"/>
-          <p:cNvGrpSpPr/>
-          <p:nvPr userDrawn="1"/>
-        </p:nvGrpSpPr>
-        <p:grpSpPr>
-          <a:xfrm>
-            <a:off x="-4595" y="6830568"/>
-            <a:ext cx="12198096" cy="27432"/>
-            <a:chOff x="-9675" y="6830568"/>
-            <a:chExt cx="9176303" cy="27432"/>
-          </a:xfrm>
-        </p:grpSpPr>
-        <p:sp>
-          <p:nvSpPr>
-            <p:cNvPr id="16" name="Rectangle 15"/>
-            <p:cNvSpPr>
-              <a:spLocks/>
-            </p:cNvSpPr>
-            <p:nvPr userDrawn="1"/>
-          </p:nvSpPr>
-          <p:spPr>
-            <a:xfrm>
-              <a:off x="5529226" y="6830568"/>
-              <a:ext cx="3637402" cy="27432"/>
-            </a:xfrm>
-            <a:prstGeom prst="rect">
-              <a:avLst/>
-            </a:prstGeom>
-            <a:solidFill>
-              <a:schemeClr val="accent4"/>
-            </a:solidFill>
-            <a:ln>
-              <a:noFill/>
-            </a:ln>
-            <a:effectLst/>
-            <a:scene3d>
-              <a:camera prst="orthographicFront">
-                <a:rot lat="0" lon="0" rev="0"/>
-              </a:camera>
-              <a:lightRig rig="threePt" dir="t">
-                <a:rot lat="0" lon="0" rev="1200000"/>
-              </a:lightRig>
-            </a:scene3d>
-          </p:spPr>
-          <p:style>
-            <a:lnRef idx="0">
-              <a:schemeClr val="accent1"/>
-            </a:lnRef>
-            <a:fillRef idx="3">
-              <a:schemeClr val="accent1"/>
-            </a:fillRef>
-            <a:effectRef idx="3">
-              <a:schemeClr val="accent1"/>
-            </a:effectRef>
-            <a:fontRef idx="minor">
-              <a:schemeClr val="lt1"/>
-            </a:fontRef>
-          </p:style>
-          <p:txBody>
-            <a:bodyPr rot="0" spcFirstLastPara="0" vertOverflow="overflow" horzOverflow="overflow" vert="horz" wrap="square" lIns="45720" tIns="45720" rIns="45720" bIns="45720" numCol="1" rtlCol="0" fromWordArt="0" anchor="ctr" anchorCtr="0" forceAA="0" compatLnSpc="1">
-              <a:prstTxWarp prst="textNoShape">
-                <a:avLst/>
-              </a:prstTxWarp>
-              <a:noAutofit/>
-            </a:bodyPr>
-            <a:lstStyle/>
-            <a:p>
-              <a:pPr algn="ctr">
-                <a:lnSpc>
-                  <a:spcPct val="90000"/>
-                </a:lnSpc>
-              </a:pPr>
-              <a:endParaRPr lang="en-US" dirty="0">
-                <a:solidFill>
-                  <a:schemeClr val="tx1"/>
-                </a:solidFill>
-                <a:uFillTx/>
-              </a:endParaRPr>
-            </a:p>
-          </p:txBody>
-        </p:sp>
-        <p:sp>
-          <p:nvSpPr>
-            <p:cNvPr id="17" name="Rectangle 16"/>
-            <p:cNvSpPr>
-              <a:spLocks/>
-            </p:cNvSpPr>
-            <p:nvPr userDrawn="1"/>
-          </p:nvSpPr>
-          <p:spPr>
-            <a:xfrm>
-              <a:off x="-9675" y="6830568"/>
-              <a:ext cx="5542707" cy="27432"/>
-            </a:xfrm>
-            <a:prstGeom prst="rect">
-              <a:avLst/>
-            </a:prstGeom>
-            <a:solidFill>
-              <a:schemeClr val="accent3">
-                <a:lumMod val="75000"/>
-              </a:schemeClr>
-            </a:solidFill>
-            <a:ln>
-              <a:noFill/>
-            </a:ln>
-            <a:effectLst/>
-            <a:scene3d>
-              <a:camera prst="orthographicFront">
-                <a:rot lat="0" lon="0" rev="0"/>
-              </a:camera>
-              <a:lightRig rig="threePt" dir="t">
-                <a:rot lat="0" lon="0" rev="1200000"/>
-              </a:lightRig>
-            </a:scene3d>
-          </p:spPr>
-          <p:style>
-            <a:lnRef idx="0">
-              <a:schemeClr val="accent1"/>
-            </a:lnRef>
-            <a:fillRef idx="3">
-              <a:schemeClr val="accent1"/>
-            </a:fillRef>
-            <a:effectRef idx="3">
-              <a:schemeClr val="accent1"/>
-            </a:effectRef>
-            <a:fontRef idx="minor">
-              <a:schemeClr val="lt1"/>
-            </a:fontRef>
-          </p:style>
-          <p:txBody>
-            <a:bodyPr rot="0" spcFirstLastPara="0" vertOverflow="overflow" horzOverflow="overflow" vert="horz" wrap="square" lIns="45720" tIns="45720" rIns="45720" bIns="45720" numCol="1" rtlCol="0" fromWordArt="0" anchor="ctr" anchorCtr="0" forceAA="0" compatLnSpc="1">
-              <a:prstTxWarp prst="textNoShape">
-                <a:avLst/>
-              </a:prstTxWarp>
-              <a:noAutofit/>
-            </a:bodyPr>
-            <a:lstStyle/>
-            <a:p>
-              <a:pPr lvl="0" algn="ctr">
-                <a:lnSpc>
-                  <a:spcPct val="90000"/>
-                </a:lnSpc>
-              </a:pPr>
-              <a:endParaRPr lang="en-US" dirty="0">
-                <a:solidFill>
-                  <a:schemeClr val="tx1"/>
-                </a:solidFill>
-                <a:uFillTx/>
-              </a:endParaRPr>
-            </a:p>
-          </p:txBody>
-        </p:sp>
-      </p:grpSp>
-      <p:sp>
-        <p:nvSpPr>
-          <p:cNvPr id="8" name="Rectangle 256"/>
-          <p:cNvSpPr txBox="1">
-            <a:spLocks noChangeArrowheads="1"/>
-          </p:cNvSpPr>
-          <p:nvPr userDrawn="1"/>
-        </p:nvSpPr>
-        <p:spPr>
-          <a:xfrm>
-            <a:off x="363828" y="6449464"/>
-            <a:ext cx="3422561" cy="213042"/>
-          </a:xfrm>
-          <a:prstGeom prst="rect">
-            <a:avLst/>
-          </a:prstGeom>
-        </p:spPr>
-        <p:txBody>
-          <a:bodyPr anchor="ctr"/>
-          <a:lstStyle/>
-          <a:p>
-            <a:pPr algn="l"/>
-            <a:endParaRPr lang="en-US" sz="1000" dirty="0">
-              <a:solidFill>
-                <a:schemeClr val="tx1"/>
-              </a:solidFill>
-              <a:uFillTx/>
-              <a:latin typeface="Arial" pitchFamily="34" charset="0"/>
-              <a:cs typeface="Arial" pitchFamily="34" charset="0"/>
-            </a:endParaRPr>
-          </a:p>
-        </p:txBody>
-      </p:sp>
-      <p:sp>
-        <p:nvSpPr>
-          <p:cNvPr id="9" name="Rectangle 6"/>
-          <p:cNvSpPr>
-            <a:spLocks noChangeArrowheads="1"/>
-          </p:cNvSpPr>
-          <p:nvPr userDrawn="1"/>
-        </p:nvSpPr>
-        <p:spPr bwMode="auto">
-          <a:xfrm flipH="1">
-            <a:off x="163375" y="6479785"/>
-            <a:ext cx="210301" cy="152400"/>
-          </a:xfrm>
-          <a:prstGeom prst="rect">
-            <a:avLst/>
-          </a:prstGeom>
-          <a:noFill/>
-          <a:ln w="9525">
-            <a:noFill/>
-            <a:miter lim="800000"/>
-          </a:ln>
-          <a:effectLst/>
-        </p:spPr>
-        <p:txBody>
-          <a:bodyPr lIns="0" tIns="0" rIns="0" bIns="0"/>
-          <a:lstStyle/>
-          <a:p>
-            <a:pPr algn="r" defTabSz="173038">
-              <a:lnSpc>
-                <a:spcPct val="90000"/>
-              </a:lnSpc>
-              <a:defRPr>
-                <a:uFillTx/>
-              </a:defRPr>
-            </a:pPr>
-            <a:fld id="{040BB257-551A-4736-B50F-DCF1BA034C06}" type="slidenum">
-              <a:rPr lang="en-US" sz="1000" smtClean="0">
-                <a:solidFill>
-                  <a:schemeClr val="tx1"/>
-                </a:solidFill>
-                <a:uFillTx/>
-                <a:latin typeface="Arial" pitchFamily="34" charset="0"/>
-                <a:cs typeface="Arial" pitchFamily="34" charset="0"/>
-              </a:rPr>
-              <a:pPr algn="r" defTabSz="173038">
-                <a:lnSpc>
-                  <a:spcPct val="90000"/>
-                </a:lnSpc>
-                <a:defRPr>
-                  <a:uFillTx/>
-                </a:defRPr>
-              </a:pPr>
-              <a:t>‹#›</a:t>
-            </a:fld>
-            <a:endParaRPr lang="en-US" sz="1000" dirty="0">
-              <a:solidFill>
-                <a:schemeClr val="tx1"/>
-              </a:solidFill>
-              <a:uFillTx/>
-              <a:latin typeface="Arial" pitchFamily="34" charset="0"/>
-              <a:cs typeface="Arial" pitchFamily="34" charset="0"/>
-            </a:endParaRPr>
-          </a:p>
-        </p:txBody>
-      </p:sp>
-      <p:pic>
-        <p:nvPicPr>
-          <p:cNvPr id="11" name="Picture 10" descr="IDEAS_logo.png"/>
-          <p:cNvPicPr>
-            <a:picLocks noChangeAspect="1"/>
-          </p:cNvPicPr>
-          <p:nvPr userDrawn="1"/>
-        </p:nvPicPr>
-        <p:blipFill>
-          <a:blip r:embed="rId10" cstate="print"/>
-          <a:stretch>
-            <a:fillRect/>
-          </a:stretch>
-        </p:blipFill>
-        <p:spPr>
-          <a:xfrm>
-            <a:off x="7027425" y="6069275"/>
-            <a:ext cx="1845330" cy="640080"/>
-          </a:xfrm>
-          <a:prstGeom prst="rect">
-            <a:avLst/>
-          </a:prstGeom>
-        </p:spPr>
-      </p:pic>
-    </p:spTree>
-  </p:cSld>
-  <p:clrMap bg1="lt1" tx1="dk1" bg2="lt2" tx2="dk2" accent1="accent1" accent2="accent2" accent3="accent3" accent4="accent4" accent5="accent5" accent6="accent6" hlink="hlink" folHlink="folHlink"/>
-  <p:sldLayoutIdLst>
-    <p:sldLayoutId id="2147483661" r:id="rId1"/>
-    <p:sldLayoutId id="2147483662" r:id="rId2"/>
-    <p:sldLayoutId id="2147483663" r:id="rId3"/>
-    <p:sldLayoutId id="2147483664" r:id="rId4"/>
-    <p:sldLayoutId id="2147483665" r:id="rId5"/>
-    <p:sldLayoutId id="2147483666" r:id="rId6"/>
-    <p:sldLayoutId id="2147483667" r:id="rId7"/>
-  </p:sldLayoutIdLst>
-  <p:hf hdr="0" ftr="0" dt="0"/>
-  <p:txStyles>
-    <p:titleStyle>
-      <a:lvl1pPr algn="l" rtl="0" eaLnBrk="1" fontAlgn="base" hangingPunct="1">
-        <a:lnSpc>
-          <a:spcPct val="85000"/>
-        </a:lnSpc>
-        <a:spcBef>
-          <a:spcPct val="0"/>
-        </a:spcBef>
-        <a:spcAft>
-          <a:spcPct val="0"/>
-        </a:spcAft>
-        <a:defRPr sz="3200" b="1" kern="1200" baseline="0">
-          <a:solidFill>
-            <a:schemeClr val="tx1"/>
-          </a:solidFill>
-          <a:uFillTx/>
-          <a:latin typeface="+mn-lt"/>
-          <a:ea typeface="+mj-ea"/>
-          <a:cs typeface="+mj-cs"/>
-        </a:defRPr>
-      </a:lvl1pPr>
-      <a:lvl2pPr algn="l" rtl="0" eaLnBrk="1" fontAlgn="base" hangingPunct="1">
-        <a:lnSpc>
-          <a:spcPct val="85000"/>
-        </a:lnSpc>
-        <a:spcBef>
-          <a:spcPct val="0"/>
-        </a:spcBef>
-        <a:spcAft>
-          <a:spcPct val="0"/>
-        </a:spcAft>
-        <a:defRPr sz="3000">
-          <a:solidFill>
-            <a:srgbClr val="006C3A"/>
-          </a:solidFill>
-          <a:uFillTx/>
-          <a:latin typeface="Arial Black" pitchFamily="34" charset="0"/>
-        </a:defRPr>
-      </a:lvl2pPr>
-      <a:lvl3pPr algn="l" rtl="0" eaLnBrk="1" fontAlgn="base" hangingPunct="1">
-        <a:lnSpc>
-          <a:spcPct val="85000"/>
-        </a:lnSpc>
-        <a:spcBef>
-          <a:spcPct val="0"/>
-        </a:spcBef>
-        <a:spcAft>
-          <a:spcPct val="0"/>
-        </a:spcAft>
-        <a:defRPr sz="3000">
-          <a:solidFill>
-            <a:srgbClr val="006C3A"/>
-          </a:solidFill>
-          <a:uFillTx/>
-          <a:latin typeface="Arial Black" pitchFamily="34" charset="0"/>
-        </a:defRPr>
-      </a:lvl3pPr>
-      <a:lvl4pPr algn="l" rtl="0" eaLnBrk="1" fontAlgn="base" hangingPunct="1">
-        <a:lnSpc>
-          <a:spcPct val="85000"/>
-        </a:lnSpc>
-        <a:spcBef>
-          <a:spcPct val="0"/>
-        </a:spcBef>
-        <a:spcAft>
-          <a:spcPct val="0"/>
-        </a:spcAft>
-        <a:defRPr sz="3000">
-          <a:solidFill>
-            <a:srgbClr val="006C3A"/>
-          </a:solidFill>
-          <a:uFillTx/>
-          <a:latin typeface="Arial Black" pitchFamily="34" charset="0"/>
-        </a:defRPr>
-      </a:lvl4pPr>
-      <a:lvl5pPr algn="l" rtl="0" eaLnBrk="1" fontAlgn="base" hangingPunct="1">
-        <a:lnSpc>
-          <a:spcPct val="85000"/>
-        </a:lnSpc>
-        <a:spcBef>
-          <a:spcPct val="0"/>
-        </a:spcBef>
-        <a:spcAft>
-          <a:spcPct val="0"/>
-        </a:spcAft>
-        <a:defRPr sz="3000">
-          <a:solidFill>
-            <a:srgbClr val="006C3A"/>
-          </a:solidFill>
-          <a:uFillTx/>
-          <a:latin typeface="Arial Black" pitchFamily="34" charset="0"/>
-        </a:defRPr>
-      </a:lvl5pPr>
-      <a:lvl6pPr marL="457200" algn="l" rtl="0" eaLnBrk="1" fontAlgn="base" hangingPunct="1">
-        <a:lnSpc>
-          <a:spcPct val="85000"/>
-        </a:lnSpc>
-        <a:spcBef>
-          <a:spcPct val="0"/>
-        </a:spcBef>
-        <a:spcAft>
-          <a:spcPct val="0"/>
-        </a:spcAft>
-        <a:defRPr sz="3000">
-          <a:solidFill>
-            <a:srgbClr val="006C3A"/>
-          </a:solidFill>
-          <a:uFillTx/>
-          <a:latin typeface="Arial Black" pitchFamily="34" charset="0"/>
-        </a:defRPr>
-      </a:lvl6pPr>
-      <a:lvl7pPr marL="914400" algn="l" rtl="0" eaLnBrk="1" fontAlgn="base" hangingPunct="1">
-        <a:lnSpc>
-          <a:spcPct val="85000"/>
-        </a:lnSpc>
-        <a:spcBef>
-          <a:spcPct val="0"/>
-        </a:spcBef>
-        <a:spcAft>
-          <a:spcPct val="0"/>
-        </a:spcAft>
-        <a:defRPr sz="3000">
-          <a:solidFill>
-            <a:srgbClr val="006C3A"/>
-          </a:solidFill>
-          <a:uFillTx/>
-          <a:latin typeface="Arial Black" pitchFamily="34" charset="0"/>
-        </a:defRPr>
-      </a:lvl7pPr>
-      <a:lvl8pPr marL="1371600" algn="l" rtl="0" eaLnBrk="1" fontAlgn="base" hangingPunct="1">
-        <a:lnSpc>
-          <a:spcPct val="85000"/>
-        </a:lnSpc>
-        <a:spcBef>
-          <a:spcPct val="0"/>
-        </a:spcBef>
-        <a:spcAft>
-          <a:spcPct val="0"/>
-        </a:spcAft>
-        <a:defRPr sz="3000">
-          <a:solidFill>
-            <a:srgbClr val="006C3A"/>
-          </a:solidFill>
-          <a:uFillTx/>
-          <a:latin typeface="Arial Black" pitchFamily="34" charset="0"/>
-        </a:defRPr>
-      </a:lvl8pPr>
-      <a:lvl9pPr marL="1828800" algn="l" rtl="0" eaLnBrk="1" fontAlgn="base" hangingPunct="1">
-        <a:lnSpc>
-          <a:spcPct val="85000"/>
-        </a:lnSpc>
-        <a:spcBef>
-          <a:spcPct val="0"/>
-        </a:spcBef>
-        <a:spcAft>
-          <a:spcPct val="0"/>
-        </a:spcAft>
-        <a:defRPr sz="3000">
-          <a:solidFill>
-            <a:srgbClr val="006C3A"/>
-          </a:solidFill>
-          <a:uFillTx/>
-          <a:latin typeface="Arial Black" pitchFamily="34" charset="0"/>
-        </a:defRPr>
-      </a:lvl9pPr>
-    </p:titleStyle>
-    <p:bodyStyle>
-      <a:lvl1pPr marL="230188" indent="-230188" algn="l" rtl="0" eaLnBrk="1" fontAlgn="base" hangingPunct="1">
-        <a:lnSpc>
-          <a:spcPct val="90000"/>
-        </a:lnSpc>
-        <a:spcBef>
-          <a:spcPts val="1400"/>
-        </a:spcBef>
-        <a:spcAft>
-          <a:spcPct val="0"/>
-        </a:spcAft>
-        <a:buClr>
-          <a:schemeClr val="tx1"/>
-        </a:buClr>
-        <a:buFont typeface="Arial" charset="0"/>
-        <a:buChar char="•"/>
-        <a:defRPr sz="2800" kern="1200">
-          <a:solidFill>
-            <a:schemeClr val="tx1"/>
-          </a:solidFill>
-          <a:uFillTx/>
-          <a:latin typeface="+mn-lt"/>
-          <a:ea typeface="+mn-ea"/>
-          <a:cs typeface="+mn-cs"/>
-        </a:defRPr>
-      </a:lvl1pPr>
-      <a:lvl2pPr marL="625475" indent="-279400" algn="l" rtl="0" eaLnBrk="1" fontAlgn="base" hangingPunct="1">
-        <a:lnSpc>
-          <a:spcPct val="90000"/>
-        </a:lnSpc>
-        <a:spcBef>
-          <a:spcPts val="800"/>
-        </a:spcBef>
-        <a:spcAft>
-          <a:spcPct val="0"/>
-        </a:spcAft>
-        <a:buClr>
-          <a:schemeClr val="tx1"/>
-        </a:buClr>
-        <a:buFont typeface="Arial" charset="0"/>
-        <a:buChar char="–"/>
-        <a:defRPr sz="2400" kern="1200">
-          <a:solidFill>
-            <a:schemeClr val="tx1"/>
-          </a:solidFill>
-          <a:uFillTx/>
-          <a:latin typeface="+mn-lt"/>
-          <a:ea typeface="+mn-ea"/>
-          <a:cs typeface="+mn-cs"/>
-        </a:defRPr>
-      </a:lvl2pPr>
-      <a:lvl3pPr marL="914400" indent="-230188" algn="l" rtl="0" eaLnBrk="1" fontAlgn="base" hangingPunct="1">
-        <a:lnSpc>
-          <a:spcPct val="90000"/>
-        </a:lnSpc>
-        <a:spcBef>
-          <a:spcPts val="800"/>
-        </a:spcBef>
-        <a:spcAft>
-          <a:spcPct val="0"/>
-        </a:spcAft>
-        <a:buClr>
-          <a:schemeClr val="tx1"/>
-        </a:buClr>
-        <a:buFont typeface="Arial" charset="0"/>
-        <a:buChar char="•"/>
-        <a:defRPr sz="2000" kern="1200">
-          <a:solidFill>
-            <a:schemeClr val="tx1"/>
-          </a:solidFill>
-          <a:uFillTx/>
-          <a:latin typeface="+mn-lt"/>
-          <a:ea typeface="+mn-ea"/>
-          <a:cs typeface="+mn-cs"/>
-        </a:defRPr>
-      </a:lvl3pPr>
-      <a:lvl4pPr marL="1144588" indent="-173038" algn="l" rtl="0" eaLnBrk="1" fontAlgn="base" hangingPunct="1">
-        <a:lnSpc>
-          <a:spcPct val="90000"/>
-        </a:lnSpc>
-        <a:spcBef>
-          <a:spcPts val="800"/>
-        </a:spcBef>
-        <a:spcAft>
-          <a:spcPct val="0"/>
-        </a:spcAft>
-        <a:buClr>
-          <a:schemeClr val="tx1"/>
-        </a:buClr>
-        <a:buFont typeface="Arial" charset="0"/>
-        <a:buChar char="–"/>
-        <a:defRPr sz="1800" kern="1200">
-          <a:solidFill>
-            <a:schemeClr val="tx1"/>
-          </a:solidFill>
-          <a:uFillTx/>
-          <a:latin typeface="+mn-lt"/>
-          <a:ea typeface="+mn-ea"/>
-          <a:cs typeface="+mn-cs"/>
-        </a:defRPr>
-      </a:lvl4pPr>
-      <a:lvl5pPr marL="1482725" indent="-222250" algn="l" rtl="0" eaLnBrk="1" fontAlgn="base" hangingPunct="1">
-        <a:lnSpc>
-          <a:spcPct val="90000"/>
-        </a:lnSpc>
-        <a:spcBef>
-          <a:spcPts val="600"/>
-        </a:spcBef>
-        <a:spcAft>
-          <a:spcPct val="0"/>
-        </a:spcAft>
-        <a:buClr>
-          <a:schemeClr val="tx1"/>
-        </a:buClr>
-        <a:buFont typeface="Arial" charset="0"/>
-        <a:buChar char="»"/>
-        <a:defRPr sz="1800" kern="1200">
-          <a:solidFill>
-            <a:schemeClr val="tx1"/>
-          </a:solidFill>
-          <a:uFillTx/>
-          <a:latin typeface="+mn-lt"/>
-          <a:ea typeface="+mn-ea"/>
-          <a:cs typeface="+mn-cs"/>
-        </a:defRPr>
-      </a:lvl5pPr>
-      <a:lvl6pPr marL="2514600" indent="-228600" algn="l" defTabSz="914400" rtl="0" eaLnBrk="1" latinLnBrk="0" hangingPunct="1">
-        <a:spcBef>
-          <a:spcPct val="20000"/>
-        </a:spcBef>
-        <a:buFont typeface="Arial" pitchFamily="34" charset="0"/>
-        <a:buChar char="•"/>
-        <a:defRPr sz="2000" kern="1200">
-          <a:solidFill>
-            <a:schemeClr val="tx1"/>
-          </a:solidFill>
-          <a:uFillTx/>
-          <a:latin typeface="+mn-lt"/>
-          <a:ea typeface="+mn-ea"/>
-          <a:cs typeface="+mn-cs"/>
-        </a:defRPr>
-      </a:lvl6pPr>
-      <a:lvl7pPr marL="2971800" indent="-228600" algn="l" defTabSz="914400" rtl="0" eaLnBrk="1" latinLnBrk="0" hangingPunct="1">
-        <a:spcBef>
-          <a:spcPct val="20000"/>
-        </a:spcBef>
-        <a:buFont typeface="Arial" pitchFamily="34" charset="0"/>
-        <a:buChar char="•"/>
-        <a:defRPr sz="2000" kern="1200">
-          <a:solidFill>
-            <a:schemeClr val="tx1"/>
-          </a:solidFill>
-          <a:uFillTx/>
-          <a:latin typeface="+mn-lt"/>
-          <a:ea typeface="+mn-ea"/>
-          <a:cs typeface="+mn-cs"/>
-        </a:defRPr>
-      </a:lvl7pPr>
-      <a:lvl8pPr marL="3429000" indent="-228600" algn="l" defTabSz="914400" rtl="0" eaLnBrk="1" latinLnBrk="0" hangingPunct="1">
-        <a:spcBef>
-          <a:spcPct val="20000"/>
-        </a:spcBef>
-        <a:buFont typeface="Arial" pitchFamily="34" charset="0"/>
-        <a:buChar char="•"/>
-        <a:defRPr sz="2000" kern="1200">
-          <a:solidFill>
-            <a:schemeClr val="tx1"/>
-          </a:solidFill>
-          <a:uFillTx/>
-          <a:latin typeface="+mn-lt"/>
-          <a:ea typeface="+mn-ea"/>
-          <a:cs typeface="+mn-cs"/>
-        </a:defRPr>
-      </a:lvl8pPr>
-      <a:lvl9pPr marL="3886200" indent="-228600" algn="l" defTabSz="914400" rtl="0" eaLnBrk="1" latinLnBrk="0" hangingPunct="1">
-        <a:spcBef>
-          <a:spcPct val="20000"/>
-        </a:spcBef>
-        <a:buFont typeface="Arial" pitchFamily="34" charset="0"/>
-        <a:buChar char="•"/>
-        <a:defRPr sz="2000" kern="1200">
-          <a:solidFill>
-            <a:schemeClr val="tx1"/>
-          </a:solidFill>
-          <a:uFillTx/>
-          <a:latin typeface="+mn-lt"/>
-          <a:ea typeface="+mn-ea"/>
-          <a:cs typeface="+mn-cs"/>
-        </a:defRPr>
-      </a:lvl9pPr>
-    </p:bodyStyle>
-    <p:otherStyle>
-      <a:defPPr>
-        <a:defRPr lang="en-US">
-          <a:uFillTx/>
-        </a:defRPr>
-      </a:defPPr>
-      <a:lvl1pPr marL="0" algn="l" defTabSz="914400" rtl="0" eaLnBrk="1" latinLnBrk="0" hangingPunct="1">
-        <a:defRPr sz="1800" kern="1200">
-          <a:solidFill>
-            <a:schemeClr val="tx1"/>
-          </a:solidFill>
-          <a:uFillTx/>
-          <a:latin typeface="+mn-lt"/>
-          <a:ea typeface="+mn-ea"/>
-          <a:cs typeface="+mn-cs"/>
-        </a:defRPr>
-      </a:lvl1pPr>
-      <a:lvl2pPr marL="457200" algn="l" defTabSz="914400" rtl="0" eaLnBrk="1" latinLnBrk="0" hangingPunct="1">
-        <a:defRPr sz="1800" kern="1200">
-          <a:solidFill>
-            <a:schemeClr val="tx1"/>
-          </a:solidFill>
-          <a:uFillTx/>
-          <a:latin typeface="+mn-lt"/>
-          <a:ea typeface="+mn-ea"/>
-          <a:cs typeface="+mn-cs"/>
-        </a:defRPr>
-      </a:lvl2pPr>
-      <a:lvl3pPr marL="914400" algn="l" defTabSz="914400" rtl="0" eaLnBrk="1" latinLnBrk="0" hangingPunct="1">
-        <a:defRPr sz="1800" kern="1200">
-          <a:solidFill>
-            <a:schemeClr val="tx1"/>
-          </a:solidFill>
-          <a:uFillTx/>
-          <a:latin typeface="+mn-lt"/>
-          <a:ea typeface="+mn-ea"/>
-          <a:cs typeface="+mn-cs"/>
-        </a:defRPr>
-      </a:lvl3pPr>
-      <a:lvl4pPr marL="1371600" algn="l" defTabSz="914400" rtl="0" eaLnBrk="1" latinLnBrk="0" hangingPunct="1">
-        <a:defRPr sz="1800" kern="1200">
-          <a:solidFill>
-            <a:schemeClr val="tx1"/>
-          </a:solidFill>
-          <a:uFillTx/>
-          <a:latin typeface="+mn-lt"/>
-          <a:ea typeface="+mn-ea"/>
-          <a:cs typeface="+mn-cs"/>
-        </a:defRPr>
-      </a:lvl4pPr>
-      <a:lvl5pPr marL="1828800" algn="l" defTabSz="914400" rtl="0" eaLnBrk="1" latinLnBrk="0" hangingPunct="1">
-        <a:defRPr sz="1800" kern="1200">
-          <a:solidFill>
-            <a:schemeClr val="tx1"/>
-          </a:solidFill>
-          <a:uFillTx/>
-          <a:latin typeface="+mn-lt"/>
-          <a:ea typeface="+mn-ea"/>
-          <a:cs typeface="+mn-cs"/>
-        </a:defRPr>
-      </a:lvl5pPr>
-      <a:lvl6pPr marL="2286000" algn="l" defTabSz="914400" rtl="0" eaLnBrk="1" latinLnBrk="0" hangingPunct="1">
-        <a:defRPr sz="1800" kern="1200">
-          <a:solidFill>
-            <a:schemeClr val="tx1"/>
-          </a:solidFill>
-          <a:uFillTx/>
-          <a:latin typeface="+mn-lt"/>
-          <a:ea typeface="+mn-ea"/>
-          <a:cs typeface="+mn-cs"/>
-        </a:defRPr>
-      </a:lvl6pPr>
-      <a:lvl7pPr marL="2743200" algn="l" defTabSz="914400" rtl="0" eaLnBrk="1" latinLnBrk="0" hangingPunct="1">
-        <a:defRPr sz="1800" kern="1200">
-          <a:solidFill>
-            <a:schemeClr val="tx1"/>
-          </a:solidFill>
-          <a:uFillTx/>
-          <a:latin typeface="+mn-lt"/>
-          <a:ea typeface="+mn-ea"/>
-          <a:cs typeface="+mn-cs"/>
-        </a:defRPr>
-      </a:lvl7pPr>
-      <a:lvl8pPr marL="3200400" algn="l" defTabSz="914400" rtl="0" eaLnBrk="1" latinLnBrk="0" hangingPunct="1">
-        <a:defRPr sz="1800" kern="1200">
-          <a:solidFill>
-            <a:schemeClr val="tx1"/>
-          </a:solidFill>
-          <a:uFillTx/>
-          <a:latin typeface="+mn-lt"/>
-          <a:ea typeface="+mn-ea"/>
-          <a:cs typeface="+mn-cs"/>
-        </a:defRPr>
-      </a:lvl8pPr>
-      <a:lvl9pPr marL="3657600" algn="l" defTabSz="914400" rtl="0" eaLnBrk="1" latinLnBrk="0" hangingPunct="1">
-        <a:defRPr sz="1800" kern="1200">
-          <a:solidFill>
-            <a:schemeClr val="tx1"/>
-          </a:solidFill>
-          <a:uFillTx/>
-          <a:latin typeface="+mn-lt"/>
-          <a:ea typeface="+mn-ea"/>
-          <a:cs typeface="+mn-cs"/>
-        </a:defRPr>
-      </a:lvl9pPr>
-    </p:otherStyle>
-  </p:txStyles>
-</p:sldMaster>
-</file>
-
-<file path=ppt/slideMasters/slideMaster2.xml><?xml version="1.0" encoding="utf-8"?>
-<p:sldMaster xmlns:a="http://schemas.openxmlformats.org/drawingml/2006/main" xmlns:r="http://schemas.openxmlformats.org/officeDocument/2006/relationships" xmlns:p="http://schemas.openxmlformats.org/presentationml/2006/main" preserve="1">
-  <p:cSld>
-    <p:bg>
-      <p:bgPr>
-        <a:solidFill>
-          <a:schemeClr val="bg1"/>
-        </a:solidFill>
-        <a:effectLst/>
-      </p:bgPr>
-    </p:bg>
-    <p:spTree>
-      <p:nvGrpSpPr>
-        <p:cNvPr id="1" name=""/>
-        <p:cNvGrpSpPr/>
-        <p:nvPr/>
-      </p:nvGrpSpPr>
-      <p:grpSpPr>
-        <a:xfrm>
-          <a:off x="0" y="0"/>
-          <a:ext cx="0" cy="0"/>
-          <a:chOff x="0" y="0"/>
-          <a:chExt cx="0" cy="0"/>
-        </a:xfrm>
-      </p:grpSpPr>
-      <p:pic>
-        <p:nvPicPr>
-          <p:cNvPr id="14" name="Picture 13">
-            <a:extLst>
-              <a:ext uri="{FF2B5EF4-FFF2-40B4-BE49-F238E27FC236}">
-                <a16:creationId xmlns:a16="http://schemas.microsoft.com/office/drawing/2014/main" id="{ED1C1369-A08C-454A-B0B5-0955BB31B118}"/>
-              </a:ext>
-            </a:extLst>
-          </p:cNvPr>
-          <p:cNvPicPr>
-            <a:picLocks noChangeAspect="1"/>
-          </p:cNvPicPr>
-          <p:nvPr userDrawn="1"/>
-        </p:nvPicPr>
-        <p:blipFill rotWithShape="1">
-          <a:blip r:embed="rId10">
-            <a:extLst>
-              <a:ext uri="{28A0092B-C50C-407E-A947-70E740481C1C}">
-                <a14:useLocalDpi xmlns:a14="http://schemas.microsoft.com/office/drawing/2010/main" val="0"/>
-              </a:ext>
-            </a:extLst>
-          </a:blip>
-          <a:srcRect r="58932" b="1495"/>
-          <a:stretch/>
-        </p:blipFill>
-        <p:spPr>
-          <a:xfrm>
-            <a:off x="9335860" y="0"/>
-            <a:ext cx="2852965" cy="4078297"/>
-          </a:xfrm>
-          <a:prstGeom prst="rect">
-            <a:avLst/>
-          </a:prstGeom>
-          <a:effectLst>
-            <a:outerShdw blurRad="50800" dist="50800" dir="5400000" algn="ctr" rotWithShape="0">
-              <a:srgbClr val="000000">
-                <a:alpha val="0"/>
-              </a:srgbClr>
-            </a:outerShdw>
-          </a:effectLst>
-        </p:spPr>
-      </p:pic>
-      <p:sp>
-        <p:nvSpPr>
-          <p:cNvPr id="1026" name="Title Placeholder 1"/>
-          <p:cNvSpPr>
-            <a:spLocks noGrp="1"/>
-          </p:cNvSpPr>
-          <p:nvPr>
-            <p:ph type="title"/>
-          </p:nvPr>
-        </p:nvSpPr>
-        <p:spPr bwMode="auto">
-          <a:xfrm>
-            <a:off x="365760" y="411480"/>
             <a:ext cx="11376442" cy="846953"/>
           </a:xfrm>
           <a:prstGeom prst="rect">
@@ -6765,7 +4057,7 @@
           <p:nvPr userDrawn="1"/>
         </p:nvPicPr>
         <p:blipFill>
-          <a:blip r:embed="rId11" cstate="print">
+          <a:blip r:embed="rId10" cstate="print">
             <a:extLst>
               <a:ext uri="{28A0092B-C50C-407E-A947-70E740481C1C}">
                 <a14:useLocalDpi xmlns:a14="http://schemas.microsoft.com/office/drawing/2010/main" val="0"/>
@@ -6778,7 +4070,7 @@
         </p:blipFill>
         <p:spPr>
           <a:xfrm>
-            <a:off x="9741160" y="6183517"/>
+            <a:off x="9741160" y="6185919"/>
             <a:ext cx="1971212" cy="533060"/>
           </a:xfrm>
           <a:prstGeom prst="rect">
@@ -6891,10 +4183,10 @@
       </p:sp>
       <p:pic>
         <p:nvPicPr>
-          <p:cNvPr id="10" name="Picture 9" descr="IDEAS_logo.png">
+          <p:cNvPr id="3" name="Picture 2" descr="A picture containing shape&#10;&#10;Description automatically generated">
             <a:extLst>
               <a:ext uri="{FF2B5EF4-FFF2-40B4-BE49-F238E27FC236}">
-                <a16:creationId xmlns:a16="http://schemas.microsoft.com/office/drawing/2014/main" id="{B8E2FEED-84DC-4438-B439-E3DA7A28736A}"/>
+                <a16:creationId xmlns:a16="http://schemas.microsoft.com/office/drawing/2014/main" id="{2A4943B8-0F89-4A94-B130-A128F45E57C4}"/>
               </a:ext>
             </a:extLst>
           </p:cNvPr>
@@ -6904,10 +4196,10 @@
           <p:nvPr userDrawn="1"/>
         </p:nvPicPr>
         <p:blipFill>
-          <a:blip r:embed="rId12" cstate="print">
+          <a:blip r:embed="rId11">
             <a:extLst>
               <a:ext uri="{28A0092B-C50C-407E-A947-70E740481C1C}">
-                <a14:useLocalDpi xmlns:a14="http://schemas.microsoft.com/office/drawing/2010/main"/>
+                <a14:useLocalDpi xmlns:a14="http://schemas.microsoft.com/office/drawing/2010/main" val="0"/>
               </a:ext>
             </a:extLst>
           </a:blip>
@@ -6917,8 +4209,8 @@
         </p:blipFill>
         <p:spPr>
           <a:xfrm>
-            <a:off x="7663530" y="6156960"/>
-            <a:ext cx="1845330" cy="640080"/>
+            <a:off x="7806050" y="6114121"/>
+            <a:ext cx="1560289" cy="676656"/>
           </a:xfrm>
           <a:prstGeom prst="rect">
             <a:avLst/>
@@ -6928,20 +4220,20 @@
     </p:spTree>
     <p:extLst>
       <p:ext uri="{BB962C8B-B14F-4D97-AF65-F5344CB8AC3E}">
-        <p14:creationId xmlns:p14="http://schemas.microsoft.com/office/powerpoint/2010/main" val="2110540969"/>
+        <p14:creationId xmlns:p14="http://schemas.microsoft.com/office/powerpoint/2010/main" val="2081848127"/>
       </p:ext>
     </p:extLst>
   </p:cSld>
   <p:clrMap bg1="lt1" tx1="dk1" bg2="lt2" tx2="dk2" accent1="accent1" accent2="accent2" accent3="accent3" accent4="accent4" accent5="accent5" accent6="accent6" hlink="hlink" folHlink="folHlink"/>
   <p:sldLayoutIdLst>
-    <p:sldLayoutId id="2147483669" r:id="rId1"/>
-    <p:sldLayoutId id="2147483670" r:id="rId2"/>
-    <p:sldLayoutId id="2147483671" r:id="rId3"/>
-    <p:sldLayoutId id="2147483672" r:id="rId4"/>
-    <p:sldLayoutId id="2147483673" r:id="rId5"/>
-    <p:sldLayoutId id="2147483674" r:id="rId6"/>
-    <p:sldLayoutId id="2147483675" r:id="rId7"/>
-    <p:sldLayoutId id="2147483676" r:id="rId8"/>
+    <p:sldLayoutId id="2147483949" r:id="rId1"/>
+    <p:sldLayoutId id="2147483951" r:id="rId2"/>
+    <p:sldLayoutId id="2147483937" r:id="rId3"/>
+    <p:sldLayoutId id="2147483939" r:id="rId4"/>
+    <p:sldLayoutId id="2147483950" r:id="rId5"/>
+    <p:sldLayoutId id="2147483940" r:id="rId6"/>
+    <p:sldLayoutId id="2147483941" r:id="rId7"/>
+    <p:sldLayoutId id="2147483952" r:id="rId8"/>
   </p:sldLayoutIdLst>
   <p:hf hdr="0" ftr="0" dt="0"/>
   <p:txStyles>
@@ -7416,12 +4708,7 @@
             <p:ph type="ctrTitle"/>
           </p:nvPr>
         </p:nvSpPr>
-        <p:spPr>
-          <a:xfrm>
-            <a:off x="3177632" y="503144"/>
-            <a:ext cx="8687265" cy="623129"/>
-          </a:xfrm>
-        </p:spPr>
+        <p:spPr/>
         <p:txBody>
           <a:bodyPr/>
           <a:lstStyle/>
@@ -7449,12 +4736,7 @@
             <p:ph type="subTitle" idx="1"/>
           </p:nvPr>
         </p:nvSpPr>
-        <p:spPr>
-          <a:xfrm>
-            <a:off x="3177632" y="1639913"/>
-            <a:ext cx="8292317" cy="2855300"/>
-          </a:xfrm>
-        </p:spPr>
+        <p:spPr/>
         <p:txBody>
           <a:bodyPr/>
           <a:lstStyle/>
@@ -7525,154 +4807,6 @@
           </a:p>
         </p:txBody>
       </p:sp>
-      <p:pic>
-        <p:nvPicPr>
-          <p:cNvPr id="6" name="Picture 2" descr="https://licensebuttons.net/l/by/4.0/88x31.png">
-            <a:extLst>
-              <a:ext uri="{FF2B5EF4-FFF2-40B4-BE49-F238E27FC236}">
-                <a16:creationId xmlns:a16="http://schemas.microsoft.com/office/drawing/2014/main" id="{24EAF368-FA38-4254-8E55-6E4D872226E6}"/>
-              </a:ext>
-            </a:extLst>
-          </p:cNvPr>
-          <p:cNvPicPr>
-            <a:picLocks noChangeAspect="1" noChangeArrowheads="1"/>
-          </p:cNvPicPr>
-          <p:nvPr/>
-        </p:nvPicPr>
-        <p:blipFill>
-          <a:blip r:embed="rId2">
-            <a:extLst>
-              <a:ext uri="{28A0092B-C50C-407E-A947-70E740481C1C}">
-                <a14:useLocalDpi xmlns:a14="http://schemas.microsoft.com/office/drawing/2010/main" val="0"/>
-              </a:ext>
-            </a:extLst>
-          </a:blip>
-          <a:srcRect/>
-          <a:stretch>
-            <a:fillRect/>
-          </a:stretch>
-        </p:blipFill>
-        <p:spPr bwMode="auto">
-          <a:xfrm>
-            <a:off x="365760" y="5539716"/>
-            <a:ext cx="1661258" cy="585216"/>
-          </a:xfrm>
-          <a:prstGeom prst="rect">
-            <a:avLst/>
-          </a:prstGeom>
-          <a:noFill/>
-          <a:extLst>
-            <a:ext uri="{909E8E84-426E-40DD-AFC4-6F175D3DCCD1}">
-              <a14:hiddenFill xmlns:a14="http://schemas.microsoft.com/office/drawing/2010/main">
-                <a:solidFill>
-                  <a:srgbClr val="FFFFFF"/>
-                </a:solidFill>
-              </a14:hiddenFill>
-            </a:ext>
-          </a:extLst>
-        </p:spPr>
-      </p:pic>
-      <p:sp>
-        <p:nvSpPr>
-          <p:cNvPr id="7" name="TextBox 6">
-            <a:extLst>
-              <a:ext uri="{FF2B5EF4-FFF2-40B4-BE49-F238E27FC236}">
-                <a16:creationId xmlns:a16="http://schemas.microsoft.com/office/drawing/2014/main" id="{306FBB1C-6D6D-47D4-86AC-DD5BECCBEE38}"/>
-              </a:ext>
-            </a:extLst>
-          </p:cNvPr>
-          <p:cNvSpPr txBox="1"/>
-          <p:nvPr/>
-        </p:nvSpPr>
-        <p:spPr>
-          <a:xfrm>
-            <a:off x="2036432" y="5619958"/>
-            <a:ext cx="1171114" cy="424732"/>
-          </a:xfrm>
-          <a:prstGeom prst="rect">
-            <a:avLst/>
-          </a:prstGeom>
-          <a:noFill/>
-        </p:spPr>
-        <p:txBody>
-          <a:bodyPr wrap="square" rtlCol="0">
-            <a:spAutoFit/>
-          </a:bodyPr>
-          <a:lstStyle/>
-          <a:p>
-            <a:pPr marL="0" marR="0" lvl="0" indent="0" algn="ctr" defTabSz="914400" rtl="0" eaLnBrk="1" fontAlgn="base" latinLnBrk="0" hangingPunct="1">
-              <a:lnSpc>
-                <a:spcPct val="90000"/>
-              </a:lnSpc>
-              <a:spcBef>
-                <a:spcPct val="0"/>
-              </a:spcBef>
-              <a:spcAft>
-                <a:spcPct val="0"/>
-              </a:spcAft>
-              <a:buClrTx/>
-              <a:buSzTx/>
-              <a:buFontTx/>
-              <a:buNone/>
-              <a:tabLst/>
-              <a:defRPr/>
-            </a:pPr>
-            <a:r>
-              <a:rPr kumimoji="0" lang="en-US" sz="1200" b="0" i="0" u="none" strike="noStrike" kern="1200" cap="none" spc="0" normalizeH="0" baseline="0" noProof="0" dirty="0">
-                <a:ln>
-                  <a:noFill/>
-                </a:ln>
-                <a:solidFill>
-                  <a:prstClr val="black"/>
-                </a:solidFill>
-                <a:effectLst/>
-                <a:uLnTx/>
-                <a:uFillTx/>
-                <a:latin typeface="Arial" charset="0"/>
-                <a:ea typeface="+mn-ea"/>
-                <a:cs typeface="Arial" charset="0"/>
-              </a:rPr>
-              <a:t>See slide 2 for license details</a:t>
-            </a:r>
-          </a:p>
-        </p:txBody>
-      </p:sp>
-      <p:pic>
-        <p:nvPicPr>
-          <p:cNvPr id="8" name="Picture 7">
-            <a:extLst>
-              <a:ext uri="{FF2B5EF4-FFF2-40B4-BE49-F238E27FC236}">
-                <a16:creationId xmlns:a16="http://schemas.microsoft.com/office/drawing/2014/main" id="{02B471BB-942E-4C0B-9BB8-6227F0F27FC0}"/>
-              </a:ext>
-            </a:extLst>
-          </p:cNvPr>
-          <p:cNvPicPr>
-            <a:picLocks noChangeAspect="1"/>
-          </p:cNvPicPr>
-          <p:nvPr/>
-        </p:nvPicPr>
-        <p:blipFill>
-          <a:blip r:embed="rId3" cstate="print">
-            <a:extLst>
-              <a:ext uri="{28A0092B-C50C-407E-A947-70E740481C1C}">
-                <a14:useLocalDpi xmlns:a14="http://schemas.microsoft.com/office/drawing/2010/main" val="0"/>
-              </a:ext>
-            </a:extLst>
-          </a:blip>
-          <a:stretch>
-            <a:fillRect/>
-          </a:stretch>
-        </p:blipFill>
-        <p:spPr>
-          <a:xfrm>
-            <a:off x="271981" y="2924866"/>
-            <a:ext cx="2350008" cy="1008267"/>
-          </a:xfrm>
-          <a:prstGeom prst="rect">
-            <a:avLst/>
-          </a:prstGeom>
-        </p:spPr>
-      </p:pic>
     </p:spTree>
     <p:extLst>
       <p:ext uri="{BB962C8B-B14F-4D97-AF65-F5344CB8AC3E}">
@@ -8094,12 +5228,7 @@
             <p:ph type="title"/>
           </p:nvPr>
         </p:nvSpPr>
-        <p:spPr>
-          <a:xfrm>
-            <a:off x="1900051" y="1752600"/>
-            <a:ext cx="9399227" cy="563231"/>
-          </a:xfrm>
-        </p:spPr>
+        <p:spPr/>
         <p:txBody>
           <a:bodyPr/>
           <a:lstStyle/>
@@ -8125,19 +5254,22 @@
             <a:spLocks noGrp="1"/>
           </p:cNvSpPr>
           <p:nvPr>
-            <p:ph type="body" idx="1"/>
+            <p:ph type="body" idx="4294967295"/>
           </p:nvPr>
         </p:nvSpPr>
         <p:spPr>
           <a:xfrm>
-            <a:off x="349321" y="3017165"/>
-            <a:ext cx="11537879" cy="1490791"/>
+            <a:off x="650875" y="3017838"/>
+            <a:ext cx="11537950" cy="1490662"/>
           </a:xfrm>
         </p:spPr>
         <p:txBody>
           <a:bodyPr/>
           <a:lstStyle/>
           <a:p>
+            <a:pPr marL="0" indent="0">
+              <a:buNone/>
+            </a:pPr>
             <a:r>
               <a:rPr lang="en-US" sz="3200" i="1" dirty="0"/>
               <a:t>“Use iteration and incrementation only for projects you want to succeed.”</a:t>
@@ -8152,35 +5284,6 @@
               <a:rPr lang="en-US" sz="3200" i="1" dirty="0"/>
               <a:t>Adaptation of Martin Fowler quote</a:t>
             </a:r>
-          </a:p>
-        </p:txBody>
-      </p:sp>
-      <p:sp>
-        <p:nvSpPr>
-          <p:cNvPr id="3" name="Slide Number Placeholder 2"/>
-          <p:cNvSpPr>
-            <a:spLocks noGrp="1"/>
-          </p:cNvSpPr>
-          <p:nvPr>
-            <p:ph type="sldNum" sz="quarter" idx="11"/>
-          </p:nvPr>
-        </p:nvSpPr>
-        <p:spPr/>
-        <p:txBody>
-          <a:bodyPr/>
-          <a:lstStyle/>
-          <a:p>
-            <a:pPr>
-              <a:defRPr/>
-            </a:pPr>
-            <a:fld id="{B03B7FD5-3AA5-D245-A6C5-1E464BB3E557}" type="slidenum">
-              <a:rPr lang="en-US" smtClean="0"/>
-              <a:pPr>
-                <a:defRPr/>
-              </a:pPr>
-              <a:t>11</a:t>
-            </a:fld>
-            <a:endParaRPr lang="en-US"/>
           </a:p>
         </p:txBody>
       </p:sp>
@@ -10482,40 +7585,6 @@
       </p:grpSpPr>
       <p:sp>
         <p:nvSpPr>
-          <p:cNvPr id="7" name="Text Placeholder 6"/>
-          <p:cNvSpPr>
-            <a:spLocks noGrp="1"/>
-          </p:cNvSpPr>
-          <p:nvPr>
-            <p:ph type="body" idx="1"/>
-          </p:nvPr>
-        </p:nvSpPr>
-        <p:spPr/>
-        <p:txBody>
-          <a:bodyPr/>
-          <a:lstStyle/>
-          <a:p>
-            <a:r>
-              <a:rPr lang="en-US" dirty="0"/>
-              <a:t>Definition of Done</a:t>
-            </a:r>
-          </a:p>
-          <a:p>
-            <a:r>
-              <a:rPr lang="en-US" dirty="0"/>
-              <a:t>Refining Issues</a:t>
-            </a:r>
-          </a:p>
-          <a:p>
-            <a:r>
-              <a:rPr lang="en-US" dirty="0"/>
-              <a:t>Agile Estimation</a:t>
-            </a:r>
-          </a:p>
-        </p:txBody>
-      </p:sp>
-      <p:sp>
-        <p:nvSpPr>
           <p:cNvPr id="6" name="Title 5"/>
           <p:cNvSpPr>
             <a:spLocks noGrp="1"/>
@@ -10540,32 +7609,40 @@
       </p:sp>
       <p:sp>
         <p:nvSpPr>
-          <p:cNvPr id="3" name="Slide Number Placeholder 2"/>
+          <p:cNvPr id="7" name="Text Placeholder 6"/>
           <p:cNvSpPr>
             <a:spLocks noGrp="1"/>
           </p:cNvSpPr>
           <p:nvPr>
-            <p:ph type="sldNum" sz="quarter" idx="11"/>
+            <p:ph type="body" idx="4294967295"/>
           </p:nvPr>
         </p:nvSpPr>
-        <p:spPr/>
+        <p:spPr>
+          <a:xfrm>
+            <a:off x="2693988" y="2743200"/>
+            <a:ext cx="9494837" cy="1673225"/>
+          </a:xfrm>
+        </p:spPr>
         <p:txBody>
-          <a:bodyPr>
-            <a:normAutofit/>
-          </a:bodyPr>
+          <a:bodyPr/>
           <a:lstStyle/>
           <a:p>
-            <a:pPr eaLnBrk="1" latinLnBrk="0" hangingPunct="1"/>
-            <a:fld id="{F0C94032-CD4C-4C25-B0C2-CEC720522D92}" type="slidenum">
-              <a:rPr kumimoji="0" lang="en-US" smtClean="0"/>
-              <a:pPr eaLnBrk="1" latinLnBrk="0" hangingPunct="1"/>
-              <a:t>4</a:t>
-            </a:fld>
-            <a:endParaRPr kumimoji="0" lang="en-US" dirty="0">
-              <a:solidFill>
-                <a:srgbClr val="FFFFFF"/>
-              </a:solidFill>
-            </a:endParaRPr>
+            <a:r>
+              <a:rPr lang="en-US" dirty="0"/>
+              <a:t>Definition of Done</a:t>
+            </a:r>
+          </a:p>
+          <a:p>
+            <a:r>
+              <a:rPr lang="en-US" dirty="0"/>
+              <a:t>Refining Issues</a:t>
+            </a:r>
+          </a:p>
+          <a:p>
+            <a:r>
+              <a:rPr lang="en-US" dirty="0"/>
+              <a:t>Agile Estimation</a:t>
+            </a:r>
           </a:p>
         </p:txBody>
       </p:sp>
@@ -11290,383 +8367,6 @@
 
 <file path=ppt/theme/theme1.xml><?xml version="1.0" encoding="utf-8"?>
 <a:theme xmlns:a="http://schemas.openxmlformats.org/drawingml/2006/main" name="Presentations (Wide Screen)">
-  <a:themeElements>
-    <a:clrScheme name="ECP color palette">
-      <a:dk1>
-        <a:srgbClr val="000000"/>
-      </a:dk1>
-      <a:lt1>
-        <a:srgbClr val="FFFFFF"/>
-      </a:lt1>
-      <a:dk2>
-        <a:srgbClr val="266092"/>
-      </a:dk2>
-      <a:lt2>
-        <a:srgbClr val="FFFFFF"/>
-      </a:lt2>
-      <a:accent1>
-        <a:srgbClr val="266092"/>
-      </a:accent1>
-      <a:accent2>
-        <a:srgbClr val="84B641"/>
-      </a:accent2>
-      <a:accent3>
-        <a:srgbClr val="43B1E5"/>
-      </a:accent3>
-      <a:accent4>
-        <a:srgbClr val="DA1F28"/>
-      </a:accent4>
-      <a:accent5>
-        <a:srgbClr val="CC9900"/>
-      </a:accent5>
-      <a:accent6>
-        <a:srgbClr val="0070B9"/>
-      </a:accent6>
-      <a:hlink>
-        <a:srgbClr val="A03123"/>
-      </a:hlink>
-      <a:folHlink>
-        <a:srgbClr val="000000"/>
-      </a:folHlink>
-    </a:clrScheme>
-    <a:fontScheme name="Office Classic 2">
-      <a:majorFont>
-        <a:latin typeface="Arial"/>
-        <a:ea typeface=""/>
-        <a:cs typeface=""/>
-        <a:font script="Jpan" typeface="ＭＳ Ｐゴシック"/>
-        <a:font script="Hang" typeface="굴림"/>
-        <a:font script="Hans" typeface="黑体"/>
-        <a:font script="Hant" typeface="微軟正黑體"/>
-        <a:font script="Arab" typeface="Arial"/>
-        <a:font script="Hebr" typeface="Arial"/>
-        <a:font script="Thai" typeface="Cordia New"/>
-        <a:font script="Ethi" typeface="Nyala"/>
-        <a:font script="Beng" typeface="Vrinda"/>
-        <a:font script="Gujr" typeface="Shruti"/>
-        <a:font script="Khmr" typeface="DaunPenh"/>
-        <a:font script="Knda" typeface="Tunga"/>
-        <a:font script="Guru" typeface="Raavi"/>
-        <a:font script="Cans" typeface="Euphemia"/>
-        <a:font script="Cher" typeface="Plantagenet Cherokee"/>
-        <a:font script="Yiii" typeface="Microsoft Yi Baiti"/>
-        <a:font script="Tibt" typeface="Microsoft Himalaya"/>
-        <a:font script="Thaa" typeface="MV Boli"/>
-        <a:font script="Deva" typeface="Mangal"/>
-        <a:font script="Telu" typeface="Gautami"/>
-        <a:font script="Taml" typeface="Latha"/>
-        <a:font script="Syrc" typeface="Estrangelo Edessa"/>
-        <a:font script="Orya" typeface="Kalinga"/>
-        <a:font script="Mlym" typeface="Kartika"/>
-        <a:font script="Laoo" typeface="DokChampa"/>
-        <a:font script="Sinh" typeface="Iskoola Pota"/>
-        <a:font script="Mong" typeface="Mongolian Baiti"/>
-        <a:font script="Viet" typeface="Arial"/>
-        <a:font script="Uigh" typeface="Microsoft Uighur"/>
-        <a:font script="Geor" typeface="Sylfaen"/>
-      </a:majorFont>
-      <a:minorFont>
-        <a:latin typeface="Arial"/>
-        <a:ea typeface=""/>
-        <a:cs typeface=""/>
-        <a:font script="Jpan" typeface="ＭＳ Ｐゴシック"/>
-        <a:font script="Hang" typeface="굴림"/>
-        <a:font script="Hans" typeface="黑体"/>
-        <a:font script="Hant" typeface="微軟正黑體"/>
-        <a:font script="Arab" typeface="Arial"/>
-        <a:font script="Hebr" typeface="Arial"/>
-        <a:font script="Thai" typeface="Cordia New"/>
-        <a:font script="Ethi" typeface="Nyala"/>
-        <a:font script="Beng" typeface="Vrinda"/>
-        <a:font script="Gujr" typeface="Shruti"/>
-        <a:font script="Khmr" typeface="DaunPenh"/>
-        <a:font script="Knda" typeface="Tunga"/>
-        <a:font script="Guru" typeface="Raavi"/>
-        <a:font script="Cans" typeface="Euphemia"/>
-        <a:font script="Cher" typeface="Plantagenet Cherokee"/>
-        <a:font script="Yiii" typeface="Microsoft Yi Baiti"/>
-        <a:font script="Tibt" typeface="Microsoft Himalaya"/>
-        <a:font script="Thaa" typeface="MV Boli"/>
-        <a:font script="Deva" typeface="Mangal"/>
-        <a:font script="Telu" typeface="Gautami"/>
-        <a:font script="Taml" typeface="Latha"/>
-        <a:font script="Syrc" typeface="Estrangelo Edessa"/>
-        <a:font script="Orya" typeface="Kalinga"/>
-        <a:font script="Mlym" typeface="Kartika"/>
-        <a:font script="Laoo" typeface="DokChampa"/>
-        <a:font script="Sinh" typeface="Iskoola Pota"/>
-        <a:font script="Mong" typeface="Mongolian Baiti"/>
-        <a:font script="Viet" typeface="Arial"/>
-        <a:font script="Uigh" typeface="Microsoft Uighur"/>
-        <a:font script="Geor" typeface="Sylfaen"/>
-      </a:minorFont>
-    </a:fontScheme>
-    <a:fmtScheme name="Office">
-      <a:fillStyleLst>
-        <a:solidFill>
-          <a:schemeClr val="phClr"/>
-        </a:solidFill>
-        <a:gradFill rotWithShape="1">
-          <a:gsLst>
-            <a:gs pos="0">
-              <a:schemeClr val="phClr">
-                <a:tint val="50000"/>
-                <a:satMod val="300000"/>
-              </a:schemeClr>
-            </a:gs>
-            <a:gs pos="35000">
-              <a:schemeClr val="phClr">
-                <a:tint val="37000"/>
-                <a:satMod val="300000"/>
-              </a:schemeClr>
-            </a:gs>
-            <a:gs pos="100000">
-              <a:schemeClr val="phClr">
-                <a:tint val="15000"/>
-                <a:satMod val="350000"/>
-              </a:schemeClr>
-            </a:gs>
-          </a:gsLst>
-          <a:lin ang="16200000" scaled="1"/>
-        </a:gradFill>
-        <a:gradFill rotWithShape="1">
-          <a:gsLst>
-            <a:gs pos="0">
-              <a:schemeClr val="phClr">
-                <a:shade val="51000"/>
-                <a:satMod val="130000"/>
-              </a:schemeClr>
-            </a:gs>
-            <a:gs pos="80000">
-              <a:schemeClr val="phClr">
-                <a:shade val="93000"/>
-                <a:satMod val="130000"/>
-              </a:schemeClr>
-            </a:gs>
-            <a:gs pos="100000">
-              <a:schemeClr val="phClr">
-                <a:shade val="94000"/>
-                <a:satMod val="135000"/>
-              </a:schemeClr>
-            </a:gs>
-          </a:gsLst>
-          <a:lin ang="16200000" scaled="0"/>
-        </a:gradFill>
-      </a:fillStyleLst>
-      <a:lnStyleLst>
-        <a:ln w="9525" cap="flat" cmpd="sng" algn="ctr">
-          <a:solidFill>
-            <a:schemeClr val="phClr">
-              <a:shade val="95000"/>
-              <a:satMod val="105000"/>
-            </a:schemeClr>
-          </a:solidFill>
-          <a:prstDash val="solid"/>
-        </a:ln>
-        <a:ln w="25400" cap="flat" cmpd="sng" algn="ctr">
-          <a:solidFill>
-            <a:schemeClr val="phClr"/>
-          </a:solidFill>
-          <a:prstDash val="solid"/>
-        </a:ln>
-        <a:ln w="38100" cap="flat" cmpd="sng" algn="ctr">
-          <a:solidFill>
-            <a:schemeClr val="phClr"/>
-          </a:solidFill>
-          <a:prstDash val="solid"/>
-        </a:ln>
-      </a:lnStyleLst>
-      <a:effectStyleLst>
-        <a:effectStyle>
-          <a:effectLst>
-            <a:outerShdw blurRad="40000" dist="20000" dir="5400000" rotWithShape="0">
-              <a:srgbClr val="000000">
-                <a:alpha val="38000"/>
-              </a:srgbClr>
-            </a:outerShdw>
-          </a:effectLst>
-        </a:effectStyle>
-        <a:effectStyle>
-          <a:effectLst>
-            <a:outerShdw blurRad="40000" dist="23000" dir="5400000" rotWithShape="0">
-              <a:srgbClr val="000000">
-                <a:alpha val="35000"/>
-              </a:srgbClr>
-            </a:outerShdw>
-          </a:effectLst>
-        </a:effectStyle>
-        <a:effectStyle>
-          <a:effectLst>
-            <a:outerShdw blurRad="40000" dist="23000" dir="5400000" rotWithShape="0">
-              <a:srgbClr val="000000">
-                <a:alpha val="35000"/>
-              </a:srgbClr>
-            </a:outerShdw>
-          </a:effectLst>
-          <a:scene3d>
-            <a:camera prst="orthographicFront">
-              <a:rot lat="0" lon="0" rev="0"/>
-            </a:camera>
-            <a:lightRig rig="threePt" dir="t">
-              <a:rot lat="0" lon="0" rev="1200000"/>
-            </a:lightRig>
-          </a:scene3d>
-          <a:sp3d>
-            <a:bevelT w="63500" h="25400"/>
-          </a:sp3d>
-        </a:effectStyle>
-      </a:effectStyleLst>
-      <a:bgFillStyleLst>
-        <a:solidFill>
-          <a:schemeClr val="phClr"/>
-        </a:solidFill>
-        <a:gradFill rotWithShape="1">
-          <a:gsLst>
-            <a:gs pos="0">
-              <a:schemeClr val="phClr">
-                <a:tint val="40000"/>
-                <a:satMod val="350000"/>
-              </a:schemeClr>
-            </a:gs>
-            <a:gs pos="40000">
-              <a:schemeClr val="phClr">
-                <a:tint val="45000"/>
-                <a:shade val="99000"/>
-                <a:satMod val="350000"/>
-              </a:schemeClr>
-            </a:gs>
-            <a:gs pos="100000">
-              <a:schemeClr val="phClr">
-                <a:shade val="20000"/>
-                <a:satMod val="255000"/>
-              </a:schemeClr>
-            </a:gs>
-          </a:gsLst>
-          <a:path path="circle">
-            <a:fillToRect l="50000" t="-80000" r="50000" b="180000"/>
-          </a:path>
-        </a:gradFill>
-        <a:gradFill rotWithShape="1">
-          <a:gsLst>
-            <a:gs pos="0">
-              <a:schemeClr val="phClr">
-                <a:tint val="80000"/>
-                <a:satMod val="300000"/>
-              </a:schemeClr>
-            </a:gs>
-            <a:gs pos="100000">
-              <a:schemeClr val="phClr">
-                <a:shade val="30000"/>
-                <a:satMod val="200000"/>
-              </a:schemeClr>
-            </a:gs>
-          </a:gsLst>
-          <a:path path="circle">
-            <a:fillToRect l="50000" t="50000" r="50000" b="50000"/>
-          </a:path>
-        </a:gradFill>
-      </a:bgFillStyleLst>
-    </a:fmtScheme>
-  </a:themeElements>
-  <a:objectDefaults>
-    <a:spDef>
-      <a:spPr>
-        <a:solidFill>
-          <a:schemeClr val="bg2"/>
-        </a:solidFill>
-        <a:ln>
-          <a:solidFill>
-            <a:schemeClr val="accent1"/>
-          </a:solidFill>
-        </a:ln>
-        <a:effectLst/>
-        <a:scene3d>
-          <a:camera prst="orthographicFront">
-            <a:rot lat="0" lon="0" rev="0"/>
-          </a:camera>
-          <a:lightRig rig="threePt" dir="t">
-            <a:rot lat="0" lon="0" rev="1200000"/>
-          </a:lightRig>
-        </a:scene3d>
-      </a:spPr>
-      <a:bodyPr rot="0" spcFirstLastPara="0" vertOverflow="overflow" horzOverflow="overflow" vert="horz" wrap="square" lIns="45720" tIns="45720" rIns="45720" bIns="45720" numCol="1" rtlCol="0" fromWordArt="0" anchor="ctr" anchorCtr="0" forceAA="0" compatLnSpc="1">
-        <a:prstTxWarp prst="textNoShape">
-          <a:avLst/>
-        </a:prstTxWarp>
-        <a:noAutofit/>
-      </a:bodyPr>
-      <a:lstStyle>
-        <a:defPPr algn="ctr">
-          <a:lnSpc>
-            <a:spcPct val="90000"/>
-          </a:lnSpc>
-          <a:defRPr dirty="0" smtClean="0">
-            <a:solidFill>
-              <a:schemeClr val="tx1"/>
-            </a:solidFill>
-            <a:uFillTx/>
-          </a:defRPr>
-        </a:defPPr>
-      </a:lstStyle>
-      <a:style>
-        <a:lnRef idx="0">
-          <a:schemeClr val="accent1"/>
-        </a:lnRef>
-        <a:fillRef idx="3">
-          <a:schemeClr val="accent1"/>
-        </a:fillRef>
-        <a:effectRef idx="3">
-          <a:schemeClr val="accent1"/>
-        </a:effectRef>
-        <a:fontRef idx="minor">
-          <a:schemeClr val="lt1"/>
-        </a:fontRef>
-      </a:style>
-    </a:spDef>
-    <a:lnDef>
-      <a:spPr/>
-      <a:bodyPr/>
-      <a:lstStyle/>
-      <a:style>
-        <a:lnRef idx="1">
-          <a:schemeClr val="accent1"/>
-        </a:lnRef>
-        <a:fillRef idx="0">
-          <a:schemeClr val="accent1"/>
-        </a:fillRef>
-        <a:effectRef idx="1">
-          <a:schemeClr val="accent1"/>
-        </a:effectRef>
-        <a:fontRef idx="minor">
-          <a:schemeClr val="tx1"/>
-        </a:fontRef>
-      </a:style>
-    </a:lnDef>
-    <a:txDef>
-      <a:spPr>
-        <a:noFill/>
-      </a:spPr>
-      <a:bodyPr wrap="none" rtlCol="0">
-        <a:spAutoFit/>
-      </a:bodyPr>
-      <a:lstStyle>
-        <a:defPPr algn="ctr">
-          <a:lnSpc>
-            <a:spcPct val="90000"/>
-          </a:lnSpc>
-          <a:defRPr dirty="0" smtClean="0">
-            <a:uFillTx/>
-          </a:defRPr>
-        </a:defPPr>
-      </a:lstStyle>
-    </a:txDef>
-  </a:objectDefaults>
-  <a:extraClrSchemeLst/>
-</a:theme>
-</file>
-
-<file path=ppt/theme/theme2.xml><?xml version="1.0" encoding="utf-8"?>
-<a:theme xmlns:a="http://schemas.openxmlformats.org/drawingml/2006/main" name="1_Presentations (Wide Screen)">
   <a:themeElements>
     <a:clrScheme name="ECP 171103 final">
       <a:dk1>
@@ -12007,15 +8707,15 @@
 </a:theme>
 </file>
 
-<file path=ppt/theme/theme3.xml><?xml version="1.0" encoding="utf-8"?>
+<file path=ppt/theme/theme2.xml><?xml version="1.0" encoding="utf-8"?>
 <a:theme xmlns:a="http://schemas.openxmlformats.org/drawingml/2006/main" name="Office Theme">
   <a:themeElements>
     <a:clrScheme name="Office">
       <a:dk1>
-        <a:srgbClr val="000000"/>
+        <a:sysClr val="windowText" lastClr="000000"/>
       </a:dk1>
       <a:lt1>
-        <a:srgbClr val="FFFFFF"/>
+        <a:sysClr val="window" lastClr="FFFFFF"/>
       </a:lt1>
       <a:dk2>
         <a:srgbClr val="1F497D"/>
@@ -12287,64 +8987,20 @@
       </a:bgFillStyleLst>
     </a:fmtScheme>
   </a:themeElements>
-  <a:objectDefaults>
-    <a:spDef>
-      <a:spPr/>
-      <a:bodyPr/>
-      <a:lstStyle/>
-      <a:style>
-        <a:lnRef idx="1">
-          <a:schemeClr val="accent1"/>
-        </a:lnRef>
-        <a:fillRef idx="1">
-          <a:schemeClr val="accent1"/>
-        </a:fillRef>
-        <a:effectRef idx="1">
-          <a:schemeClr val="accent1"/>
-        </a:effectRef>
-        <a:fontRef idx="minor">
-          <a:schemeClr val="lt1"/>
-        </a:fontRef>
-      </a:style>
-    </a:spDef>
-    <a:lnDef>
-      <a:spPr/>
-      <a:bodyPr/>
-      <a:lstStyle/>
-      <a:style>
-        <a:lnRef idx="1">
-          <a:schemeClr val="accent1"/>
-        </a:lnRef>
-        <a:fillRef idx="0">
-          <a:schemeClr val="accent1"/>
-        </a:fillRef>
-        <a:effectRef idx="1">
-          <a:schemeClr val="accent1"/>
-        </a:effectRef>
-        <a:fontRef idx="minor">
-          <a:schemeClr val="tx1"/>
-        </a:fontRef>
-      </a:style>
-    </a:lnDef>
-    <a:txDef>
-      <a:spPr/>
-      <a:bodyPr/>
-      <a:lstStyle/>
-    </a:txDef>
-  </a:objectDefaults>
+  <a:objectDefaults/>
   <a:extraClrSchemeLst/>
 </a:theme>
 </file>
 
-<file path=ppt/theme/theme4.xml><?xml version="1.0" encoding="utf-8"?>
+<file path=ppt/theme/theme3.xml><?xml version="1.0" encoding="utf-8"?>
 <a:theme xmlns:a="http://schemas.openxmlformats.org/drawingml/2006/main" name="Office Theme">
   <a:themeElements>
     <a:clrScheme name="Office">
       <a:dk1>
-        <a:srgbClr val="000000"/>
+        <a:sysClr val="windowText" lastClr="000000"/>
       </a:dk1>
       <a:lt1>
-        <a:srgbClr val="FFFFFF"/>
+        <a:sysClr val="window" lastClr="FFFFFF"/>
       </a:lt1>
       <a:dk2>
         <a:srgbClr val="1F497D"/>
@@ -12616,51 +9272,109 @@
       </a:bgFillStyleLst>
     </a:fmtScheme>
   </a:themeElements>
-  <a:objectDefaults>
-    <a:spDef>
-      <a:spPr/>
-      <a:bodyPr/>
-      <a:lstStyle/>
-      <a:style>
-        <a:lnRef idx="1">
-          <a:schemeClr val="accent1"/>
-        </a:lnRef>
-        <a:fillRef idx="1">
-          <a:schemeClr val="accent1"/>
-        </a:fillRef>
-        <a:effectRef idx="1">
-          <a:schemeClr val="accent1"/>
-        </a:effectRef>
-        <a:fontRef idx="minor">
-          <a:schemeClr val="lt1"/>
-        </a:fontRef>
-      </a:style>
-    </a:spDef>
-    <a:lnDef>
-      <a:spPr/>
-      <a:bodyPr/>
-      <a:lstStyle/>
-      <a:style>
-        <a:lnRef idx="1">
-          <a:schemeClr val="accent1"/>
-        </a:lnRef>
-        <a:fillRef idx="0">
-          <a:schemeClr val="accent1"/>
-        </a:fillRef>
-        <a:effectRef idx="1">
-          <a:schemeClr val="accent1"/>
-        </a:effectRef>
-        <a:fontRef idx="minor">
-          <a:schemeClr val="tx1"/>
-        </a:fontRef>
-      </a:style>
-    </a:lnDef>
-    <a:txDef>
-      <a:spPr/>
-      <a:bodyPr/>
-      <a:lstStyle/>
-    </a:txDef>
-  </a:objectDefaults>
+  <a:objectDefaults/>
   <a:extraClrSchemeLst/>
 </a:theme>
+</file>
+
+<file path=customXml/item1.xml><?xml version="1.0" encoding="utf-8"?>
+<?mso-contentType ?>
+<FormTemplates xmlns="http://schemas.microsoft.com/sharepoint/v3/contenttype/forms">
+  <Display>DocumentLibraryForm</Display>
+  <Edit>DocumentLibraryForm</Edit>
+  <New>DocumentLibraryForm</New>
+</FormTemplates>
+</file>
+
+<file path=customXml/item2.xml><?xml version="1.0" encoding="utf-8"?>
+<ct:contentTypeSchema xmlns:ct="http://schemas.microsoft.com/office/2006/metadata/contentType" xmlns:ma="http://schemas.microsoft.com/office/2006/metadata/properties/metaAttributes" ct:_="" ma:_="" ma:contentTypeName="Document" ma:contentTypeID="0x010100565464437F680748A68B85EB6594EA7D" ma:contentTypeVersion="0" ma:contentTypeDescription="Create a new document." ma:contentTypeScope="" ma:versionID="fe3f4dd58d5914c51cfc6deaa8ad845c">
+  <xsd:schema xmlns:xsd="http://www.w3.org/2001/XMLSchema" xmlns:p="http://schemas.microsoft.com/office/2006/metadata/properties" targetNamespace="http://schemas.microsoft.com/office/2006/metadata/properties" ma:root="true" ma:fieldsID="4aeb20c0e3442673af7ee10786458764">
+    <xsd:element name="properties">
+      <xsd:complexType>
+        <xsd:sequence>
+          <xsd:element name="documentManagement">
+            <xsd:complexType>
+              <xsd:all/>
+            </xsd:complexType>
+          </xsd:element>
+        </xsd:sequence>
+      </xsd:complexType>
+    </xsd:element>
+  </xsd:schema>
+  <xsd:schema xmlns="http://schemas.openxmlformats.org/package/2006/metadata/core-properties" xmlns:xsd="http://www.w3.org/2001/XMLSchema" xmlns:xsi="http://www.w3.org/2001/XMLSchema-instance" xmlns:dc="http://purl.org/dc/elements/1.1/" xmlns:dcterms="http://purl.org/dc/terms/" xmlns:odoc="http://schemas.microsoft.com/office/internal/2005/internalDocumentation" targetNamespace="http://schemas.openxmlformats.org/package/2006/metadata/core-properties" elementFormDefault="qualified" attributeFormDefault="unqualified" blockDefault="#all">
+    <xsd:import namespace="http://purl.org/dc/elements/1.1/" schemaLocation="http://dublincore.org/schemas/xmls/qdc/2003/04/02/dc.xsd"/>
+    <xsd:import namespace="http://purl.org/dc/terms/" schemaLocation="http://dublincore.org/schemas/xmls/qdc/2003/04/02/dcterms.xsd"/>
+    <xsd:element name="coreProperties" type="CT_coreProperties"/>
+    <xsd:complexType name="CT_coreProperties">
+      <xsd:all>
+        <xsd:element ref="dc:creator" minOccurs="0" maxOccurs="1"/>
+        <xsd:element ref="dcterms:created" minOccurs="0" maxOccurs="1"/>
+        <xsd:element ref="dc:identifier" minOccurs="0" maxOccurs="1"/>
+        <xsd:element name="contentType" minOccurs="0" maxOccurs="1" type="xsd:string" ma:index="0" ma:displayName="Content Type" ma:readOnly="true"/>
+        <xsd:element ref="dc:title" minOccurs="0" maxOccurs="1" ma:index="4" ma:displayName="Title"/>
+        <xsd:element ref="dc:subject" minOccurs="0" maxOccurs="1"/>
+        <xsd:element ref="dc:description" minOccurs="0" maxOccurs="1"/>
+        <xsd:element name="keywords" minOccurs="0" maxOccurs="1" type="xsd:string"/>
+        <xsd:element ref="dc:language" minOccurs="0" maxOccurs="1"/>
+        <xsd:element name="category" minOccurs="0" maxOccurs="1" type="xsd:string"/>
+        <xsd:element name="version" minOccurs="0" maxOccurs="1" type="xsd:string"/>
+        <xsd:element name="revision" minOccurs="0" maxOccurs="1" type="xsd:string">
+          <xsd:annotation>
+            <xsd:documentation>
+                        This value indicates the number of saves or revisions. The application is responsible for updating this value after each revision.
+                    </xsd:documentation>
+          </xsd:annotation>
+        </xsd:element>
+        <xsd:element name="lastModifiedBy" minOccurs="0" maxOccurs="1" type="xsd:string"/>
+        <xsd:element ref="dcterms:modified" minOccurs="0" maxOccurs="1"/>
+        <xsd:element name="lastPrinted" minOccurs="0" maxOccurs="1" type="xsd:dateTime"/>
+        <xsd:element name="contentStatus" minOccurs="0" maxOccurs="1" type="xsd:string"/>
+      </xsd:all>
+    </xsd:complexType>
+  </xsd:schema>
+</ct:contentTypeSchema>
+</file>
+
+<file path=customXml/item3.xml><?xml version="1.0" encoding="utf-8"?>
+<p:properties xmlns:p="http://schemas.microsoft.com/office/2006/metadata/properties" xmlns:xsi="http://www.w3.org/2001/XMLSchema-instance" xmlns:pc="http://schemas.microsoft.com/office/infopath/2007/PartnerControls">
+  <documentManagement/>
+</p:properties>
+</file>
+
+<file path=customXml/itemProps1.xml><?xml version="1.0" encoding="utf-8"?>
+<ds:datastoreItem xmlns:ds="http://schemas.openxmlformats.org/officeDocument/2006/customXml" ds:itemID="{19E20559-B232-4371-8690-E3D8007EDB82}">
+  <ds:schemaRefs>
+    <ds:schemaRef ds:uri="http://schemas.microsoft.com/sharepoint/v3/contenttype/forms"/>
+  </ds:schemaRefs>
+</ds:datastoreItem>
+</file>
+
+<file path=customXml/itemProps2.xml><?xml version="1.0" encoding="utf-8"?>
+<ds:datastoreItem xmlns:ds="http://schemas.openxmlformats.org/officeDocument/2006/customXml" ds:itemID="{E8DB7DEB-074E-4EE8-9B6E-FD277323109C}">
+  <ds:schemaRefs>
+    <ds:schemaRef ds:uri="http://schemas.microsoft.com/office/2006/metadata/contentType"/>
+    <ds:schemaRef ds:uri="http://schemas.microsoft.com/office/2006/metadata/properties/metaAttributes"/>
+    <ds:schemaRef ds:uri="http://www.w3.org/2001/XMLSchema"/>
+    <ds:schemaRef ds:uri="http://schemas.microsoft.com/office/2006/metadata/properties"/>
+    <ds:schemaRef ds:uri="http://schemas.openxmlformats.org/package/2006/metadata/core-properties"/>
+    <ds:schemaRef ds:uri="http://purl.org/dc/elements/1.1/"/>
+    <ds:schemaRef ds:uri="http://purl.org/dc/terms/"/>
+    <ds:schemaRef ds:uri="http://schemas.microsoft.com/office/internal/2005/internalDocumentation"/>
+  </ds:schemaRefs>
+</ds:datastoreItem>
+</file>
+
+<file path=customXml/itemProps3.xml><?xml version="1.0" encoding="utf-8"?>
+<ds:datastoreItem xmlns:ds="http://schemas.openxmlformats.org/officeDocument/2006/customXml" ds:itemID="{A50EC660-24D0-43A0-AE5E-E274115E726B}">
+  <ds:schemaRefs>
+    <ds:schemaRef ds:uri="http://purl.org/dc/elements/1.1/"/>
+    <ds:schemaRef ds:uri="http://schemas.microsoft.com/office/2006/metadata/properties"/>
+    <ds:schemaRef ds:uri="http://purl.org/dc/terms/"/>
+    <ds:schemaRef ds:uri="http://schemas.openxmlformats.org/package/2006/metadata/core-properties"/>
+    <ds:schemaRef ds:uri="http://schemas.microsoft.com/office/2006/documentManagement/types"/>
+    <ds:schemaRef ds:uri="http://www.w3.org/XML/1998/namespace"/>
+    <ds:schemaRef ds:uri="http://purl.org/dc/dcmitype/"/>
+    <ds:schemaRef ds:uri="http://schemas.microsoft.com/office/infopath/2007/PartnerControls"/>
+  </ds:schemaRefs>
+</ds:datastoreItem>
 </file>
--- a/agile-redux.pptx
+++ b/agile-redux.pptx
@@ -267,7 +267,7 @@
           <a:p>
             <a:fld id="{0B842F42-2CE9-4E35-95C1-410DC08A50B1}" type="datetimeFigureOut">
               <a:rPr lang="en-US" smtClean="0"/>
-              <a:t>5/21/2021</a:t>
+              <a:t>6/15/21</a:t>
             </a:fld>
             <a:endParaRPr lang="en-US"/>
           </a:p>
@@ -432,7 +432,7 @@
           <a:p>
             <a:fld id="{6F282904-F315-4730-8D91-37D99E141A6F}" type="datetimeFigureOut">
               <a:rPr lang="en-US" smtClean="0"/>
-              <a:t>5/21/2021</a:t>
+              <a:t>6/15/21</a:t>
             </a:fld>
             <a:endParaRPr lang="en-US"/>
           </a:p>
@@ -4743,49 +4743,13 @@
           <a:p>
             <a:r>
               <a:rPr lang="en-US" dirty="0"/>
-              <a:t>David E. Bernholdt</a:t>
-            </a:r>
-            <a:br>
-              <a:rPr lang="en-US" dirty="0"/>
-            </a:br>
+              <a:t>Rinku Gupta</a:t>
+            </a:r>
+          </a:p>
+          <a:p>
             <a:r>
               <a:rPr lang="en-US" sz="2000" dirty="0"/>
-              <a:t>Oak Ridge National Laboratory</a:t>
-            </a:r>
-            <a:endParaRPr lang="en-US" dirty="0"/>
-          </a:p>
-          <a:p>
-            <a:pPr>
-              <a:spcBef>
-                <a:spcPts val="2400"/>
-              </a:spcBef>
-            </a:pPr>
-            <a:r>
-              <a:rPr lang="en-US" dirty="0"/>
-              <a:t>Michael A. </a:t>
-            </a:r>
-            <a:r>
-              <a:rPr lang="en-US" dirty="0" err="1"/>
-              <a:t>Heroux</a:t>
-            </a:r>
-            <a:r>
-              <a:rPr lang="en-US" dirty="0"/>
-              <a:t>, </a:t>
-            </a:r>
-            <a:r>
-              <a:rPr lang="en-US" u="sng" dirty="0"/>
-              <a:t>James M. </a:t>
-            </a:r>
-            <a:r>
-              <a:rPr lang="en-US" u="sng" dirty="0" err="1"/>
-              <a:t>Willenbring</a:t>
-            </a:r>
-            <a:br>
-              <a:rPr lang="en-US" dirty="0"/>
-            </a:br>
-            <a:r>
-              <a:rPr lang="en-US" sz="2000" dirty="0"/>
-              <a:t>Sandia National Laboratories</a:t>
+              <a:t>Argonne National Laboratories</a:t>
             </a:r>
             <a:br>
               <a:rPr lang="en-US" sz="2000" dirty="0"/>
@@ -4793,10 +4757,6 @@
             <a:br>
               <a:rPr lang="en-US" dirty="0"/>
             </a:br>
-            <a:r>
-              <a:rPr lang="en-US" sz="2000" dirty="0"/>
-              <a:t>Software Productivity Track, ATPESC 2020</a:t>
-            </a:r>
             <a:br>
               <a:rPr lang="en-US" sz="2000" dirty="0"/>
             </a:br>
@@ -4881,7 +4841,12 @@
             <p:ph idx="1"/>
           </p:nvPr>
         </p:nvSpPr>
-        <p:spPr/>
+        <p:spPr>
+          <a:xfrm>
+            <a:off x="365760" y="1325880"/>
+            <a:ext cx="11369809" cy="4047778"/>
+          </a:xfrm>
+        </p:spPr>
         <p:txBody>
           <a:bodyPr/>
           <a:lstStyle/>
@@ -5259,7 +5224,7 @@
         </p:nvSpPr>
         <p:spPr>
           <a:xfrm>
-            <a:off x="650875" y="3017838"/>
+            <a:off x="365760" y="2032186"/>
             <a:ext cx="11537950" cy="1490662"/>
           </a:xfrm>
         </p:spPr>
@@ -5352,7 +5317,7 @@
         </p:nvGrpSpPr>
         <p:grpSpPr>
           <a:xfrm>
-            <a:off x="365760" y="734223"/>
+            <a:off x="1342476" y="781725"/>
             <a:ext cx="9419039" cy="5238177"/>
             <a:chOff x="6447844" y="986418"/>
             <a:chExt cx="5291420" cy="4925788"/>
@@ -6354,15 +6319,15 @@
         </p:nvSpPr>
         <p:spPr>
           <a:xfrm>
-            <a:off x="-747895" y="123005"/>
-            <a:ext cx="11372473" cy="720197"/>
+            <a:off x="-1" y="123005"/>
+            <a:ext cx="12188825" cy="720197"/>
           </a:xfrm>
         </p:spPr>
         <p:txBody>
           <a:bodyPr/>
           <a:lstStyle/>
           <a:p>
-            <a:pPr algn="r"/>
+            <a:pPr algn="ctr"/>
             <a:r>
               <a:rPr lang="en-US" sz="2400" dirty="0"/>
               <a:t>Productivity and Sustainability Improvement Planning (PSIP) </a:t>
@@ -6395,7 +6360,7 @@
         </p:nvSpPr>
         <p:spPr>
           <a:xfrm>
-            <a:off x="603550" y="3622194"/>
+            <a:off x="603550" y="3693444"/>
             <a:ext cx="5315677" cy="2391015"/>
           </a:xfrm>
           <a:solidFill>
@@ -7072,7 +7037,7 @@
         </p:blipFill>
         <p:spPr>
           <a:xfrm>
-            <a:off x="553854" y="694117"/>
+            <a:off x="553854" y="777242"/>
             <a:ext cx="5126278" cy="2791616"/>
           </a:xfrm>
           <a:prstGeom prst="rect">
@@ -7094,7 +7059,7 @@
         </p:nvSpPr>
         <p:spPr>
           <a:xfrm>
-            <a:off x="731879" y="6037749"/>
+            <a:off x="731879" y="6108999"/>
             <a:ext cx="5059017" cy="840230"/>
           </a:xfrm>
           <a:prstGeom prst="rect">
@@ -7619,7 +7584,7 @@
         </p:nvSpPr>
         <p:spPr>
           <a:xfrm>
-            <a:off x="2693988" y="2743200"/>
+            <a:off x="365760" y="1325880"/>
             <a:ext cx="9494837" cy="1673225"/>
           </a:xfrm>
         </p:spPr>
@@ -7710,7 +7675,12 @@
             <p:ph idx="1"/>
           </p:nvPr>
         </p:nvSpPr>
-        <p:spPr/>
+        <p:spPr>
+          <a:xfrm>
+            <a:off x="365760" y="1096092"/>
+            <a:ext cx="11369809" cy="4047778"/>
+          </a:xfrm>
+        </p:spPr>
         <p:txBody>
           <a:bodyPr/>
           <a:lstStyle/>
@@ -7893,7 +7863,12 @@
             <p:ph idx="1"/>
           </p:nvPr>
         </p:nvSpPr>
-        <p:spPr/>
+        <p:spPr>
+          <a:xfrm>
+            <a:off x="365760" y="1238597"/>
+            <a:ext cx="11369809" cy="4047778"/>
+          </a:xfrm>
+        </p:spPr>
         <p:txBody>
           <a:bodyPr/>
           <a:lstStyle/>
@@ -7920,7 +7895,7 @@
             <a:pPr lvl="1"/>
             <a:r>
               <a:rPr lang="en-US" dirty="0"/>
-              <a:t>“Pre-established standards or requirements a product or project must meet.”       – Google</a:t>
+              <a:t>“Pre-established standards or requirements a product or project must meet.”  – Google</a:t>
             </a:r>
           </a:p>
           <a:p>
@@ -8006,7 +7981,12 @@
             <p:ph idx="1"/>
           </p:nvPr>
         </p:nvSpPr>
-        <p:spPr/>
+        <p:spPr>
+          <a:xfrm>
+            <a:off x="365760" y="1179220"/>
+            <a:ext cx="11369809" cy="4047778"/>
+          </a:xfrm>
+        </p:spPr>
         <p:txBody>
           <a:bodyPr/>
           <a:lstStyle/>
@@ -8111,7 +8091,12 @@
             <p:ph idx="1"/>
           </p:nvPr>
         </p:nvSpPr>
-        <p:spPr/>
+        <p:spPr>
+          <a:xfrm>
+            <a:off x="365760" y="1202971"/>
+            <a:ext cx="11369809" cy="4047778"/>
+          </a:xfrm>
+        </p:spPr>
         <p:txBody>
           <a:bodyPr/>
           <a:lstStyle/>
@@ -8254,7 +8239,12 @@
             <p:ph idx="1"/>
           </p:nvPr>
         </p:nvSpPr>
-        <p:spPr/>
+        <p:spPr>
+          <a:xfrm>
+            <a:off x="365760" y="1119843"/>
+            <a:ext cx="11369809" cy="4047778"/>
+          </a:xfrm>
+        </p:spPr>
         <p:txBody>
           <a:bodyPr/>
           <a:lstStyle/>
@@ -9278,12 +9268,9 @@
 </file>
 
 <file path=customXml/item1.xml><?xml version="1.0" encoding="utf-8"?>
-<?mso-contentType ?>
-<FormTemplates xmlns="http://schemas.microsoft.com/sharepoint/v3/contenttype/forms">
-  <Display>DocumentLibraryForm</Display>
-  <Edit>DocumentLibraryForm</Edit>
-  <New>DocumentLibraryForm</New>
-</FormTemplates>
+<p:properties xmlns:p="http://schemas.microsoft.com/office/2006/metadata/properties" xmlns:xsi="http://www.w3.org/2001/XMLSchema-instance" xmlns:pc="http://schemas.microsoft.com/office/infopath/2007/PartnerControls">
+  <documentManagement/>
+</p:properties>
 </file>
 
 <file path=customXml/item2.xml><?xml version="1.0" encoding="utf-8"?>
@@ -9336,15 +9323,25 @@
 </file>
 
 <file path=customXml/item3.xml><?xml version="1.0" encoding="utf-8"?>
-<p:properties xmlns:p="http://schemas.microsoft.com/office/2006/metadata/properties" xmlns:xsi="http://www.w3.org/2001/XMLSchema-instance" xmlns:pc="http://schemas.microsoft.com/office/infopath/2007/PartnerControls">
-  <documentManagement/>
-</p:properties>
+<?mso-contentType ?>
+<FormTemplates xmlns="http://schemas.microsoft.com/sharepoint/v3/contenttype/forms">
+  <Display>DocumentLibraryForm</Display>
+  <Edit>DocumentLibraryForm</Edit>
+  <New>DocumentLibraryForm</New>
+</FormTemplates>
 </file>
 
 <file path=customXml/itemProps1.xml><?xml version="1.0" encoding="utf-8"?>
-<ds:datastoreItem xmlns:ds="http://schemas.openxmlformats.org/officeDocument/2006/customXml" ds:itemID="{19E20559-B232-4371-8690-E3D8007EDB82}">
+<ds:datastoreItem xmlns:ds="http://schemas.openxmlformats.org/officeDocument/2006/customXml" ds:itemID="{A50EC660-24D0-43A0-AE5E-E274115E726B}">
   <ds:schemaRefs>
-    <ds:schemaRef ds:uri="http://schemas.microsoft.com/sharepoint/v3/contenttype/forms"/>
+    <ds:schemaRef ds:uri="http://purl.org/dc/elements/1.1/"/>
+    <ds:schemaRef ds:uri="http://schemas.microsoft.com/office/2006/metadata/properties"/>
+    <ds:schemaRef ds:uri="http://purl.org/dc/terms/"/>
+    <ds:schemaRef ds:uri="http://schemas.openxmlformats.org/package/2006/metadata/core-properties"/>
+    <ds:schemaRef ds:uri="http://schemas.microsoft.com/office/2006/documentManagement/types"/>
+    <ds:schemaRef ds:uri="http://www.w3.org/XML/1998/namespace"/>
+    <ds:schemaRef ds:uri="http://purl.org/dc/dcmitype/"/>
+    <ds:schemaRef ds:uri="http://schemas.microsoft.com/office/infopath/2007/PartnerControls"/>
   </ds:schemaRefs>
 </ds:datastoreItem>
 </file>
@@ -9365,16 +9362,9 @@
 </file>
 
 <file path=customXml/itemProps3.xml><?xml version="1.0" encoding="utf-8"?>
-<ds:datastoreItem xmlns:ds="http://schemas.openxmlformats.org/officeDocument/2006/customXml" ds:itemID="{A50EC660-24D0-43A0-AE5E-E274115E726B}">
+<ds:datastoreItem xmlns:ds="http://schemas.openxmlformats.org/officeDocument/2006/customXml" ds:itemID="{19E20559-B232-4371-8690-E3D8007EDB82}">
   <ds:schemaRefs>
-    <ds:schemaRef ds:uri="http://purl.org/dc/elements/1.1/"/>
-    <ds:schemaRef ds:uri="http://schemas.microsoft.com/office/2006/metadata/properties"/>
-    <ds:schemaRef ds:uri="http://purl.org/dc/terms/"/>
-    <ds:schemaRef ds:uri="http://schemas.openxmlformats.org/package/2006/metadata/core-properties"/>
-    <ds:schemaRef ds:uri="http://schemas.microsoft.com/office/2006/documentManagement/types"/>
-    <ds:schemaRef ds:uri="http://www.w3.org/XML/1998/namespace"/>
-    <ds:schemaRef ds:uri="http://purl.org/dc/dcmitype/"/>
-    <ds:schemaRef ds:uri="http://schemas.microsoft.com/office/infopath/2007/PartnerControls"/>
+    <ds:schemaRef ds:uri="http://schemas.microsoft.com/sharepoint/v3/contenttype/forms"/>
   </ds:schemaRefs>
 </ds:datastoreItem>
 </file>
--- a/agile-redux.pptx
+++ b/agile-redux.pptx
@@ -12,7 +12,7 @@
   </p:handoutMasterIdLst>
   <p:sldIdLst>
     <p:sldId id="332" r:id="rId5"/>
-    <p:sldId id="320" r:id="rId6"/>
+    <p:sldId id="1828" r:id="rId6"/>
     <p:sldId id="289" r:id="rId7"/>
     <p:sldId id="329" r:id="rId8"/>
     <p:sldId id="271" r:id="rId9"/>
@@ -267,7 +267,7 @@
           <a:p>
             <a:fld id="{0B842F42-2CE9-4E35-95C1-410DC08A50B1}" type="datetimeFigureOut">
               <a:rPr lang="en-US" smtClean="0"/>
-              <a:t>6/15/21</a:t>
+              <a:t>6/15/2021</a:t>
             </a:fld>
             <a:endParaRPr lang="en-US"/>
           </a:p>
@@ -432,7 +432,7 @@
           <a:p>
             <a:fld id="{6F282904-F315-4730-8D91-37D99E141A6F}" type="datetimeFigureOut">
               <a:rPr lang="en-US" smtClean="0"/>
-              <a:t>6/15/21</a:t>
+              <a:t>6/15/2021</a:t>
             </a:fld>
             <a:endParaRPr lang="en-US"/>
           </a:p>
@@ -4742,25 +4742,47 @@
           <a:lstStyle/>
           <a:p>
             <a:r>
-              <a:rPr lang="en-US" dirty="0"/>
+              <a:rPr lang="en-US" u="sng" dirty="0"/>
               <a:t>Rinku Gupta</a:t>
             </a:r>
-          </a:p>
-          <a:p>
-            <a:r>
-              <a:rPr lang="en-US" sz="2000" dirty="0"/>
-              <a:t>Argonne National Laboratories</a:t>
-            </a:r>
-            <a:br>
-              <a:rPr lang="en-US" sz="2000" dirty="0"/>
-            </a:br>
             <a:br>
               <a:rPr lang="en-US" dirty="0"/>
             </a:br>
-            <a:br>
+            <a:r>
               <a:rPr lang="en-US" sz="2000" dirty="0"/>
-            </a:br>
-            <a:endParaRPr lang="en-US" sz="2000" dirty="0"/>
+              <a:t>Argonne National Laboratory</a:t>
+            </a:r>
+            <a:endParaRPr lang="en-US" dirty="0"/>
+          </a:p>
+          <a:p>
+            <a:pPr>
+              <a:spcBef>
+                <a:spcPts val="2800"/>
+              </a:spcBef>
+            </a:pPr>
+            <a:r>
+              <a:rPr lang="en-US" sz="2000" dirty="0"/>
+              <a:t>Better Scientific Software Tutorial, ISC, June 2021</a:t>
+            </a:r>
+          </a:p>
+          <a:p>
+            <a:pPr>
+              <a:spcBef>
+                <a:spcPts val="2800"/>
+              </a:spcBef>
+            </a:pPr>
+            <a:r>
+              <a:rPr lang="en-US" sz="2000" dirty="0"/>
+              <a:t>Contributors: Rinku K. Gupta (ANL), Michael A. Heroux (SNL), James M. </a:t>
+            </a:r>
+            <a:r>
+              <a:rPr lang="en-US" sz="2000" dirty="0" err="1"/>
+              <a:t>Willenbring</a:t>
+            </a:r>
+            <a:r>
+              <a:rPr lang="en-US" sz="2000" dirty="0"/>
+              <a:t> (SNL)</a:t>
+            </a:r>
           </a:p>
           <a:p>
             <a:endParaRPr lang="en-US" sz="2000" dirty="0"/>
@@ -7144,7 +7166,12 @@
             <p:ph type="title"/>
           </p:nvPr>
         </p:nvSpPr>
-        <p:spPr/>
+        <p:spPr>
+          <a:xfrm>
+            <a:off x="363096" y="112911"/>
+            <a:ext cx="11372473" cy="914400"/>
+          </a:xfrm>
+        </p:spPr>
         <p:txBody>
           <a:bodyPr/>
           <a:lstStyle/>
@@ -7174,7 +7201,7 @@
         </p:nvSpPr>
         <p:spPr>
           <a:xfrm>
-            <a:off x="365760" y="862719"/>
+            <a:off x="409507" y="570111"/>
             <a:ext cx="11369809" cy="4047778"/>
           </a:xfrm>
         </p:spPr>
@@ -7225,21 +7252,13 @@
             </a:pPr>
             <a:r>
               <a:rPr lang="en-US" sz="1600" b="1" dirty="0"/>
-              <a:t>The requested citation the overall tutorial is: David E. Bernholdt, Anshu Dubey, Mark C. Miller, Katherine M. Riley, and James M. </a:t>
-            </a:r>
-            <a:r>
-              <a:rPr lang="en-US" sz="1600" b="1" dirty="0" err="1"/>
-              <a:t>Willenbring</a:t>
-            </a:r>
-            <a:r>
-              <a:rPr lang="en-US" sz="1600" b="1" dirty="0"/>
-              <a:t>, Software Productivity Track, in Argonne Training Program for Extreme Scale Computing (ATPESC), online. DOI: </a:t>
+              <a:t>The requested citation the overall tutorial is: David E. Bernholdt, Anshu Dubey, Patricia A. Grubel, Rinku K. Gupta, and David M. Rogers, Better Scientific Software tutorial, in ISC High Performance, online, 2021. DOI: </a:t>
             </a:r>
             <a:r>
               <a:rPr lang="en-US" sz="1600" b="1" dirty="0">
                 <a:hlinkClick r:id="rId4"/>
               </a:rPr>
-              <a:t>10.6084/m9.figshare.12719834</a:t>
+              <a:t>10.6084/m9.figshare.14642520</a:t>
             </a:r>
             <a:endParaRPr lang="en-US" sz="1600" b="1" dirty="0"/>
           </a:p>
@@ -7259,11 +7278,14 @@
             </a:r>
             <a:r>
               <a:rPr lang="en-US" sz="1600" dirty="0"/>
-              <a:t>, in Software Productivity Track…</a:t>
+              <a:t>, in Better Scientific Software tutorial…</a:t>
             </a:r>
           </a:p>
           <a:p>
             <a:pPr marL="0" indent="0">
+              <a:spcBef>
+                <a:spcPts val="800"/>
+              </a:spcBef>
               <a:buNone/>
             </a:pPr>
             <a:r>
@@ -7278,25 +7300,22 @@
               </a:spcBef>
             </a:pPr>
             <a:r>
-              <a:rPr lang="en-US" sz="1600" dirty="0"/>
-              <a:t>Additional contributors include: Patricia Grubel, Rinku Gupta, Mike </a:t>
-            </a:r>
-            <a:r>
-              <a:rPr lang="en-US" sz="1600" dirty="0" err="1"/>
-              <a:t>Heroux</a:t>
-            </a:r>
-            <a:r>
-              <a:rPr lang="en-US" sz="1600" dirty="0"/>
-              <a:t>, Alicia </a:t>
-            </a:r>
-            <a:r>
-              <a:rPr lang="en-US" sz="1600" dirty="0" err="1"/>
-              <a:t>Klinvex</a:t>
-            </a:r>
-            <a:r>
-              <a:rPr lang="en-US" sz="1600" dirty="0"/>
-              <a:t>, Jared O’Neal, David Rogers</a:t>
-            </a:r>
+              <a:rPr lang="en-US" sz="1400" dirty="0"/>
+              <a:t>This work was supported by the U.S. Department of Energy Office of Science, Office of Advanced Scientific Computing Research (ASCR), and by the </a:t>
+            </a:r>
+            <a:r>
+              <a:rPr lang="en-US" sz="1400" dirty="0" err="1"/>
+              <a:t>Exascale</a:t>
+            </a:r>
+            <a:r>
+              <a:rPr lang="en-US" sz="1400" dirty="0"/>
+              <a:t> Computing Project (17-SC-20-SC), a collaborative effort of the U.S. Department of Energy Office of Science and the National Nuclear Security Administration</a:t>
+            </a:r>
+            <a:r>
+              <a:rPr lang="en-US" sz="1400" i="1" dirty="0"/>
+              <a:t>.</a:t>
+            </a:r>
+            <a:endParaRPr lang="en-US" sz="1400" dirty="0"/>
           </a:p>
           <a:p>
             <a:pPr>
@@ -7305,22 +7324,17 @@
               </a:spcBef>
             </a:pPr>
             <a:r>
-              <a:rPr lang="en-US" sz="1600" dirty="0"/>
-              <a:t>This work was supported by the U.S. Department of Energy Office of Science, Office of Advanced Scientific Computing Research (ASCR), and by the </a:t>
-            </a:r>
-            <a:r>
-              <a:rPr lang="en-US" sz="1600" dirty="0" err="1"/>
-              <a:t>Exascale</a:t>
-            </a:r>
-            <a:r>
-              <a:rPr lang="en-US" sz="1600" dirty="0"/>
-              <a:t> Computing Project (17-SC-20-SC), a collaborative effort of the U.S. Department of Energy Office of Science and the National Nuclear Security Administration</a:t>
-            </a:r>
-            <a:r>
-              <a:rPr lang="en-US" sz="1600" i="1" dirty="0"/>
-              <a:t>.</a:t>
-            </a:r>
-            <a:endParaRPr lang="en-US" sz="1600" dirty="0"/>
+              <a:rPr lang="en-US" sz="1400" dirty="0"/>
+              <a:t>This work was performed in part at the Argonne National Laboratory, which is managed by </a:t>
+            </a:r>
+            <a:r>
+              <a:rPr lang="en-US" sz="1400" dirty="0" err="1"/>
+              <a:t>UChicago</a:t>
+            </a:r>
+            <a:r>
+              <a:rPr lang="en-US" sz="1400" dirty="0"/>
+              <a:t> Argonne, LLC for the U.S. Department of Energy under Contract No. DE-AC02-06CH11357.</a:t>
+            </a:r>
           </a:p>
           <a:p>
             <a:pPr>
@@ -7329,16 +7343,8 @@
               </a:spcBef>
             </a:pPr>
             <a:r>
-              <a:rPr lang="en-US" sz="1600" dirty="0"/>
-              <a:t>This work was performed in part at the Argonne National Laboratory, which is managed by </a:t>
-            </a:r>
-            <a:r>
-              <a:rPr lang="en-US" sz="1600" dirty="0" err="1"/>
-              <a:t>UChicago</a:t>
-            </a:r>
-            <a:r>
-              <a:rPr lang="en-US" sz="1600" dirty="0"/>
-              <a:t> Argonne, LLC for the U.S. Department of Energy under Contract No. DE-AC02-06CH11357.</a:t>
+              <a:rPr lang="en-US" sz="1400" dirty="0"/>
+              <a:t>This work was performed in part at the Oak Ridge National Laboratory, which is managed by UT-Battelle, LLC for the U.S. Department of Energy under Contract No. DE-AC05-00OR22725.</a:t>
             </a:r>
           </a:p>
           <a:p>
@@ -7348,8 +7354,8 @@
               </a:spcBef>
             </a:pPr>
             <a:r>
-              <a:rPr lang="en-US" sz="1600" dirty="0"/>
-              <a:t>This work was performed in part at the Oak Ridge National Laboratory, which is managed by UT-Battelle, LLC for the U.S. Department of Energy under Contract No. DE-AC05-00OR22725.</a:t>
+              <a:rPr lang="en-US" sz="1400" dirty="0"/>
+              <a:t>This work was performed in part at the Lawrence Livermore National Laboratory, which is managed by Lawrence Livermore National Security, LLC for the U.S. Department of Energy under Contract No. DE-AC52-07NA27344.</a:t>
             </a:r>
           </a:p>
           <a:p>
@@ -7359,8 +7365,8 @@
               </a:spcBef>
             </a:pPr>
             <a:r>
-              <a:rPr lang="en-US" sz="1600" dirty="0"/>
-              <a:t>This work was performed in part at the Lawrence Livermore National Laboratory, which is managed by Lawrence Livermore National Security, LLC for the U.S. Department of Energy under Contract No. DE-AC52-07NA27344.</a:t>
+              <a:rPr lang="en-US" sz="1400" dirty="0"/>
+              <a:t>This work was performed in part at the Los Alamos National Laboratory, which is managed by Triad National Security, LLC for the U.S. Department of Energy under Contract No.89233218CNA000001</a:t>
             </a:r>
           </a:p>
           <a:p>
@@ -7370,8 +7376,8 @@
               </a:spcBef>
             </a:pPr>
             <a:r>
-              <a:rPr lang="en-US" sz="1600" dirty="0"/>
-              <a:t>This work was performed in part at Sandia National Laboratories. Sandia National Laboratories is a multi-mission laboratory managed and operated by National Technology and Engineering Solutions of Sandia, LLC., a wholly owned subsidiary of Honeywell International, Inc., for the U.S. Department of Energy’s National Nuclear Security Administration under contract DE-NA0003525. SAND NO SAND2020-7957 PE</a:t>
+              <a:rPr lang="en-US" sz="1400" dirty="0"/>
+              <a:t>This work was performed in part at Sandia National Laboratories. Sandia National Laboratories is a multi-mission laboratory managed and operated by National Technology and Engineering Solutions of Sandia, LLC., a wholly owned subsidiary of Honeywell International, Inc., for the U.S. Department of Energy’s National Nuclear Security Administration under contract DE-NA0003525.</a:t>
             </a:r>
           </a:p>
         </p:txBody>
@@ -7405,8 +7411,8 @@
         </p:blipFill>
         <p:spPr bwMode="auto">
           <a:xfrm>
-            <a:off x="10249254" y="570111"/>
-            <a:ext cx="1661258" cy="585216"/>
+            <a:off x="10230336" y="879673"/>
+            <a:ext cx="838200" cy="295275"/>
           </a:xfrm>
           <a:prstGeom prst="rect">
             <a:avLst/>
@@ -7426,7 +7432,7 @@
     </p:spTree>
     <p:extLst>
       <p:ext uri="{BB962C8B-B14F-4D97-AF65-F5344CB8AC3E}">
-        <p14:creationId xmlns:p14="http://schemas.microsoft.com/office/powerpoint/2010/main" val="3126013647"/>
+        <p14:creationId xmlns:p14="http://schemas.microsoft.com/office/powerpoint/2010/main" val="978726433"/>
       </p:ext>
     </p:extLst>
   </p:cSld>
@@ -9274,6 +9280,15 @@
 </file>
 
 <file path=customXml/item2.xml><?xml version="1.0" encoding="utf-8"?>
+<?mso-contentType ?>
+<FormTemplates xmlns="http://schemas.microsoft.com/sharepoint/v3/contenttype/forms">
+  <Display>DocumentLibraryForm</Display>
+  <Edit>DocumentLibraryForm</Edit>
+  <New>DocumentLibraryForm</New>
+</FormTemplates>
+</file>
+
+<file path=customXml/item3.xml><?xml version="1.0" encoding="utf-8"?>
 <ct:contentTypeSchema xmlns:ct="http://schemas.microsoft.com/office/2006/metadata/contentType" xmlns:ma="http://schemas.microsoft.com/office/2006/metadata/properties/metaAttributes" ct:_="" ma:_="" ma:contentTypeName="Document" ma:contentTypeID="0x010100565464437F680748A68B85EB6594EA7D" ma:contentTypeVersion="0" ma:contentTypeDescription="Create a new document." ma:contentTypeScope="" ma:versionID="fe3f4dd58d5914c51cfc6deaa8ad845c">
   <xsd:schema xmlns:xsd="http://www.w3.org/2001/XMLSchema" xmlns:p="http://schemas.microsoft.com/office/2006/metadata/properties" targetNamespace="http://schemas.microsoft.com/office/2006/metadata/properties" ma:root="true" ma:fieldsID="4aeb20c0e3442673af7ee10786458764">
     <xsd:element name="properties">
@@ -9322,15 +9337,6 @@
 </ct:contentTypeSchema>
 </file>
 
-<file path=customXml/item3.xml><?xml version="1.0" encoding="utf-8"?>
-<?mso-contentType ?>
-<FormTemplates xmlns="http://schemas.microsoft.com/sharepoint/v3/contenttype/forms">
-  <Display>DocumentLibraryForm</Display>
-  <Edit>DocumentLibraryForm</Edit>
-  <New>DocumentLibraryForm</New>
-</FormTemplates>
-</file>
-
 <file path=customXml/itemProps1.xml><?xml version="1.0" encoding="utf-8"?>
 <ds:datastoreItem xmlns:ds="http://schemas.openxmlformats.org/officeDocument/2006/customXml" ds:itemID="{A50EC660-24D0-43A0-AE5E-E274115E726B}">
   <ds:schemaRefs>
@@ -9347,6 +9353,14 @@
 </file>
 
 <file path=customXml/itemProps2.xml><?xml version="1.0" encoding="utf-8"?>
+<ds:datastoreItem xmlns:ds="http://schemas.openxmlformats.org/officeDocument/2006/customXml" ds:itemID="{19E20559-B232-4371-8690-E3D8007EDB82}">
+  <ds:schemaRefs>
+    <ds:schemaRef ds:uri="http://schemas.microsoft.com/sharepoint/v3/contenttype/forms"/>
+  </ds:schemaRefs>
+</ds:datastoreItem>
+</file>
+
+<file path=customXml/itemProps3.xml><?xml version="1.0" encoding="utf-8"?>
 <ds:datastoreItem xmlns:ds="http://schemas.openxmlformats.org/officeDocument/2006/customXml" ds:itemID="{E8DB7DEB-074E-4EE8-9B6E-FD277323109C}">
   <ds:schemaRefs>
     <ds:schemaRef ds:uri="http://schemas.microsoft.com/office/2006/metadata/contentType"/>
@@ -9359,12 +9373,4 @@
     <ds:schemaRef ds:uri="http://schemas.microsoft.com/office/internal/2005/internalDocumentation"/>
   </ds:schemaRefs>
 </ds:datastoreItem>
-</file>
-
-<file path=customXml/itemProps3.xml><?xml version="1.0" encoding="utf-8"?>
-<ds:datastoreItem xmlns:ds="http://schemas.openxmlformats.org/officeDocument/2006/customXml" ds:itemID="{19E20559-B232-4371-8690-E3D8007EDB82}">
-  <ds:schemaRefs>
-    <ds:schemaRef ds:uri="http://schemas.microsoft.com/sharepoint/v3/contenttype/forms"/>
-  </ds:schemaRefs>
-</ds:datastoreItem>
 </file>
--- a/agile-redux.pptx
+++ b/agile-redux.pptx
@@ -267,7 +267,7 @@
           <a:p>
             <a:fld id="{0B842F42-2CE9-4E35-95C1-410DC08A50B1}" type="datetimeFigureOut">
               <a:rPr lang="en-US" smtClean="0"/>
-              <a:t>6/15/2021</a:t>
+              <a:t>8/10/21</a:t>
             </a:fld>
             <a:endParaRPr lang="en-US"/>
           </a:p>
@@ -432,7 +432,7 @@
           <a:p>
             <a:fld id="{6F282904-F315-4730-8D91-37D99E141A6F}" type="datetimeFigureOut">
               <a:rPr lang="en-US" smtClean="0"/>
-              <a:t>6/15/2021</a:t>
+              <a:t>8/10/21</a:t>
             </a:fld>
             <a:endParaRPr lang="en-US"/>
           </a:p>
@@ -4752,7 +4752,6 @@
               <a:rPr lang="en-US" sz="2000" dirty="0"/>
               <a:t>Argonne National Laboratory</a:t>
             </a:r>
-            <a:endParaRPr lang="en-US" dirty="0"/>
           </a:p>
           <a:p>
             <a:pPr>
@@ -4762,7 +4761,7 @@
             </a:pPr>
             <a:r>
               <a:rPr lang="en-US" sz="2000" dirty="0"/>
-              <a:t>Better Scientific Software Tutorial, ISC, June 2021</a:t>
+              <a:t>Software Productivity and Sustainability track, ATPESC 2021</a:t>
             </a:r>
           </a:p>
           <a:p>
@@ -9274,21 +9273,6 @@
 </file>
 
 <file path=customXml/item1.xml><?xml version="1.0" encoding="utf-8"?>
-<p:properties xmlns:p="http://schemas.microsoft.com/office/2006/metadata/properties" xmlns:xsi="http://www.w3.org/2001/XMLSchema-instance" xmlns:pc="http://schemas.microsoft.com/office/infopath/2007/PartnerControls">
-  <documentManagement/>
-</p:properties>
-</file>
-
-<file path=customXml/item2.xml><?xml version="1.0" encoding="utf-8"?>
-<?mso-contentType ?>
-<FormTemplates xmlns="http://schemas.microsoft.com/sharepoint/v3/contenttype/forms">
-  <Display>DocumentLibraryForm</Display>
-  <Edit>DocumentLibraryForm</Edit>
-  <New>DocumentLibraryForm</New>
-</FormTemplates>
-</file>
-
-<file path=customXml/item3.xml><?xml version="1.0" encoding="utf-8"?>
 <ct:contentTypeSchema xmlns:ct="http://schemas.microsoft.com/office/2006/metadata/contentType" xmlns:ma="http://schemas.microsoft.com/office/2006/metadata/properties/metaAttributes" ct:_="" ma:_="" ma:contentTypeName="Document" ma:contentTypeID="0x010100565464437F680748A68B85EB6594EA7D" ma:contentTypeVersion="0" ma:contentTypeDescription="Create a new document." ma:contentTypeScope="" ma:versionID="fe3f4dd58d5914c51cfc6deaa8ad845c">
   <xsd:schema xmlns:xsd="http://www.w3.org/2001/XMLSchema" xmlns:p="http://schemas.microsoft.com/office/2006/metadata/properties" targetNamespace="http://schemas.microsoft.com/office/2006/metadata/properties" ma:root="true" ma:fieldsID="4aeb20c0e3442673af7ee10786458764">
     <xsd:element name="properties">
@@ -9337,17 +9321,32 @@
 </ct:contentTypeSchema>
 </file>
 
+<file path=customXml/item2.xml><?xml version="1.0" encoding="utf-8"?>
+<?mso-contentType ?>
+<FormTemplates xmlns="http://schemas.microsoft.com/sharepoint/v3/contenttype/forms">
+  <Display>DocumentLibraryForm</Display>
+  <Edit>DocumentLibraryForm</Edit>
+  <New>DocumentLibraryForm</New>
+</FormTemplates>
+</file>
+
+<file path=customXml/item3.xml><?xml version="1.0" encoding="utf-8"?>
+<p:properties xmlns:p="http://schemas.microsoft.com/office/2006/metadata/properties" xmlns:xsi="http://www.w3.org/2001/XMLSchema-instance" xmlns:pc="http://schemas.microsoft.com/office/infopath/2007/PartnerControls">
+  <documentManagement/>
+</p:properties>
+</file>
+
 <file path=customXml/itemProps1.xml><?xml version="1.0" encoding="utf-8"?>
-<ds:datastoreItem xmlns:ds="http://schemas.openxmlformats.org/officeDocument/2006/customXml" ds:itemID="{A50EC660-24D0-43A0-AE5E-E274115E726B}">
+<ds:datastoreItem xmlns:ds="http://schemas.openxmlformats.org/officeDocument/2006/customXml" ds:itemID="{E8DB7DEB-074E-4EE8-9B6E-FD277323109C}">
   <ds:schemaRefs>
+    <ds:schemaRef ds:uri="http://schemas.microsoft.com/office/2006/metadata/contentType"/>
+    <ds:schemaRef ds:uri="http://schemas.microsoft.com/office/2006/metadata/properties/metaAttributes"/>
+    <ds:schemaRef ds:uri="http://www.w3.org/2001/XMLSchema"/>
+    <ds:schemaRef ds:uri="http://schemas.microsoft.com/office/2006/metadata/properties"/>
+    <ds:schemaRef ds:uri="http://schemas.openxmlformats.org/package/2006/metadata/core-properties"/>
     <ds:schemaRef ds:uri="http://purl.org/dc/elements/1.1/"/>
-    <ds:schemaRef ds:uri="http://schemas.microsoft.com/office/2006/metadata/properties"/>
     <ds:schemaRef ds:uri="http://purl.org/dc/terms/"/>
-    <ds:schemaRef ds:uri="http://schemas.openxmlformats.org/package/2006/metadata/core-properties"/>
-    <ds:schemaRef ds:uri="http://schemas.microsoft.com/office/2006/documentManagement/types"/>
-    <ds:schemaRef ds:uri="http://www.w3.org/XML/1998/namespace"/>
-    <ds:schemaRef ds:uri="http://purl.org/dc/dcmitype/"/>
-    <ds:schemaRef ds:uri="http://schemas.microsoft.com/office/infopath/2007/PartnerControls"/>
+    <ds:schemaRef ds:uri="http://schemas.microsoft.com/office/internal/2005/internalDocumentation"/>
   </ds:schemaRefs>
 </ds:datastoreItem>
 </file>
@@ -9361,16 +9360,16 @@
 </file>
 
 <file path=customXml/itemProps3.xml><?xml version="1.0" encoding="utf-8"?>
-<ds:datastoreItem xmlns:ds="http://schemas.openxmlformats.org/officeDocument/2006/customXml" ds:itemID="{E8DB7DEB-074E-4EE8-9B6E-FD277323109C}">
+<ds:datastoreItem xmlns:ds="http://schemas.openxmlformats.org/officeDocument/2006/customXml" ds:itemID="{A50EC660-24D0-43A0-AE5E-E274115E726B}">
   <ds:schemaRefs>
-    <ds:schemaRef ds:uri="http://schemas.microsoft.com/office/2006/metadata/contentType"/>
-    <ds:schemaRef ds:uri="http://schemas.microsoft.com/office/2006/metadata/properties/metaAttributes"/>
-    <ds:schemaRef ds:uri="http://www.w3.org/2001/XMLSchema"/>
+    <ds:schemaRef ds:uri="http://purl.org/dc/elements/1.1/"/>
     <ds:schemaRef ds:uri="http://schemas.microsoft.com/office/2006/metadata/properties"/>
+    <ds:schemaRef ds:uri="http://purl.org/dc/terms/"/>
     <ds:schemaRef ds:uri="http://schemas.openxmlformats.org/package/2006/metadata/core-properties"/>
-    <ds:schemaRef ds:uri="http://purl.org/dc/elements/1.1/"/>
-    <ds:schemaRef ds:uri="http://purl.org/dc/terms/"/>
-    <ds:schemaRef ds:uri="http://schemas.microsoft.com/office/internal/2005/internalDocumentation"/>
+    <ds:schemaRef ds:uri="http://schemas.microsoft.com/office/2006/documentManagement/types"/>
+    <ds:schemaRef ds:uri="http://www.w3.org/XML/1998/namespace"/>
+    <ds:schemaRef ds:uri="http://purl.org/dc/dcmitype/"/>
+    <ds:schemaRef ds:uri="http://schemas.microsoft.com/office/infopath/2007/PartnerControls"/>
   </ds:schemaRefs>
 </ds:datastoreItem>
 </file>
--- a/agile-redux.pptx
+++ b/agile-redux.pptx
@@ -267,7 +267,7 @@
           <a:p>
             <a:fld id="{0B842F42-2CE9-4E35-95C1-410DC08A50B1}" type="datetimeFigureOut">
               <a:rPr lang="en-US" smtClean="0"/>
-              <a:t>8/10/21</a:t>
+              <a:t>8/10/2021</a:t>
             </a:fld>
             <a:endParaRPr lang="en-US"/>
           </a:p>
@@ -432,7 +432,7 @@
           <a:p>
             <a:fld id="{6F282904-F315-4730-8D91-37D99E141A6F}" type="datetimeFigureOut">
               <a:rPr lang="en-US" smtClean="0"/>
-              <a:t>8/10/21</a:t>
+              <a:t>8/10/2021</a:t>
             </a:fld>
             <a:endParaRPr lang="en-US"/>
           </a:p>
@@ -7080,8 +7080,8 @@
         </p:nvSpPr>
         <p:spPr>
           <a:xfrm>
-            <a:off x="731879" y="6108999"/>
-            <a:ext cx="5059017" cy="840230"/>
+            <a:off x="731879" y="6285569"/>
+            <a:ext cx="5059017" cy="341632"/>
           </a:xfrm>
           <a:prstGeom prst="rect">
             <a:avLst/>
@@ -7103,19 +7103,9 @@
               <a:rPr lang="en-US" dirty="0">
                 <a:hlinkClick r:id="rId6"/>
               </a:rPr>
-              <a:t>https://bssw.io/blog_posts/productivity-and-sustainability-improvement-planning-psip</a:t>
+              <a:t>https://bssw.io/psip</a:t>
             </a:r>
             <a:endParaRPr lang="en-US" dirty="0"/>
-          </a:p>
-          <a:p>
-            <a:pPr algn="ctr">
-              <a:lnSpc>
-                <a:spcPct val="90000"/>
-              </a:lnSpc>
-            </a:pPr>
-            <a:endParaRPr lang="en-US" dirty="0">
-              <a:uFillTx/>
-            </a:endParaRPr>
           </a:p>
         </p:txBody>
       </p:sp>
@@ -9273,6 +9263,21 @@
 </file>
 
 <file path=customXml/item1.xml><?xml version="1.0" encoding="utf-8"?>
+<p:properties xmlns:p="http://schemas.microsoft.com/office/2006/metadata/properties" xmlns:xsi="http://www.w3.org/2001/XMLSchema-instance" xmlns:pc="http://schemas.microsoft.com/office/infopath/2007/PartnerControls">
+  <documentManagement/>
+</p:properties>
+</file>
+
+<file path=customXml/item2.xml><?xml version="1.0" encoding="utf-8"?>
+<?mso-contentType ?>
+<FormTemplates xmlns="http://schemas.microsoft.com/sharepoint/v3/contenttype/forms">
+  <Display>DocumentLibraryForm</Display>
+  <Edit>DocumentLibraryForm</Edit>
+  <New>DocumentLibraryForm</New>
+</FormTemplates>
+</file>
+
+<file path=customXml/item3.xml><?xml version="1.0" encoding="utf-8"?>
 <ct:contentTypeSchema xmlns:ct="http://schemas.microsoft.com/office/2006/metadata/contentType" xmlns:ma="http://schemas.microsoft.com/office/2006/metadata/properties/metaAttributes" ct:_="" ma:_="" ma:contentTypeName="Document" ma:contentTypeID="0x010100565464437F680748A68B85EB6594EA7D" ma:contentTypeVersion="0" ma:contentTypeDescription="Create a new document." ma:contentTypeScope="" ma:versionID="fe3f4dd58d5914c51cfc6deaa8ad845c">
   <xsd:schema xmlns:xsd="http://www.w3.org/2001/XMLSchema" xmlns:p="http://schemas.microsoft.com/office/2006/metadata/properties" targetNamespace="http://schemas.microsoft.com/office/2006/metadata/properties" ma:root="true" ma:fieldsID="4aeb20c0e3442673af7ee10786458764">
     <xsd:element name="properties">
@@ -9321,32 +9326,17 @@
 </ct:contentTypeSchema>
 </file>
 
-<file path=customXml/item2.xml><?xml version="1.0" encoding="utf-8"?>
-<?mso-contentType ?>
-<FormTemplates xmlns="http://schemas.microsoft.com/sharepoint/v3/contenttype/forms">
-  <Display>DocumentLibraryForm</Display>
-  <Edit>DocumentLibraryForm</Edit>
-  <New>DocumentLibraryForm</New>
-</FormTemplates>
-</file>
-
-<file path=customXml/item3.xml><?xml version="1.0" encoding="utf-8"?>
-<p:properties xmlns:p="http://schemas.microsoft.com/office/2006/metadata/properties" xmlns:xsi="http://www.w3.org/2001/XMLSchema-instance" xmlns:pc="http://schemas.microsoft.com/office/infopath/2007/PartnerControls">
-  <documentManagement/>
-</p:properties>
-</file>
-
 <file path=customXml/itemProps1.xml><?xml version="1.0" encoding="utf-8"?>
-<ds:datastoreItem xmlns:ds="http://schemas.openxmlformats.org/officeDocument/2006/customXml" ds:itemID="{E8DB7DEB-074E-4EE8-9B6E-FD277323109C}">
+<ds:datastoreItem xmlns:ds="http://schemas.openxmlformats.org/officeDocument/2006/customXml" ds:itemID="{A50EC660-24D0-43A0-AE5E-E274115E726B}">
   <ds:schemaRefs>
-    <ds:schemaRef ds:uri="http://schemas.microsoft.com/office/2006/metadata/contentType"/>
-    <ds:schemaRef ds:uri="http://schemas.microsoft.com/office/2006/metadata/properties/metaAttributes"/>
-    <ds:schemaRef ds:uri="http://www.w3.org/2001/XMLSchema"/>
+    <ds:schemaRef ds:uri="http://purl.org/dc/elements/1.1/"/>
     <ds:schemaRef ds:uri="http://schemas.microsoft.com/office/2006/metadata/properties"/>
+    <ds:schemaRef ds:uri="http://purl.org/dc/terms/"/>
     <ds:schemaRef ds:uri="http://schemas.openxmlformats.org/package/2006/metadata/core-properties"/>
-    <ds:schemaRef ds:uri="http://purl.org/dc/elements/1.1/"/>
-    <ds:schemaRef ds:uri="http://purl.org/dc/terms/"/>
-    <ds:schemaRef ds:uri="http://schemas.microsoft.com/office/internal/2005/internalDocumentation"/>
+    <ds:schemaRef ds:uri="http://schemas.microsoft.com/office/2006/documentManagement/types"/>
+    <ds:schemaRef ds:uri="http://www.w3.org/XML/1998/namespace"/>
+    <ds:schemaRef ds:uri="http://purl.org/dc/dcmitype/"/>
+    <ds:schemaRef ds:uri="http://schemas.microsoft.com/office/infopath/2007/PartnerControls"/>
   </ds:schemaRefs>
 </ds:datastoreItem>
 </file>
@@ -9360,16 +9350,16 @@
 </file>
 
 <file path=customXml/itemProps3.xml><?xml version="1.0" encoding="utf-8"?>
-<ds:datastoreItem xmlns:ds="http://schemas.openxmlformats.org/officeDocument/2006/customXml" ds:itemID="{A50EC660-24D0-43A0-AE5E-E274115E726B}">
+<ds:datastoreItem xmlns:ds="http://schemas.openxmlformats.org/officeDocument/2006/customXml" ds:itemID="{E8DB7DEB-074E-4EE8-9B6E-FD277323109C}">
   <ds:schemaRefs>
+    <ds:schemaRef ds:uri="http://schemas.microsoft.com/office/2006/metadata/contentType"/>
+    <ds:schemaRef ds:uri="http://schemas.microsoft.com/office/2006/metadata/properties/metaAttributes"/>
+    <ds:schemaRef ds:uri="http://www.w3.org/2001/XMLSchema"/>
+    <ds:schemaRef ds:uri="http://schemas.microsoft.com/office/2006/metadata/properties"/>
+    <ds:schemaRef ds:uri="http://schemas.openxmlformats.org/package/2006/metadata/core-properties"/>
     <ds:schemaRef ds:uri="http://purl.org/dc/elements/1.1/"/>
-    <ds:schemaRef ds:uri="http://schemas.microsoft.com/office/2006/metadata/properties"/>
     <ds:schemaRef ds:uri="http://purl.org/dc/terms/"/>
-    <ds:schemaRef ds:uri="http://schemas.openxmlformats.org/package/2006/metadata/core-properties"/>
-    <ds:schemaRef ds:uri="http://schemas.microsoft.com/office/2006/documentManagement/types"/>
-    <ds:schemaRef ds:uri="http://www.w3.org/XML/1998/namespace"/>
-    <ds:schemaRef ds:uri="http://purl.org/dc/dcmitype/"/>
-    <ds:schemaRef ds:uri="http://schemas.microsoft.com/office/infopath/2007/PartnerControls"/>
+    <ds:schemaRef ds:uri="http://schemas.microsoft.com/office/internal/2005/internalDocumentation"/>
   </ds:schemaRefs>
 </ds:datastoreItem>
 </file>
--- a/agile-redux.pptx
+++ b/agile-redux.pptx
@@ -12,7 +12,7 @@
   </p:handoutMasterIdLst>
   <p:sldIdLst>
     <p:sldId id="332" r:id="rId5"/>
-    <p:sldId id="1828" r:id="rId6"/>
+    <p:sldId id="320" r:id="rId6"/>
     <p:sldId id="289" r:id="rId7"/>
     <p:sldId id="329" r:id="rId8"/>
     <p:sldId id="271" r:id="rId9"/>
@@ -7241,13 +7241,13 @@
             </a:pPr>
             <a:r>
               <a:rPr lang="en-US" sz="1600" b="1" dirty="0"/>
-              <a:t>The requested citation the overall tutorial is: David E. Bernholdt, Anshu Dubey, Patricia A. Grubel, Rinku K. Gupta, and David M. Rogers, Better Scientific Software tutorial, in ISC High Performance, online, 2021. DOI: </a:t>
+              <a:t>The requested citation the overall tutorial is: David E. Bernholdt, Anshu Dubey, Rinku K. Gupta, and David M. Rogers, Software Productivity and Sustainability track, in Argonne Training Program on Extreme-Scale Computing (ATPESC), online, 2021. DOI: </a:t>
             </a:r>
             <a:r>
               <a:rPr lang="en-US" sz="1600" b="1" dirty="0">
                 <a:hlinkClick r:id="rId4"/>
               </a:rPr>
-              <a:t>10.6084/m9.figshare.14642520</a:t>
+              <a:t>10.6084/m9.figshare.15130590</a:t>
             </a:r>
             <a:endParaRPr lang="en-US" sz="1600" b="1" dirty="0"/>
           </a:p>
@@ -9263,21 +9263,6 @@
 </file>
 
 <file path=customXml/item1.xml><?xml version="1.0" encoding="utf-8"?>
-<p:properties xmlns:p="http://schemas.microsoft.com/office/2006/metadata/properties" xmlns:xsi="http://www.w3.org/2001/XMLSchema-instance" xmlns:pc="http://schemas.microsoft.com/office/infopath/2007/PartnerControls">
-  <documentManagement/>
-</p:properties>
-</file>
-
-<file path=customXml/item2.xml><?xml version="1.0" encoding="utf-8"?>
-<?mso-contentType ?>
-<FormTemplates xmlns="http://schemas.microsoft.com/sharepoint/v3/contenttype/forms">
-  <Display>DocumentLibraryForm</Display>
-  <Edit>DocumentLibraryForm</Edit>
-  <New>DocumentLibraryForm</New>
-</FormTemplates>
-</file>
-
-<file path=customXml/item3.xml><?xml version="1.0" encoding="utf-8"?>
 <ct:contentTypeSchema xmlns:ct="http://schemas.microsoft.com/office/2006/metadata/contentType" xmlns:ma="http://schemas.microsoft.com/office/2006/metadata/properties/metaAttributes" ct:_="" ma:_="" ma:contentTypeName="Document" ma:contentTypeID="0x010100565464437F680748A68B85EB6594EA7D" ma:contentTypeVersion="0" ma:contentTypeDescription="Create a new document." ma:contentTypeScope="" ma:versionID="fe3f4dd58d5914c51cfc6deaa8ad845c">
   <xsd:schema xmlns:xsd="http://www.w3.org/2001/XMLSchema" xmlns:p="http://schemas.microsoft.com/office/2006/metadata/properties" targetNamespace="http://schemas.microsoft.com/office/2006/metadata/properties" ma:root="true" ma:fieldsID="4aeb20c0e3442673af7ee10786458764">
     <xsd:element name="properties">
@@ -9326,17 +9311,32 @@
 </ct:contentTypeSchema>
 </file>
 
+<file path=customXml/item2.xml><?xml version="1.0" encoding="utf-8"?>
+<?mso-contentType ?>
+<FormTemplates xmlns="http://schemas.microsoft.com/sharepoint/v3/contenttype/forms">
+  <Display>DocumentLibraryForm</Display>
+  <Edit>DocumentLibraryForm</Edit>
+  <New>DocumentLibraryForm</New>
+</FormTemplates>
+</file>
+
+<file path=customXml/item3.xml><?xml version="1.0" encoding="utf-8"?>
+<p:properties xmlns:p="http://schemas.microsoft.com/office/2006/metadata/properties" xmlns:xsi="http://www.w3.org/2001/XMLSchema-instance" xmlns:pc="http://schemas.microsoft.com/office/infopath/2007/PartnerControls">
+  <documentManagement/>
+</p:properties>
+</file>
+
 <file path=customXml/itemProps1.xml><?xml version="1.0" encoding="utf-8"?>
-<ds:datastoreItem xmlns:ds="http://schemas.openxmlformats.org/officeDocument/2006/customXml" ds:itemID="{A50EC660-24D0-43A0-AE5E-E274115E726B}">
+<ds:datastoreItem xmlns:ds="http://schemas.openxmlformats.org/officeDocument/2006/customXml" ds:itemID="{E8DB7DEB-074E-4EE8-9B6E-FD277323109C}">
   <ds:schemaRefs>
+    <ds:schemaRef ds:uri="http://schemas.microsoft.com/office/2006/metadata/contentType"/>
+    <ds:schemaRef ds:uri="http://schemas.microsoft.com/office/2006/metadata/properties/metaAttributes"/>
+    <ds:schemaRef ds:uri="http://www.w3.org/2001/XMLSchema"/>
+    <ds:schemaRef ds:uri="http://schemas.microsoft.com/office/2006/metadata/properties"/>
+    <ds:schemaRef ds:uri="http://schemas.openxmlformats.org/package/2006/metadata/core-properties"/>
     <ds:schemaRef ds:uri="http://purl.org/dc/elements/1.1/"/>
-    <ds:schemaRef ds:uri="http://schemas.microsoft.com/office/2006/metadata/properties"/>
     <ds:schemaRef ds:uri="http://purl.org/dc/terms/"/>
-    <ds:schemaRef ds:uri="http://schemas.openxmlformats.org/package/2006/metadata/core-properties"/>
-    <ds:schemaRef ds:uri="http://schemas.microsoft.com/office/2006/documentManagement/types"/>
-    <ds:schemaRef ds:uri="http://www.w3.org/XML/1998/namespace"/>
-    <ds:schemaRef ds:uri="http://purl.org/dc/dcmitype/"/>
-    <ds:schemaRef ds:uri="http://schemas.microsoft.com/office/infopath/2007/PartnerControls"/>
+    <ds:schemaRef ds:uri="http://schemas.microsoft.com/office/internal/2005/internalDocumentation"/>
   </ds:schemaRefs>
 </ds:datastoreItem>
 </file>
@@ -9350,16 +9350,16 @@
 </file>
 
 <file path=customXml/itemProps3.xml><?xml version="1.0" encoding="utf-8"?>
-<ds:datastoreItem xmlns:ds="http://schemas.openxmlformats.org/officeDocument/2006/customXml" ds:itemID="{E8DB7DEB-074E-4EE8-9B6E-FD277323109C}">
+<ds:datastoreItem xmlns:ds="http://schemas.openxmlformats.org/officeDocument/2006/customXml" ds:itemID="{A50EC660-24D0-43A0-AE5E-E274115E726B}">
   <ds:schemaRefs>
-    <ds:schemaRef ds:uri="http://schemas.microsoft.com/office/2006/metadata/contentType"/>
-    <ds:schemaRef ds:uri="http://schemas.microsoft.com/office/2006/metadata/properties/metaAttributes"/>
-    <ds:schemaRef ds:uri="http://www.w3.org/2001/XMLSchema"/>
+    <ds:schemaRef ds:uri="http://purl.org/dc/elements/1.1/"/>
     <ds:schemaRef ds:uri="http://schemas.microsoft.com/office/2006/metadata/properties"/>
+    <ds:schemaRef ds:uri="http://purl.org/dc/terms/"/>
     <ds:schemaRef ds:uri="http://schemas.openxmlformats.org/package/2006/metadata/core-properties"/>
-    <ds:schemaRef ds:uri="http://purl.org/dc/elements/1.1/"/>
-    <ds:schemaRef ds:uri="http://purl.org/dc/terms/"/>
-    <ds:schemaRef ds:uri="http://schemas.microsoft.com/office/internal/2005/internalDocumentation"/>
+    <ds:schemaRef ds:uri="http://schemas.microsoft.com/office/2006/documentManagement/types"/>
+    <ds:schemaRef ds:uri="http://www.w3.org/XML/1998/namespace"/>
+    <ds:schemaRef ds:uri="http://purl.org/dc/dcmitype/"/>
+    <ds:schemaRef ds:uri="http://schemas.microsoft.com/office/infopath/2007/PartnerControls"/>
   </ds:schemaRefs>
 </ds:datastoreItem>
 </file>
--- a/agile-redux.pptx
+++ b/agile-redux.pptx
@@ -12,7 +12,7 @@
   </p:handoutMasterIdLst>
   <p:sldIdLst>
     <p:sldId id="332" r:id="rId5"/>
-    <p:sldId id="320" r:id="rId6"/>
+    <p:sldId id="1828" r:id="rId6"/>
     <p:sldId id="289" r:id="rId7"/>
     <p:sldId id="329" r:id="rId8"/>
     <p:sldId id="271" r:id="rId9"/>
@@ -267,7 +267,7 @@
           <a:p>
             <a:fld id="{0B842F42-2CE9-4E35-95C1-410DC08A50B1}" type="datetimeFigureOut">
               <a:rPr lang="en-US" smtClean="0"/>
-              <a:t>8/10/2021</a:t>
+              <a:t>9/1/2021</a:t>
             </a:fld>
             <a:endParaRPr lang="en-US"/>
           </a:p>
@@ -432,7 +432,7 @@
           <a:p>
             <a:fld id="{6F282904-F315-4730-8D91-37D99E141A6F}" type="datetimeFigureOut">
               <a:rPr lang="en-US" smtClean="0"/>
-              <a:t>8/10/2021</a:t>
+              <a:t>9/1/2021</a:t>
             </a:fld>
             <a:endParaRPr lang="en-US"/>
           </a:p>
@@ -4745,8 +4745,16 @@
               <a:rPr lang="en-US" u="sng" dirty="0"/>
               <a:t>Rinku Gupta</a:t>
             </a:r>
+            <a:r>
+              <a:rPr lang="en-US" dirty="0"/>
+              <a:t> </a:t>
+            </a:r>
+            <a:r>
+              <a:rPr lang="en-US" sz="2000" dirty="0"/>
+              <a:t>(she/her)</a:t>
+            </a:r>
             <a:br>
-              <a:rPr lang="en-US" dirty="0"/>
+              <a:rPr lang="en-US" sz="2000" dirty="0"/>
             </a:br>
             <a:r>
               <a:rPr lang="en-US" sz="2000" dirty="0"/>
@@ -4761,7 +4769,15 @@
             </a:pPr>
             <a:r>
               <a:rPr lang="en-US" sz="2000" dirty="0"/>
-              <a:t>Software Productivity and Sustainability track, ATPESC 2021</a:t>
+              <a:t>Better Scientific </a:t>
+            </a:r>
+            <a:r>
+              <a:rPr lang="en-US" sz="2000"/>
+              <a:t>Software tutorial </a:t>
+            </a:r>
+            <a:r>
+              <a:rPr lang="en-US" sz="2000" dirty="0"/>
+              <a:t>@ SC21</a:t>
             </a:r>
           </a:p>
           <a:p>
@@ -7241,13 +7257,13 @@
             </a:pPr>
             <a:r>
               <a:rPr lang="en-US" sz="1600" b="1" dirty="0"/>
-              <a:t>The requested citation the overall tutorial is: David E. Bernholdt, Anshu Dubey, Rinku K. Gupta, and David M. Rogers, Software Productivity and Sustainability track, in Argonne Training Program on Extreme-Scale Computing (ATPESC), online, 2021. DOI: </a:t>
+              <a:t>The requested citation the overall tutorial is: David E. Bernholdt, Anshu Dubey, Patricia A. Grubel, Rinku K. Gupta, and Gregory R. Watson, Better Scientific Software tutorial, in the International Conference for High-Performance Computing, Networking, Storage, and Analysis (SC21), St. Louis, MO, USA and online, 2021. DOI: </a:t>
             </a:r>
             <a:r>
               <a:rPr lang="en-US" sz="1600" b="1" dirty="0">
                 <a:hlinkClick r:id="rId4"/>
               </a:rPr>
-              <a:t>10.6084/m9.figshare.15130590</a:t>
+              <a:t>10.6084/m9.figshare.16556628</a:t>
             </a:r>
             <a:endParaRPr lang="en-US" sz="1600" b="1" dirty="0"/>
           </a:p>
@@ -7421,7 +7437,7 @@
     </p:spTree>
     <p:extLst>
       <p:ext uri="{BB962C8B-B14F-4D97-AF65-F5344CB8AC3E}">
-        <p14:creationId xmlns:p14="http://schemas.microsoft.com/office/powerpoint/2010/main" val="978726433"/>
+        <p14:creationId xmlns:p14="http://schemas.microsoft.com/office/powerpoint/2010/main" val="3784388608"/>
       </p:ext>
     </p:extLst>
   </p:cSld>
@@ -9263,6 +9279,15 @@
 </file>
 
 <file path=customXml/item1.xml><?xml version="1.0" encoding="utf-8"?>
+<?mso-contentType ?>
+<FormTemplates xmlns="http://schemas.microsoft.com/sharepoint/v3/contenttype/forms">
+  <Display>DocumentLibraryForm</Display>
+  <Edit>DocumentLibraryForm</Edit>
+  <New>DocumentLibraryForm</New>
+</FormTemplates>
+</file>
+
+<file path=customXml/item2.xml><?xml version="1.0" encoding="utf-8"?>
 <ct:contentTypeSchema xmlns:ct="http://schemas.microsoft.com/office/2006/metadata/contentType" xmlns:ma="http://schemas.microsoft.com/office/2006/metadata/properties/metaAttributes" ct:_="" ma:_="" ma:contentTypeName="Document" ma:contentTypeID="0x010100565464437F680748A68B85EB6594EA7D" ma:contentTypeVersion="0" ma:contentTypeDescription="Create a new document." ma:contentTypeScope="" ma:versionID="fe3f4dd58d5914c51cfc6deaa8ad845c">
   <xsd:schema xmlns:xsd="http://www.w3.org/2001/XMLSchema" xmlns:p="http://schemas.microsoft.com/office/2006/metadata/properties" targetNamespace="http://schemas.microsoft.com/office/2006/metadata/properties" ma:root="true" ma:fieldsID="4aeb20c0e3442673af7ee10786458764">
     <xsd:element name="properties">
@@ -9311,15 +9336,6 @@
 </ct:contentTypeSchema>
 </file>
 
-<file path=customXml/item2.xml><?xml version="1.0" encoding="utf-8"?>
-<?mso-contentType ?>
-<FormTemplates xmlns="http://schemas.microsoft.com/sharepoint/v3/contenttype/forms">
-  <Display>DocumentLibraryForm</Display>
-  <Edit>DocumentLibraryForm</Edit>
-  <New>DocumentLibraryForm</New>
-</FormTemplates>
-</file>
-
 <file path=customXml/item3.xml><?xml version="1.0" encoding="utf-8"?>
 <p:properties xmlns:p="http://schemas.microsoft.com/office/2006/metadata/properties" xmlns:xsi="http://www.w3.org/2001/XMLSchema-instance" xmlns:pc="http://schemas.microsoft.com/office/infopath/2007/PartnerControls">
   <documentManagement/>
@@ -9327,6 +9343,14 @@
 </file>
 
 <file path=customXml/itemProps1.xml><?xml version="1.0" encoding="utf-8"?>
+<ds:datastoreItem xmlns:ds="http://schemas.openxmlformats.org/officeDocument/2006/customXml" ds:itemID="{19E20559-B232-4371-8690-E3D8007EDB82}">
+  <ds:schemaRefs>
+    <ds:schemaRef ds:uri="http://schemas.microsoft.com/sharepoint/v3/contenttype/forms"/>
+  </ds:schemaRefs>
+</ds:datastoreItem>
+</file>
+
+<file path=customXml/itemProps2.xml><?xml version="1.0" encoding="utf-8"?>
 <ds:datastoreItem xmlns:ds="http://schemas.openxmlformats.org/officeDocument/2006/customXml" ds:itemID="{E8DB7DEB-074E-4EE8-9B6E-FD277323109C}">
   <ds:schemaRefs>
     <ds:schemaRef ds:uri="http://schemas.microsoft.com/office/2006/metadata/contentType"/>
@@ -9337,14 +9361,6 @@
     <ds:schemaRef ds:uri="http://purl.org/dc/elements/1.1/"/>
     <ds:schemaRef ds:uri="http://purl.org/dc/terms/"/>
     <ds:schemaRef ds:uri="http://schemas.microsoft.com/office/internal/2005/internalDocumentation"/>
-  </ds:schemaRefs>
-</ds:datastoreItem>
-</file>
-
-<file path=customXml/itemProps2.xml><?xml version="1.0" encoding="utf-8"?>
-<ds:datastoreItem xmlns:ds="http://schemas.openxmlformats.org/officeDocument/2006/customXml" ds:itemID="{19E20559-B232-4371-8690-E3D8007EDB82}">
-  <ds:schemaRefs>
-    <ds:schemaRef ds:uri="http://schemas.microsoft.com/sharepoint/v3/contenttype/forms"/>
   </ds:schemaRefs>
 </ds:datastoreItem>
 </file>

--- a/agile-redux.pptx
+++ b/agile-redux.pptx
@@ -267,7 +267,7 @@
           <a:p>
             <a:fld id="{0B842F42-2CE9-4E35-95C1-410DC08A50B1}" type="datetimeFigureOut">
               <a:rPr lang="en-US" smtClean="0"/>
-              <a:t>9/1/2021</a:t>
+              <a:t>10/3/2021</a:t>
             </a:fld>
             <a:endParaRPr lang="en-US"/>
           </a:p>
@@ -432,7 +432,7 @@
           <a:p>
             <a:fld id="{6F282904-F315-4730-8D91-37D99E141A6F}" type="datetimeFigureOut">
               <a:rPr lang="en-US" smtClean="0"/>
-              <a:t>9/1/2021</a:t>
+              <a:t>10/3/2021</a:t>
             </a:fld>
             <a:endParaRPr lang="en-US"/>
           </a:p>
@@ -6308,6 +6308,71 @@
           </p:grpSp>
         </p:grpSp>
       </p:grpSp>
+      <p:sp>
+        <p:nvSpPr>
+          <p:cNvPr id="25" name="TextBox 24">
+            <a:extLst>
+              <a:ext uri="{FF2B5EF4-FFF2-40B4-BE49-F238E27FC236}">
+                <a16:creationId xmlns:a16="http://schemas.microsoft.com/office/drawing/2014/main" id="{CE54068E-F508-49B7-9A7D-E4CBAFC6604C}"/>
+              </a:ext>
+            </a:extLst>
+          </p:cNvPr>
+          <p:cNvSpPr txBox="1"/>
+          <p:nvPr/>
+        </p:nvSpPr>
+        <p:spPr>
+          <a:xfrm>
+            <a:off x="8601665" y="1459734"/>
+            <a:ext cx="3269819" cy="840230"/>
+          </a:xfrm>
+          <a:prstGeom prst="rect">
+            <a:avLst/>
+          </a:prstGeom>
+          <a:solidFill>
+            <a:schemeClr val="bg1"/>
+          </a:solidFill>
+          <a:ln>
+            <a:solidFill>
+              <a:schemeClr val="tx2"/>
+            </a:solidFill>
+          </a:ln>
+          <a:effectLst>
+            <a:outerShdw blurRad="50800" dist="38100" dir="2700000" algn="tl" rotWithShape="0">
+              <a:prstClr val="black">
+                <a:alpha val="40000"/>
+              </a:prstClr>
+            </a:outerShdw>
+          </a:effectLst>
+        </p:spPr>
+        <p:txBody>
+          <a:bodyPr wrap="square" rtlCol="0">
+            <a:spAutoFit/>
+          </a:bodyPr>
+          <a:lstStyle/>
+          <a:p>
+            <a:pPr algn="ctr">
+              <a:lnSpc>
+                <a:spcPct val="90000"/>
+              </a:lnSpc>
+            </a:pPr>
+            <a:r>
+              <a:rPr lang="en-US" i="1" dirty="0">
+                <a:solidFill>
+                  <a:schemeClr val="tx2"/>
+                </a:solidFill>
+              </a:rPr>
+              <a:t>Productivity and Sustainability Improvement Planning (PSIP): </a:t>
+            </a:r>
+            <a:r>
+              <a:rPr lang="en-US" i="1" dirty="0">
+                <a:hlinkClick r:id="rId2"/>
+              </a:rPr>
+              <a:t>https://bssw.io/psip</a:t>
+            </a:r>
+            <a:endParaRPr lang="en-US" i="1" dirty="0"/>
+          </a:p>
+        </p:txBody>
+      </p:sp>
     </p:spTree>
     <p:extLst>
       <p:ext uri="{BB962C8B-B14F-4D97-AF65-F5344CB8AC3E}">
@@ -7096,8 +7161,8 @@
         </p:nvSpPr>
         <p:spPr>
           <a:xfrm>
-            <a:off x="731879" y="6285569"/>
-            <a:ext cx="5059017" cy="341632"/>
+            <a:off x="603550" y="6207602"/>
+            <a:ext cx="7012143" cy="638123"/>
           </a:xfrm>
           <a:prstGeom prst="rect">
             <a:avLst/>
@@ -7110,18 +7175,62 @@
           </a:bodyPr>
           <a:lstStyle/>
           <a:p>
-            <a:pPr algn="ctr">
+            <a:pPr>
               <a:lnSpc>
                 <a:spcPct val="90000"/>
               </a:lnSpc>
+              <a:spcBef>
+                <a:spcPts val="800"/>
+              </a:spcBef>
             </a:pPr>
             <a:r>
-              <a:rPr lang="en-US" dirty="0">
+              <a:rPr lang="en-US" sz="1600" dirty="0" err="1">
+                <a:solidFill>
+                  <a:schemeClr val="tx2"/>
+                </a:solidFill>
+              </a:rPr>
+              <a:t>RateYourProject</a:t>
+            </a:r>
+            <a:r>
+              <a:rPr lang="en-US" sz="1600" dirty="0">
+                <a:solidFill>
+                  <a:schemeClr val="tx2"/>
+                </a:solidFill>
+              </a:rPr>
+              <a:t> assessment tool: </a:t>
+            </a:r>
+            <a:r>
+              <a:rPr lang="en-US" sz="1600" dirty="0">
                 <a:hlinkClick r:id="rId6"/>
               </a:rPr>
-              <a:t>https://bssw.io/psip</a:t>
-            </a:r>
-            <a:endParaRPr lang="en-US" dirty="0"/>
+              <a:t>https://rateyourproject.org/</a:t>
+            </a:r>
+            <a:endParaRPr lang="en-US" sz="1600" dirty="0"/>
+          </a:p>
+          <a:p>
+            <a:pPr>
+              <a:lnSpc>
+                <a:spcPct val="90000"/>
+              </a:lnSpc>
+              <a:spcBef>
+                <a:spcPts val="800"/>
+              </a:spcBef>
+            </a:pPr>
+            <a:r>
+              <a:rPr lang="en-US" sz="1600" dirty="0">
+                <a:solidFill>
+                  <a:schemeClr val="tx2"/>
+                </a:solidFill>
+              </a:rPr>
+              <a:t>More tracking card examples: </a:t>
+            </a:r>
+            <a:r>
+              <a:rPr lang="en-US" sz="1600" dirty="0">
+                <a:hlinkClick r:id="rId7"/>
+              </a:rPr>
+              <a:t>https://bssw-psip.github.io/ptc-catalog/catalog</a:t>
+            </a:r>
+            <a:endParaRPr lang="en-US" sz="1600" dirty="0"/>
           </a:p>
         </p:txBody>
       </p:sp>
@@ -9279,12 +9388,9 @@
 </file>
 
 <file path=customXml/item1.xml><?xml version="1.0" encoding="utf-8"?>
-<?mso-contentType ?>
-<FormTemplates xmlns="http://schemas.microsoft.com/sharepoint/v3/contenttype/forms">
-  <Display>DocumentLibraryForm</Display>
-  <Edit>DocumentLibraryForm</Edit>
-  <New>DocumentLibraryForm</New>
-</FormTemplates>
+<p:properties xmlns:p="http://schemas.microsoft.com/office/2006/metadata/properties" xmlns:xsi="http://www.w3.org/2001/XMLSchema-instance" xmlns:pc="http://schemas.microsoft.com/office/infopath/2007/PartnerControls">
+  <documentManagement/>
+</p:properties>
 </file>
 
 <file path=customXml/item2.xml><?xml version="1.0" encoding="utf-8"?>
@@ -9337,15 +9443,25 @@
 </file>
 
 <file path=customXml/item3.xml><?xml version="1.0" encoding="utf-8"?>
-<p:properties xmlns:p="http://schemas.microsoft.com/office/2006/metadata/properties" xmlns:xsi="http://www.w3.org/2001/XMLSchema-instance" xmlns:pc="http://schemas.microsoft.com/office/infopath/2007/PartnerControls">
-  <documentManagement/>
-</p:properties>
+<?mso-contentType ?>
+<FormTemplates xmlns="http://schemas.microsoft.com/sharepoint/v3/contenttype/forms">
+  <Display>DocumentLibraryForm</Display>
+  <Edit>DocumentLibraryForm</Edit>
+  <New>DocumentLibraryForm</New>
+</FormTemplates>
 </file>
 
 <file path=customXml/itemProps1.xml><?xml version="1.0" encoding="utf-8"?>
-<ds:datastoreItem xmlns:ds="http://schemas.openxmlformats.org/officeDocument/2006/customXml" ds:itemID="{19E20559-B232-4371-8690-E3D8007EDB82}">
+<ds:datastoreItem xmlns:ds="http://schemas.openxmlformats.org/officeDocument/2006/customXml" ds:itemID="{A50EC660-24D0-43A0-AE5E-E274115E726B}">
   <ds:schemaRefs>
-    <ds:schemaRef ds:uri="http://schemas.microsoft.com/sharepoint/v3/contenttype/forms"/>
+    <ds:schemaRef ds:uri="http://purl.org/dc/elements/1.1/"/>
+    <ds:schemaRef ds:uri="http://schemas.microsoft.com/office/2006/metadata/properties"/>
+    <ds:schemaRef ds:uri="http://purl.org/dc/terms/"/>
+    <ds:schemaRef ds:uri="http://schemas.openxmlformats.org/package/2006/metadata/core-properties"/>
+    <ds:schemaRef ds:uri="http://schemas.microsoft.com/office/2006/documentManagement/types"/>
+    <ds:schemaRef ds:uri="http://www.w3.org/XML/1998/namespace"/>
+    <ds:schemaRef ds:uri="http://purl.org/dc/dcmitype/"/>
+    <ds:schemaRef ds:uri="http://schemas.microsoft.com/office/infopath/2007/PartnerControls"/>
   </ds:schemaRefs>
 </ds:datastoreItem>
 </file>
@@ -9366,16 +9482,9 @@
 </file>
 
 <file path=customXml/itemProps3.xml><?xml version="1.0" encoding="utf-8"?>
-<ds:datastoreItem xmlns:ds="http://schemas.openxmlformats.org/officeDocument/2006/customXml" ds:itemID="{A50EC660-24D0-43A0-AE5E-E274115E726B}">
+<ds:datastoreItem xmlns:ds="http://schemas.openxmlformats.org/officeDocument/2006/customXml" ds:itemID="{19E20559-B232-4371-8690-E3D8007EDB82}">
   <ds:schemaRefs>
-    <ds:schemaRef ds:uri="http://purl.org/dc/elements/1.1/"/>
-    <ds:schemaRef ds:uri="http://schemas.microsoft.com/office/2006/metadata/properties"/>
-    <ds:schemaRef ds:uri="http://purl.org/dc/terms/"/>
-    <ds:schemaRef ds:uri="http://schemas.openxmlformats.org/package/2006/metadata/core-properties"/>
-    <ds:schemaRef ds:uri="http://schemas.microsoft.com/office/2006/documentManagement/types"/>
-    <ds:schemaRef ds:uri="http://www.w3.org/XML/1998/namespace"/>
-    <ds:schemaRef ds:uri="http://purl.org/dc/dcmitype/"/>
-    <ds:schemaRef ds:uri="http://schemas.microsoft.com/office/infopath/2007/PartnerControls"/>
+    <ds:schemaRef ds:uri="http://schemas.microsoft.com/sharepoint/v3/contenttype/forms"/>
   </ds:schemaRefs>
 </ds:datastoreItem>
 </file>